--- a/BIARD_Sunny_4_presentation_052024.pptx
+++ b/BIARD_Sunny_4_presentation_052024.pptx
@@ -819,7 +819,7 @@
           <a:p>
             <a:fld id="{8D35E327-5DBD-497E-8B2E-BF42E547559A}" type="datetimeFigureOut">
               <a:rPr lang="fr-FR" smtClean="0"/>
-              <a:t>20/03/2024</a:t>
+              <a:t>06/05/2024</a:t>
             </a:fld>
             <a:endParaRPr lang="fr-FR"/>
           </a:p>
@@ -1980,7 +1980,7 @@
           <a:p>
             <a:fld id="{8D35E327-5DBD-497E-8B2E-BF42E547559A}" type="datetimeFigureOut">
               <a:rPr lang="fr-FR" smtClean="0"/>
-              <a:t>20/03/2024</a:t>
+              <a:t>06/05/2024</a:t>
             </a:fld>
             <a:endParaRPr lang="fr-FR"/>
           </a:p>
@@ -3034,7 +3034,7 @@
           <a:p>
             <a:fld id="{8D35E327-5DBD-497E-8B2E-BF42E547559A}" type="datetimeFigureOut">
               <a:rPr lang="fr-FR" smtClean="0"/>
-              <a:t>20/03/2024</a:t>
+              <a:t>06/05/2024</a:t>
             </a:fld>
             <a:endParaRPr lang="fr-FR"/>
           </a:p>
@@ -4247,7 +4247,7 @@
           <a:p>
             <a:fld id="{8D35E327-5DBD-497E-8B2E-BF42E547559A}" type="datetimeFigureOut">
               <a:rPr lang="fr-FR" smtClean="0"/>
-              <a:t>20/03/2024</a:t>
+              <a:t>06/05/2024</a:t>
             </a:fld>
             <a:endParaRPr lang="fr-FR"/>
           </a:p>
@@ -5351,7 +5351,7 @@
           <a:p>
             <a:fld id="{8D35E327-5DBD-497E-8B2E-BF42E547559A}" type="datetimeFigureOut">
               <a:rPr lang="fr-FR" smtClean="0"/>
-              <a:t>20/03/2024</a:t>
+              <a:t>06/05/2024</a:t>
             </a:fld>
             <a:endParaRPr lang="fr-FR"/>
           </a:p>
@@ -6003,7 +6003,7 @@
           <a:p>
             <a:fld id="{8D35E327-5DBD-497E-8B2E-BF42E547559A}" type="datetimeFigureOut">
               <a:rPr lang="fr-FR" smtClean="0"/>
-              <a:t>20/03/2024</a:t>
+              <a:t>06/05/2024</a:t>
             </a:fld>
             <a:endParaRPr lang="fr-FR"/>
           </a:p>
@@ -6850,7 +6850,7 @@
           <a:p>
             <a:fld id="{8D35E327-5DBD-497E-8B2E-BF42E547559A}" type="datetimeFigureOut">
               <a:rPr lang="fr-FR" smtClean="0"/>
-              <a:t>20/03/2024</a:t>
+              <a:t>06/05/2024</a:t>
             </a:fld>
             <a:endParaRPr lang="fr-FR"/>
           </a:p>
@@ -7035,7 +7035,7 @@
           <a:p>
             <a:fld id="{8D35E327-5DBD-497E-8B2E-BF42E547559A}" type="datetimeFigureOut">
               <a:rPr lang="fr-FR" smtClean="0"/>
-              <a:t>20/03/2024</a:t>
+              <a:t>06/05/2024</a:t>
             </a:fld>
             <a:endParaRPr lang="fr-FR"/>
           </a:p>
@@ -8076,7 +8076,7 @@
           <a:p>
             <a:fld id="{8D35E327-5DBD-497E-8B2E-BF42E547559A}" type="datetimeFigureOut">
               <a:rPr lang="fr-FR" smtClean="0"/>
-              <a:t>20/03/2024</a:t>
+              <a:t>06/05/2024</a:t>
             </a:fld>
             <a:endParaRPr lang="fr-FR"/>
           </a:p>
@@ -8292,7 +8292,7 @@
           <a:p>
             <a:fld id="{8D35E327-5DBD-497E-8B2E-BF42E547559A}" type="datetimeFigureOut">
               <a:rPr lang="fr-FR" smtClean="0"/>
-              <a:t>20/03/2024</a:t>
+              <a:t>06/05/2024</a:t>
             </a:fld>
             <a:endParaRPr lang="fr-FR"/>
           </a:p>
@@ -9397,7 +9397,7 @@
           <a:p>
             <a:fld id="{8D35E327-5DBD-497E-8B2E-BF42E547559A}" type="datetimeFigureOut">
               <a:rPr lang="fr-FR" smtClean="0"/>
-              <a:t>20/03/2024</a:t>
+              <a:t>06/05/2024</a:t>
             </a:fld>
             <a:endParaRPr lang="fr-FR"/>
           </a:p>
@@ -9669,7 +9669,7 @@
           <a:p>
             <a:fld id="{8D35E327-5DBD-497E-8B2E-BF42E547559A}" type="datetimeFigureOut">
               <a:rPr lang="fr-FR" smtClean="0"/>
-              <a:t>20/03/2024</a:t>
+              <a:t>06/05/2024</a:t>
             </a:fld>
             <a:endParaRPr lang="fr-FR"/>
           </a:p>
@@ -10051,7 +10051,7 @@
           <a:p>
             <a:fld id="{8D35E327-5DBD-497E-8B2E-BF42E547559A}" type="datetimeFigureOut">
               <a:rPr lang="fr-FR" smtClean="0"/>
-              <a:t>20/03/2024</a:t>
+              <a:t>06/05/2024</a:t>
             </a:fld>
             <a:endParaRPr lang="fr-FR"/>
           </a:p>
@@ -10169,7 +10169,7 @@
           <a:p>
             <a:fld id="{8D35E327-5DBD-497E-8B2E-BF42E547559A}" type="datetimeFigureOut">
               <a:rPr lang="fr-FR" smtClean="0"/>
-              <a:t>20/03/2024</a:t>
+              <a:t>06/05/2024</a:t>
             </a:fld>
             <a:endParaRPr lang="fr-FR"/>
           </a:p>
@@ -10264,7 +10264,7 @@
           <a:p>
             <a:fld id="{8D35E327-5DBD-497E-8B2E-BF42E547559A}" type="datetimeFigureOut">
               <a:rPr lang="fr-FR" smtClean="0"/>
-              <a:t>20/03/2024</a:t>
+              <a:t>06/05/2024</a:t>
             </a:fld>
             <a:endParaRPr lang="fr-FR"/>
           </a:p>
@@ -11416,7 +11416,7 @@
           <a:p>
             <a:fld id="{8D35E327-5DBD-497E-8B2E-BF42E547559A}" type="datetimeFigureOut">
               <a:rPr lang="fr-FR" smtClean="0"/>
-              <a:t>20/03/2024</a:t>
+              <a:t>06/05/2024</a:t>
             </a:fld>
             <a:endParaRPr lang="fr-FR"/>
           </a:p>
@@ -12592,7 +12592,7 @@
           <a:p>
             <a:fld id="{8D35E327-5DBD-497E-8B2E-BF42E547559A}" type="datetimeFigureOut">
               <a:rPr lang="fr-FR" smtClean="0"/>
-              <a:t>20/03/2024</a:t>
+              <a:t>06/05/2024</a:t>
             </a:fld>
             <a:endParaRPr lang="fr-FR"/>
           </a:p>
@@ -13698,7 +13698,7 @@
           <a:p>
             <a:fld id="{8D35E327-5DBD-497E-8B2E-BF42E547559A}" type="datetimeFigureOut">
               <a:rPr lang="fr-FR" smtClean="0"/>
-              <a:t>20/03/2024</a:t>
+              <a:t>06/05/2024</a:t>
             </a:fld>
             <a:endParaRPr lang="fr-FR"/>
           </a:p>
@@ -14250,12 +14250,20 @@
           <a:p>
             <a:pPr algn="ctr"/>
             <a:r>
+              <a:rPr lang="fr-FR" b="1">
+                <a:solidFill>
+                  <a:schemeClr val="bg1"/>
+                </a:solidFill>
+              </a:rPr>
+              <a:t>Menu </a:t>
+            </a:r>
+            <a:r>
               <a:rPr lang="fr-FR" b="1" dirty="0">
                 <a:solidFill>
                   <a:schemeClr val="bg1"/>
                 </a:solidFill>
               </a:rPr>
-              <a:t>Menu Maker by Qwenta</a:t>
+              <a:t>Maker by Qwenta</a:t>
             </a:r>
             <a:br>
               <a:rPr lang="fr-FR" dirty="0">

--- a/BIARD_Sunny_4_presentation_052024.pptx
+++ b/BIARD_Sunny_4_presentation_052024.pptx
@@ -5,29 +5,36 @@
     <p:sldMasterId id="2147483659" r:id="rId1"/>
   </p:sldMasterIdLst>
   <p:notesMasterIdLst>
-    <p:notesMasterId r:id="rId12"/>
+    <p:notesMasterId r:id="rId19"/>
   </p:notesMasterIdLst>
   <p:sldIdLst>
     <p:sldId id="256" r:id="rId2"/>
     <p:sldId id="257" r:id="rId3"/>
     <p:sldId id="258" r:id="rId4"/>
     <p:sldId id="259" r:id="rId5"/>
-    <p:sldId id="260" r:id="rId6"/>
-    <p:sldId id="261" r:id="rId7"/>
-    <p:sldId id="262" r:id="rId8"/>
-    <p:sldId id="263" r:id="rId9"/>
-    <p:sldId id="264" r:id="rId10"/>
-    <p:sldId id="265" r:id="rId11"/>
+    <p:sldId id="266" r:id="rId6"/>
+    <p:sldId id="267" r:id="rId7"/>
+    <p:sldId id="268" r:id="rId8"/>
+    <p:sldId id="269" r:id="rId9"/>
+    <p:sldId id="260" r:id="rId10"/>
+    <p:sldId id="261" r:id="rId11"/>
+    <p:sldId id="270" r:id="rId12"/>
+    <p:sldId id="271" r:id="rId13"/>
+    <p:sldId id="262" r:id="rId14"/>
+    <p:sldId id="272" r:id="rId15"/>
+    <p:sldId id="263" r:id="rId16"/>
+    <p:sldId id="264" r:id="rId17"/>
+    <p:sldId id="265" r:id="rId18"/>
   </p:sldIdLst>
   <p:sldSz cx="9144000" cy="5143500" type="screen16x9"/>
   <p:notesSz cx="6858000" cy="9144000"/>
   <p:embeddedFontLst>
     <p:embeddedFont>
       <p:font typeface="Montserrat" panose="00000500000000000000" pitchFamily="2" charset="0"/>
-      <p:regular r:id="rId13"/>
-      <p:bold r:id="rId14"/>
-      <p:italic r:id="rId15"/>
-      <p:boldItalic r:id="rId16"/>
+      <p:regular r:id="rId20"/>
+      <p:bold r:id="rId21"/>
+      <p:italic r:id="rId22"/>
+      <p:boldItalic r:id="rId23"/>
     </p:embeddedFont>
   </p:embeddedFontLst>
   <p:defaultTextStyle>
@@ -828,6 +835,749 @@
   <p:cSld>
     <p:spTree>
       <p:nvGrpSpPr>
+        <p:cNvPr id="1" name="Shape 88"/>
+        <p:cNvGrpSpPr/>
+        <p:nvPr/>
+      </p:nvGrpSpPr>
+      <p:grpSpPr>
+        <a:xfrm>
+          <a:off x="0" y="0"/>
+          <a:ext cx="0" cy="0"/>
+          <a:chOff x="0" y="0"/>
+          <a:chExt cx="0" cy="0"/>
+        </a:xfrm>
+      </p:grpSpPr>
+      <p:sp>
+        <p:nvSpPr>
+          <p:cNvPr id="89" name="Google Shape;89;g21cd7bb48ef_0_0:notes"/>
+          <p:cNvSpPr>
+            <a:spLocks noGrp="1" noRot="1" noChangeAspect="1"/>
+          </p:cNvSpPr>
+          <p:nvPr>
+            <p:ph type="sldImg" idx="2"/>
+          </p:nvPr>
+        </p:nvSpPr>
+        <p:spPr>
+          <a:xfrm>
+            <a:off x="381000" y="685800"/>
+            <a:ext cx="6096000" cy="3429000"/>
+          </a:xfrm>
+          <a:custGeom>
+            <a:avLst/>
+            <a:gdLst/>
+            <a:ahLst/>
+            <a:cxnLst/>
+            <a:rect l="l" t="t" r="r" b="b"/>
+            <a:pathLst>
+              <a:path w="120000" h="120000" extrusionOk="0">
+                <a:moveTo>
+                  <a:pt x="0" y="0"/>
+                </a:moveTo>
+                <a:lnTo>
+                  <a:pt x="120000" y="0"/>
+                </a:lnTo>
+                <a:lnTo>
+                  <a:pt x="120000" y="120000"/>
+                </a:lnTo>
+                <a:lnTo>
+                  <a:pt x="0" y="120000"/>
+                </a:lnTo>
+                <a:close/>
+              </a:path>
+            </a:pathLst>
+          </a:custGeom>
+        </p:spPr>
+      </p:sp>
+      <p:sp>
+        <p:nvSpPr>
+          <p:cNvPr id="90" name="Google Shape;90;g21cd7bb48ef_0_0:notes"/>
+          <p:cNvSpPr txBox="1">
+            <a:spLocks noGrp="1"/>
+          </p:cNvSpPr>
+          <p:nvPr>
+            <p:ph type="body" idx="1"/>
+          </p:nvPr>
+        </p:nvSpPr>
+        <p:spPr>
+          <a:xfrm>
+            <a:off x="685800" y="4343400"/>
+            <a:ext cx="5486400" cy="4114800"/>
+          </a:xfrm>
+          <a:prstGeom prst="rect">
+            <a:avLst/>
+          </a:prstGeom>
+        </p:spPr>
+        <p:txBody>
+          <a:bodyPr spcFirstLastPara="1" wrap="square" lIns="91425" tIns="91425" rIns="91425" bIns="91425" anchor="t" anchorCtr="0">
+            <a:noAutofit/>
+          </a:bodyPr>
+          <a:lstStyle/>
+          <a:p>
+            <a:pPr marL="0" lvl="0" indent="0" algn="l" rtl="0">
+              <a:spcBef>
+                <a:spcPts val="0"/>
+              </a:spcBef>
+              <a:spcAft>
+                <a:spcPts val="0"/>
+              </a:spcAft>
+              <a:buNone/>
+            </a:pPr>
+            <a:endParaRPr/>
+          </a:p>
+        </p:txBody>
+      </p:sp>
+    </p:spTree>
+  </p:cSld>
+  <p:clrMapOvr>
+    <a:masterClrMapping/>
+  </p:clrMapOvr>
+</p:notes>
+</file>
+
+<file path=ppt/notesSlides/notesSlide11.xml><?xml version="1.0" encoding="utf-8"?>
+<p:notes xmlns:a="http://schemas.openxmlformats.org/drawingml/2006/main" xmlns:r="http://schemas.openxmlformats.org/officeDocument/2006/relationships" xmlns:p="http://schemas.openxmlformats.org/presentationml/2006/main" showMasterSp="0" showMasterPhAnim="0">
+  <p:cSld>
+    <p:spTree>
+      <p:nvGrpSpPr>
+        <p:cNvPr id="1" name="Shape 88"/>
+        <p:cNvGrpSpPr/>
+        <p:nvPr/>
+      </p:nvGrpSpPr>
+      <p:grpSpPr>
+        <a:xfrm>
+          <a:off x="0" y="0"/>
+          <a:ext cx="0" cy="0"/>
+          <a:chOff x="0" y="0"/>
+          <a:chExt cx="0" cy="0"/>
+        </a:xfrm>
+      </p:grpSpPr>
+      <p:sp>
+        <p:nvSpPr>
+          <p:cNvPr id="89" name="Google Shape;89;g21cd7bb48ef_0_0:notes"/>
+          <p:cNvSpPr>
+            <a:spLocks noGrp="1" noRot="1" noChangeAspect="1"/>
+          </p:cNvSpPr>
+          <p:nvPr>
+            <p:ph type="sldImg" idx="2"/>
+          </p:nvPr>
+        </p:nvSpPr>
+        <p:spPr>
+          <a:xfrm>
+            <a:off x="381000" y="685800"/>
+            <a:ext cx="6096000" cy="3429000"/>
+          </a:xfrm>
+          <a:custGeom>
+            <a:avLst/>
+            <a:gdLst/>
+            <a:ahLst/>
+            <a:cxnLst/>
+            <a:rect l="l" t="t" r="r" b="b"/>
+            <a:pathLst>
+              <a:path w="120000" h="120000" extrusionOk="0">
+                <a:moveTo>
+                  <a:pt x="0" y="0"/>
+                </a:moveTo>
+                <a:lnTo>
+                  <a:pt x="120000" y="0"/>
+                </a:lnTo>
+                <a:lnTo>
+                  <a:pt x="120000" y="120000"/>
+                </a:lnTo>
+                <a:lnTo>
+                  <a:pt x="0" y="120000"/>
+                </a:lnTo>
+                <a:close/>
+              </a:path>
+            </a:pathLst>
+          </a:custGeom>
+        </p:spPr>
+      </p:sp>
+      <p:sp>
+        <p:nvSpPr>
+          <p:cNvPr id="90" name="Google Shape;90;g21cd7bb48ef_0_0:notes"/>
+          <p:cNvSpPr txBox="1">
+            <a:spLocks noGrp="1"/>
+          </p:cNvSpPr>
+          <p:nvPr>
+            <p:ph type="body" idx="1"/>
+          </p:nvPr>
+        </p:nvSpPr>
+        <p:spPr>
+          <a:xfrm>
+            <a:off x="685800" y="4343400"/>
+            <a:ext cx="5486400" cy="4114800"/>
+          </a:xfrm>
+          <a:prstGeom prst="rect">
+            <a:avLst/>
+          </a:prstGeom>
+        </p:spPr>
+        <p:txBody>
+          <a:bodyPr spcFirstLastPara="1" wrap="square" lIns="91425" tIns="91425" rIns="91425" bIns="91425" anchor="t" anchorCtr="0">
+            <a:noAutofit/>
+          </a:bodyPr>
+          <a:lstStyle/>
+          <a:p>
+            <a:pPr marL="0" lvl="0" indent="0" algn="l" rtl="0">
+              <a:spcBef>
+                <a:spcPts val="0"/>
+              </a:spcBef>
+              <a:spcAft>
+                <a:spcPts val="0"/>
+              </a:spcAft>
+              <a:buNone/>
+            </a:pPr>
+            <a:endParaRPr/>
+          </a:p>
+        </p:txBody>
+      </p:sp>
+    </p:spTree>
+    <p:extLst>
+      <p:ext uri="{BB962C8B-B14F-4D97-AF65-F5344CB8AC3E}">
+        <p14:creationId xmlns:p14="http://schemas.microsoft.com/office/powerpoint/2010/main" val="1831274869"/>
+      </p:ext>
+    </p:extLst>
+  </p:cSld>
+  <p:clrMapOvr>
+    <a:masterClrMapping/>
+  </p:clrMapOvr>
+</p:notes>
+</file>
+
+<file path=ppt/notesSlides/notesSlide12.xml><?xml version="1.0" encoding="utf-8"?>
+<p:notes xmlns:a="http://schemas.openxmlformats.org/drawingml/2006/main" xmlns:r="http://schemas.openxmlformats.org/officeDocument/2006/relationships" xmlns:p="http://schemas.openxmlformats.org/presentationml/2006/main" showMasterSp="0" showMasterPhAnim="0">
+  <p:cSld>
+    <p:spTree>
+      <p:nvGrpSpPr>
+        <p:cNvPr id="1" name="Shape 88"/>
+        <p:cNvGrpSpPr/>
+        <p:nvPr/>
+      </p:nvGrpSpPr>
+      <p:grpSpPr>
+        <a:xfrm>
+          <a:off x="0" y="0"/>
+          <a:ext cx="0" cy="0"/>
+          <a:chOff x="0" y="0"/>
+          <a:chExt cx="0" cy="0"/>
+        </a:xfrm>
+      </p:grpSpPr>
+      <p:sp>
+        <p:nvSpPr>
+          <p:cNvPr id="89" name="Google Shape;89;g21cd7bb48ef_0_0:notes"/>
+          <p:cNvSpPr>
+            <a:spLocks noGrp="1" noRot="1" noChangeAspect="1"/>
+          </p:cNvSpPr>
+          <p:nvPr>
+            <p:ph type="sldImg" idx="2"/>
+          </p:nvPr>
+        </p:nvSpPr>
+        <p:spPr>
+          <a:xfrm>
+            <a:off x="381000" y="685800"/>
+            <a:ext cx="6096000" cy="3429000"/>
+          </a:xfrm>
+          <a:custGeom>
+            <a:avLst/>
+            <a:gdLst/>
+            <a:ahLst/>
+            <a:cxnLst/>
+            <a:rect l="l" t="t" r="r" b="b"/>
+            <a:pathLst>
+              <a:path w="120000" h="120000" extrusionOk="0">
+                <a:moveTo>
+                  <a:pt x="0" y="0"/>
+                </a:moveTo>
+                <a:lnTo>
+                  <a:pt x="120000" y="0"/>
+                </a:lnTo>
+                <a:lnTo>
+                  <a:pt x="120000" y="120000"/>
+                </a:lnTo>
+                <a:lnTo>
+                  <a:pt x="0" y="120000"/>
+                </a:lnTo>
+                <a:close/>
+              </a:path>
+            </a:pathLst>
+          </a:custGeom>
+        </p:spPr>
+      </p:sp>
+      <p:sp>
+        <p:nvSpPr>
+          <p:cNvPr id="90" name="Google Shape;90;g21cd7bb48ef_0_0:notes"/>
+          <p:cNvSpPr txBox="1">
+            <a:spLocks noGrp="1"/>
+          </p:cNvSpPr>
+          <p:nvPr>
+            <p:ph type="body" idx="1"/>
+          </p:nvPr>
+        </p:nvSpPr>
+        <p:spPr>
+          <a:xfrm>
+            <a:off x="685800" y="4343400"/>
+            <a:ext cx="5486400" cy="4114800"/>
+          </a:xfrm>
+          <a:prstGeom prst="rect">
+            <a:avLst/>
+          </a:prstGeom>
+        </p:spPr>
+        <p:txBody>
+          <a:bodyPr spcFirstLastPara="1" wrap="square" lIns="91425" tIns="91425" rIns="91425" bIns="91425" anchor="t" anchorCtr="0">
+            <a:noAutofit/>
+          </a:bodyPr>
+          <a:lstStyle/>
+          <a:p>
+            <a:pPr marL="0" lvl="0" indent="0" algn="l" rtl="0">
+              <a:spcBef>
+                <a:spcPts val="0"/>
+              </a:spcBef>
+              <a:spcAft>
+                <a:spcPts val="0"/>
+              </a:spcAft>
+              <a:buNone/>
+            </a:pPr>
+            <a:endParaRPr/>
+          </a:p>
+        </p:txBody>
+      </p:sp>
+    </p:spTree>
+    <p:extLst>
+      <p:ext uri="{BB962C8B-B14F-4D97-AF65-F5344CB8AC3E}">
+        <p14:creationId xmlns:p14="http://schemas.microsoft.com/office/powerpoint/2010/main" val="565479048"/>
+      </p:ext>
+    </p:extLst>
+  </p:cSld>
+  <p:clrMapOvr>
+    <a:masterClrMapping/>
+  </p:clrMapOvr>
+</p:notes>
+</file>
+
+<file path=ppt/notesSlides/notesSlide13.xml><?xml version="1.0" encoding="utf-8"?>
+<p:notes xmlns:a="http://schemas.openxmlformats.org/drawingml/2006/main" xmlns:r="http://schemas.openxmlformats.org/officeDocument/2006/relationships" xmlns:p="http://schemas.openxmlformats.org/presentationml/2006/main" showMasterSp="0" showMasterPhAnim="0">
+  <p:cSld>
+    <p:spTree>
+      <p:nvGrpSpPr>
+        <p:cNvPr id="1" name="Shape 97"/>
+        <p:cNvGrpSpPr/>
+        <p:nvPr/>
+      </p:nvGrpSpPr>
+      <p:grpSpPr>
+        <a:xfrm>
+          <a:off x="0" y="0"/>
+          <a:ext cx="0" cy="0"/>
+          <a:chOff x="0" y="0"/>
+          <a:chExt cx="0" cy="0"/>
+        </a:xfrm>
+      </p:grpSpPr>
+      <p:sp>
+        <p:nvSpPr>
+          <p:cNvPr id="98" name="Google Shape;98;g20c4033f8d1_0_34:notes"/>
+          <p:cNvSpPr>
+            <a:spLocks noGrp="1" noRot="1" noChangeAspect="1"/>
+          </p:cNvSpPr>
+          <p:nvPr>
+            <p:ph type="sldImg" idx="2"/>
+          </p:nvPr>
+        </p:nvSpPr>
+        <p:spPr>
+          <a:xfrm>
+            <a:off x="381000" y="685800"/>
+            <a:ext cx="6096000" cy="3429000"/>
+          </a:xfrm>
+          <a:custGeom>
+            <a:avLst/>
+            <a:gdLst/>
+            <a:ahLst/>
+            <a:cxnLst/>
+            <a:rect l="l" t="t" r="r" b="b"/>
+            <a:pathLst>
+              <a:path w="120000" h="120000" extrusionOk="0">
+                <a:moveTo>
+                  <a:pt x="0" y="0"/>
+                </a:moveTo>
+                <a:lnTo>
+                  <a:pt x="120000" y="0"/>
+                </a:lnTo>
+                <a:lnTo>
+                  <a:pt x="120000" y="120000"/>
+                </a:lnTo>
+                <a:lnTo>
+                  <a:pt x="0" y="120000"/>
+                </a:lnTo>
+                <a:close/>
+              </a:path>
+            </a:pathLst>
+          </a:custGeom>
+        </p:spPr>
+      </p:sp>
+      <p:sp>
+        <p:nvSpPr>
+          <p:cNvPr id="99" name="Google Shape;99;g20c4033f8d1_0_34:notes"/>
+          <p:cNvSpPr txBox="1">
+            <a:spLocks noGrp="1"/>
+          </p:cNvSpPr>
+          <p:nvPr>
+            <p:ph type="body" idx="1"/>
+          </p:nvPr>
+        </p:nvSpPr>
+        <p:spPr>
+          <a:xfrm>
+            <a:off x="685800" y="4343400"/>
+            <a:ext cx="5486400" cy="4114800"/>
+          </a:xfrm>
+          <a:prstGeom prst="rect">
+            <a:avLst/>
+          </a:prstGeom>
+        </p:spPr>
+        <p:txBody>
+          <a:bodyPr spcFirstLastPara="1" wrap="square" lIns="91425" tIns="91425" rIns="91425" bIns="91425" anchor="t" anchorCtr="0">
+            <a:noAutofit/>
+          </a:bodyPr>
+          <a:lstStyle/>
+          <a:p>
+            <a:pPr marL="0" lvl="0" indent="0" algn="l" rtl="0">
+              <a:spcBef>
+                <a:spcPts val="0"/>
+              </a:spcBef>
+              <a:spcAft>
+                <a:spcPts val="0"/>
+              </a:spcAft>
+              <a:buNone/>
+            </a:pPr>
+            <a:endParaRPr/>
+          </a:p>
+        </p:txBody>
+      </p:sp>
+    </p:spTree>
+  </p:cSld>
+  <p:clrMapOvr>
+    <a:masterClrMapping/>
+  </p:clrMapOvr>
+</p:notes>
+</file>
+
+<file path=ppt/notesSlides/notesSlide14.xml><?xml version="1.0" encoding="utf-8"?>
+<p:notes xmlns:a="http://schemas.openxmlformats.org/drawingml/2006/main" xmlns:r="http://schemas.openxmlformats.org/officeDocument/2006/relationships" xmlns:p="http://schemas.openxmlformats.org/presentationml/2006/main" showMasterSp="0" showMasterPhAnim="0">
+  <p:cSld>
+    <p:spTree>
+      <p:nvGrpSpPr>
+        <p:cNvPr id="1" name="Shape 97"/>
+        <p:cNvGrpSpPr/>
+        <p:nvPr/>
+      </p:nvGrpSpPr>
+      <p:grpSpPr>
+        <a:xfrm>
+          <a:off x="0" y="0"/>
+          <a:ext cx="0" cy="0"/>
+          <a:chOff x="0" y="0"/>
+          <a:chExt cx="0" cy="0"/>
+        </a:xfrm>
+      </p:grpSpPr>
+      <p:sp>
+        <p:nvSpPr>
+          <p:cNvPr id="98" name="Google Shape;98;g20c4033f8d1_0_34:notes"/>
+          <p:cNvSpPr>
+            <a:spLocks noGrp="1" noRot="1" noChangeAspect="1"/>
+          </p:cNvSpPr>
+          <p:nvPr>
+            <p:ph type="sldImg" idx="2"/>
+          </p:nvPr>
+        </p:nvSpPr>
+        <p:spPr>
+          <a:xfrm>
+            <a:off x="381000" y="685800"/>
+            <a:ext cx="6096000" cy="3429000"/>
+          </a:xfrm>
+          <a:custGeom>
+            <a:avLst/>
+            <a:gdLst/>
+            <a:ahLst/>
+            <a:cxnLst/>
+            <a:rect l="l" t="t" r="r" b="b"/>
+            <a:pathLst>
+              <a:path w="120000" h="120000" extrusionOk="0">
+                <a:moveTo>
+                  <a:pt x="0" y="0"/>
+                </a:moveTo>
+                <a:lnTo>
+                  <a:pt x="120000" y="0"/>
+                </a:lnTo>
+                <a:lnTo>
+                  <a:pt x="120000" y="120000"/>
+                </a:lnTo>
+                <a:lnTo>
+                  <a:pt x="0" y="120000"/>
+                </a:lnTo>
+                <a:close/>
+              </a:path>
+            </a:pathLst>
+          </a:custGeom>
+        </p:spPr>
+      </p:sp>
+      <p:sp>
+        <p:nvSpPr>
+          <p:cNvPr id="99" name="Google Shape;99;g20c4033f8d1_0_34:notes"/>
+          <p:cNvSpPr txBox="1">
+            <a:spLocks noGrp="1"/>
+          </p:cNvSpPr>
+          <p:nvPr>
+            <p:ph type="body" idx="1"/>
+          </p:nvPr>
+        </p:nvSpPr>
+        <p:spPr>
+          <a:xfrm>
+            <a:off x="685800" y="4343400"/>
+            <a:ext cx="5486400" cy="4114800"/>
+          </a:xfrm>
+          <a:prstGeom prst="rect">
+            <a:avLst/>
+          </a:prstGeom>
+        </p:spPr>
+        <p:txBody>
+          <a:bodyPr spcFirstLastPara="1" wrap="square" lIns="91425" tIns="91425" rIns="91425" bIns="91425" anchor="t" anchorCtr="0">
+            <a:noAutofit/>
+          </a:bodyPr>
+          <a:lstStyle/>
+          <a:p>
+            <a:pPr marL="0" lvl="0" indent="0" algn="l" rtl="0">
+              <a:spcBef>
+                <a:spcPts val="0"/>
+              </a:spcBef>
+              <a:spcAft>
+                <a:spcPts val="0"/>
+              </a:spcAft>
+              <a:buNone/>
+            </a:pPr>
+            <a:endParaRPr/>
+          </a:p>
+        </p:txBody>
+      </p:sp>
+    </p:spTree>
+    <p:extLst>
+      <p:ext uri="{BB962C8B-B14F-4D97-AF65-F5344CB8AC3E}">
+        <p14:creationId xmlns:p14="http://schemas.microsoft.com/office/powerpoint/2010/main" val="174727160"/>
+      </p:ext>
+    </p:extLst>
+  </p:cSld>
+  <p:clrMapOvr>
+    <a:masterClrMapping/>
+  </p:clrMapOvr>
+</p:notes>
+</file>
+
+<file path=ppt/notesSlides/notesSlide15.xml><?xml version="1.0" encoding="utf-8"?>
+<p:notes xmlns:a="http://schemas.openxmlformats.org/drawingml/2006/main" xmlns:r="http://schemas.openxmlformats.org/officeDocument/2006/relationships" xmlns:p="http://schemas.openxmlformats.org/presentationml/2006/main" showMasterSp="0" showMasterPhAnim="0">
+  <p:cSld>
+    <p:spTree>
+      <p:nvGrpSpPr>
+        <p:cNvPr id="1" name="Shape 107"/>
+        <p:cNvGrpSpPr/>
+        <p:nvPr/>
+      </p:nvGrpSpPr>
+      <p:grpSpPr>
+        <a:xfrm>
+          <a:off x="0" y="0"/>
+          <a:ext cx="0" cy="0"/>
+          <a:chOff x="0" y="0"/>
+          <a:chExt cx="0" cy="0"/>
+        </a:xfrm>
+      </p:grpSpPr>
+      <p:sp>
+        <p:nvSpPr>
+          <p:cNvPr id="108" name="Google Shape;108;g218b606cc07_1_8:notes"/>
+          <p:cNvSpPr>
+            <a:spLocks noGrp="1" noRot="1" noChangeAspect="1"/>
+          </p:cNvSpPr>
+          <p:nvPr>
+            <p:ph type="sldImg" idx="2"/>
+          </p:nvPr>
+        </p:nvSpPr>
+        <p:spPr>
+          <a:xfrm>
+            <a:off x="381000" y="685800"/>
+            <a:ext cx="6096000" cy="3429000"/>
+          </a:xfrm>
+          <a:custGeom>
+            <a:avLst/>
+            <a:gdLst/>
+            <a:ahLst/>
+            <a:cxnLst/>
+            <a:rect l="l" t="t" r="r" b="b"/>
+            <a:pathLst>
+              <a:path w="120000" h="120000" extrusionOk="0">
+                <a:moveTo>
+                  <a:pt x="0" y="0"/>
+                </a:moveTo>
+                <a:lnTo>
+                  <a:pt x="120000" y="0"/>
+                </a:lnTo>
+                <a:lnTo>
+                  <a:pt x="120000" y="120000"/>
+                </a:lnTo>
+                <a:lnTo>
+                  <a:pt x="0" y="120000"/>
+                </a:lnTo>
+                <a:close/>
+              </a:path>
+            </a:pathLst>
+          </a:custGeom>
+        </p:spPr>
+      </p:sp>
+      <p:sp>
+        <p:nvSpPr>
+          <p:cNvPr id="109" name="Google Shape;109;g218b606cc07_1_8:notes"/>
+          <p:cNvSpPr txBox="1">
+            <a:spLocks noGrp="1"/>
+          </p:cNvSpPr>
+          <p:nvPr>
+            <p:ph type="body" idx="1"/>
+          </p:nvPr>
+        </p:nvSpPr>
+        <p:spPr>
+          <a:xfrm>
+            <a:off x="685800" y="4343400"/>
+            <a:ext cx="5486400" cy="4114800"/>
+          </a:xfrm>
+          <a:prstGeom prst="rect">
+            <a:avLst/>
+          </a:prstGeom>
+        </p:spPr>
+        <p:txBody>
+          <a:bodyPr spcFirstLastPara="1" wrap="square" lIns="91425" tIns="91425" rIns="91425" bIns="91425" anchor="t" anchorCtr="0">
+            <a:noAutofit/>
+          </a:bodyPr>
+          <a:lstStyle/>
+          <a:p>
+            <a:pPr marL="0" lvl="0" indent="0" algn="l" rtl="0">
+              <a:spcBef>
+                <a:spcPts val="0"/>
+              </a:spcBef>
+              <a:spcAft>
+                <a:spcPts val="0"/>
+              </a:spcAft>
+              <a:buNone/>
+            </a:pPr>
+            <a:endParaRPr/>
+          </a:p>
+        </p:txBody>
+      </p:sp>
+    </p:spTree>
+  </p:cSld>
+  <p:clrMapOvr>
+    <a:masterClrMapping/>
+  </p:clrMapOvr>
+</p:notes>
+</file>
+
+<file path=ppt/notesSlides/notesSlide16.xml><?xml version="1.0" encoding="utf-8"?>
+<p:notes xmlns:a="http://schemas.openxmlformats.org/drawingml/2006/main" xmlns:r="http://schemas.openxmlformats.org/officeDocument/2006/relationships" xmlns:p="http://schemas.openxmlformats.org/presentationml/2006/main" showMasterSp="0" showMasterPhAnim="0">
+  <p:cSld>
+    <p:spTree>
+      <p:nvGrpSpPr>
+        <p:cNvPr id="1" name="Shape 117"/>
+        <p:cNvGrpSpPr/>
+        <p:nvPr/>
+      </p:nvGrpSpPr>
+      <p:grpSpPr>
+        <a:xfrm>
+          <a:off x="0" y="0"/>
+          <a:ext cx="0" cy="0"/>
+          <a:chOff x="0" y="0"/>
+          <a:chExt cx="0" cy="0"/>
+        </a:xfrm>
+      </p:grpSpPr>
+      <p:sp>
+        <p:nvSpPr>
+          <p:cNvPr id="118" name="Google Shape;118;g2c2bf8da8be_0_12:notes"/>
+          <p:cNvSpPr>
+            <a:spLocks noGrp="1" noRot="1" noChangeAspect="1"/>
+          </p:cNvSpPr>
+          <p:nvPr>
+            <p:ph type="sldImg" idx="2"/>
+          </p:nvPr>
+        </p:nvSpPr>
+        <p:spPr>
+          <a:xfrm>
+            <a:off x="381000" y="685800"/>
+            <a:ext cx="6096000" cy="3429000"/>
+          </a:xfrm>
+          <a:custGeom>
+            <a:avLst/>
+            <a:gdLst/>
+            <a:ahLst/>
+            <a:cxnLst/>
+            <a:rect l="l" t="t" r="r" b="b"/>
+            <a:pathLst>
+              <a:path w="120000" h="120000" extrusionOk="0">
+                <a:moveTo>
+                  <a:pt x="0" y="0"/>
+                </a:moveTo>
+                <a:lnTo>
+                  <a:pt x="120000" y="0"/>
+                </a:lnTo>
+                <a:lnTo>
+                  <a:pt x="120000" y="120000"/>
+                </a:lnTo>
+                <a:lnTo>
+                  <a:pt x="0" y="120000"/>
+                </a:lnTo>
+                <a:close/>
+              </a:path>
+            </a:pathLst>
+          </a:custGeom>
+        </p:spPr>
+      </p:sp>
+      <p:sp>
+        <p:nvSpPr>
+          <p:cNvPr id="119" name="Google Shape;119;g2c2bf8da8be_0_12:notes"/>
+          <p:cNvSpPr txBox="1">
+            <a:spLocks noGrp="1"/>
+          </p:cNvSpPr>
+          <p:nvPr>
+            <p:ph type="body" idx="1"/>
+          </p:nvPr>
+        </p:nvSpPr>
+        <p:spPr>
+          <a:xfrm>
+            <a:off x="685800" y="4343400"/>
+            <a:ext cx="5486400" cy="4114800"/>
+          </a:xfrm>
+          <a:prstGeom prst="rect">
+            <a:avLst/>
+          </a:prstGeom>
+        </p:spPr>
+        <p:txBody>
+          <a:bodyPr spcFirstLastPara="1" wrap="square" lIns="91425" tIns="91425" rIns="91425" bIns="91425" anchor="t" anchorCtr="0">
+            <a:noAutofit/>
+          </a:bodyPr>
+          <a:lstStyle/>
+          <a:p>
+            <a:pPr marL="0" lvl="0" indent="0" algn="l" rtl="0">
+              <a:spcBef>
+                <a:spcPts val="0"/>
+              </a:spcBef>
+              <a:spcAft>
+                <a:spcPts val="0"/>
+              </a:spcAft>
+              <a:buNone/>
+            </a:pPr>
+            <a:endParaRPr/>
+          </a:p>
+        </p:txBody>
+      </p:sp>
+    </p:spTree>
+  </p:cSld>
+  <p:clrMapOvr>
+    <a:masterClrMapping/>
+  </p:clrMapOvr>
+</p:notes>
+</file>
+
+<file path=ppt/notesSlides/notesSlide17.xml><?xml version="1.0" encoding="utf-8"?>
+<p:notes xmlns:a="http://schemas.openxmlformats.org/drawingml/2006/main" xmlns:r="http://schemas.openxmlformats.org/officeDocument/2006/relationships" xmlns:p="http://schemas.openxmlformats.org/presentationml/2006/main" showMasterSp="0" showMasterPhAnim="0">
+  <p:cSld>
+    <p:spTree>
+      <p:nvGrpSpPr>
         <p:cNvPr id="1" name="Shape 127"/>
         <p:cNvGrpSpPr/>
         <p:nvPr/>
@@ -1060,7 +1810,7 @@
         </p:nvSpPr>
         <p:spPr>
           <a:xfrm>
-            <a:off x="381300" y="685800"/>
+            <a:off x="381000" y="685800"/>
             <a:ext cx="6096000" cy="3429000"/>
           </a:xfrm>
           <a:custGeom>
@@ -1164,7 +1914,7 @@
         </p:nvSpPr>
         <p:spPr>
           <a:xfrm>
-            <a:off x="381300" y="685800"/>
+            <a:off x="381000" y="685800"/>
             <a:ext cx="6096000" cy="3429000"/>
           </a:xfrm>
           <a:custGeom>
@@ -1240,6 +1990,442 @@
 </file>
 
 <file path=ppt/notesSlides/notesSlide5.xml><?xml version="1.0" encoding="utf-8"?>
+<p:notes xmlns:a="http://schemas.openxmlformats.org/drawingml/2006/main" xmlns:r="http://schemas.openxmlformats.org/officeDocument/2006/relationships" xmlns:p="http://schemas.openxmlformats.org/presentationml/2006/main" showMasterSp="0" showMasterPhAnim="0">
+  <p:cSld>
+    <p:spTree>
+      <p:nvGrpSpPr>
+        <p:cNvPr id="1" name="Shape 72"/>
+        <p:cNvGrpSpPr/>
+        <p:nvPr/>
+      </p:nvGrpSpPr>
+      <p:grpSpPr>
+        <a:xfrm>
+          <a:off x="0" y="0"/>
+          <a:ext cx="0" cy="0"/>
+          <a:chOff x="0" y="0"/>
+          <a:chExt cx="0" cy="0"/>
+        </a:xfrm>
+      </p:grpSpPr>
+      <p:sp>
+        <p:nvSpPr>
+          <p:cNvPr id="73" name="Google Shape;73;g20c4033f8d1_0_2:notes"/>
+          <p:cNvSpPr>
+            <a:spLocks noGrp="1" noRot="1" noChangeAspect="1"/>
+          </p:cNvSpPr>
+          <p:nvPr>
+            <p:ph type="sldImg" idx="2"/>
+          </p:nvPr>
+        </p:nvSpPr>
+        <p:spPr>
+          <a:xfrm>
+            <a:off x="381000" y="685800"/>
+            <a:ext cx="6096000" cy="3429000"/>
+          </a:xfrm>
+          <a:custGeom>
+            <a:avLst/>
+            <a:gdLst/>
+            <a:ahLst/>
+            <a:cxnLst/>
+            <a:rect l="l" t="t" r="r" b="b"/>
+            <a:pathLst>
+              <a:path w="120000" h="120000" extrusionOk="0">
+                <a:moveTo>
+                  <a:pt x="0" y="0"/>
+                </a:moveTo>
+                <a:lnTo>
+                  <a:pt x="120000" y="0"/>
+                </a:lnTo>
+                <a:lnTo>
+                  <a:pt x="120000" y="120000"/>
+                </a:lnTo>
+                <a:lnTo>
+                  <a:pt x="0" y="120000"/>
+                </a:lnTo>
+                <a:close/>
+              </a:path>
+            </a:pathLst>
+          </a:custGeom>
+        </p:spPr>
+      </p:sp>
+      <p:sp>
+        <p:nvSpPr>
+          <p:cNvPr id="74" name="Google Shape;74;g20c4033f8d1_0_2:notes"/>
+          <p:cNvSpPr txBox="1">
+            <a:spLocks noGrp="1"/>
+          </p:cNvSpPr>
+          <p:nvPr>
+            <p:ph type="body" idx="1"/>
+          </p:nvPr>
+        </p:nvSpPr>
+        <p:spPr>
+          <a:xfrm>
+            <a:off x="685800" y="4343400"/>
+            <a:ext cx="5486400" cy="4114800"/>
+          </a:xfrm>
+          <a:prstGeom prst="rect">
+            <a:avLst/>
+          </a:prstGeom>
+        </p:spPr>
+        <p:txBody>
+          <a:bodyPr spcFirstLastPara="1" wrap="square" lIns="91425" tIns="91425" rIns="91425" bIns="91425" anchor="t" anchorCtr="0">
+            <a:noAutofit/>
+          </a:bodyPr>
+          <a:lstStyle/>
+          <a:p>
+            <a:pPr marL="0" lvl="0" indent="0" algn="l" rtl="0">
+              <a:spcBef>
+                <a:spcPts val="0"/>
+              </a:spcBef>
+              <a:spcAft>
+                <a:spcPts val="0"/>
+              </a:spcAft>
+              <a:buNone/>
+            </a:pPr>
+            <a:endParaRPr/>
+          </a:p>
+        </p:txBody>
+      </p:sp>
+    </p:spTree>
+    <p:extLst>
+      <p:ext uri="{BB962C8B-B14F-4D97-AF65-F5344CB8AC3E}">
+        <p14:creationId xmlns:p14="http://schemas.microsoft.com/office/powerpoint/2010/main" val="2763186964"/>
+      </p:ext>
+    </p:extLst>
+  </p:cSld>
+  <p:clrMapOvr>
+    <a:masterClrMapping/>
+  </p:clrMapOvr>
+</p:notes>
+</file>
+
+<file path=ppt/notesSlides/notesSlide6.xml><?xml version="1.0" encoding="utf-8"?>
+<p:notes xmlns:a="http://schemas.openxmlformats.org/drawingml/2006/main" xmlns:r="http://schemas.openxmlformats.org/officeDocument/2006/relationships" xmlns:p="http://schemas.openxmlformats.org/presentationml/2006/main" showMasterSp="0" showMasterPhAnim="0">
+  <p:cSld>
+    <p:spTree>
+      <p:nvGrpSpPr>
+        <p:cNvPr id="1" name="Shape 72"/>
+        <p:cNvGrpSpPr/>
+        <p:nvPr/>
+      </p:nvGrpSpPr>
+      <p:grpSpPr>
+        <a:xfrm>
+          <a:off x="0" y="0"/>
+          <a:ext cx="0" cy="0"/>
+          <a:chOff x="0" y="0"/>
+          <a:chExt cx="0" cy="0"/>
+        </a:xfrm>
+      </p:grpSpPr>
+      <p:sp>
+        <p:nvSpPr>
+          <p:cNvPr id="73" name="Google Shape;73;g20c4033f8d1_0_2:notes"/>
+          <p:cNvSpPr>
+            <a:spLocks noGrp="1" noRot="1" noChangeAspect="1"/>
+          </p:cNvSpPr>
+          <p:nvPr>
+            <p:ph type="sldImg" idx="2"/>
+          </p:nvPr>
+        </p:nvSpPr>
+        <p:spPr>
+          <a:xfrm>
+            <a:off x="381000" y="685800"/>
+            <a:ext cx="6096000" cy="3429000"/>
+          </a:xfrm>
+          <a:custGeom>
+            <a:avLst/>
+            <a:gdLst/>
+            <a:ahLst/>
+            <a:cxnLst/>
+            <a:rect l="l" t="t" r="r" b="b"/>
+            <a:pathLst>
+              <a:path w="120000" h="120000" extrusionOk="0">
+                <a:moveTo>
+                  <a:pt x="0" y="0"/>
+                </a:moveTo>
+                <a:lnTo>
+                  <a:pt x="120000" y="0"/>
+                </a:lnTo>
+                <a:lnTo>
+                  <a:pt x="120000" y="120000"/>
+                </a:lnTo>
+                <a:lnTo>
+                  <a:pt x="0" y="120000"/>
+                </a:lnTo>
+                <a:close/>
+              </a:path>
+            </a:pathLst>
+          </a:custGeom>
+        </p:spPr>
+      </p:sp>
+      <p:sp>
+        <p:nvSpPr>
+          <p:cNvPr id="74" name="Google Shape;74;g20c4033f8d1_0_2:notes"/>
+          <p:cNvSpPr txBox="1">
+            <a:spLocks noGrp="1"/>
+          </p:cNvSpPr>
+          <p:nvPr>
+            <p:ph type="body" idx="1"/>
+          </p:nvPr>
+        </p:nvSpPr>
+        <p:spPr>
+          <a:xfrm>
+            <a:off x="685800" y="4343400"/>
+            <a:ext cx="5486400" cy="4114800"/>
+          </a:xfrm>
+          <a:prstGeom prst="rect">
+            <a:avLst/>
+          </a:prstGeom>
+        </p:spPr>
+        <p:txBody>
+          <a:bodyPr spcFirstLastPara="1" wrap="square" lIns="91425" tIns="91425" rIns="91425" bIns="91425" anchor="t" anchorCtr="0">
+            <a:noAutofit/>
+          </a:bodyPr>
+          <a:lstStyle/>
+          <a:p>
+            <a:pPr marL="0" lvl="0" indent="0" algn="l" rtl="0">
+              <a:spcBef>
+                <a:spcPts val="0"/>
+              </a:spcBef>
+              <a:spcAft>
+                <a:spcPts val="0"/>
+              </a:spcAft>
+              <a:buNone/>
+            </a:pPr>
+            <a:endParaRPr/>
+          </a:p>
+        </p:txBody>
+      </p:sp>
+    </p:spTree>
+    <p:extLst>
+      <p:ext uri="{BB962C8B-B14F-4D97-AF65-F5344CB8AC3E}">
+        <p14:creationId xmlns:p14="http://schemas.microsoft.com/office/powerpoint/2010/main" val="3739122167"/>
+      </p:ext>
+    </p:extLst>
+  </p:cSld>
+  <p:clrMapOvr>
+    <a:masterClrMapping/>
+  </p:clrMapOvr>
+</p:notes>
+</file>
+
+<file path=ppt/notesSlides/notesSlide7.xml><?xml version="1.0" encoding="utf-8"?>
+<p:notes xmlns:a="http://schemas.openxmlformats.org/drawingml/2006/main" xmlns:r="http://schemas.openxmlformats.org/officeDocument/2006/relationships" xmlns:p="http://schemas.openxmlformats.org/presentationml/2006/main" showMasterSp="0" showMasterPhAnim="0">
+  <p:cSld>
+    <p:spTree>
+      <p:nvGrpSpPr>
+        <p:cNvPr id="1" name="Shape 72"/>
+        <p:cNvGrpSpPr/>
+        <p:nvPr/>
+      </p:nvGrpSpPr>
+      <p:grpSpPr>
+        <a:xfrm>
+          <a:off x="0" y="0"/>
+          <a:ext cx="0" cy="0"/>
+          <a:chOff x="0" y="0"/>
+          <a:chExt cx="0" cy="0"/>
+        </a:xfrm>
+      </p:grpSpPr>
+      <p:sp>
+        <p:nvSpPr>
+          <p:cNvPr id="73" name="Google Shape;73;g20c4033f8d1_0_2:notes"/>
+          <p:cNvSpPr>
+            <a:spLocks noGrp="1" noRot="1" noChangeAspect="1"/>
+          </p:cNvSpPr>
+          <p:nvPr>
+            <p:ph type="sldImg" idx="2"/>
+          </p:nvPr>
+        </p:nvSpPr>
+        <p:spPr>
+          <a:xfrm>
+            <a:off x="381000" y="685800"/>
+            <a:ext cx="6096000" cy="3429000"/>
+          </a:xfrm>
+          <a:custGeom>
+            <a:avLst/>
+            <a:gdLst/>
+            <a:ahLst/>
+            <a:cxnLst/>
+            <a:rect l="l" t="t" r="r" b="b"/>
+            <a:pathLst>
+              <a:path w="120000" h="120000" extrusionOk="0">
+                <a:moveTo>
+                  <a:pt x="0" y="0"/>
+                </a:moveTo>
+                <a:lnTo>
+                  <a:pt x="120000" y="0"/>
+                </a:lnTo>
+                <a:lnTo>
+                  <a:pt x="120000" y="120000"/>
+                </a:lnTo>
+                <a:lnTo>
+                  <a:pt x="0" y="120000"/>
+                </a:lnTo>
+                <a:close/>
+              </a:path>
+            </a:pathLst>
+          </a:custGeom>
+        </p:spPr>
+      </p:sp>
+      <p:sp>
+        <p:nvSpPr>
+          <p:cNvPr id="74" name="Google Shape;74;g20c4033f8d1_0_2:notes"/>
+          <p:cNvSpPr txBox="1">
+            <a:spLocks noGrp="1"/>
+          </p:cNvSpPr>
+          <p:nvPr>
+            <p:ph type="body" idx="1"/>
+          </p:nvPr>
+        </p:nvSpPr>
+        <p:spPr>
+          <a:xfrm>
+            <a:off x="685800" y="4343400"/>
+            <a:ext cx="5486400" cy="4114800"/>
+          </a:xfrm>
+          <a:prstGeom prst="rect">
+            <a:avLst/>
+          </a:prstGeom>
+        </p:spPr>
+        <p:txBody>
+          <a:bodyPr spcFirstLastPara="1" wrap="square" lIns="91425" tIns="91425" rIns="91425" bIns="91425" anchor="t" anchorCtr="0">
+            <a:noAutofit/>
+          </a:bodyPr>
+          <a:lstStyle/>
+          <a:p>
+            <a:pPr marL="0" lvl="0" indent="0" algn="l" rtl="0">
+              <a:spcBef>
+                <a:spcPts val="0"/>
+              </a:spcBef>
+              <a:spcAft>
+                <a:spcPts val="0"/>
+              </a:spcAft>
+              <a:buNone/>
+            </a:pPr>
+            <a:endParaRPr/>
+          </a:p>
+        </p:txBody>
+      </p:sp>
+    </p:spTree>
+    <p:extLst>
+      <p:ext uri="{BB962C8B-B14F-4D97-AF65-F5344CB8AC3E}">
+        <p14:creationId xmlns:p14="http://schemas.microsoft.com/office/powerpoint/2010/main" val="2208565550"/>
+      </p:ext>
+    </p:extLst>
+  </p:cSld>
+  <p:clrMapOvr>
+    <a:masterClrMapping/>
+  </p:clrMapOvr>
+</p:notes>
+</file>
+
+<file path=ppt/notesSlides/notesSlide8.xml><?xml version="1.0" encoding="utf-8"?>
+<p:notes xmlns:a="http://schemas.openxmlformats.org/drawingml/2006/main" xmlns:r="http://schemas.openxmlformats.org/officeDocument/2006/relationships" xmlns:p="http://schemas.openxmlformats.org/presentationml/2006/main" showMasterSp="0" showMasterPhAnim="0">
+  <p:cSld>
+    <p:spTree>
+      <p:nvGrpSpPr>
+        <p:cNvPr id="1" name="Shape 72"/>
+        <p:cNvGrpSpPr/>
+        <p:nvPr/>
+      </p:nvGrpSpPr>
+      <p:grpSpPr>
+        <a:xfrm>
+          <a:off x="0" y="0"/>
+          <a:ext cx="0" cy="0"/>
+          <a:chOff x="0" y="0"/>
+          <a:chExt cx="0" cy="0"/>
+        </a:xfrm>
+      </p:grpSpPr>
+      <p:sp>
+        <p:nvSpPr>
+          <p:cNvPr id="73" name="Google Shape;73;g20c4033f8d1_0_2:notes"/>
+          <p:cNvSpPr>
+            <a:spLocks noGrp="1" noRot="1" noChangeAspect="1"/>
+          </p:cNvSpPr>
+          <p:nvPr>
+            <p:ph type="sldImg" idx="2"/>
+          </p:nvPr>
+        </p:nvSpPr>
+        <p:spPr>
+          <a:xfrm>
+            <a:off x="381000" y="685800"/>
+            <a:ext cx="6096000" cy="3429000"/>
+          </a:xfrm>
+          <a:custGeom>
+            <a:avLst/>
+            <a:gdLst/>
+            <a:ahLst/>
+            <a:cxnLst/>
+            <a:rect l="l" t="t" r="r" b="b"/>
+            <a:pathLst>
+              <a:path w="120000" h="120000" extrusionOk="0">
+                <a:moveTo>
+                  <a:pt x="0" y="0"/>
+                </a:moveTo>
+                <a:lnTo>
+                  <a:pt x="120000" y="0"/>
+                </a:lnTo>
+                <a:lnTo>
+                  <a:pt x="120000" y="120000"/>
+                </a:lnTo>
+                <a:lnTo>
+                  <a:pt x="0" y="120000"/>
+                </a:lnTo>
+                <a:close/>
+              </a:path>
+            </a:pathLst>
+          </a:custGeom>
+        </p:spPr>
+      </p:sp>
+      <p:sp>
+        <p:nvSpPr>
+          <p:cNvPr id="74" name="Google Shape;74;g20c4033f8d1_0_2:notes"/>
+          <p:cNvSpPr txBox="1">
+            <a:spLocks noGrp="1"/>
+          </p:cNvSpPr>
+          <p:nvPr>
+            <p:ph type="body" idx="1"/>
+          </p:nvPr>
+        </p:nvSpPr>
+        <p:spPr>
+          <a:xfrm>
+            <a:off x="685800" y="4343400"/>
+            <a:ext cx="5486400" cy="4114800"/>
+          </a:xfrm>
+          <a:prstGeom prst="rect">
+            <a:avLst/>
+          </a:prstGeom>
+        </p:spPr>
+        <p:txBody>
+          <a:bodyPr spcFirstLastPara="1" wrap="square" lIns="91425" tIns="91425" rIns="91425" bIns="91425" anchor="t" anchorCtr="0">
+            <a:noAutofit/>
+          </a:bodyPr>
+          <a:lstStyle/>
+          <a:p>
+            <a:pPr marL="0" lvl="0" indent="0" algn="l" rtl="0">
+              <a:spcBef>
+                <a:spcPts val="0"/>
+              </a:spcBef>
+              <a:spcAft>
+                <a:spcPts val="0"/>
+              </a:spcAft>
+              <a:buNone/>
+            </a:pPr>
+            <a:endParaRPr/>
+          </a:p>
+        </p:txBody>
+      </p:sp>
+    </p:spTree>
+    <p:extLst>
+      <p:ext uri="{BB962C8B-B14F-4D97-AF65-F5344CB8AC3E}">
+        <p14:creationId xmlns:p14="http://schemas.microsoft.com/office/powerpoint/2010/main" val="2595252408"/>
+      </p:ext>
+    </p:extLst>
+  </p:cSld>
+  <p:clrMapOvr>
+    <a:masterClrMapping/>
+  </p:clrMapOvr>
+</p:notes>
+</file>
+
+<file path=ppt/notesSlides/notesSlide9.xml><?xml version="1.0" encoding="utf-8"?>
 <p:notes xmlns:a="http://schemas.openxmlformats.org/drawingml/2006/main" xmlns:r="http://schemas.openxmlformats.org/officeDocument/2006/relationships" xmlns:p="http://schemas.openxmlformats.org/presentationml/2006/main" showMasterSp="0" showMasterPhAnim="0">
   <p:cSld>
     <p:spTree>
@@ -1268,7 +2454,7 @@
         </p:nvSpPr>
         <p:spPr>
           <a:xfrm>
-            <a:off x="381300" y="685800"/>
+            <a:off x="381000" y="685800"/>
             <a:ext cx="6096000" cy="3429000"/>
           </a:xfrm>
           <a:custGeom>
@@ -1300,422 +2486,6 @@
       <p:sp>
         <p:nvSpPr>
           <p:cNvPr id="82" name="Google Shape;82;g20c4033f8d1_0_22:notes"/>
-          <p:cNvSpPr txBox="1">
-            <a:spLocks noGrp="1"/>
-          </p:cNvSpPr>
-          <p:nvPr>
-            <p:ph type="body" idx="1"/>
-          </p:nvPr>
-        </p:nvSpPr>
-        <p:spPr>
-          <a:xfrm>
-            <a:off x="685800" y="4343400"/>
-            <a:ext cx="5486400" cy="4114800"/>
-          </a:xfrm>
-          <a:prstGeom prst="rect">
-            <a:avLst/>
-          </a:prstGeom>
-        </p:spPr>
-        <p:txBody>
-          <a:bodyPr spcFirstLastPara="1" wrap="square" lIns="91425" tIns="91425" rIns="91425" bIns="91425" anchor="t" anchorCtr="0">
-            <a:noAutofit/>
-          </a:bodyPr>
-          <a:lstStyle/>
-          <a:p>
-            <a:pPr marL="0" lvl="0" indent="0" algn="l" rtl="0">
-              <a:spcBef>
-                <a:spcPts val="0"/>
-              </a:spcBef>
-              <a:spcAft>
-                <a:spcPts val="0"/>
-              </a:spcAft>
-              <a:buNone/>
-            </a:pPr>
-            <a:endParaRPr/>
-          </a:p>
-        </p:txBody>
-      </p:sp>
-    </p:spTree>
-  </p:cSld>
-  <p:clrMapOvr>
-    <a:masterClrMapping/>
-  </p:clrMapOvr>
-</p:notes>
-</file>
-
-<file path=ppt/notesSlides/notesSlide6.xml><?xml version="1.0" encoding="utf-8"?>
-<p:notes xmlns:a="http://schemas.openxmlformats.org/drawingml/2006/main" xmlns:r="http://schemas.openxmlformats.org/officeDocument/2006/relationships" xmlns:p="http://schemas.openxmlformats.org/presentationml/2006/main" showMasterSp="0" showMasterPhAnim="0">
-  <p:cSld>
-    <p:spTree>
-      <p:nvGrpSpPr>
-        <p:cNvPr id="1" name="Shape 88"/>
-        <p:cNvGrpSpPr/>
-        <p:nvPr/>
-      </p:nvGrpSpPr>
-      <p:grpSpPr>
-        <a:xfrm>
-          <a:off x="0" y="0"/>
-          <a:ext cx="0" cy="0"/>
-          <a:chOff x="0" y="0"/>
-          <a:chExt cx="0" cy="0"/>
-        </a:xfrm>
-      </p:grpSpPr>
-      <p:sp>
-        <p:nvSpPr>
-          <p:cNvPr id="89" name="Google Shape;89;g21cd7bb48ef_0_0:notes"/>
-          <p:cNvSpPr>
-            <a:spLocks noGrp="1" noRot="1" noChangeAspect="1"/>
-          </p:cNvSpPr>
-          <p:nvPr>
-            <p:ph type="sldImg" idx="2"/>
-          </p:nvPr>
-        </p:nvSpPr>
-        <p:spPr>
-          <a:xfrm>
-            <a:off x="381300" y="685800"/>
-            <a:ext cx="6096000" cy="3429000"/>
-          </a:xfrm>
-          <a:custGeom>
-            <a:avLst/>
-            <a:gdLst/>
-            <a:ahLst/>
-            <a:cxnLst/>
-            <a:rect l="l" t="t" r="r" b="b"/>
-            <a:pathLst>
-              <a:path w="120000" h="120000" extrusionOk="0">
-                <a:moveTo>
-                  <a:pt x="0" y="0"/>
-                </a:moveTo>
-                <a:lnTo>
-                  <a:pt x="120000" y="0"/>
-                </a:lnTo>
-                <a:lnTo>
-                  <a:pt x="120000" y="120000"/>
-                </a:lnTo>
-                <a:lnTo>
-                  <a:pt x="0" y="120000"/>
-                </a:lnTo>
-                <a:close/>
-              </a:path>
-            </a:pathLst>
-          </a:custGeom>
-        </p:spPr>
-      </p:sp>
-      <p:sp>
-        <p:nvSpPr>
-          <p:cNvPr id="90" name="Google Shape;90;g21cd7bb48ef_0_0:notes"/>
-          <p:cNvSpPr txBox="1">
-            <a:spLocks noGrp="1"/>
-          </p:cNvSpPr>
-          <p:nvPr>
-            <p:ph type="body" idx="1"/>
-          </p:nvPr>
-        </p:nvSpPr>
-        <p:spPr>
-          <a:xfrm>
-            <a:off x="685800" y="4343400"/>
-            <a:ext cx="5486400" cy="4114800"/>
-          </a:xfrm>
-          <a:prstGeom prst="rect">
-            <a:avLst/>
-          </a:prstGeom>
-        </p:spPr>
-        <p:txBody>
-          <a:bodyPr spcFirstLastPara="1" wrap="square" lIns="91425" tIns="91425" rIns="91425" bIns="91425" anchor="t" anchorCtr="0">
-            <a:noAutofit/>
-          </a:bodyPr>
-          <a:lstStyle/>
-          <a:p>
-            <a:pPr marL="0" lvl="0" indent="0" algn="l" rtl="0">
-              <a:spcBef>
-                <a:spcPts val="0"/>
-              </a:spcBef>
-              <a:spcAft>
-                <a:spcPts val="0"/>
-              </a:spcAft>
-              <a:buNone/>
-            </a:pPr>
-            <a:endParaRPr/>
-          </a:p>
-        </p:txBody>
-      </p:sp>
-    </p:spTree>
-  </p:cSld>
-  <p:clrMapOvr>
-    <a:masterClrMapping/>
-  </p:clrMapOvr>
-</p:notes>
-</file>
-
-<file path=ppt/notesSlides/notesSlide7.xml><?xml version="1.0" encoding="utf-8"?>
-<p:notes xmlns:a="http://schemas.openxmlformats.org/drawingml/2006/main" xmlns:r="http://schemas.openxmlformats.org/officeDocument/2006/relationships" xmlns:p="http://schemas.openxmlformats.org/presentationml/2006/main" showMasterSp="0" showMasterPhAnim="0">
-  <p:cSld>
-    <p:spTree>
-      <p:nvGrpSpPr>
-        <p:cNvPr id="1" name="Shape 97"/>
-        <p:cNvGrpSpPr/>
-        <p:nvPr/>
-      </p:nvGrpSpPr>
-      <p:grpSpPr>
-        <a:xfrm>
-          <a:off x="0" y="0"/>
-          <a:ext cx="0" cy="0"/>
-          <a:chOff x="0" y="0"/>
-          <a:chExt cx="0" cy="0"/>
-        </a:xfrm>
-      </p:grpSpPr>
-      <p:sp>
-        <p:nvSpPr>
-          <p:cNvPr id="98" name="Google Shape;98;g20c4033f8d1_0_34:notes"/>
-          <p:cNvSpPr>
-            <a:spLocks noGrp="1" noRot="1" noChangeAspect="1"/>
-          </p:cNvSpPr>
-          <p:nvPr>
-            <p:ph type="sldImg" idx="2"/>
-          </p:nvPr>
-        </p:nvSpPr>
-        <p:spPr>
-          <a:xfrm>
-            <a:off x="381300" y="685800"/>
-            <a:ext cx="6096000" cy="3429000"/>
-          </a:xfrm>
-          <a:custGeom>
-            <a:avLst/>
-            <a:gdLst/>
-            <a:ahLst/>
-            <a:cxnLst/>
-            <a:rect l="l" t="t" r="r" b="b"/>
-            <a:pathLst>
-              <a:path w="120000" h="120000" extrusionOk="0">
-                <a:moveTo>
-                  <a:pt x="0" y="0"/>
-                </a:moveTo>
-                <a:lnTo>
-                  <a:pt x="120000" y="0"/>
-                </a:lnTo>
-                <a:lnTo>
-                  <a:pt x="120000" y="120000"/>
-                </a:lnTo>
-                <a:lnTo>
-                  <a:pt x="0" y="120000"/>
-                </a:lnTo>
-                <a:close/>
-              </a:path>
-            </a:pathLst>
-          </a:custGeom>
-        </p:spPr>
-      </p:sp>
-      <p:sp>
-        <p:nvSpPr>
-          <p:cNvPr id="99" name="Google Shape;99;g20c4033f8d1_0_34:notes"/>
-          <p:cNvSpPr txBox="1">
-            <a:spLocks noGrp="1"/>
-          </p:cNvSpPr>
-          <p:nvPr>
-            <p:ph type="body" idx="1"/>
-          </p:nvPr>
-        </p:nvSpPr>
-        <p:spPr>
-          <a:xfrm>
-            <a:off x="685800" y="4343400"/>
-            <a:ext cx="5486400" cy="4114800"/>
-          </a:xfrm>
-          <a:prstGeom prst="rect">
-            <a:avLst/>
-          </a:prstGeom>
-        </p:spPr>
-        <p:txBody>
-          <a:bodyPr spcFirstLastPara="1" wrap="square" lIns="91425" tIns="91425" rIns="91425" bIns="91425" anchor="t" anchorCtr="0">
-            <a:noAutofit/>
-          </a:bodyPr>
-          <a:lstStyle/>
-          <a:p>
-            <a:pPr marL="0" lvl="0" indent="0" algn="l" rtl="0">
-              <a:spcBef>
-                <a:spcPts val="0"/>
-              </a:spcBef>
-              <a:spcAft>
-                <a:spcPts val="0"/>
-              </a:spcAft>
-              <a:buNone/>
-            </a:pPr>
-            <a:endParaRPr/>
-          </a:p>
-        </p:txBody>
-      </p:sp>
-    </p:spTree>
-  </p:cSld>
-  <p:clrMapOvr>
-    <a:masterClrMapping/>
-  </p:clrMapOvr>
-</p:notes>
-</file>
-
-<file path=ppt/notesSlides/notesSlide8.xml><?xml version="1.0" encoding="utf-8"?>
-<p:notes xmlns:a="http://schemas.openxmlformats.org/drawingml/2006/main" xmlns:r="http://schemas.openxmlformats.org/officeDocument/2006/relationships" xmlns:p="http://schemas.openxmlformats.org/presentationml/2006/main" showMasterSp="0" showMasterPhAnim="0">
-  <p:cSld>
-    <p:spTree>
-      <p:nvGrpSpPr>
-        <p:cNvPr id="1" name="Shape 107"/>
-        <p:cNvGrpSpPr/>
-        <p:nvPr/>
-      </p:nvGrpSpPr>
-      <p:grpSpPr>
-        <a:xfrm>
-          <a:off x="0" y="0"/>
-          <a:ext cx="0" cy="0"/>
-          <a:chOff x="0" y="0"/>
-          <a:chExt cx="0" cy="0"/>
-        </a:xfrm>
-      </p:grpSpPr>
-      <p:sp>
-        <p:nvSpPr>
-          <p:cNvPr id="108" name="Google Shape;108;g218b606cc07_1_8:notes"/>
-          <p:cNvSpPr>
-            <a:spLocks noGrp="1" noRot="1" noChangeAspect="1"/>
-          </p:cNvSpPr>
-          <p:nvPr>
-            <p:ph type="sldImg" idx="2"/>
-          </p:nvPr>
-        </p:nvSpPr>
-        <p:spPr>
-          <a:xfrm>
-            <a:off x="381300" y="685800"/>
-            <a:ext cx="6096000" cy="3429000"/>
-          </a:xfrm>
-          <a:custGeom>
-            <a:avLst/>
-            <a:gdLst/>
-            <a:ahLst/>
-            <a:cxnLst/>
-            <a:rect l="l" t="t" r="r" b="b"/>
-            <a:pathLst>
-              <a:path w="120000" h="120000" extrusionOk="0">
-                <a:moveTo>
-                  <a:pt x="0" y="0"/>
-                </a:moveTo>
-                <a:lnTo>
-                  <a:pt x="120000" y="0"/>
-                </a:lnTo>
-                <a:lnTo>
-                  <a:pt x="120000" y="120000"/>
-                </a:lnTo>
-                <a:lnTo>
-                  <a:pt x="0" y="120000"/>
-                </a:lnTo>
-                <a:close/>
-              </a:path>
-            </a:pathLst>
-          </a:custGeom>
-        </p:spPr>
-      </p:sp>
-      <p:sp>
-        <p:nvSpPr>
-          <p:cNvPr id="109" name="Google Shape;109;g218b606cc07_1_8:notes"/>
-          <p:cNvSpPr txBox="1">
-            <a:spLocks noGrp="1"/>
-          </p:cNvSpPr>
-          <p:nvPr>
-            <p:ph type="body" idx="1"/>
-          </p:nvPr>
-        </p:nvSpPr>
-        <p:spPr>
-          <a:xfrm>
-            <a:off x="685800" y="4343400"/>
-            <a:ext cx="5486400" cy="4114800"/>
-          </a:xfrm>
-          <a:prstGeom prst="rect">
-            <a:avLst/>
-          </a:prstGeom>
-        </p:spPr>
-        <p:txBody>
-          <a:bodyPr spcFirstLastPara="1" wrap="square" lIns="91425" tIns="91425" rIns="91425" bIns="91425" anchor="t" anchorCtr="0">
-            <a:noAutofit/>
-          </a:bodyPr>
-          <a:lstStyle/>
-          <a:p>
-            <a:pPr marL="0" lvl="0" indent="0" algn="l" rtl="0">
-              <a:spcBef>
-                <a:spcPts val="0"/>
-              </a:spcBef>
-              <a:spcAft>
-                <a:spcPts val="0"/>
-              </a:spcAft>
-              <a:buNone/>
-            </a:pPr>
-            <a:endParaRPr/>
-          </a:p>
-        </p:txBody>
-      </p:sp>
-    </p:spTree>
-  </p:cSld>
-  <p:clrMapOvr>
-    <a:masterClrMapping/>
-  </p:clrMapOvr>
-</p:notes>
-</file>
-
-<file path=ppt/notesSlides/notesSlide9.xml><?xml version="1.0" encoding="utf-8"?>
-<p:notes xmlns:a="http://schemas.openxmlformats.org/drawingml/2006/main" xmlns:r="http://schemas.openxmlformats.org/officeDocument/2006/relationships" xmlns:p="http://schemas.openxmlformats.org/presentationml/2006/main" showMasterSp="0" showMasterPhAnim="0">
-  <p:cSld>
-    <p:spTree>
-      <p:nvGrpSpPr>
-        <p:cNvPr id="1" name="Shape 117"/>
-        <p:cNvGrpSpPr/>
-        <p:nvPr/>
-      </p:nvGrpSpPr>
-      <p:grpSpPr>
-        <a:xfrm>
-          <a:off x="0" y="0"/>
-          <a:ext cx="0" cy="0"/>
-          <a:chOff x="0" y="0"/>
-          <a:chExt cx="0" cy="0"/>
-        </a:xfrm>
-      </p:grpSpPr>
-      <p:sp>
-        <p:nvSpPr>
-          <p:cNvPr id="118" name="Google Shape;118;g2c2bf8da8be_0_12:notes"/>
-          <p:cNvSpPr>
-            <a:spLocks noGrp="1" noRot="1" noChangeAspect="1"/>
-          </p:cNvSpPr>
-          <p:nvPr>
-            <p:ph type="sldImg" idx="2"/>
-          </p:nvPr>
-        </p:nvSpPr>
-        <p:spPr>
-          <a:xfrm>
-            <a:off x="381300" y="685800"/>
-            <a:ext cx="6096000" cy="3429000"/>
-          </a:xfrm>
-          <a:custGeom>
-            <a:avLst/>
-            <a:gdLst/>
-            <a:ahLst/>
-            <a:cxnLst/>
-            <a:rect l="l" t="t" r="r" b="b"/>
-            <a:pathLst>
-              <a:path w="120000" h="120000" extrusionOk="0">
-                <a:moveTo>
-                  <a:pt x="0" y="0"/>
-                </a:moveTo>
-                <a:lnTo>
-                  <a:pt x="120000" y="0"/>
-                </a:lnTo>
-                <a:lnTo>
-                  <a:pt x="120000" y="120000"/>
-                </a:lnTo>
-                <a:lnTo>
-                  <a:pt x="0" y="120000"/>
-                </a:lnTo>
-                <a:close/>
-              </a:path>
-            </a:pathLst>
-          </a:custGeom>
-        </p:spPr>
-      </p:sp>
-      <p:sp>
-        <p:nvSpPr>
-          <p:cNvPr id="119" name="Google Shape;119;g2c2bf8da8be_0_12:notes"/>
           <p:cNvSpPr txBox="1">
             <a:spLocks noGrp="1"/>
           </p:cNvSpPr>
@@ -6745,6 +7515,3044 @@
 <file path=ppt/slides/slide10.xml><?xml version="1.0" encoding="utf-8"?>
 <p:sld xmlns:a="http://schemas.openxmlformats.org/drawingml/2006/main" xmlns:r="http://schemas.openxmlformats.org/officeDocument/2006/relationships" xmlns:p="http://schemas.openxmlformats.org/presentationml/2006/main">
   <p:cSld>
+    <p:spTree>
+      <p:nvGrpSpPr>
+        <p:cNvPr id="1" name="Shape 91"/>
+        <p:cNvGrpSpPr/>
+        <p:nvPr/>
+      </p:nvGrpSpPr>
+      <p:grpSpPr>
+        <a:xfrm>
+          <a:off x="0" y="0"/>
+          <a:ext cx="0" cy="0"/>
+          <a:chOff x="0" y="0"/>
+          <a:chExt cx="0" cy="0"/>
+        </a:xfrm>
+      </p:grpSpPr>
+      <p:sp>
+        <p:nvSpPr>
+          <p:cNvPr id="92" name="Google Shape;92;p18"/>
+          <p:cNvSpPr txBox="1">
+            <a:spLocks noGrp="1"/>
+          </p:cNvSpPr>
+          <p:nvPr>
+            <p:ph type="title"/>
+          </p:nvPr>
+        </p:nvSpPr>
+        <p:spPr>
+          <a:xfrm>
+            <a:off x="311700" y="445025"/>
+            <a:ext cx="8520600" cy="572700"/>
+          </a:xfrm>
+          <a:prstGeom prst="rect">
+            <a:avLst/>
+          </a:prstGeom>
+        </p:spPr>
+        <p:txBody>
+          <a:bodyPr spcFirstLastPara="1" wrap="square" lIns="91425" tIns="91425" rIns="91425" bIns="91425" anchor="t" anchorCtr="0">
+            <a:normAutofit fontScale="90000"/>
+          </a:bodyPr>
+          <a:lstStyle/>
+          <a:p>
+            <a:pPr marL="0" lvl="0" indent="0" algn="l" rtl="0">
+              <a:lnSpc>
+                <a:spcPct val="115000"/>
+              </a:lnSpc>
+              <a:spcBef>
+                <a:spcPts val="0"/>
+              </a:spcBef>
+              <a:spcAft>
+                <a:spcPts val="1200"/>
+              </a:spcAft>
+              <a:buNone/>
+            </a:pPr>
+            <a:r>
+              <a:rPr lang="fr" sz="2000" dirty="0">
+                <a:latin typeface="Montserrat"/>
+                <a:ea typeface="Montserrat"/>
+                <a:cs typeface="Montserrat"/>
+                <a:sym typeface="Montserrat"/>
+              </a:rPr>
+              <a:t>Suivi du projet avec le Kanban</a:t>
+            </a:r>
+            <a:endParaRPr sz="3000" dirty="0">
+              <a:latin typeface="Montserrat"/>
+              <a:ea typeface="Montserrat"/>
+              <a:cs typeface="Montserrat"/>
+              <a:sym typeface="Montserrat"/>
+            </a:endParaRPr>
+          </a:p>
+        </p:txBody>
+      </p:sp>
+      <p:sp>
+        <p:nvSpPr>
+          <p:cNvPr id="93" name="Google Shape;93;p18"/>
+          <p:cNvSpPr txBox="1">
+            <a:spLocks noGrp="1"/>
+          </p:cNvSpPr>
+          <p:nvPr>
+            <p:ph type="body" idx="1"/>
+          </p:nvPr>
+        </p:nvSpPr>
+        <p:spPr>
+          <a:xfrm>
+            <a:off x="311700" y="1152475"/>
+            <a:ext cx="8520600" cy="3416400"/>
+          </a:xfrm>
+          <a:prstGeom prst="rect">
+            <a:avLst/>
+          </a:prstGeom>
+        </p:spPr>
+        <p:txBody>
+          <a:bodyPr spcFirstLastPara="1" wrap="square" lIns="91425" tIns="91425" rIns="91425" bIns="91425" anchor="t" anchorCtr="0">
+            <a:normAutofit/>
+          </a:bodyPr>
+          <a:lstStyle/>
+          <a:p>
+            <a:pPr marL="0" lvl="0" indent="0" algn="l" rtl="0">
+              <a:spcBef>
+                <a:spcPts val="0"/>
+              </a:spcBef>
+              <a:spcAft>
+                <a:spcPts val="0"/>
+              </a:spcAft>
+              <a:buNone/>
+            </a:pPr>
+            <a:endParaRPr dirty="0">
+              <a:latin typeface="Montserrat"/>
+              <a:ea typeface="Montserrat"/>
+              <a:cs typeface="Montserrat"/>
+              <a:sym typeface="Montserrat"/>
+            </a:endParaRPr>
+          </a:p>
+          <a:p>
+            <a:pPr marL="0" lvl="0" indent="0" algn="l" rtl="0">
+              <a:spcBef>
+                <a:spcPts val="1200"/>
+              </a:spcBef>
+              <a:spcAft>
+                <a:spcPts val="0"/>
+              </a:spcAft>
+              <a:buNone/>
+            </a:pPr>
+            <a:endParaRPr dirty="0">
+              <a:latin typeface="Montserrat"/>
+              <a:ea typeface="Montserrat"/>
+              <a:cs typeface="Montserrat"/>
+              <a:sym typeface="Montserrat"/>
+            </a:endParaRPr>
+          </a:p>
+          <a:p>
+            <a:pPr marL="457200" lvl="0" indent="0" algn="l" rtl="0">
+              <a:spcBef>
+                <a:spcPts val="1200"/>
+              </a:spcBef>
+              <a:spcAft>
+                <a:spcPts val="1200"/>
+              </a:spcAft>
+              <a:buNone/>
+            </a:pPr>
+            <a:endParaRPr dirty="0">
+              <a:latin typeface="Montserrat"/>
+              <a:ea typeface="Montserrat"/>
+              <a:cs typeface="Montserrat"/>
+              <a:sym typeface="Montserrat"/>
+            </a:endParaRPr>
+          </a:p>
+        </p:txBody>
+      </p:sp>
+      <p:sp>
+        <p:nvSpPr>
+          <p:cNvPr id="94" name="Google Shape;94;p18"/>
+          <p:cNvSpPr txBox="1"/>
+          <p:nvPr/>
+        </p:nvSpPr>
+        <p:spPr>
+          <a:xfrm>
+            <a:off x="411750" y="935302"/>
+            <a:ext cx="8320500" cy="4685868"/>
+          </a:xfrm>
+          <a:prstGeom prst="rect">
+            <a:avLst/>
+          </a:prstGeom>
+          <a:noFill/>
+          <a:ln>
+            <a:noFill/>
+          </a:ln>
+        </p:spPr>
+        <p:txBody>
+          <a:bodyPr spcFirstLastPara="1" wrap="square" lIns="91425" tIns="91425" rIns="91425" bIns="91425" anchor="t" anchorCtr="0">
+            <a:spAutoFit/>
+          </a:bodyPr>
+          <a:lstStyle/>
+          <a:p>
+            <a:pPr marL="457200" lvl="0" indent="-323850" algn="l" rtl="0">
+              <a:lnSpc>
+                <a:spcPct val="150000"/>
+              </a:lnSpc>
+              <a:spcBef>
+                <a:spcPts val="0"/>
+              </a:spcBef>
+              <a:spcAft>
+                <a:spcPts val="0"/>
+              </a:spcAft>
+              <a:buClr>
+                <a:srgbClr val="0D0D0D"/>
+              </a:buClr>
+              <a:buSzPts val="1500"/>
+              <a:buFont typeface="Montserrat"/>
+              <a:buChar char="●"/>
+            </a:pPr>
+            <a:r>
+              <a:rPr lang="fr-FR" sz="1500" i="1" dirty="0">
+                <a:solidFill>
+                  <a:srgbClr val="0D0D0D"/>
+                </a:solidFill>
+                <a:highlight>
+                  <a:srgbClr val="FFFFFF"/>
+                </a:highlight>
+                <a:latin typeface="Montserrat"/>
+                <a:ea typeface="Montserrat"/>
+                <a:cs typeface="Montserrat"/>
+                <a:sym typeface="Montserrat"/>
+              </a:rPr>
+              <a:t>Le Kanban permet de suivre les tâches en temps réel, de gérer les priorités et de favoriser la collaboration entre les membres de l’équipe. Il permet ainsi d’assurer un meilleur partage de l’information, une réduction des délais, une flexibilité (agilité) accrue au sein de l’équipe et enfin il contribue à l’amélioration continue.</a:t>
+            </a:r>
+          </a:p>
+          <a:p>
+            <a:pPr marL="457200" lvl="0" indent="-323850" algn="l" rtl="0">
+              <a:lnSpc>
+                <a:spcPct val="150000"/>
+              </a:lnSpc>
+              <a:spcBef>
+                <a:spcPts val="0"/>
+              </a:spcBef>
+              <a:spcAft>
+                <a:spcPts val="0"/>
+              </a:spcAft>
+              <a:buClr>
+                <a:srgbClr val="0D0D0D"/>
+              </a:buClr>
+              <a:buSzPts val="1500"/>
+              <a:buFont typeface="Montserrat"/>
+              <a:buChar char="●"/>
+            </a:pPr>
+            <a:endParaRPr lang="fr-FR" sz="1500" i="1" dirty="0">
+              <a:solidFill>
+                <a:srgbClr val="0D0D0D"/>
+              </a:solidFill>
+              <a:highlight>
+                <a:srgbClr val="FFFFFF"/>
+              </a:highlight>
+              <a:latin typeface="Montserrat"/>
+              <a:ea typeface="Montserrat"/>
+              <a:cs typeface="Montserrat"/>
+              <a:sym typeface="Montserrat"/>
+            </a:endParaRPr>
+          </a:p>
+          <a:p>
+            <a:pPr marL="457200" indent="-323850">
+              <a:lnSpc>
+                <a:spcPct val="150000"/>
+              </a:lnSpc>
+              <a:buClr>
+                <a:srgbClr val="0D0D0D"/>
+              </a:buClr>
+              <a:buSzPts val="1500"/>
+              <a:buFont typeface="Montserrat"/>
+              <a:buChar char="●"/>
+            </a:pPr>
+            <a:r>
+              <a:rPr lang="fr-FR" sz="1500" i="1" dirty="0">
+                <a:solidFill>
+                  <a:srgbClr val="0D0D0D"/>
+                </a:solidFill>
+                <a:highlight>
+                  <a:srgbClr val="FFFFFF"/>
+                </a:highlight>
+                <a:latin typeface="Montserrat"/>
+                <a:ea typeface="Montserrat"/>
+                <a:cs typeface="Montserrat"/>
+                <a:sym typeface="Montserrat"/>
+              </a:rPr>
+              <a:t>Un récit utilisateur, ou « user story » en anglais, est une description simple d’un besoin ou d’une attente exprimée par un utilisateur et utilisée dans le domaine du développement de logiciels et de la conception de nouveaux produits pour déterminer les fonctionnalités à développer. </a:t>
+            </a:r>
+          </a:p>
+          <a:p>
+            <a:pPr marL="457200" indent="-323850">
+              <a:lnSpc>
+                <a:spcPct val="150000"/>
+              </a:lnSpc>
+              <a:buClr>
+                <a:srgbClr val="0D0D0D"/>
+              </a:buClr>
+              <a:buSzPts val="1500"/>
+              <a:buFont typeface="Montserrat"/>
+              <a:buChar char="●"/>
+            </a:pPr>
+            <a:endParaRPr lang="fr-FR" sz="1500" i="1" dirty="0">
+              <a:solidFill>
+                <a:srgbClr val="0D0D0D"/>
+              </a:solidFill>
+              <a:highlight>
+                <a:srgbClr val="FFFFFF"/>
+              </a:highlight>
+              <a:latin typeface="Montserrat"/>
+              <a:ea typeface="Montserrat"/>
+              <a:cs typeface="Montserrat"/>
+              <a:sym typeface="Montserrat"/>
+            </a:endParaRPr>
+          </a:p>
+          <a:p>
+            <a:pPr marL="457200" indent="-323850">
+              <a:lnSpc>
+                <a:spcPct val="150000"/>
+              </a:lnSpc>
+              <a:buClr>
+                <a:srgbClr val="0D0D0D"/>
+              </a:buClr>
+              <a:buSzPts val="1500"/>
+              <a:buFont typeface="Montserrat"/>
+              <a:buChar char="●"/>
+            </a:pPr>
+            <a:r>
+              <a:rPr lang="fr-FR" sz="1500" i="1" dirty="0">
+                <a:solidFill>
+                  <a:srgbClr val="0D0D0D"/>
+                </a:solidFill>
+                <a:highlight>
+                  <a:srgbClr val="FFFFFF"/>
+                </a:highlight>
+                <a:latin typeface="Montserrat"/>
+                <a:ea typeface="Montserrat"/>
+                <a:cs typeface="Montserrat"/>
+                <a:sym typeface="Montserrat"/>
+              </a:rPr>
+              <a:t>Lien Kanban : </a:t>
+            </a:r>
+            <a:r>
+              <a:rPr lang="fr-FR" sz="1500" i="1" dirty="0">
+                <a:solidFill>
+                  <a:srgbClr val="0D0D0D"/>
+                </a:solidFill>
+                <a:highlight>
+                  <a:srgbClr val="FFFFFF"/>
+                </a:highlight>
+                <a:latin typeface="Montserrat"/>
+                <a:ea typeface="Montserrat"/>
+                <a:cs typeface="Montserrat"/>
+                <a:sym typeface="Montserrat"/>
+                <a:hlinkClick r:id="rId3"/>
+              </a:rPr>
+              <a:t>https://trello.com/b/sbhaR1xZ/menumaker-sprint-1-agile</a:t>
+            </a:r>
+            <a:endParaRPr lang="fr-FR" sz="1500" i="1" dirty="0">
+              <a:solidFill>
+                <a:srgbClr val="0D0D0D"/>
+              </a:solidFill>
+              <a:highlight>
+                <a:srgbClr val="FFFFFF"/>
+              </a:highlight>
+              <a:latin typeface="Montserrat"/>
+              <a:ea typeface="Montserrat"/>
+              <a:cs typeface="Montserrat"/>
+              <a:sym typeface="Montserrat"/>
+            </a:endParaRPr>
+          </a:p>
+          <a:p>
+            <a:pPr marL="457200" indent="-323850">
+              <a:lnSpc>
+                <a:spcPct val="150000"/>
+              </a:lnSpc>
+              <a:buClr>
+                <a:srgbClr val="0D0D0D"/>
+              </a:buClr>
+              <a:buSzPts val="1500"/>
+              <a:buFont typeface="Montserrat"/>
+              <a:buChar char="●"/>
+            </a:pPr>
+            <a:endParaRPr lang="fr-FR" sz="1500" i="1" dirty="0">
+              <a:solidFill>
+                <a:srgbClr val="0D0D0D"/>
+              </a:solidFill>
+              <a:highlight>
+                <a:srgbClr val="FFFFFF"/>
+              </a:highlight>
+              <a:latin typeface="Montserrat"/>
+              <a:ea typeface="Montserrat"/>
+              <a:cs typeface="Montserrat"/>
+              <a:sym typeface="Montserrat"/>
+            </a:endParaRPr>
+          </a:p>
+        </p:txBody>
+      </p:sp>
+      <p:sp>
+        <p:nvSpPr>
+          <p:cNvPr id="95" name="Google Shape;95;p18"/>
+          <p:cNvSpPr/>
+          <p:nvPr/>
+        </p:nvSpPr>
+        <p:spPr>
+          <a:xfrm>
+            <a:off x="-4800" y="0"/>
+            <a:ext cx="9153600" cy="239700"/>
+          </a:xfrm>
+          <a:prstGeom prst="rect">
+            <a:avLst/>
+          </a:prstGeom>
+          <a:solidFill>
+            <a:srgbClr val="FCE5CD"/>
+          </a:solidFill>
+          <a:ln w="9525" cap="flat" cmpd="sng">
+            <a:solidFill>
+              <a:srgbClr val="F7EDDE"/>
+            </a:solidFill>
+            <a:prstDash val="solid"/>
+            <a:round/>
+            <a:headEnd type="none" w="sm" len="sm"/>
+            <a:tailEnd type="none" w="sm" len="sm"/>
+          </a:ln>
+        </p:spPr>
+        <p:txBody>
+          <a:bodyPr spcFirstLastPara="1" wrap="square" lIns="91425" tIns="91425" rIns="91425" bIns="91425" anchor="ctr" anchorCtr="0">
+            <a:noAutofit/>
+          </a:bodyPr>
+          <a:lstStyle/>
+          <a:p>
+            <a:pPr marL="0" lvl="0" indent="0" algn="ctr" rtl="0">
+              <a:spcBef>
+                <a:spcPts val="0"/>
+              </a:spcBef>
+              <a:spcAft>
+                <a:spcPts val="0"/>
+              </a:spcAft>
+              <a:buNone/>
+            </a:pPr>
+            <a:endParaRPr/>
+          </a:p>
+        </p:txBody>
+      </p:sp>
+      <p:pic>
+        <p:nvPicPr>
+          <p:cNvPr id="96" name="Google Shape;96;p18"/>
+          <p:cNvPicPr preferRelativeResize="0"/>
+          <p:nvPr/>
+        </p:nvPicPr>
+        <p:blipFill>
+          <a:blip r:embed="rId4">
+            <a:alphaModFix/>
+          </a:blip>
+          <a:stretch>
+            <a:fillRect/>
+          </a:stretch>
+        </p:blipFill>
+        <p:spPr>
+          <a:xfrm>
+            <a:off x="8469575" y="-4"/>
+            <a:ext cx="674425" cy="340550"/>
+          </a:xfrm>
+          <a:prstGeom prst="rect">
+            <a:avLst/>
+          </a:prstGeom>
+          <a:noFill/>
+          <a:ln>
+            <a:noFill/>
+          </a:ln>
+        </p:spPr>
+      </p:pic>
+    </p:spTree>
+  </p:cSld>
+  <p:clrMapOvr>
+    <a:masterClrMapping/>
+  </p:clrMapOvr>
+</p:sld>
+</file>
+
+<file path=ppt/slides/slide11.xml><?xml version="1.0" encoding="utf-8"?>
+<p:sld xmlns:a="http://schemas.openxmlformats.org/drawingml/2006/main" xmlns:r="http://schemas.openxmlformats.org/officeDocument/2006/relationships" xmlns:p="http://schemas.openxmlformats.org/presentationml/2006/main">
+  <p:cSld>
+    <p:spTree>
+      <p:nvGrpSpPr>
+        <p:cNvPr id="1" name="Shape 91"/>
+        <p:cNvGrpSpPr/>
+        <p:nvPr/>
+      </p:nvGrpSpPr>
+      <p:grpSpPr>
+        <a:xfrm>
+          <a:off x="0" y="0"/>
+          <a:ext cx="0" cy="0"/>
+          <a:chOff x="0" y="0"/>
+          <a:chExt cx="0" cy="0"/>
+        </a:xfrm>
+      </p:grpSpPr>
+      <p:sp>
+        <p:nvSpPr>
+          <p:cNvPr id="92" name="Google Shape;92;p18"/>
+          <p:cNvSpPr txBox="1">
+            <a:spLocks noGrp="1"/>
+          </p:cNvSpPr>
+          <p:nvPr>
+            <p:ph type="title"/>
+          </p:nvPr>
+        </p:nvSpPr>
+        <p:spPr>
+          <a:xfrm>
+            <a:off x="311700" y="445025"/>
+            <a:ext cx="8520600" cy="572700"/>
+          </a:xfrm>
+          <a:prstGeom prst="rect">
+            <a:avLst/>
+          </a:prstGeom>
+        </p:spPr>
+        <p:txBody>
+          <a:bodyPr spcFirstLastPara="1" wrap="square" lIns="91425" tIns="91425" rIns="91425" bIns="91425" anchor="t" anchorCtr="0">
+            <a:normAutofit fontScale="90000"/>
+          </a:bodyPr>
+          <a:lstStyle/>
+          <a:p>
+            <a:pPr marL="0" lvl="0" indent="0" algn="l" rtl="0">
+              <a:lnSpc>
+                <a:spcPct val="115000"/>
+              </a:lnSpc>
+              <a:spcBef>
+                <a:spcPts val="0"/>
+              </a:spcBef>
+              <a:spcAft>
+                <a:spcPts val="1200"/>
+              </a:spcAft>
+              <a:buNone/>
+            </a:pPr>
+            <a:r>
+              <a:rPr lang="fr" sz="2000" dirty="0">
+                <a:latin typeface="Montserrat"/>
+                <a:ea typeface="Montserrat"/>
+                <a:cs typeface="Montserrat"/>
+                <a:sym typeface="Montserrat"/>
+              </a:rPr>
+              <a:t>Suivi du projet avec le Kanban</a:t>
+            </a:r>
+            <a:endParaRPr sz="3000" dirty="0">
+              <a:latin typeface="Montserrat"/>
+              <a:ea typeface="Montserrat"/>
+              <a:cs typeface="Montserrat"/>
+              <a:sym typeface="Montserrat"/>
+            </a:endParaRPr>
+          </a:p>
+        </p:txBody>
+      </p:sp>
+      <p:sp>
+        <p:nvSpPr>
+          <p:cNvPr id="93" name="Google Shape;93;p18"/>
+          <p:cNvSpPr txBox="1">
+            <a:spLocks noGrp="1"/>
+          </p:cNvSpPr>
+          <p:nvPr>
+            <p:ph type="body" idx="1"/>
+          </p:nvPr>
+        </p:nvSpPr>
+        <p:spPr>
+          <a:xfrm>
+            <a:off x="311700" y="1152475"/>
+            <a:ext cx="8520600" cy="3416400"/>
+          </a:xfrm>
+          <a:prstGeom prst="rect">
+            <a:avLst/>
+          </a:prstGeom>
+        </p:spPr>
+        <p:txBody>
+          <a:bodyPr spcFirstLastPara="1" wrap="square" lIns="91425" tIns="91425" rIns="91425" bIns="91425" anchor="t" anchorCtr="0">
+            <a:normAutofit/>
+          </a:bodyPr>
+          <a:lstStyle/>
+          <a:p>
+            <a:pPr marL="0" lvl="0" indent="0" algn="l" rtl="0">
+              <a:spcBef>
+                <a:spcPts val="0"/>
+              </a:spcBef>
+              <a:spcAft>
+                <a:spcPts val="0"/>
+              </a:spcAft>
+              <a:buNone/>
+            </a:pPr>
+            <a:endParaRPr dirty="0">
+              <a:latin typeface="Montserrat"/>
+              <a:ea typeface="Montserrat"/>
+              <a:cs typeface="Montserrat"/>
+              <a:sym typeface="Montserrat"/>
+            </a:endParaRPr>
+          </a:p>
+          <a:p>
+            <a:pPr marL="0" lvl="0" indent="0" algn="l" rtl="0">
+              <a:spcBef>
+                <a:spcPts val="1200"/>
+              </a:spcBef>
+              <a:spcAft>
+                <a:spcPts val="0"/>
+              </a:spcAft>
+              <a:buNone/>
+            </a:pPr>
+            <a:endParaRPr dirty="0">
+              <a:latin typeface="Montserrat"/>
+              <a:ea typeface="Montserrat"/>
+              <a:cs typeface="Montserrat"/>
+              <a:sym typeface="Montserrat"/>
+            </a:endParaRPr>
+          </a:p>
+          <a:p>
+            <a:pPr marL="457200" lvl="0" indent="0" algn="l" rtl="0">
+              <a:spcBef>
+                <a:spcPts val="1200"/>
+              </a:spcBef>
+              <a:spcAft>
+                <a:spcPts val="1200"/>
+              </a:spcAft>
+              <a:buNone/>
+            </a:pPr>
+            <a:endParaRPr dirty="0">
+              <a:latin typeface="Montserrat"/>
+              <a:ea typeface="Montserrat"/>
+              <a:cs typeface="Montserrat"/>
+              <a:sym typeface="Montserrat"/>
+            </a:endParaRPr>
+          </a:p>
+        </p:txBody>
+      </p:sp>
+      <p:sp>
+        <p:nvSpPr>
+          <p:cNvPr id="95" name="Google Shape;95;p18"/>
+          <p:cNvSpPr/>
+          <p:nvPr/>
+        </p:nvSpPr>
+        <p:spPr>
+          <a:xfrm>
+            <a:off x="-4800" y="0"/>
+            <a:ext cx="9153600" cy="239700"/>
+          </a:xfrm>
+          <a:prstGeom prst="rect">
+            <a:avLst/>
+          </a:prstGeom>
+          <a:solidFill>
+            <a:srgbClr val="FCE5CD"/>
+          </a:solidFill>
+          <a:ln w="9525" cap="flat" cmpd="sng">
+            <a:solidFill>
+              <a:srgbClr val="F7EDDE"/>
+            </a:solidFill>
+            <a:prstDash val="solid"/>
+            <a:round/>
+            <a:headEnd type="none" w="sm" len="sm"/>
+            <a:tailEnd type="none" w="sm" len="sm"/>
+          </a:ln>
+        </p:spPr>
+        <p:txBody>
+          <a:bodyPr spcFirstLastPara="1" wrap="square" lIns="91425" tIns="91425" rIns="91425" bIns="91425" anchor="ctr" anchorCtr="0">
+            <a:noAutofit/>
+          </a:bodyPr>
+          <a:lstStyle/>
+          <a:p>
+            <a:pPr marL="0" lvl="0" indent="0" algn="ctr" rtl="0">
+              <a:spcBef>
+                <a:spcPts val="0"/>
+              </a:spcBef>
+              <a:spcAft>
+                <a:spcPts val="0"/>
+              </a:spcAft>
+              <a:buNone/>
+            </a:pPr>
+            <a:endParaRPr/>
+          </a:p>
+        </p:txBody>
+      </p:sp>
+      <p:pic>
+        <p:nvPicPr>
+          <p:cNvPr id="96" name="Google Shape;96;p18"/>
+          <p:cNvPicPr preferRelativeResize="0"/>
+          <p:nvPr/>
+        </p:nvPicPr>
+        <p:blipFill>
+          <a:blip r:embed="rId3">
+            <a:alphaModFix/>
+          </a:blip>
+          <a:stretch>
+            <a:fillRect/>
+          </a:stretch>
+        </p:blipFill>
+        <p:spPr>
+          <a:xfrm>
+            <a:off x="8469575" y="-4"/>
+            <a:ext cx="674425" cy="340550"/>
+          </a:xfrm>
+          <a:prstGeom prst="rect">
+            <a:avLst/>
+          </a:prstGeom>
+          <a:noFill/>
+          <a:ln>
+            <a:noFill/>
+          </a:ln>
+        </p:spPr>
+      </p:pic>
+      <p:pic>
+        <p:nvPicPr>
+          <p:cNvPr id="3" name="Image 2" descr="Une image contenant texte, capture d’écran, logiciel, Page web&#10;&#10;Description générée automatiquement">
+            <a:extLst>
+              <a:ext uri="{FF2B5EF4-FFF2-40B4-BE49-F238E27FC236}">
+                <a16:creationId xmlns:a16="http://schemas.microsoft.com/office/drawing/2014/main" id="{616A668E-EB83-EAB8-DEB3-0DBA2CEE2AAA}"/>
+              </a:ext>
+            </a:extLst>
+          </p:cNvPr>
+          <p:cNvPicPr>
+            <a:picLocks noChangeAspect="1"/>
+          </p:cNvPicPr>
+          <p:nvPr/>
+        </p:nvPicPr>
+        <p:blipFill>
+          <a:blip r:embed="rId4"/>
+          <a:stretch>
+            <a:fillRect/>
+          </a:stretch>
+        </p:blipFill>
+        <p:spPr>
+          <a:xfrm>
+            <a:off x="1157493" y="943535"/>
+            <a:ext cx="6829013" cy="4095462"/>
+          </a:xfrm>
+          <a:prstGeom prst="rect">
+            <a:avLst/>
+          </a:prstGeom>
+        </p:spPr>
+      </p:pic>
+    </p:spTree>
+    <p:extLst>
+      <p:ext uri="{BB962C8B-B14F-4D97-AF65-F5344CB8AC3E}">
+        <p14:creationId xmlns:p14="http://schemas.microsoft.com/office/powerpoint/2010/main" val="3452704318"/>
+      </p:ext>
+    </p:extLst>
+  </p:cSld>
+  <p:clrMapOvr>
+    <a:masterClrMapping/>
+  </p:clrMapOvr>
+</p:sld>
+</file>
+
+<file path=ppt/slides/slide12.xml><?xml version="1.0" encoding="utf-8"?>
+<p:sld xmlns:a="http://schemas.openxmlformats.org/drawingml/2006/main" xmlns:r="http://schemas.openxmlformats.org/officeDocument/2006/relationships" xmlns:p="http://schemas.openxmlformats.org/presentationml/2006/main">
+  <p:cSld>
+    <p:spTree>
+      <p:nvGrpSpPr>
+        <p:cNvPr id="1" name="Shape 91"/>
+        <p:cNvGrpSpPr/>
+        <p:nvPr/>
+      </p:nvGrpSpPr>
+      <p:grpSpPr>
+        <a:xfrm>
+          <a:off x="0" y="0"/>
+          <a:ext cx="0" cy="0"/>
+          <a:chOff x="0" y="0"/>
+          <a:chExt cx="0" cy="0"/>
+        </a:xfrm>
+      </p:grpSpPr>
+      <p:sp>
+        <p:nvSpPr>
+          <p:cNvPr id="92" name="Google Shape;92;p18"/>
+          <p:cNvSpPr txBox="1">
+            <a:spLocks noGrp="1"/>
+          </p:cNvSpPr>
+          <p:nvPr>
+            <p:ph type="title"/>
+          </p:nvPr>
+        </p:nvSpPr>
+        <p:spPr>
+          <a:xfrm>
+            <a:off x="311700" y="445025"/>
+            <a:ext cx="8520600" cy="572700"/>
+          </a:xfrm>
+          <a:prstGeom prst="rect">
+            <a:avLst/>
+          </a:prstGeom>
+        </p:spPr>
+        <p:txBody>
+          <a:bodyPr spcFirstLastPara="1" wrap="square" lIns="91425" tIns="91425" rIns="91425" bIns="91425" anchor="t" anchorCtr="0">
+            <a:normAutofit fontScale="90000"/>
+          </a:bodyPr>
+          <a:lstStyle/>
+          <a:p>
+            <a:pPr marL="0" lvl="0" indent="0" algn="l" rtl="0">
+              <a:lnSpc>
+                <a:spcPct val="115000"/>
+              </a:lnSpc>
+              <a:spcBef>
+                <a:spcPts val="0"/>
+              </a:spcBef>
+              <a:spcAft>
+                <a:spcPts val="1200"/>
+              </a:spcAft>
+              <a:buNone/>
+            </a:pPr>
+            <a:r>
+              <a:rPr lang="fr" sz="2000" dirty="0">
+                <a:latin typeface="Montserrat"/>
+                <a:ea typeface="Montserrat"/>
+                <a:cs typeface="Montserrat"/>
+                <a:sym typeface="Montserrat"/>
+              </a:rPr>
+              <a:t>Suivi du projet avec le Kanban</a:t>
+            </a:r>
+            <a:endParaRPr sz="3000" dirty="0">
+              <a:latin typeface="Montserrat"/>
+              <a:ea typeface="Montserrat"/>
+              <a:cs typeface="Montserrat"/>
+              <a:sym typeface="Montserrat"/>
+            </a:endParaRPr>
+          </a:p>
+        </p:txBody>
+      </p:sp>
+      <p:sp>
+        <p:nvSpPr>
+          <p:cNvPr id="93" name="Google Shape;93;p18"/>
+          <p:cNvSpPr txBox="1">
+            <a:spLocks noGrp="1"/>
+          </p:cNvSpPr>
+          <p:nvPr>
+            <p:ph type="body" idx="1"/>
+          </p:nvPr>
+        </p:nvSpPr>
+        <p:spPr>
+          <a:xfrm>
+            <a:off x="311700" y="1152475"/>
+            <a:ext cx="8520600" cy="3416400"/>
+          </a:xfrm>
+          <a:prstGeom prst="rect">
+            <a:avLst/>
+          </a:prstGeom>
+        </p:spPr>
+        <p:txBody>
+          <a:bodyPr spcFirstLastPara="1" wrap="square" lIns="91425" tIns="91425" rIns="91425" bIns="91425" anchor="t" anchorCtr="0">
+            <a:normAutofit/>
+          </a:bodyPr>
+          <a:lstStyle/>
+          <a:p>
+            <a:pPr marL="0" lvl="0" indent="0" algn="l" rtl="0">
+              <a:spcBef>
+                <a:spcPts val="0"/>
+              </a:spcBef>
+              <a:spcAft>
+                <a:spcPts val="0"/>
+              </a:spcAft>
+              <a:buNone/>
+            </a:pPr>
+            <a:endParaRPr dirty="0">
+              <a:latin typeface="Montserrat"/>
+              <a:ea typeface="Montserrat"/>
+              <a:cs typeface="Montserrat"/>
+              <a:sym typeface="Montserrat"/>
+            </a:endParaRPr>
+          </a:p>
+          <a:p>
+            <a:pPr marL="0" lvl="0" indent="0" algn="l" rtl="0">
+              <a:spcBef>
+                <a:spcPts val="1200"/>
+              </a:spcBef>
+              <a:spcAft>
+                <a:spcPts val="0"/>
+              </a:spcAft>
+              <a:buNone/>
+            </a:pPr>
+            <a:endParaRPr dirty="0">
+              <a:latin typeface="Montserrat"/>
+              <a:ea typeface="Montserrat"/>
+              <a:cs typeface="Montserrat"/>
+              <a:sym typeface="Montserrat"/>
+            </a:endParaRPr>
+          </a:p>
+          <a:p>
+            <a:pPr marL="457200" lvl="0" indent="0" algn="l" rtl="0">
+              <a:spcBef>
+                <a:spcPts val="1200"/>
+              </a:spcBef>
+              <a:spcAft>
+                <a:spcPts val="1200"/>
+              </a:spcAft>
+              <a:buNone/>
+            </a:pPr>
+            <a:endParaRPr dirty="0">
+              <a:latin typeface="Montserrat"/>
+              <a:ea typeface="Montserrat"/>
+              <a:cs typeface="Montserrat"/>
+              <a:sym typeface="Montserrat"/>
+            </a:endParaRPr>
+          </a:p>
+        </p:txBody>
+      </p:sp>
+      <p:sp>
+        <p:nvSpPr>
+          <p:cNvPr id="95" name="Google Shape;95;p18"/>
+          <p:cNvSpPr/>
+          <p:nvPr/>
+        </p:nvSpPr>
+        <p:spPr>
+          <a:xfrm>
+            <a:off x="-4800" y="0"/>
+            <a:ext cx="9153600" cy="239700"/>
+          </a:xfrm>
+          <a:prstGeom prst="rect">
+            <a:avLst/>
+          </a:prstGeom>
+          <a:solidFill>
+            <a:srgbClr val="FCE5CD"/>
+          </a:solidFill>
+          <a:ln w="9525" cap="flat" cmpd="sng">
+            <a:solidFill>
+              <a:srgbClr val="F7EDDE"/>
+            </a:solidFill>
+            <a:prstDash val="solid"/>
+            <a:round/>
+            <a:headEnd type="none" w="sm" len="sm"/>
+            <a:tailEnd type="none" w="sm" len="sm"/>
+          </a:ln>
+        </p:spPr>
+        <p:txBody>
+          <a:bodyPr spcFirstLastPara="1" wrap="square" lIns="91425" tIns="91425" rIns="91425" bIns="91425" anchor="ctr" anchorCtr="0">
+            <a:noAutofit/>
+          </a:bodyPr>
+          <a:lstStyle/>
+          <a:p>
+            <a:pPr marL="0" lvl="0" indent="0" algn="ctr" rtl="0">
+              <a:spcBef>
+                <a:spcPts val="0"/>
+              </a:spcBef>
+              <a:spcAft>
+                <a:spcPts val="0"/>
+              </a:spcAft>
+              <a:buNone/>
+            </a:pPr>
+            <a:endParaRPr/>
+          </a:p>
+        </p:txBody>
+      </p:sp>
+      <p:pic>
+        <p:nvPicPr>
+          <p:cNvPr id="96" name="Google Shape;96;p18"/>
+          <p:cNvPicPr preferRelativeResize="0"/>
+          <p:nvPr/>
+        </p:nvPicPr>
+        <p:blipFill>
+          <a:blip r:embed="rId3">
+            <a:alphaModFix/>
+          </a:blip>
+          <a:stretch>
+            <a:fillRect/>
+          </a:stretch>
+        </p:blipFill>
+        <p:spPr>
+          <a:xfrm>
+            <a:off x="8469575" y="-4"/>
+            <a:ext cx="674425" cy="340550"/>
+          </a:xfrm>
+          <a:prstGeom prst="rect">
+            <a:avLst/>
+          </a:prstGeom>
+          <a:noFill/>
+          <a:ln>
+            <a:noFill/>
+          </a:ln>
+        </p:spPr>
+      </p:pic>
+      <p:pic>
+        <p:nvPicPr>
+          <p:cNvPr id="6" name="Image 5" descr="Une image contenant texte, capture d’écran, logiciel, Page web&#10;&#10;Description générée automatiquement">
+            <a:extLst>
+              <a:ext uri="{FF2B5EF4-FFF2-40B4-BE49-F238E27FC236}">
+                <a16:creationId xmlns:a16="http://schemas.microsoft.com/office/drawing/2014/main" id="{019EBCCA-7E24-3DE9-3454-488FEB5492FF}"/>
+              </a:ext>
+            </a:extLst>
+          </p:cNvPr>
+          <p:cNvPicPr>
+            <a:picLocks noChangeAspect="1"/>
+          </p:cNvPicPr>
+          <p:nvPr/>
+        </p:nvPicPr>
+        <p:blipFill rotWithShape="1">
+          <a:blip r:embed="rId4"/>
+          <a:srcRect l="1890" t="1561" r="24728"/>
+          <a:stretch/>
+        </p:blipFill>
+        <p:spPr>
+          <a:xfrm>
+            <a:off x="4885511" y="1033862"/>
+            <a:ext cx="2705822" cy="3733759"/>
+          </a:xfrm>
+          <a:prstGeom prst="rect">
+            <a:avLst/>
+          </a:prstGeom>
+        </p:spPr>
+      </p:pic>
+      <p:pic>
+        <p:nvPicPr>
+          <p:cNvPr id="8" name="Image 7" descr="Une image contenant texte, capture d’écran, logiciel, Page web&#10;&#10;Description générée automatiquement">
+            <a:extLst>
+              <a:ext uri="{FF2B5EF4-FFF2-40B4-BE49-F238E27FC236}">
+                <a16:creationId xmlns:a16="http://schemas.microsoft.com/office/drawing/2014/main" id="{784F7FAD-6C2B-427D-780B-17CA198F5C98}"/>
+              </a:ext>
+            </a:extLst>
+          </p:cNvPr>
+          <p:cNvPicPr>
+            <a:picLocks noChangeAspect="1"/>
+          </p:cNvPicPr>
+          <p:nvPr/>
+        </p:nvPicPr>
+        <p:blipFill rotWithShape="1">
+          <a:blip r:embed="rId5"/>
+          <a:srcRect l="672" r="25046"/>
+          <a:stretch/>
+        </p:blipFill>
+        <p:spPr>
+          <a:xfrm>
+            <a:off x="738050" y="2401085"/>
+            <a:ext cx="3520441" cy="2366536"/>
+          </a:xfrm>
+          <a:prstGeom prst="rect">
+            <a:avLst/>
+          </a:prstGeom>
+        </p:spPr>
+      </p:pic>
+      <p:sp>
+        <p:nvSpPr>
+          <p:cNvPr id="9" name="Google Shape;94;p18">
+            <a:extLst>
+              <a:ext uri="{FF2B5EF4-FFF2-40B4-BE49-F238E27FC236}">
+                <a16:creationId xmlns:a16="http://schemas.microsoft.com/office/drawing/2014/main" id="{76DA0D7D-EAFA-9A3A-EEEF-FB7A90B1AD38}"/>
+              </a:ext>
+            </a:extLst>
+          </p:cNvPr>
+          <p:cNvSpPr txBox="1"/>
+          <p:nvPr/>
+        </p:nvSpPr>
+        <p:spPr>
+          <a:xfrm>
+            <a:off x="434775" y="1085525"/>
+            <a:ext cx="3823715" cy="530884"/>
+          </a:xfrm>
+          <a:prstGeom prst="rect">
+            <a:avLst/>
+          </a:prstGeom>
+          <a:noFill/>
+          <a:ln>
+            <a:noFill/>
+          </a:ln>
+        </p:spPr>
+        <p:txBody>
+          <a:bodyPr spcFirstLastPara="1" wrap="square" lIns="91425" tIns="91425" rIns="91425" bIns="91425" anchor="t" anchorCtr="0">
+            <a:spAutoFit/>
+          </a:bodyPr>
+          <a:lstStyle/>
+          <a:p>
+            <a:pPr marL="457200" lvl="0" indent="-323850" algn="l" rtl="0">
+              <a:lnSpc>
+                <a:spcPct val="150000"/>
+              </a:lnSpc>
+              <a:spcBef>
+                <a:spcPts val="0"/>
+              </a:spcBef>
+              <a:spcAft>
+                <a:spcPts val="0"/>
+              </a:spcAft>
+              <a:buClr>
+                <a:srgbClr val="0D0D0D"/>
+              </a:buClr>
+              <a:buSzPts val="1500"/>
+              <a:buFont typeface="Montserrat"/>
+              <a:buChar char="●"/>
+            </a:pPr>
+            <a:r>
+              <a:rPr lang="fr-FR" sz="1500" i="1" dirty="0">
+                <a:solidFill>
+                  <a:srgbClr val="0D0D0D"/>
+                </a:solidFill>
+                <a:highlight>
+                  <a:srgbClr val="FFFFFF"/>
+                </a:highlight>
+                <a:latin typeface="Montserrat"/>
+                <a:ea typeface="Montserrat"/>
+                <a:cs typeface="Montserrat"/>
+                <a:sym typeface="Montserrat"/>
+              </a:rPr>
+              <a:t>User story : page login</a:t>
+            </a:r>
+          </a:p>
+        </p:txBody>
+      </p:sp>
+    </p:spTree>
+    <p:extLst>
+      <p:ext uri="{BB962C8B-B14F-4D97-AF65-F5344CB8AC3E}">
+        <p14:creationId xmlns:p14="http://schemas.microsoft.com/office/powerpoint/2010/main" val="1981021263"/>
+      </p:ext>
+    </p:extLst>
+  </p:cSld>
+  <p:clrMapOvr>
+    <a:masterClrMapping/>
+  </p:clrMapOvr>
+</p:sld>
+</file>
+
+<file path=ppt/slides/slide13.xml><?xml version="1.0" encoding="utf-8"?>
+<p:sld xmlns:a="http://schemas.openxmlformats.org/drawingml/2006/main" xmlns:r="http://schemas.openxmlformats.org/officeDocument/2006/relationships" xmlns:p="http://schemas.openxmlformats.org/presentationml/2006/main">
+  <p:cSld>
+    <p:spTree>
+      <p:nvGrpSpPr>
+        <p:cNvPr id="1" name="Shape 100"/>
+        <p:cNvGrpSpPr/>
+        <p:nvPr/>
+      </p:nvGrpSpPr>
+      <p:grpSpPr>
+        <a:xfrm>
+          <a:off x="0" y="0"/>
+          <a:ext cx="0" cy="0"/>
+          <a:chOff x="0" y="0"/>
+          <a:chExt cx="0" cy="0"/>
+        </a:xfrm>
+      </p:grpSpPr>
+      <p:sp>
+        <p:nvSpPr>
+          <p:cNvPr id="101" name="Google Shape;101;p19"/>
+          <p:cNvSpPr txBox="1">
+            <a:spLocks noGrp="1"/>
+          </p:cNvSpPr>
+          <p:nvPr>
+            <p:ph type="title"/>
+          </p:nvPr>
+        </p:nvSpPr>
+        <p:spPr>
+          <a:xfrm>
+            <a:off x="311700" y="445025"/>
+            <a:ext cx="8520600" cy="572700"/>
+          </a:xfrm>
+          <a:prstGeom prst="rect">
+            <a:avLst/>
+          </a:prstGeom>
+        </p:spPr>
+        <p:txBody>
+          <a:bodyPr spcFirstLastPara="1" wrap="square" lIns="91425" tIns="91425" rIns="91425" bIns="91425" anchor="t" anchorCtr="0">
+            <a:normAutofit fontScale="90000"/>
+          </a:bodyPr>
+          <a:lstStyle/>
+          <a:p>
+            <a:pPr marL="0" lvl="0" indent="0" algn="l" rtl="0">
+              <a:lnSpc>
+                <a:spcPct val="115000"/>
+              </a:lnSpc>
+              <a:spcBef>
+                <a:spcPts val="0"/>
+              </a:spcBef>
+              <a:spcAft>
+                <a:spcPts val="1200"/>
+              </a:spcAft>
+              <a:buNone/>
+            </a:pPr>
+            <a:r>
+              <a:rPr lang="fr" sz="1800">
+                <a:latin typeface="Montserrat"/>
+                <a:ea typeface="Montserrat"/>
+                <a:cs typeface="Montserrat"/>
+                <a:sym typeface="Montserrat"/>
+              </a:rPr>
+              <a:t>Spécifications techniques</a:t>
+            </a:r>
+            <a:endParaRPr sz="1800">
+              <a:solidFill>
+                <a:schemeClr val="dk2"/>
+              </a:solidFill>
+              <a:latin typeface="Montserrat"/>
+              <a:ea typeface="Montserrat"/>
+              <a:cs typeface="Montserrat"/>
+              <a:sym typeface="Montserrat"/>
+            </a:endParaRPr>
+          </a:p>
+        </p:txBody>
+      </p:sp>
+      <p:sp>
+        <p:nvSpPr>
+          <p:cNvPr id="102" name="Google Shape;102;p19"/>
+          <p:cNvSpPr txBox="1">
+            <a:spLocks noGrp="1"/>
+          </p:cNvSpPr>
+          <p:nvPr>
+            <p:ph type="body" idx="1"/>
+          </p:nvPr>
+        </p:nvSpPr>
+        <p:spPr>
+          <a:xfrm>
+            <a:off x="311700" y="1152475"/>
+            <a:ext cx="8520600" cy="3416400"/>
+          </a:xfrm>
+          <a:prstGeom prst="rect">
+            <a:avLst/>
+          </a:prstGeom>
+        </p:spPr>
+        <p:txBody>
+          <a:bodyPr spcFirstLastPara="1" wrap="square" lIns="91425" tIns="91425" rIns="91425" bIns="91425" anchor="t" anchorCtr="0">
+            <a:normAutofit/>
+          </a:bodyPr>
+          <a:lstStyle/>
+          <a:p>
+            <a:pPr marL="0" lvl="0" indent="0" algn="l" rtl="0">
+              <a:spcBef>
+                <a:spcPts val="0"/>
+              </a:spcBef>
+              <a:spcAft>
+                <a:spcPts val="0"/>
+              </a:spcAft>
+              <a:buNone/>
+            </a:pPr>
+            <a:endParaRPr>
+              <a:latin typeface="Montserrat"/>
+              <a:ea typeface="Montserrat"/>
+              <a:cs typeface="Montserrat"/>
+              <a:sym typeface="Montserrat"/>
+            </a:endParaRPr>
+          </a:p>
+          <a:p>
+            <a:pPr marL="0" lvl="0" indent="0" algn="l" rtl="0">
+              <a:spcBef>
+                <a:spcPts val="1200"/>
+              </a:spcBef>
+              <a:spcAft>
+                <a:spcPts val="0"/>
+              </a:spcAft>
+              <a:buNone/>
+            </a:pPr>
+            <a:endParaRPr>
+              <a:latin typeface="Montserrat"/>
+              <a:ea typeface="Montserrat"/>
+              <a:cs typeface="Montserrat"/>
+              <a:sym typeface="Montserrat"/>
+            </a:endParaRPr>
+          </a:p>
+          <a:p>
+            <a:pPr marL="457200" lvl="0" indent="0" algn="l" rtl="0">
+              <a:spcBef>
+                <a:spcPts val="1200"/>
+              </a:spcBef>
+              <a:spcAft>
+                <a:spcPts val="1200"/>
+              </a:spcAft>
+              <a:buNone/>
+            </a:pPr>
+            <a:endParaRPr>
+              <a:latin typeface="Montserrat"/>
+              <a:ea typeface="Montserrat"/>
+              <a:cs typeface="Montserrat"/>
+              <a:sym typeface="Montserrat"/>
+            </a:endParaRPr>
+          </a:p>
+        </p:txBody>
+      </p:sp>
+      <p:sp>
+        <p:nvSpPr>
+          <p:cNvPr id="103" name="Google Shape;103;p19"/>
+          <p:cNvSpPr txBox="1"/>
+          <p:nvPr/>
+        </p:nvSpPr>
+        <p:spPr>
+          <a:xfrm>
+            <a:off x="0" y="0"/>
+            <a:ext cx="4911600" cy="338700"/>
+          </a:xfrm>
+          <a:prstGeom prst="rect">
+            <a:avLst/>
+          </a:prstGeom>
+          <a:noFill/>
+          <a:ln>
+            <a:noFill/>
+          </a:ln>
+        </p:spPr>
+        <p:txBody>
+          <a:bodyPr spcFirstLastPara="1" wrap="square" lIns="91425" tIns="91425" rIns="91425" bIns="91425" anchor="t" anchorCtr="0">
+            <a:spAutoFit/>
+          </a:bodyPr>
+          <a:lstStyle/>
+          <a:p>
+            <a:pPr marL="0" lvl="0" indent="0" algn="l" rtl="0">
+              <a:lnSpc>
+                <a:spcPct val="115000"/>
+              </a:lnSpc>
+              <a:spcBef>
+                <a:spcPts val="0"/>
+              </a:spcBef>
+              <a:spcAft>
+                <a:spcPts val="1200"/>
+              </a:spcAft>
+              <a:buNone/>
+            </a:pPr>
+            <a:r>
+              <a:rPr lang="fr" sz="1000">
+                <a:solidFill>
+                  <a:schemeClr val="dk2"/>
+                </a:solidFill>
+                <a:latin typeface="Montserrat"/>
+                <a:ea typeface="Montserrat"/>
+                <a:cs typeface="Montserrat"/>
+                <a:sym typeface="Montserrat"/>
+              </a:rPr>
+              <a:t>Présentation de l’usage du no-code</a:t>
+            </a:r>
+            <a:endParaRPr sz="1000"/>
+          </a:p>
+        </p:txBody>
+      </p:sp>
+      <p:sp>
+        <p:nvSpPr>
+          <p:cNvPr id="104" name="Google Shape;104;p19"/>
+          <p:cNvSpPr txBox="1"/>
+          <p:nvPr/>
+        </p:nvSpPr>
+        <p:spPr>
+          <a:xfrm>
+            <a:off x="434775" y="1085525"/>
+            <a:ext cx="8320500" cy="4016454"/>
+          </a:xfrm>
+          <a:prstGeom prst="rect">
+            <a:avLst/>
+          </a:prstGeom>
+          <a:noFill/>
+          <a:ln>
+            <a:noFill/>
+          </a:ln>
+        </p:spPr>
+        <p:txBody>
+          <a:bodyPr spcFirstLastPara="1" wrap="square" lIns="91425" tIns="91425" rIns="91425" bIns="91425" anchor="t" anchorCtr="0">
+            <a:spAutoFit/>
+          </a:bodyPr>
+          <a:lstStyle/>
+          <a:p>
+            <a:pPr marL="457200" lvl="0" indent="-323850" algn="l" rtl="0">
+              <a:lnSpc>
+                <a:spcPct val="150000"/>
+              </a:lnSpc>
+              <a:spcBef>
+                <a:spcPts val="0"/>
+              </a:spcBef>
+              <a:spcAft>
+                <a:spcPts val="0"/>
+              </a:spcAft>
+              <a:buClr>
+                <a:srgbClr val="0D0D0D"/>
+              </a:buClr>
+              <a:buSzPts val="1500"/>
+              <a:buFont typeface="Montserrat"/>
+              <a:buChar char="●"/>
+            </a:pPr>
+            <a:r>
+              <a:rPr lang="fr-FR" sz="1500" i="1" dirty="0">
+                <a:solidFill>
+                  <a:srgbClr val="0D0D0D"/>
+                </a:solidFill>
+                <a:highlight>
+                  <a:srgbClr val="FFFFFF"/>
+                </a:highlight>
+                <a:latin typeface="Montserrat"/>
+                <a:ea typeface="Montserrat"/>
+                <a:cs typeface="Montserrat"/>
+                <a:sym typeface="Montserrat"/>
+              </a:rPr>
+              <a:t>Frontend : ReactJS</a:t>
+            </a:r>
+          </a:p>
+          <a:p>
+            <a:pPr marL="457200" lvl="0" indent="-323850" algn="l" rtl="0">
+              <a:lnSpc>
+                <a:spcPct val="150000"/>
+              </a:lnSpc>
+              <a:spcBef>
+                <a:spcPts val="0"/>
+              </a:spcBef>
+              <a:spcAft>
+                <a:spcPts val="0"/>
+              </a:spcAft>
+              <a:buClr>
+                <a:srgbClr val="0D0D0D"/>
+              </a:buClr>
+              <a:buSzPts val="1500"/>
+              <a:buFont typeface="Montserrat"/>
+              <a:buChar char="●"/>
+            </a:pPr>
+            <a:r>
+              <a:rPr lang="fr-FR" sz="1500" i="1" dirty="0">
+                <a:solidFill>
+                  <a:srgbClr val="0D0D0D"/>
+                </a:solidFill>
+                <a:highlight>
+                  <a:srgbClr val="FFFFFF"/>
+                </a:highlight>
+                <a:latin typeface="Montserrat"/>
+                <a:ea typeface="Montserrat"/>
+                <a:cs typeface="Montserrat"/>
+                <a:sym typeface="Montserrat"/>
+              </a:rPr>
+              <a:t>Backend : NodeJS</a:t>
+            </a:r>
+          </a:p>
+          <a:p>
+            <a:pPr marL="457200" lvl="0" indent="-323850" algn="l" rtl="0">
+              <a:lnSpc>
+                <a:spcPct val="150000"/>
+              </a:lnSpc>
+              <a:spcBef>
+                <a:spcPts val="0"/>
+              </a:spcBef>
+              <a:spcAft>
+                <a:spcPts val="0"/>
+              </a:spcAft>
+              <a:buClr>
+                <a:srgbClr val="0D0D0D"/>
+              </a:buClr>
+              <a:buSzPts val="1500"/>
+              <a:buFont typeface="Montserrat"/>
+              <a:buChar char="●"/>
+            </a:pPr>
+            <a:r>
+              <a:rPr lang="fr-FR" sz="1500" i="1" dirty="0">
+                <a:solidFill>
+                  <a:srgbClr val="0D0D0D"/>
+                </a:solidFill>
+                <a:highlight>
+                  <a:srgbClr val="FFFFFF"/>
+                </a:highlight>
+                <a:latin typeface="Montserrat"/>
+                <a:ea typeface="Montserrat"/>
+                <a:cs typeface="Montserrat"/>
+                <a:sym typeface="Montserrat"/>
+              </a:rPr>
+              <a:t>Base de données : MySQL</a:t>
+            </a:r>
+          </a:p>
+          <a:p>
+            <a:pPr marL="457200" lvl="0" indent="-323850" algn="l" rtl="0">
+              <a:lnSpc>
+                <a:spcPct val="150000"/>
+              </a:lnSpc>
+              <a:spcBef>
+                <a:spcPts val="0"/>
+              </a:spcBef>
+              <a:spcAft>
+                <a:spcPts val="0"/>
+              </a:spcAft>
+              <a:buClr>
+                <a:srgbClr val="0D0D0D"/>
+              </a:buClr>
+              <a:buSzPts val="1500"/>
+              <a:buFont typeface="Montserrat"/>
+              <a:buChar char="●"/>
+            </a:pPr>
+            <a:r>
+              <a:rPr lang="fr-FR" sz="1500" i="1" dirty="0">
+                <a:solidFill>
+                  <a:srgbClr val="0D0D0D"/>
+                </a:solidFill>
+                <a:highlight>
+                  <a:srgbClr val="FFFFFF"/>
+                </a:highlight>
+                <a:latin typeface="Montserrat"/>
+                <a:ea typeface="Montserrat"/>
+                <a:cs typeface="Montserrat"/>
+                <a:sym typeface="Montserrat"/>
+              </a:rPr>
+              <a:t>Composants réutilisables : Material UI</a:t>
+            </a:r>
+          </a:p>
+          <a:p>
+            <a:pPr marL="457200" lvl="0" indent="-323850" algn="l" rtl="0">
+              <a:lnSpc>
+                <a:spcPct val="150000"/>
+              </a:lnSpc>
+              <a:spcBef>
+                <a:spcPts val="0"/>
+              </a:spcBef>
+              <a:spcAft>
+                <a:spcPts val="0"/>
+              </a:spcAft>
+              <a:buClr>
+                <a:srgbClr val="0D0D0D"/>
+              </a:buClr>
+              <a:buSzPts val="1500"/>
+              <a:buFont typeface="Montserrat"/>
+              <a:buChar char="●"/>
+            </a:pPr>
+            <a:r>
+              <a:rPr lang="fr-FR" sz="1500" i="1" dirty="0">
+                <a:solidFill>
+                  <a:srgbClr val="0D0D0D"/>
+                </a:solidFill>
+                <a:highlight>
+                  <a:srgbClr val="FFFFFF"/>
+                </a:highlight>
+                <a:latin typeface="Montserrat"/>
+                <a:ea typeface="Montserrat"/>
+                <a:cs typeface="Montserrat"/>
+                <a:sym typeface="Montserrat"/>
+              </a:rPr>
+              <a:t>Authentification : Nodemailer, localStorage, Passport.js</a:t>
+            </a:r>
+          </a:p>
+          <a:p>
+            <a:pPr marL="457200" indent="-323850">
+              <a:lnSpc>
+                <a:spcPct val="150000"/>
+              </a:lnSpc>
+              <a:buClr>
+                <a:srgbClr val="0D0D0D"/>
+              </a:buClr>
+              <a:buSzPts val="1500"/>
+              <a:buFont typeface="Montserrat"/>
+              <a:buChar char="●"/>
+            </a:pPr>
+            <a:r>
+              <a:rPr lang="fr-FR" sz="1500" i="1" dirty="0">
+                <a:solidFill>
+                  <a:srgbClr val="0D0D0D"/>
+                </a:solidFill>
+                <a:highlight>
+                  <a:srgbClr val="FFFFFF"/>
+                </a:highlight>
+                <a:latin typeface="Montserrat"/>
+                <a:ea typeface="Montserrat"/>
+                <a:cs typeface="Montserrat"/>
+                <a:sym typeface="Montserrat"/>
+              </a:rPr>
+              <a:t>Gestion d’état (personnalisation de menu) : Redux</a:t>
+            </a:r>
+          </a:p>
+          <a:p>
+            <a:pPr marL="457200" indent="-323850">
+              <a:lnSpc>
+                <a:spcPct val="150000"/>
+              </a:lnSpc>
+              <a:buClr>
+                <a:srgbClr val="0D0D0D"/>
+              </a:buClr>
+              <a:buSzPts val="1500"/>
+              <a:buFont typeface="Montserrat"/>
+              <a:buChar char="●"/>
+            </a:pPr>
+            <a:r>
+              <a:rPr lang="fr-FR" sz="1500" i="1" dirty="0">
+                <a:solidFill>
+                  <a:srgbClr val="0D0D0D"/>
+                </a:solidFill>
+                <a:highlight>
+                  <a:srgbClr val="FFFFFF"/>
+                </a:highlight>
+                <a:latin typeface="Montserrat"/>
+                <a:ea typeface="Montserrat"/>
+                <a:cs typeface="Montserrat"/>
+                <a:sym typeface="Montserrat"/>
+              </a:rPr>
+              <a:t>Formulaires : React Hook Form</a:t>
+            </a:r>
+          </a:p>
+          <a:p>
+            <a:pPr marL="457200" indent="-323850">
+              <a:lnSpc>
+                <a:spcPct val="150000"/>
+              </a:lnSpc>
+              <a:buClr>
+                <a:srgbClr val="0D0D0D"/>
+              </a:buClr>
+              <a:buSzPts val="1500"/>
+              <a:buFont typeface="Montserrat"/>
+              <a:buChar char="●"/>
+            </a:pPr>
+            <a:r>
+              <a:rPr lang="fr-FR" sz="1500" i="1" dirty="0">
+                <a:solidFill>
+                  <a:srgbClr val="0D0D0D"/>
+                </a:solidFill>
+                <a:highlight>
+                  <a:srgbClr val="FFFFFF"/>
+                </a:highlight>
+                <a:latin typeface="Montserrat"/>
+                <a:ea typeface="Montserrat"/>
+                <a:cs typeface="Montserrat"/>
+                <a:sym typeface="Montserrat"/>
+              </a:rPr>
+              <a:t>Impression : React-to-</a:t>
+            </a:r>
+            <a:r>
+              <a:rPr lang="fr-FR" sz="1500" i="1" dirty="0" err="1">
+                <a:solidFill>
+                  <a:srgbClr val="0D0D0D"/>
+                </a:solidFill>
+                <a:highlight>
+                  <a:srgbClr val="FFFFFF"/>
+                </a:highlight>
+                <a:latin typeface="Montserrat"/>
+                <a:ea typeface="Montserrat"/>
+                <a:cs typeface="Montserrat"/>
+                <a:sym typeface="Montserrat"/>
+              </a:rPr>
+              <a:t>print</a:t>
+            </a:r>
+            <a:endParaRPr lang="fr-FR" sz="1500" i="1" dirty="0">
+              <a:solidFill>
+                <a:srgbClr val="0D0D0D"/>
+              </a:solidFill>
+              <a:highlight>
+                <a:srgbClr val="FFFFFF"/>
+              </a:highlight>
+              <a:latin typeface="Montserrat"/>
+              <a:ea typeface="Montserrat"/>
+              <a:cs typeface="Montserrat"/>
+              <a:sym typeface="Montserrat"/>
+            </a:endParaRPr>
+          </a:p>
+          <a:p>
+            <a:pPr marL="457200" indent="-323850">
+              <a:lnSpc>
+                <a:spcPct val="150000"/>
+              </a:lnSpc>
+              <a:buClr>
+                <a:srgbClr val="0D0D0D"/>
+              </a:buClr>
+              <a:buSzPts val="1500"/>
+              <a:buFont typeface="Montserrat"/>
+              <a:buChar char="●"/>
+            </a:pPr>
+            <a:r>
+              <a:rPr lang="fr-FR" sz="1500" i="1" dirty="0">
+                <a:solidFill>
+                  <a:srgbClr val="0D0D0D"/>
+                </a:solidFill>
+                <a:highlight>
+                  <a:srgbClr val="FFFFFF"/>
+                </a:highlight>
+                <a:latin typeface="Montserrat"/>
+                <a:ea typeface="Montserrat"/>
+                <a:cs typeface="Montserrat"/>
+                <a:sym typeface="Montserrat"/>
+              </a:rPr>
+              <a:t>Exportation PDF : React-PDF</a:t>
+            </a:r>
+          </a:p>
+          <a:p>
+            <a:pPr marL="457200" lvl="0" indent="-323850" algn="l" rtl="0">
+              <a:lnSpc>
+                <a:spcPct val="150000"/>
+              </a:lnSpc>
+              <a:spcBef>
+                <a:spcPts val="0"/>
+              </a:spcBef>
+              <a:spcAft>
+                <a:spcPts val="0"/>
+              </a:spcAft>
+              <a:buClr>
+                <a:srgbClr val="0D0D0D"/>
+              </a:buClr>
+              <a:buSzPts val="1500"/>
+              <a:buFont typeface="Montserrat"/>
+              <a:buChar char="●"/>
+            </a:pPr>
+            <a:r>
+              <a:rPr lang="fr-FR" sz="1500" i="1" dirty="0">
+                <a:solidFill>
+                  <a:srgbClr val="0D0D0D"/>
+                </a:solidFill>
+                <a:highlight>
+                  <a:srgbClr val="FFFFFF"/>
+                </a:highlight>
+                <a:latin typeface="Montserrat"/>
+                <a:ea typeface="Montserrat"/>
+                <a:cs typeface="Montserrat"/>
+                <a:sym typeface="Montserrat"/>
+              </a:rPr>
+              <a:t>Exportation Deliveroo : API Deliveroo</a:t>
+            </a:r>
+            <a:endParaRPr sz="1200" i="1" dirty="0">
+              <a:solidFill>
+                <a:schemeClr val="dk1"/>
+              </a:solidFill>
+              <a:latin typeface="Montserrat"/>
+              <a:ea typeface="Montserrat"/>
+              <a:cs typeface="Montserrat"/>
+              <a:sym typeface="Montserrat"/>
+            </a:endParaRPr>
+          </a:p>
+          <a:p>
+            <a:pPr marL="0" lvl="0" indent="0" algn="l" rtl="0">
+              <a:spcBef>
+                <a:spcPts val="1200"/>
+              </a:spcBef>
+              <a:spcAft>
+                <a:spcPts val="0"/>
+              </a:spcAft>
+              <a:buNone/>
+            </a:pPr>
+            <a:endParaRPr dirty="0"/>
+          </a:p>
+        </p:txBody>
+      </p:sp>
+      <p:sp>
+        <p:nvSpPr>
+          <p:cNvPr id="105" name="Google Shape;105;p19"/>
+          <p:cNvSpPr/>
+          <p:nvPr/>
+        </p:nvSpPr>
+        <p:spPr>
+          <a:xfrm>
+            <a:off x="-4800" y="0"/>
+            <a:ext cx="9153600" cy="239700"/>
+          </a:xfrm>
+          <a:prstGeom prst="rect">
+            <a:avLst/>
+          </a:prstGeom>
+          <a:solidFill>
+            <a:srgbClr val="FCE5CD"/>
+          </a:solidFill>
+          <a:ln w="9525" cap="flat" cmpd="sng">
+            <a:solidFill>
+              <a:srgbClr val="F7EDDE"/>
+            </a:solidFill>
+            <a:prstDash val="solid"/>
+            <a:round/>
+            <a:headEnd type="none" w="sm" len="sm"/>
+            <a:tailEnd type="none" w="sm" len="sm"/>
+          </a:ln>
+        </p:spPr>
+        <p:txBody>
+          <a:bodyPr spcFirstLastPara="1" wrap="square" lIns="91425" tIns="91425" rIns="91425" bIns="91425" anchor="ctr" anchorCtr="0">
+            <a:noAutofit/>
+          </a:bodyPr>
+          <a:lstStyle/>
+          <a:p>
+            <a:pPr marL="0" lvl="0" indent="0" algn="ctr" rtl="0">
+              <a:spcBef>
+                <a:spcPts val="0"/>
+              </a:spcBef>
+              <a:spcAft>
+                <a:spcPts val="0"/>
+              </a:spcAft>
+              <a:buNone/>
+            </a:pPr>
+            <a:endParaRPr/>
+          </a:p>
+        </p:txBody>
+      </p:sp>
+      <p:pic>
+        <p:nvPicPr>
+          <p:cNvPr id="106" name="Google Shape;106;p19"/>
+          <p:cNvPicPr preferRelativeResize="0"/>
+          <p:nvPr/>
+        </p:nvPicPr>
+        <p:blipFill>
+          <a:blip r:embed="rId3">
+            <a:alphaModFix/>
+          </a:blip>
+          <a:stretch>
+            <a:fillRect/>
+          </a:stretch>
+        </p:blipFill>
+        <p:spPr>
+          <a:xfrm>
+            <a:off x="8469575" y="-4"/>
+            <a:ext cx="674425" cy="340550"/>
+          </a:xfrm>
+          <a:prstGeom prst="rect">
+            <a:avLst/>
+          </a:prstGeom>
+          <a:noFill/>
+          <a:ln>
+            <a:noFill/>
+          </a:ln>
+        </p:spPr>
+      </p:pic>
+    </p:spTree>
+  </p:cSld>
+  <p:clrMapOvr>
+    <a:masterClrMapping/>
+  </p:clrMapOvr>
+</p:sld>
+</file>
+
+<file path=ppt/slides/slide14.xml><?xml version="1.0" encoding="utf-8"?>
+<p:sld xmlns:a="http://schemas.openxmlformats.org/drawingml/2006/main" xmlns:r="http://schemas.openxmlformats.org/officeDocument/2006/relationships" xmlns:p="http://schemas.openxmlformats.org/presentationml/2006/main">
+  <p:cSld>
+    <p:spTree>
+      <p:nvGrpSpPr>
+        <p:cNvPr id="1" name="Shape 100"/>
+        <p:cNvGrpSpPr/>
+        <p:nvPr/>
+      </p:nvGrpSpPr>
+      <p:grpSpPr>
+        <a:xfrm>
+          <a:off x="0" y="0"/>
+          <a:ext cx="0" cy="0"/>
+          <a:chOff x="0" y="0"/>
+          <a:chExt cx="0" cy="0"/>
+        </a:xfrm>
+      </p:grpSpPr>
+      <p:sp>
+        <p:nvSpPr>
+          <p:cNvPr id="101" name="Google Shape;101;p19"/>
+          <p:cNvSpPr txBox="1">
+            <a:spLocks noGrp="1"/>
+          </p:cNvSpPr>
+          <p:nvPr>
+            <p:ph type="title"/>
+          </p:nvPr>
+        </p:nvSpPr>
+        <p:spPr>
+          <a:xfrm>
+            <a:off x="311700" y="445025"/>
+            <a:ext cx="8520600" cy="572700"/>
+          </a:xfrm>
+          <a:prstGeom prst="rect">
+            <a:avLst/>
+          </a:prstGeom>
+        </p:spPr>
+        <p:txBody>
+          <a:bodyPr spcFirstLastPara="1" wrap="square" lIns="91425" tIns="91425" rIns="91425" bIns="91425" anchor="t" anchorCtr="0">
+            <a:normAutofit fontScale="90000"/>
+          </a:bodyPr>
+          <a:lstStyle/>
+          <a:p>
+            <a:pPr marL="0" lvl="0" indent="0" algn="l" rtl="0">
+              <a:lnSpc>
+                <a:spcPct val="115000"/>
+              </a:lnSpc>
+              <a:spcBef>
+                <a:spcPts val="0"/>
+              </a:spcBef>
+              <a:spcAft>
+                <a:spcPts val="1200"/>
+              </a:spcAft>
+              <a:buNone/>
+            </a:pPr>
+            <a:r>
+              <a:rPr lang="fr" sz="1800">
+                <a:latin typeface="Montserrat"/>
+                <a:ea typeface="Montserrat"/>
+                <a:cs typeface="Montserrat"/>
+                <a:sym typeface="Montserrat"/>
+              </a:rPr>
+              <a:t>Spécifications techniques</a:t>
+            </a:r>
+            <a:endParaRPr sz="1800">
+              <a:solidFill>
+                <a:schemeClr val="dk2"/>
+              </a:solidFill>
+              <a:latin typeface="Montserrat"/>
+              <a:ea typeface="Montserrat"/>
+              <a:cs typeface="Montserrat"/>
+              <a:sym typeface="Montserrat"/>
+            </a:endParaRPr>
+          </a:p>
+        </p:txBody>
+      </p:sp>
+      <p:sp>
+        <p:nvSpPr>
+          <p:cNvPr id="102" name="Google Shape;102;p19"/>
+          <p:cNvSpPr txBox="1">
+            <a:spLocks noGrp="1"/>
+          </p:cNvSpPr>
+          <p:nvPr>
+            <p:ph type="body" idx="1"/>
+          </p:nvPr>
+        </p:nvSpPr>
+        <p:spPr>
+          <a:xfrm>
+            <a:off x="311700" y="1152475"/>
+            <a:ext cx="8520600" cy="3416400"/>
+          </a:xfrm>
+          <a:prstGeom prst="rect">
+            <a:avLst/>
+          </a:prstGeom>
+        </p:spPr>
+        <p:txBody>
+          <a:bodyPr spcFirstLastPara="1" wrap="square" lIns="91425" tIns="91425" rIns="91425" bIns="91425" anchor="t" anchorCtr="0">
+            <a:normAutofit/>
+          </a:bodyPr>
+          <a:lstStyle/>
+          <a:p>
+            <a:pPr marL="0" lvl="0" indent="0" algn="l" rtl="0">
+              <a:spcBef>
+                <a:spcPts val="0"/>
+              </a:spcBef>
+              <a:spcAft>
+                <a:spcPts val="0"/>
+              </a:spcAft>
+              <a:buNone/>
+            </a:pPr>
+            <a:endParaRPr>
+              <a:latin typeface="Montserrat"/>
+              <a:ea typeface="Montserrat"/>
+              <a:cs typeface="Montserrat"/>
+              <a:sym typeface="Montserrat"/>
+            </a:endParaRPr>
+          </a:p>
+          <a:p>
+            <a:pPr marL="0" lvl="0" indent="0" algn="l" rtl="0">
+              <a:spcBef>
+                <a:spcPts val="1200"/>
+              </a:spcBef>
+              <a:spcAft>
+                <a:spcPts val="0"/>
+              </a:spcAft>
+              <a:buNone/>
+            </a:pPr>
+            <a:endParaRPr>
+              <a:latin typeface="Montserrat"/>
+              <a:ea typeface="Montserrat"/>
+              <a:cs typeface="Montserrat"/>
+              <a:sym typeface="Montserrat"/>
+            </a:endParaRPr>
+          </a:p>
+          <a:p>
+            <a:pPr marL="457200" lvl="0" indent="0" algn="l" rtl="0">
+              <a:spcBef>
+                <a:spcPts val="1200"/>
+              </a:spcBef>
+              <a:spcAft>
+                <a:spcPts val="1200"/>
+              </a:spcAft>
+              <a:buNone/>
+            </a:pPr>
+            <a:endParaRPr>
+              <a:latin typeface="Montserrat"/>
+              <a:ea typeface="Montserrat"/>
+              <a:cs typeface="Montserrat"/>
+              <a:sym typeface="Montserrat"/>
+            </a:endParaRPr>
+          </a:p>
+        </p:txBody>
+      </p:sp>
+      <p:sp>
+        <p:nvSpPr>
+          <p:cNvPr id="103" name="Google Shape;103;p19"/>
+          <p:cNvSpPr txBox="1"/>
+          <p:nvPr/>
+        </p:nvSpPr>
+        <p:spPr>
+          <a:xfrm>
+            <a:off x="0" y="0"/>
+            <a:ext cx="4911600" cy="338700"/>
+          </a:xfrm>
+          <a:prstGeom prst="rect">
+            <a:avLst/>
+          </a:prstGeom>
+          <a:noFill/>
+          <a:ln>
+            <a:noFill/>
+          </a:ln>
+        </p:spPr>
+        <p:txBody>
+          <a:bodyPr spcFirstLastPara="1" wrap="square" lIns="91425" tIns="91425" rIns="91425" bIns="91425" anchor="t" anchorCtr="0">
+            <a:spAutoFit/>
+          </a:bodyPr>
+          <a:lstStyle/>
+          <a:p>
+            <a:pPr marL="0" lvl="0" indent="0" algn="l" rtl="0">
+              <a:lnSpc>
+                <a:spcPct val="115000"/>
+              </a:lnSpc>
+              <a:spcBef>
+                <a:spcPts val="0"/>
+              </a:spcBef>
+              <a:spcAft>
+                <a:spcPts val="1200"/>
+              </a:spcAft>
+              <a:buNone/>
+            </a:pPr>
+            <a:r>
+              <a:rPr lang="fr" sz="1000">
+                <a:solidFill>
+                  <a:schemeClr val="dk2"/>
+                </a:solidFill>
+                <a:latin typeface="Montserrat"/>
+                <a:ea typeface="Montserrat"/>
+                <a:cs typeface="Montserrat"/>
+                <a:sym typeface="Montserrat"/>
+              </a:rPr>
+              <a:t>Présentation de l’usage du no-code</a:t>
+            </a:r>
+            <a:endParaRPr sz="1000"/>
+          </a:p>
+        </p:txBody>
+      </p:sp>
+      <p:sp>
+        <p:nvSpPr>
+          <p:cNvPr id="104" name="Google Shape;104;p19"/>
+          <p:cNvSpPr txBox="1"/>
+          <p:nvPr/>
+        </p:nvSpPr>
+        <p:spPr>
+          <a:xfrm>
+            <a:off x="434775" y="1085525"/>
+            <a:ext cx="8320500" cy="530884"/>
+          </a:xfrm>
+          <a:prstGeom prst="rect">
+            <a:avLst/>
+          </a:prstGeom>
+          <a:noFill/>
+          <a:ln>
+            <a:noFill/>
+          </a:ln>
+        </p:spPr>
+        <p:txBody>
+          <a:bodyPr spcFirstLastPara="1" wrap="square" lIns="91425" tIns="91425" rIns="91425" bIns="91425" anchor="t" anchorCtr="0">
+            <a:spAutoFit/>
+          </a:bodyPr>
+          <a:lstStyle/>
+          <a:p>
+            <a:pPr marL="457200" lvl="0" indent="-323850" algn="l" rtl="0">
+              <a:lnSpc>
+                <a:spcPct val="150000"/>
+              </a:lnSpc>
+              <a:spcBef>
+                <a:spcPts val="0"/>
+              </a:spcBef>
+              <a:spcAft>
+                <a:spcPts val="0"/>
+              </a:spcAft>
+              <a:buClr>
+                <a:srgbClr val="0D0D0D"/>
+              </a:buClr>
+              <a:buSzPts val="1500"/>
+              <a:buFont typeface="Montserrat"/>
+              <a:buChar char="●"/>
+            </a:pPr>
+            <a:r>
+              <a:rPr lang="fr-FR" sz="1500" i="1" dirty="0">
+                <a:solidFill>
+                  <a:srgbClr val="0D0D0D"/>
+                </a:solidFill>
+                <a:highlight>
+                  <a:srgbClr val="FFFFFF"/>
+                </a:highlight>
+                <a:latin typeface="Montserrat"/>
+                <a:ea typeface="Montserrat"/>
+                <a:cs typeface="Montserrat"/>
+                <a:sym typeface="Montserrat"/>
+              </a:rPr>
+              <a:t>Nodemailer : fonctionnement</a:t>
+            </a:r>
+            <a:endParaRPr dirty="0"/>
+          </a:p>
+        </p:txBody>
+      </p:sp>
+      <p:sp>
+        <p:nvSpPr>
+          <p:cNvPr id="105" name="Google Shape;105;p19"/>
+          <p:cNvSpPr/>
+          <p:nvPr/>
+        </p:nvSpPr>
+        <p:spPr>
+          <a:xfrm>
+            <a:off x="-4800" y="0"/>
+            <a:ext cx="9153600" cy="239700"/>
+          </a:xfrm>
+          <a:prstGeom prst="rect">
+            <a:avLst/>
+          </a:prstGeom>
+          <a:solidFill>
+            <a:srgbClr val="FCE5CD"/>
+          </a:solidFill>
+          <a:ln w="9525" cap="flat" cmpd="sng">
+            <a:solidFill>
+              <a:srgbClr val="F7EDDE"/>
+            </a:solidFill>
+            <a:prstDash val="solid"/>
+            <a:round/>
+            <a:headEnd type="none" w="sm" len="sm"/>
+            <a:tailEnd type="none" w="sm" len="sm"/>
+          </a:ln>
+        </p:spPr>
+        <p:txBody>
+          <a:bodyPr spcFirstLastPara="1" wrap="square" lIns="91425" tIns="91425" rIns="91425" bIns="91425" anchor="ctr" anchorCtr="0">
+            <a:noAutofit/>
+          </a:bodyPr>
+          <a:lstStyle/>
+          <a:p>
+            <a:pPr marL="0" lvl="0" indent="0" algn="ctr" rtl="0">
+              <a:spcBef>
+                <a:spcPts val="0"/>
+              </a:spcBef>
+              <a:spcAft>
+                <a:spcPts val="0"/>
+              </a:spcAft>
+              <a:buNone/>
+            </a:pPr>
+            <a:endParaRPr/>
+          </a:p>
+        </p:txBody>
+      </p:sp>
+      <p:pic>
+        <p:nvPicPr>
+          <p:cNvPr id="106" name="Google Shape;106;p19"/>
+          <p:cNvPicPr preferRelativeResize="0"/>
+          <p:nvPr/>
+        </p:nvPicPr>
+        <p:blipFill>
+          <a:blip r:embed="rId3">
+            <a:alphaModFix/>
+          </a:blip>
+          <a:stretch>
+            <a:fillRect/>
+          </a:stretch>
+        </p:blipFill>
+        <p:spPr>
+          <a:xfrm>
+            <a:off x="8469575" y="-4"/>
+            <a:ext cx="674425" cy="340550"/>
+          </a:xfrm>
+          <a:prstGeom prst="rect">
+            <a:avLst/>
+          </a:prstGeom>
+          <a:noFill/>
+          <a:ln>
+            <a:noFill/>
+          </a:ln>
+        </p:spPr>
+      </p:pic>
+    </p:spTree>
+    <p:extLst>
+      <p:ext uri="{BB962C8B-B14F-4D97-AF65-F5344CB8AC3E}">
+        <p14:creationId xmlns:p14="http://schemas.microsoft.com/office/powerpoint/2010/main" val="3484702772"/>
+      </p:ext>
+    </p:extLst>
+  </p:cSld>
+  <p:clrMapOvr>
+    <a:masterClrMapping/>
+  </p:clrMapOvr>
+</p:sld>
+</file>
+
+<file path=ppt/slides/slide15.xml><?xml version="1.0" encoding="utf-8"?>
+<p:sld xmlns:a="http://schemas.openxmlformats.org/drawingml/2006/main" xmlns:r="http://schemas.openxmlformats.org/officeDocument/2006/relationships" xmlns:p="http://schemas.openxmlformats.org/presentationml/2006/main">
+  <p:cSld>
+    <p:spTree>
+      <p:nvGrpSpPr>
+        <p:cNvPr id="1" name="Shape 110"/>
+        <p:cNvGrpSpPr/>
+        <p:nvPr/>
+      </p:nvGrpSpPr>
+      <p:grpSpPr>
+        <a:xfrm>
+          <a:off x="0" y="0"/>
+          <a:ext cx="0" cy="0"/>
+          <a:chOff x="0" y="0"/>
+          <a:chExt cx="0" cy="0"/>
+        </a:xfrm>
+      </p:grpSpPr>
+      <p:sp>
+        <p:nvSpPr>
+          <p:cNvPr id="111" name="Google Shape;111;p20"/>
+          <p:cNvSpPr txBox="1">
+            <a:spLocks noGrp="1"/>
+          </p:cNvSpPr>
+          <p:nvPr>
+            <p:ph type="title"/>
+          </p:nvPr>
+        </p:nvSpPr>
+        <p:spPr>
+          <a:xfrm>
+            <a:off x="311700" y="445025"/>
+            <a:ext cx="8520600" cy="572700"/>
+          </a:xfrm>
+          <a:prstGeom prst="rect">
+            <a:avLst/>
+          </a:prstGeom>
+        </p:spPr>
+        <p:txBody>
+          <a:bodyPr spcFirstLastPara="1" wrap="square" lIns="91425" tIns="91425" rIns="91425" bIns="91425" anchor="t" anchorCtr="0">
+            <a:normAutofit fontScale="90000"/>
+          </a:bodyPr>
+          <a:lstStyle/>
+          <a:p>
+            <a:pPr marL="0" lvl="0" indent="0" algn="l" rtl="0">
+              <a:lnSpc>
+                <a:spcPct val="115000"/>
+              </a:lnSpc>
+              <a:spcBef>
+                <a:spcPts val="0"/>
+              </a:spcBef>
+              <a:spcAft>
+                <a:spcPts val="1200"/>
+              </a:spcAft>
+              <a:buNone/>
+            </a:pPr>
+            <a:r>
+              <a:rPr lang="fr" sz="2000">
+                <a:latin typeface="Montserrat"/>
+                <a:ea typeface="Montserrat"/>
+                <a:cs typeface="Montserrat"/>
+                <a:sym typeface="Montserrat"/>
+              </a:rPr>
+              <a:t>Veille Technologique</a:t>
+            </a:r>
+            <a:endParaRPr sz="2000">
+              <a:solidFill>
+                <a:schemeClr val="dk2"/>
+              </a:solidFill>
+              <a:latin typeface="Montserrat"/>
+              <a:ea typeface="Montserrat"/>
+              <a:cs typeface="Montserrat"/>
+              <a:sym typeface="Montserrat"/>
+            </a:endParaRPr>
+          </a:p>
+        </p:txBody>
+      </p:sp>
+      <p:sp>
+        <p:nvSpPr>
+          <p:cNvPr id="112" name="Google Shape;112;p20"/>
+          <p:cNvSpPr txBox="1">
+            <a:spLocks noGrp="1"/>
+          </p:cNvSpPr>
+          <p:nvPr>
+            <p:ph type="body" idx="1"/>
+          </p:nvPr>
+        </p:nvSpPr>
+        <p:spPr>
+          <a:xfrm>
+            <a:off x="311700" y="1152475"/>
+            <a:ext cx="8520600" cy="3416400"/>
+          </a:xfrm>
+          <a:prstGeom prst="rect">
+            <a:avLst/>
+          </a:prstGeom>
+        </p:spPr>
+        <p:txBody>
+          <a:bodyPr spcFirstLastPara="1" wrap="square" lIns="91425" tIns="91425" rIns="91425" bIns="91425" anchor="t" anchorCtr="0">
+            <a:normAutofit/>
+          </a:bodyPr>
+          <a:lstStyle/>
+          <a:p>
+            <a:pPr marL="0" lvl="0" indent="0" algn="l" rtl="0">
+              <a:spcBef>
+                <a:spcPts val="0"/>
+              </a:spcBef>
+              <a:spcAft>
+                <a:spcPts val="0"/>
+              </a:spcAft>
+              <a:buNone/>
+            </a:pPr>
+            <a:endParaRPr>
+              <a:latin typeface="Montserrat"/>
+              <a:ea typeface="Montserrat"/>
+              <a:cs typeface="Montserrat"/>
+              <a:sym typeface="Montserrat"/>
+            </a:endParaRPr>
+          </a:p>
+          <a:p>
+            <a:pPr marL="0" lvl="0" indent="0" algn="l" rtl="0">
+              <a:spcBef>
+                <a:spcPts val="1200"/>
+              </a:spcBef>
+              <a:spcAft>
+                <a:spcPts val="0"/>
+              </a:spcAft>
+              <a:buNone/>
+            </a:pPr>
+            <a:endParaRPr>
+              <a:latin typeface="Montserrat"/>
+              <a:ea typeface="Montserrat"/>
+              <a:cs typeface="Montserrat"/>
+              <a:sym typeface="Montserrat"/>
+            </a:endParaRPr>
+          </a:p>
+          <a:p>
+            <a:pPr marL="457200" lvl="0" indent="0" algn="l" rtl="0">
+              <a:spcBef>
+                <a:spcPts val="1200"/>
+              </a:spcBef>
+              <a:spcAft>
+                <a:spcPts val="1200"/>
+              </a:spcAft>
+              <a:buNone/>
+            </a:pPr>
+            <a:endParaRPr>
+              <a:latin typeface="Montserrat"/>
+              <a:ea typeface="Montserrat"/>
+              <a:cs typeface="Montserrat"/>
+              <a:sym typeface="Montserrat"/>
+            </a:endParaRPr>
+          </a:p>
+        </p:txBody>
+      </p:sp>
+      <p:sp>
+        <p:nvSpPr>
+          <p:cNvPr id="113" name="Google Shape;113;p20"/>
+          <p:cNvSpPr txBox="1"/>
+          <p:nvPr/>
+        </p:nvSpPr>
+        <p:spPr>
+          <a:xfrm>
+            <a:off x="0" y="0"/>
+            <a:ext cx="4911600" cy="338700"/>
+          </a:xfrm>
+          <a:prstGeom prst="rect">
+            <a:avLst/>
+          </a:prstGeom>
+          <a:noFill/>
+          <a:ln>
+            <a:noFill/>
+          </a:ln>
+        </p:spPr>
+        <p:txBody>
+          <a:bodyPr spcFirstLastPara="1" wrap="square" lIns="91425" tIns="91425" rIns="91425" bIns="91425" anchor="t" anchorCtr="0">
+            <a:spAutoFit/>
+          </a:bodyPr>
+          <a:lstStyle/>
+          <a:p>
+            <a:pPr marL="0" lvl="0" indent="0" algn="l" rtl="0">
+              <a:lnSpc>
+                <a:spcPct val="115000"/>
+              </a:lnSpc>
+              <a:spcBef>
+                <a:spcPts val="0"/>
+              </a:spcBef>
+              <a:spcAft>
+                <a:spcPts val="1200"/>
+              </a:spcAft>
+              <a:buNone/>
+            </a:pPr>
+            <a:r>
+              <a:rPr lang="fr" sz="1000">
+                <a:solidFill>
+                  <a:schemeClr val="dk2"/>
+                </a:solidFill>
+                <a:latin typeface="Montserrat"/>
+                <a:ea typeface="Montserrat"/>
+                <a:cs typeface="Montserrat"/>
+                <a:sym typeface="Montserrat"/>
+              </a:rPr>
+              <a:t>Présentation de l’usage du no-code</a:t>
+            </a:r>
+            <a:endParaRPr sz="1000"/>
+          </a:p>
+        </p:txBody>
+      </p:sp>
+      <p:sp>
+        <p:nvSpPr>
+          <p:cNvPr id="114" name="Google Shape;114;p20"/>
+          <p:cNvSpPr txBox="1"/>
+          <p:nvPr/>
+        </p:nvSpPr>
+        <p:spPr>
+          <a:xfrm>
+            <a:off x="434775" y="1085525"/>
+            <a:ext cx="8320500" cy="2498100"/>
+          </a:xfrm>
+          <a:prstGeom prst="rect">
+            <a:avLst/>
+          </a:prstGeom>
+          <a:noFill/>
+          <a:ln>
+            <a:noFill/>
+          </a:ln>
+        </p:spPr>
+        <p:txBody>
+          <a:bodyPr spcFirstLastPara="1" wrap="square" lIns="91425" tIns="91425" rIns="91425" bIns="91425" anchor="t" anchorCtr="0">
+            <a:spAutoFit/>
+          </a:bodyPr>
+          <a:lstStyle/>
+          <a:p>
+            <a:pPr marL="457200" lvl="0" indent="-323850" algn="l" rtl="0">
+              <a:lnSpc>
+                <a:spcPct val="150000"/>
+              </a:lnSpc>
+              <a:spcBef>
+                <a:spcPts val="0"/>
+              </a:spcBef>
+              <a:spcAft>
+                <a:spcPts val="0"/>
+              </a:spcAft>
+              <a:buClr>
+                <a:srgbClr val="0D0D0D"/>
+              </a:buClr>
+              <a:buSzPts val="1500"/>
+              <a:buFont typeface="Montserrat"/>
+              <a:buChar char="●"/>
+            </a:pPr>
+            <a:r>
+              <a:rPr lang="fr" sz="1500">
+                <a:solidFill>
+                  <a:srgbClr val="0D0D0D"/>
+                </a:solidFill>
+                <a:highlight>
+                  <a:srgbClr val="FFFFFF"/>
+                </a:highlight>
+                <a:latin typeface="Montserrat"/>
+                <a:ea typeface="Montserrat"/>
+                <a:cs typeface="Montserrat"/>
+                <a:sym typeface="Montserrat"/>
+              </a:rPr>
+              <a:t>Captures d’écran de la veille (max 5)</a:t>
+            </a:r>
+            <a:endParaRPr sz="1500">
+              <a:solidFill>
+                <a:srgbClr val="0D0D0D"/>
+              </a:solidFill>
+              <a:highlight>
+                <a:srgbClr val="FFFFFF"/>
+              </a:highlight>
+              <a:latin typeface="Montserrat"/>
+              <a:ea typeface="Montserrat"/>
+              <a:cs typeface="Montserrat"/>
+              <a:sym typeface="Montserrat"/>
+            </a:endParaRPr>
+          </a:p>
+          <a:p>
+            <a:pPr marL="457200" lvl="0" indent="-323850" algn="l" rtl="0">
+              <a:lnSpc>
+                <a:spcPct val="150000"/>
+              </a:lnSpc>
+              <a:spcBef>
+                <a:spcPts val="0"/>
+              </a:spcBef>
+              <a:spcAft>
+                <a:spcPts val="0"/>
+              </a:spcAft>
+              <a:buClr>
+                <a:srgbClr val="0D0D0D"/>
+              </a:buClr>
+              <a:buSzPts val="1500"/>
+              <a:buFont typeface="Montserrat"/>
+              <a:buChar char="●"/>
+            </a:pPr>
+            <a:r>
+              <a:rPr lang="fr" sz="1500">
+                <a:solidFill>
+                  <a:srgbClr val="0D0D0D"/>
+                </a:solidFill>
+                <a:highlight>
+                  <a:srgbClr val="FFFFFF"/>
+                </a:highlight>
+                <a:latin typeface="Montserrat"/>
+                <a:ea typeface="Montserrat"/>
+                <a:cs typeface="Montserrat"/>
+                <a:sym typeface="Montserrat"/>
+              </a:rPr>
+              <a:t>Méthode de classification des sources d'information.</a:t>
+            </a:r>
+            <a:endParaRPr sz="1500">
+              <a:solidFill>
+                <a:srgbClr val="0D0D0D"/>
+              </a:solidFill>
+              <a:highlight>
+                <a:srgbClr val="FFFFFF"/>
+              </a:highlight>
+              <a:latin typeface="Montserrat"/>
+              <a:ea typeface="Montserrat"/>
+              <a:cs typeface="Montserrat"/>
+              <a:sym typeface="Montserrat"/>
+            </a:endParaRPr>
+          </a:p>
+          <a:p>
+            <a:pPr marL="457200" lvl="0" indent="-323850" algn="l" rtl="0">
+              <a:lnSpc>
+                <a:spcPct val="150000"/>
+              </a:lnSpc>
+              <a:spcBef>
+                <a:spcPts val="0"/>
+              </a:spcBef>
+              <a:spcAft>
+                <a:spcPts val="0"/>
+              </a:spcAft>
+              <a:buClr>
+                <a:srgbClr val="0D0D0D"/>
+              </a:buClr>
+              <a:buSzPts val="1500"/>
+              <a:buFont typeface="Montserrat"/>
+              <a:buChar char="●"/>
+            </a:pPr>
+            <a:r>
+              <a:rPr lang="fr" sz="1500">
+                <a:solidFill>
+                  <a:srgbClr val="0D0D0D"/>
+                </a:solidFill>
+                <a:highlight>
+                  <a:srgbClr val="FFFFFF"/>
+                </a:highlight>
+                <a:latin typeface="Montserrat"/>
+                <a:ea typeface="Montserrat"/>
+                <a:cs typeface="Montserrat"/>
+                <a:sym typeface="Montserrat"/>
+              </a:rPr>
+              <a:t>Exemple et explication du choix d’une source pour chacun des 2 axes de veille </a:t>
+            </a:r>
+            <a:endParaRPr sz="1500">
+              <a:solidFill>
+                <a:srgbClr val="0D0D0D"/>
+              </a:solidFill>
+              <a:highlight>
+                <a:srgbClr val="FFFFFF"/>
+              </a:highlight>
+              <a:latin typeface="Montserrat"/>
+              <a:ea typeface="Montserrat"/>
+              <a:cs typeface="Montserrat"/>
+              <a:sym typeface="Montserrat"/>
+            </a:endParaRPr>
+          </a:p>
+          <a:p>
+            <a:pPr marL="457200" lvl="0" indent="-323850" algn="l" rtl="0">
+              <a:lnSpc>
+                <a:spcPct val="150000"/>
+              </a:lnSpc>
+              <a:spcBef>
+                <a:spcPts val="0"/>
+              </a:spcBef>
+              <a:spcAft>
+                <a:spcPts val="0"/>
+              </a:spcAft>
+              <a:buClr>
+                <a:srgbClr val="0D0D0D"/>
+              </a:buClr>
+              <a:buSzPts val="1500"/>
+              <a:buFont typeface="Montserrat"/>
+              <a:buChar char="●"/>
+            </a:pPr>
+            <a:r>
+              <a:rPr lang="fr" sz="1500">
+                <a:solidFill>
+                  <a:srgbClr val="0D0D0D"/>
+                </a:solidFill>
+                <a:highlight>
+                  <a:srgbClr val="FFFFFF"/>
+                </a:highlight>
+                <a:latin typeface="Montserrat"/>
+                <a:ea typeface="Montserrat"/>
+                <a:cs typeface="Montserrat"/>
+                <a:sym typeface="Montserrat"/>
+              </a:rPr>
+              <a:t>Explication de la contribution de la veille à l'élaboration des spécifications techniques.</a:t>
+            </a:r>
+            <a:endParaRPr sz="1500">
+              <a:solidFill>
+                <a:srgbClr val="0D0D0D"/>
+              </a:solidFill>
+              <a:highlight>
+                <a:srgbClr val="FFFFFF"/>
+              </a:highlight>
+              <a:latin typeface="Montserrat"/>
+              <a:ea typeface="Montserrat"/>
+              <a:cs typeface="Montserrat"/>
+              <a:sym typeface="Montserrat"/>
+            </a:endParaRPr>
+          </a:p>
+          <a:p>
+            <a:pPr marL="0" lvl="0" indent="0" algn="l" rtl="0">
+              <a:lnSpc>
+                <a:spcPct val="115000"/>
+              </a:lnSpc>
+              <a:spcBef>
+                <a:spcPts val="0"/>
+              </a:spcBef>
+              <a:spcAft>
+                <a:spcPts val="0"/>
+              </a:spcAft>
+              <a:buNone/>
+            </a:pPr>
+            <a:endParaRPr sz="1200" i="1">
+              <a:solidFill>
+                <a:schemeClr val="dk1"/>
+              </a:solidFill>
+              <a:latin typeface="Montserrat"/>
+              <a:ea typeface="Montserrat"/>
+              <a:cs typeface="Montserrat"/>
+              <a:sym typeface="Montserrat"/>
+            </a:endParaRPr>
+          </a:p>
+          <a:p>
+            <a:pPr marL="0" lvl="0" indent="0" algn="l" rtl="0">
+              <a:spcBef>
+                <a:spcPts val="1200"/>
+              </a:spcBef>
+              <a:spcAft>
+                <a:spcPts val="0"/>
+              </a:spcAft>
+              <a:buNone/>
+            </a:pPr>
+            <a:endParaRPr/>
+          </a:p>
+        </p:txBody>
+      </p:sp>
+      <p:sp>
+        <p:nvSpPr>
+          <p:cNvPr id="115" name="Google Shape;115;p20"/>
+          <p:cNvSpPr/>
+          <p:nvPr/>
+        </p:nvSpPr>
+        <p:spPr>
+          <a:xfrm>
+            <a:off x="-4800" y="0"/>
+            <a:ext cx="9153600" cy="239700"/>
+          </a:xfrm>
+          <a:prstGeom prst="rect">
+            <a:avLst/>
+          </a:prstGeom>
+          <a:solidFill>
+            <a:srgbClr val="FCE5CD"/>
+          </a:solidFill>
+          <a:ln w="9525" cap="flat" cmpd="sng">
+            <a:solidFill>
+              <a:srgbClr val="F7EDDE"/>
+            </a:solidFill>
+            <a:prstDash val="solid"/>
+            <a:round/>
+            <a:headEnd type="none" w="sm" len="sm"/>
+            <a:tailEnd type="none" w="sm" len="sm"/>
+          </a:ln>
+        </p:spPr>
+        <p:txBody>
+          <a:bodyPr spcFirstLastPara="1" wrap="square" lIns="91425" tIns="91425" rIns="91425" bIns="91425" anchor="ctr" anchorCtr="0">
+            <a:noAutofit/>
+          </a:bodyPr>
+          <a:lstStyle/>
+          <a:p>
+            <a:pPr marL="0" lvl="0" indent="0" algn="ctr" rtl="0">
+              <a:spcBef>
+                <a:spcPts val="0"/>
+              </a:spcBef>
+              <a:spcAft>
+                <a:spcPts val="0"/>
+              </a:spcAft>
+              <a:buNone/>
+            </a:pPr>
+            <a:endParaRPr/>
+          </a:p>
+        </p:txBody>
+      </p:sp>
+      <p:pic>
+        <p:nvPicPr>
+          <p:cNvPr id="116" name="Google Shape;116;p20"/>
+          <p:cNvPicPr preferRelativeResize="0"/>
+          <p:nvPr/>
+        </p:nvPicPr>
+        <p:blipFill>
+          <a:blip r:embed="rId3">
+            <a:alphaModFix/>
+          </a:blip>
+          <a:stretch>
+            <a:fillRect/>
+          </a:stretch>
+        </p:blipFill>
+        <p:spPr>
+          <a:xfrm>
+            <a:off x="8469575" y="-4"/>
+            <a:ext cx="674425" cy="340550"/>
+          </a:xfrm>
+          <a:prstGeom prst="rect">
+            <a:avLst/>
+          </a:prstGeom>
+          <a:noFill/>
+          <a:ln>
+            <a:noFill/>
+          </a:ln>
+        </p:spPr>
+      </p:pic>
+    </p:spTree>
+  </p:cSld>
+  <p:clrMapOvr>
+    <a:masterClrMapping/>
+  </p:clrMapOvr>
+</p:sld>
+</file>
+
+<file path=ppt/slides/slide16.xml><?xml version="1.0" encoding="utf-8"?>
+<p:sld xmlns:a="http://schemas.openxmlformats.org/drawingml/2006/main" xmlns:r="http://schemas.openxmlformats.org/officeDocument/2006/relationships" xmlns:p="http://schemas.openxmlformats.org/presentationml/2006/main">
+  <p:cSld>
+    <p:spTree>
+      <p:nvGrpSpPr>
+        <p:cNvPr id="1" name="Shape 120"/>
+        <p:cNvGrpSpPr/>
+        <p:nvPr/>
+      </p:nvGrpSpPr>
+      <p:grpSpPr>
+        <a:xfrm>
+          <a:off x="0" y="0"/>
+          <a:ext cx="0" cy="0"/>
+          <a:chOff x="0" y="0"/>
+          <a:chExt cx="0" cy="0"/>
+        </a:xfrm>
+      </p:grpSpPr>
+      <p:sp>
+        <p:nvSpPr>
+          <p:cNvPr id="121" name="Google Shape;121;p21"/>
+          <p:cNvSpPr txBox="1">
+            <a:spLocks noGrp="1"/>
+          </p:cNvSpPr>
+          <p:nvPr>
+            <p:ph type="title"/>
+          </p:nvPr>
+        </p:nvSpPr>
+        <p:spPr>
+          <a:xfrm>
+            <a:off x="311700" y="445025"/>
+            <a:ext cx="8520600" cy="572700"/>
+          </a:xfrm>
+          <a:prstGeom prst="rect">
+            <a:avLst/>
+          </a:prstGeom>
+        </p:spPr>
+        <p:txBody>
+          <a:bodyPr spcFirstLastPara="1" wrap="square" lIns="91425" tIns="91425" rIns="91425" bIns="91425" anchor="t" anchorCtr="0">
+            <a:normAutofit fontScale="90000"/>
+          </a:bodyPr>
+          <a:lstStyle/>
+          <a:p>
+            <a:pPr marL="0" lvl="0" indent="0" algn="l" rtl="0">
+              <a:lnSpc>
+                <a:spcPct val="115000"/>
+              </a:lnSpc>
+              <a:spcBef>
+                <a:spcPts val="0"/>
+              </a:spcBef>
+              <a:spcAft>
+                <a:spcPts val="1200"/>
+              </a:spcAft>
+              <a:buNone/>
+            </a:pPr>
+            <a:r>
+              <a:rPr lang="fr" sz="2000">
+                <a:latin typeface="Montserrat"/>
+                <a:ea typeface="Montserrat"/>
+                <a:cs typeface="Montserrat"/>
+                <a:sym typeface="Montserrat"/>
+              </a:rPr>
+              <a:t>Conclusion</a:t>
+            </a:r>
+            <a:endParaRPr sz="2000">
+              <a:solidFill>
+                <a:schemeClr val="dk2"/>
+              </a:solidFill>
+              <a:latin typeface="Montserrat"/>
+              <a:ea typeface="Montserrat"/>
+              <a:cs typeface="Montserrat"/>
+              <a:sym typeface="Montserrat"/>
+            </a:endParaRPr>
+          </a:p>
+        </p:txBody>
+      </p:sp>
+      <p:sp>
+        <p:nvSpPr>
+          <p:cNvPr id="122" name="Google Shape;122;p21"/>
+          <p:cNvSpPr txBox="1">
+            <a:spLocks noGrp="1"/>
+          </p:cNvSpPr>
+          <p:nvPr>
+            <p:ph type="body" idx="1"/>
+          </p:nvPr>
+        </p:nvSpPr>
+        <p:spPr>
+          <a:xfrm>
+            <a:off x="311700" y="1152475"/>
+            <a:ext cx="8520600" cy="3416400"/>
+          </a:xfrm>
+          <a:prstGeom prst="rect">
+            <a:avLst/>
+          </a:prstGeom>
+        </p:spPr>
+        <p:txBody>
+          <a:bodyPr spcFirstLastPara="1" wrap="square" lIns="91425" tIns="91425" rIns="91425" bIns="91425" anchor="t" anchorCtr="0">
+            <a:normAutofit/>
+          </a:bodyPr>
+          <a:lstStyle/>
+          <a:p>
+            <a:pPr marL="0" lvl="0" indent="0" algn="l" rtl="0">
+              <a:spcBef>
+                <a:spcPts val="0"/>
+              </a:spcBef>
+              <a:spcAft>
+                <a:spcPts val="0"/>
+              </a:spcAft>
+              <a:buNone/>
+            </a:pPr>
+            <a:endParaRPr>
+              <a:latin typeface="Montserrat"/>
+              <a:ea typeface="Montserrat"/>
+              <a:cs typeface="Montserrat"/>
+              <a:sym typeface="Montserrat"/>
+            </a:endParaRPr>
+          </a:p>
+          <a:p>
+            <a:pPr marL="0" lvl="0" indent="0" algn="l" rtl="0">
+              <a:spcBef>
+                <a:spcPts val="1200"/>
+              </a:spcBef>
+              <a:spcAft>
+                <a:spcPts val="0"/>
+              </a:spcAft>
+              <a:buNone/>
+            </a:pPr>
+            <a:endParaRPr>
+              <a:latin typeface="Montserrat"/>
+              <a:ea typeface="Montserrat"/>
+              <a:cs typeface="Montserrat"/>
+              <a:sym typeface="Montserrat"/>
+            </a:endParaRPr>
+          </a:p>
+          <a:p>
+            <a:pPr marL="457200" lvl="0" indent="0" algn="l" rtl="0">
+              <a:spcBef>
+                <a:spcPts val="1200"/>
+              </a:spcBef>
+              <a:spcAft>
+                <a:spcPts val="1200"/>
+              </a:spcAft>
+              <a:buNone/>
+            </a:pPr>
+            <a:endParaRPr>
+              <a:latin typeface="Montserrat"/>
+              <a:ea typeface="Montserrat"/>
+              <a:cs typeface="Montserrat"/>
+              <a:sym typeface="Montserrat"/>
+            </a:endParaRPr>
+          </a:p>
+        </p:txBody>
+      </p:sp>
+      <p:sp>
+        <p:nvSpPr>
+          <p:cNvPr id="123" name="Google Shape;123;p21"/>
+          <p:cNvSpPr txBox="1"/>
+          <p:nvPr/>
+        </p:nvSpPr>
+        <p:spPr>
+          <a:xfrm>
+            <a:off x="0" y="0"/>
+            <a:ext cx="4911600" cy="338700"/>
+          </a:xfrm>
+          <a:prstGeom prst="rect">
+            <a:avLst/>
+          </a:prstGeom>
+          <a:noFill/>
+          <a:ln>
+            <a:noFill/>
+          </a:ln>
+        </p:spPr>
+        <p:txBody>
+          <a:bodyPr spcFirstLastPara="1" wrap="square" lIns="91425" tIns="91425" rIns="91425" bIns="91425" anchor="t" anchorCtr="0">
+            <a:spAutoFit/>
+          </a:bodyPr>
+          <a:lstStyle/>
+          <a:p>
+            <a:pPr marL="0" lvl="0" indent="0" algn="l" rtl="0">
+              <a:lnSpc>
+                <a:spcPct val="115000"/>
+              </a:lnSpc>
+              <a:spcBef>
+                <a:spcPts val="0"/>
+              </a:spcBef>
+              <a:spcAft>
+                <a:spcPts val="1200"/>
+              </a:spcAft>
+              <a:buNone/>
+            </a:pPr>
+            <a:r>
+              <a:rPr lang="fr" sz="1000">
+                <a:solidFill>
+                  <a:schemeClr val="dk2"/>
+                </a:solidFill>
+                <a:latin typeface="Montserrat"/>
+                <a:ea typeface="Montserrat"/>
+                <a:cs typeface="Montserrat"/>
+                <a:sym typeface="Montserrat"/>
+              </a:rPr>
+              <a:t>Présentation de l’usage du no-code</a:t>
+            </a:r>
+            <a:endParaRPr sz="1000"/>
+          </a:p>
+        </p:txBody>
+      </p:sp>
+      <p:sp>
+        <p:nvSpPr>
+          <p:cNvPr id="124" name="Google Shape;124;p21"/>
+          <p:cNvSpPr txBox="1"/>
+          <p:nvPr/>
+        </p:nvSpPr>
+        <p:spPr>
+          <a:xfrm>
+            <a:off x="434775" y="1085525"/>
+            <a:ext cx="8320500" cy="1085100"/>
+          </a:xfrm>
+          <a:prstGeom prst="rect">
+            <a:avLst/>
+          </a:prstGeom>
+          <a:noFill/>
+          <a:ln>
+            <a:noFill/>
+          </a:ln>
+        </p:spPr>
+        <p:txBody>
+          <a:bodyPr spcFirstLastPara="1" wrap="square" lIns="91425" tIns="91425" rIns="91425" bIns="91425" anchor="t" anchorCtr="0">
+            <a:spAutoFit/>
+          </a:bodyPr>
+          <a:lstStyle/>
+          <a:p>
+            <a:pPr marL="457200" lvl="0" indent="-342900" algn="l" rtl="0">
+              <a:lnSpc>
+                <a:spcPct val="115000"/>
+              </a:lnSpc>
+              <a:spcBef>
+                <a:spcPts val="0"/>
+              </a:spcBef>
+              <a:spcAft>
+                <a:spcPts val="0"/>
+              </a:spcAft>
+              <a:buClr>
+                <a:srgbClr val="0D0D0D"/>
+              </a:buClr>
+              <a:buSzPts val="1800"/>
+              <a:buFont typeface="Montserrat"/>
+              <a:buChar char="●"/>
+            </a:pPr>
+            <a:r>
+              <a:rPr lang="fr" sz="1500">
+                <a:solidFill>
+                  <a:srgbClr val="0D0D0D"/>
+                </a:solidFill>
+                <a:highlight>
+                  <a:srgbClr val="FFFFFF"/>
+                </a:highlight>
+                <a:latin typeface="Montserrat"/>
+                <a:ea typeface="Montserrat"/>
+                <a:cs typeface="Montserrat"/>
+                <a:sym typeface="Montserrat"/>
+              </a:rPr>
+              <a:t>Résumé des points clés de la présentation</a:t>
+            </a:r>
+            <a:endParaRPr sz="1800">
+              <a:solidFill>
+                <a:srgbClr val="0D0D0D"/>
+              </a:solidFill>
+              <a:highlight>
+                <a:srgbClr val="FFFFFF"/>
+              </a:highlight>
+              <a:latin typeface="Montserrat"/>
+              <a:ea typeface="Montserrat"/>
+              <a:cs typeface="Montserrat"/>
+              <a:sym typeface="Montserrat"/>
+            </a:endParaRPr>
+          </a:p>
+          <a:p>
+            <a:pPr marL="0" lvl="0" indent="0" algn="l" rtl="0">
+              <a:lnSpc>
+                <a:spcPct val="115000"/>
+              </a:lnSpc>
+              <a:spcBef>
+                <a:spcPts val="0"/>
+              </a:spcBef>
+              <a:spcAft>
+                <a:spcPts val="0"/>
+              </a:spcAft>
+              <a:buNone/>
+            </a:pPr>
+            <a:endParaRPr sz="1200" i="1">
+              <a:solidFill>
+                <a:schemeClr val="dk1"/>
+              </a:solidFill>
+              <a:latin typeface="Montserrat"/>
+              <a:ea typeface="Montserrat"/>
+              <a:cs typeface="Montserrat"/>
+              <a:sym typeface="Montserrat"/>
+            </a:endParaRPr>
+          </a:p>
+          <a:p>
+            <a:pPr marL="0" lvl="0" indent="0" algn="l" rtl="0">
+              <a:spcBef>
+                <a:spcPts val="1200"/>
+              </a:spcBef>
+              <a:spcAft>
+                <a:spcPts val="0"/>
+              </a:spcAft>
+              <a:buNone/>
+            </a:pPr>
+            <a:endParaRPr/>
+          </a:p>
+        </p:txBody>
+      </p:sp>
+      <p:sp>
+        <p:nvSpPr>
+          <p:cNvPr id="125" name="Google Shape;125;p21"/>
+          <p:cNvSpPr/>
+          <p:nvPr/>
+        </p:nvSpPr>
+        <p:spPr>
+          <a:xfrm>
+            <a:off x="-4800" y="0"/>
+            <a:ext cx="9153600" cy="239700"/>
+          </a:xfrm>
+          <a:prstGeom prst="rect">
+            <a:avLst/>
+          </a:prstGeom>
+          <a:solidFill>
+            <a:srgbClr val="FCE5CD"/>
+          </a:solidFill>
+          <a:ln w="9525" cap="flat" cmpd="sng">
+            <a:solidFill>
+              <a:srgbClr val="F7EDDE"/>
+            </a:solidFill>
+            <a:prstDash val="solid"/>
+            <a:round/>
+            <a:headEnd type="none" w="sm" len="sm"/>
+            <a:tailEnd type="none" w="sm" len="sm"/>
+          </a:ln>
+        </p:spPr>
+        <p:txBody>
+          <a:bodyPr spcFirstLastPara="1" wrap="square" lIns="91425" tIns="91425" rIns="91425" bIns="91425" anchor="ctr" anchorCtr="0">
+            <a:noAutofit/>
+          </a:bodyPr>
+          <a:lstStyle/>
+          <a:p>
+            <a:pPr marL="0" lvl="0" indent="0" algn="ctr" rtl="0">
+              <a:spcBef>
+                <a:spcPts val="0"/>
+              </a:spcBef>
+              <a:spcAft>
+                <a:spcPts val="0"/>
+              </a:spcAft>
+              <a:buNone/>
+            </a:pPr>
+            <a:endParaRPr/>
+          </a:p>
+        </p:txBody>
+      </p:sp>
+      <p:pic>
+        <p:nvPicPr>
+          <p:cNvPr id="126" name="Google Shape;126;p21"/>
+          <p:cNvPicPr preferRelativeResize="0"/>
+          <p:nvPr/>
+        </p:nvPicPr>
+        <p:blipFill>
+          <a:blip r:embed="rId3">
+            <a:alphaModFix/>
+          </a:blip>
+          <a:stretch>
+            <a:fillRect/>
+          </a:stretch>
+        </p:blipFill>
+        <p:spPr>
+          <a:xfrm>
+            <a:off x="8469575" y="-4"/>
+            <a:ext cx="674425" cy="340550"/>
+          </a:xfrm>
+          <a:prstGeom prst="rect">
+            <a:avLst/>
+          </a:prstGeom>
+          <a:noFill/>
+          <a:ln>
+            <a:noFill/>
+          </a:ln>
+        </p:spPr>
+      </p:pic>
+    </p:spTree>
+  </p:cSld>
+  <p:clrMapOvr>
+    <a:masterClrMapping/>
+  </p:clrMapOvr>
+</p:sld>
+</file>
+
+<file path=ppt/slides/slide17.xml><?xml version="1.0" encoding="utf-8"?>
+<p:sld xmlns:a="http://schemas.openxmlformats.org/drawingml/2006/main" xmlns:r="http://schemas.openxmlformats.org/officeDocument/2006/relationships" xmlns:p="http://schemas.openxmlformats.org/presentationml/2006/main">
+  <p:cSld>
     <p:bg>
       <p:bgPr>
         <a:solidFill>
@@ -7467,7 +11275,7 @@
         </p:spPr>
         <p:txBody>
           <a:bodyPr spcFirstLastPara="1" wrap="square" lIns="91425" tIns="91425" rIns="91425" bIns="91425" anchor="t" anchorCtr="0">
-            <a:normAutofit/>
+            <a:normAutofit fontScale="90000"/>
           </a:bodyPr>
           <a:lstStyle/>
           <a:p>
@@ -7510,7 +11318,7 @@
         <p:spPr>
           <a:xfrm>
             <a:off x="434775" y="1085525"/>
-            <a:ext cx="8320500" cy="819600"/>
+            <a:ext cx="8320500" cy="2025139"/>
           </a:xfrm>
           <a:prstGeom prst="rect">
             <a:avLst/>
@@ -7526,7 +11334,7 @@
           </a:bodyPr>
           <a:lstStyle/>
           <a:p>
-            <a:pPr marL="457200" lvl="0" indent="-323850" algn="l" rtl="0">
+            <a:pPr marL="457200" lvl="0" indent="-323850" algn="just" rtl="0">
               <a:lnSpc>
                 <a:spcPct val="115000"/>
               </a:lnSpc>
@@ -7544,7 +11352,7 @@
               <a:buChar char="●"/>
             </a:pPr>
             <a:r>
-              <a:rPr lang="fr" sz="1500" i="1">
+              <a:rPr lang="fr-FR" sz="1500" b="1" i="1" dirty="0">
                 <a:solidFill>
                   <a:schemeClr val="dk1"/>
                 </a:solidFill>
@@ -7553,9 +11361,64 @@
                 <a:cs typeface="Montserrat"/>
                 <a:sym typeface="Montserrat"/>
               </a:rPr>
-              <a:t>Brève introduction du site de Menu Maker : objectifs</a:t>
+              <a:t>Qwenta</a:t>
             </a:r>
-            <a:endParaRPr sz="1500" i="1">
+            <a:r>
+              <a:rPr lang="fr-FR" sz="1500" i="1" dirty="0">
+                <a:solidFill>
+                  <a:schemeClr val="dk1"/>
+                </a:solidFill>
+                <a:latin typeface="Montserrat"/>
+                <a:ea typeface="Montserrat"/>
+                <a:cs typeface="Montserrat"/>
+                <a:sym typeface="Montserrat"/>
+              </a:rPr>
+              <a:t> souhaite réaliser un outil en ligne qui permettra à ses clients restaurateurs de publier et de choisir par eux-mêmes la mise en forme de leurs menus, d’où le nom “</a:t>
+            </a:r>
+            <a:r>
+              <a:rPr lang="fr-FR" sz="1500" b="1" i="1" dirty="0">
+                <a:solidFill>
+                  <a:schemeClr val="dk1"/>
+                </a:solidFill>
+                <a:latin typeface="Montserrat"/>
+                <a:ea typeface="Montserrat"/>
+                <a:cs typeface="Montserrat"/>
+                <a:sym typeface="Montserrat"/>
+              </a:rPr>
+              <a:t>Menu Maker</a:t>
+            </a:r>
+            <a:r>
+              <a:rPr lang="fr-FR" sz="1500" i="1" dirty="0">
+                <a:solidFill>
+                  <a:schemeClr val="dk1"/>
+                </a:solidFill>
+                <a:latin typeface="Montserrat"/>
+                <a:ea typeface="Montserrat"/>
+                <a:cs typeface="Montserrat"/>
+                <a:sym typeface="Montserrat"/>
+              </a:rPr>
+              <a:t>”.</a:t>
+            </a:r>
+          </a:p>
+          <a:p>
+            <a:pPr marL="457200" lvl="0" indent="-323850" algn="just" rtl="0">
+              <a:lnSpc>
+                <a:spcPct val="115000"/>
+              </a:lnSpc>
+              <a:spcBef>
+                <a:spcPts val="0"/>
+              </a:spcBef>
+              <a:spcAft>
+                <a:spcPts val="0"/>
+              </a:spcAft>
+              <a:buClr>
+                <a:schemeClr val="dk1"/>
+              </a:buClr>
+              <a:buSzPts val="1500"/>
+              <a:buFont typeface="Montserrat"/>
+              <a:buChar char="●"/>
+            </a:pPr>
+            <a:endParaRPr lang="fr-FR" sz="1500" i="1" dirty="0">
               <a:solidFill>
                 <a:schemeClr val="dk1"/>
               </a:solidFill>
@@ -7566,16 +11429,175 @@
             </a:endParaRPr>
           </a:p>
           <a:p>
-            <a:pPr marL="0" lvl="0" indent="0" algn="l" rtl="0">
-              <a:spcBef>
-                <a:spcPts val="1200"/>
-              </a:spcBef>
-              <a:spcAft>
-                <a:spcPts val="0"/>
-              </a:spcAft>
-              <a:buNone/>
-            </a:pPr>
-            <a:endParaRPr/>
+            <a:pPr marL="457200" lvl="0" indent="-323850" algn="just" rtl="0">
+              <a:lnSpc>
+                <a:spcPct val="115000"/>
+              </a:lnSpc>
+              <a:spcBef>
+                <a:spcPts val="0"/>
+              </a:spcBef>
+              <a:spcAft>
+                <a:spcPts val="0"/>
+              </a:spcAft>
+              <a:buClr>
+                <a:schemeClr val="dk1"/>
+              </a:buClr>
+              <a:buSzPts val="1500"/>
+              <a:buFont typeface="Montserrat"/>
+              <a:buChar char="●"/>
+            </a:pPr>
+            <a:r>
+              <a:rPr lang="fr-FR" sz="1500" i="1" dirty="0">
+                <a:solidFill>
+                  <a:schemeClr val="dk1"/>
+                </a:solidFill>
+                <a:latin typeface="Montserrat"/>
+                <a:ea typeface="Montserrat"/>
+                <a:cs typeface="Montserrat"/>
+                <a:sym typeface="Montserrat"/>
+              </a:rPr>
+              <a:t>L’utilisateur pourra ainsi </a:t>
+            </a:r>
+            <a:r>
+              <a:rPr lang="fr-FR" sz="1500" b="1" i="1" dirty="0">
+                <a:solidFill>
+                  <a:schemeClr val="dk1"/>
+                </a:solidFill>
+                <a:latin typeface="Montserrat"/>
+                <a:ea typeface="Montserrat"/>
+                <a:cs typeface="Montserrat"/>
+                <a:sym typeface="Montserrat"/>
+              </a:rPr>
+              <a:t>créer</a:t>
+            </a:r>
+            <a:r>
+              <a:rPr lang="fr-FR" sz="1500" i="1" dirty="0">
+                <a:solidFill>
+                  <a:schemeClr val="dk1"/>
+                </a:solidFill>
+                <a:latin typeface="Montserrat"/>
+                <a:ea typeface="Montserrat"/>
+                <a:cs typeface="Montserrat"/>
+                <a:sym typeface="Montserrat"/>
+              </a:rPr>
+              <a:t>, </a:t>
+            </a:r>
+            <a:r>
+              <a:rPr lang="fr-FR" sz="1500" b="1" i="1" dirty="0">
+                <a:solidFill>
+                  <a:schemeClr val="dk1"/>
+                </a:solidFill>
+                <a:latin typeface="Montserrat"/>
+                <a:ea typeface="Montserrat"/>
+                <a:cs typeface="Montserrat"/>
+                <a:sym typeface="Montserrat"/>
+              </a:rPr>
+              <a:t>personnaliser</a:t>
+            </a:r>
+            <a:r>
+              <a:rPr lang="fr-FR" sz="1500" i="1" dirty="0">
+                <a:solidFill>
+                  <a:schemeClr val="dk1"/>
+                </a:solidFill>
+                <a:latin typeface="Montserrat"/>
+                <a:ea typeface="Montserrat"/>
+                <a:cs typeface="Montserrat"/>
+                <a:sym typeface="Montserrat"/>
+              </a:rPr>
+              <a:t>, </a:t>
+            </a:r>
+            <a:r>
+              <a:rPr lang="fr-FR" sz="1500" b="1" i="1" dirty="0">
+                <a:solidFill>
+                  <a:schemeClr val="dk1"/>
+                </a:solidFill>
+                <a:latin typeface="Montserrat"/>
+                <a:ea typeface="Montserrat"/>
+                <a:cs typeface="Montserrat"/>
+                <a:sym typeface="Montserrat"/>
+              </a:rPr>
+              <a:t>diffuser</a:t>
+            </a:r>
+            <a:r>
+              <a:rPr lang="fr-FR" sz="1500" i="1" dirty="0">
+                <a:solidFill>
+                  <a:schemeClr val="dk1"/>
+                </a:solidFill>
+                <a:latin typeface="Montserrat"/>
+                <a:ea typeface="Montserrat"/>
+                <a:cs typeface="Montserrat"/>
+                <a:sym typeface="Montserrat"/>
+              </a:rPr>
+              <a:t> et </a:t>
+            </a:r>
+            <a:r>
+              <a:rPr lang="fr-FR" sz="1500" b="1" i="1" dirty="0">
+                <a:solidFill>
+                  <a:schemeClr val="dk1"/>
+                </a:solidFill>
+                <a:latin typeface="Montserrat"/>
+                <a:ea typeface="Montserrat"/>
+                <a:cs typeface="Montserrat"/>
+                <a:sym typeface="Montserrat"/>
+              </a:rPr>
+              <a:t>imprimer</a:t>
+            </a:r>
+            <a:r>
+              <a:rPr lang="fr-FR" sz="1500" i="1" dirty="0">
+                <a:solidFill>
+                  <a:schemeClr val="dk1"/>
+                </a:solidFill>
+                <a:latin typeface="Montserrat"/>
+                <a:ea typeface="Montserrat"/>
+                <a:cs typeface="Montserrat"/>
+                <a:sym typeface="Montserrat"/>
+              </a:rPr>
+              <a:t> </a:t>
+            </a:r>
+            <a:r>
+              <a:rPr lang="fr-FR" sz="1500" b="1" i="1" dirty="0">
+                <a:solidFill>
+                  <a:schemeClr val="dk1"/>
+                </a:solidFill>
+                <a:latin typeface="Montserrat"/>
+                <a:ea typeface="Montserrat"/>
+                <a:cs typeface="Montserrat"/>
+                <a:sym typeface="Montserrat"/>
+              </a:rPr>
+              <a:t>un menu </a:t>
+            </a:r>
+            <a:r>
+              <a:rPr lang="fr-FR" sz="1500" i="1" dirty="0">
+                <a:solidFill>
+                  <a:schemeClr val="dk1"/>
+                </a:solidFill>
+                <a:latin typeface="Montserrat"/>
+                <a:ea typeface="Montserrat"/>
+                <a:cs typeface="Montserrat"/>
+                <a:sym typeface="Montserrat"/>
+              </a:rPr>
+              <a:t>depuis le site.</a:t>
+            </a:r>
+          </a:p>
+          <a:p>
+            <a:pPr marL="457200" lvl="0" indent="-323850" algn="just" rtl="0">
+              <a:lnSpc>
+                <a:spcPct val="115000"/>
+              </a:lnSpc>
+              <a:spcBef>
+                <a:spcPts val="0"/>
+              </a:spcBef>
+              <a:spcAft>
+                <a:spcPts val="0"/>
+              </a:spcAft>
+              <a:buClr>
+                <a:schemeClr val="dk1"/>
+              </a:buClr>
+              <a:buSzPts val="1500"/>
+              <a:buFont typeface="Montserrat"/>
+              <a:buChar char="●"/>
+            </a:pPr>
+            <a:endParaRPr lang="fr-FR" dirty="0"/>
           </a:p>
         </p:txBody>
       </p:sp>
@@ -7721,7 +11743,7 @@
               <a:buNone/>
             </a:pPr>
             <a:r>
-              <a:rPr lang="fr" sz="2020">
+              <a:rPr lang="fr" sz="2020" dirty="0">
                 <a:latin typeface="Montserrat"/>
                 <a:ea typeface="Montserrat"/>
                 <a:cs typeface="Montserrat"/>
@@ -7729,7 +11751,7 @@
               </a:rPr>
               <a:t>Aperçu de la maquette</a:t>
             </a:r>
-            <a:endParaRPr sz="2020">
+            <a:endParaRPr sz="2020" dirty="0">
               <a:latin typeface="Montserrat"/>
               <a:ea typeface="Montserrat"/>
               <a:cs typeface="Montserrat"/>
@@ -7750,7 +11772,7 @@
               <a:buSzPts val="990"/>
               <a:buNone/>
             </a:pPr>
-            <a:endParaRPr sz="1820">
+            <a:endParaRPr sz="1820" dirty="0">
               <a:solidFill>
                 <a:schemeClr val="dk2"/>
               </a:solidFill>
@@ -7774,8 +11796,8 @@
         </p:nvSpPr>
         <p:spPr>
           <a:xfrm>
-            <a:off x="311700" y="1152475"/>
-            <a:ext cx="8520600" cy="3416400"/>
+            <a:off x="-4800" y="1152475"/>
+            <a:ext cx="2851909" cy="3416400"/>
           </a:xfrm>
           <a:prstGeom prst="rect">
             <a:avLst/>
@@ -7787,125 +11809,31 @@
           </a:bodyPr>
           <a:lstStyle/>
           <a:p>
-            <a:pPr marL="457200" lvl="0" indent="-323850" algn="l" rtl="0">
-              <a:lnSpc>
-                <a:spcPct val="150000"/>
-              </a:lnSpc>
-              <a:spcBef>
-                <a:spcPts val="0"/>
-              </a:spcBef>
-              <a:spcAft>
-                <a:spcPts val="0"/>
-              </a:spcAft>
-              <a:buClr>
-                <a:srgbClr val="0D0D0D"/>
-              </a:buClr>
-              <a:buSzPts val="1500"/>
-              <a:buFont typeface="Montserrat"/>
-              <a:buChar char="●"/>
+            <a:pPr marL="457200" lvl="0" indent="0" algn="l" rtl="0">
+              <a:spcBef>
+                <a:spcPts val="1200"/>
+              </a:spcBef>
+              <a:spcAft>
+                <a:spcPts val="1200"/>
+              </a:spcAft>
+              <a:buNone/>
             </a:pPr>
             <a:r>
-              <a:rPr lang="fr" sz="1500" i="1">
+              <a:rPr lang="fr-FR" i="1" dirty="0">
                 <a:solidFill>
-                  <a:srgbClr val="0D0D0D"/>
+                  <a:schemeClr val="tx1"/>
                 </a:solidFill>
-                <a:highlight>
-                  <a:srgbClr val="FFFFFF"/>
-                </a:highlight>
                 <a:latin typeface="Montserrat"/>
                 <a:ea typeface="Montserrat"/>
                 <a:cs typeface="Montserrat"/>
                 <a:sym typeface="Montserrat"/>
               </a:rPr>
-              <a:t>Capture(s) d'écran de la maquette.</a:t>
+              <a:t>Landing page</a:t>
             </a:r>
-            <a:endParaRPr sz="1500" i="1">
+            <a:endParaRPr i="1" dirty="0">
               <a:solidFill>
-                <a:srgbClr val="0D0D0D"/>
+                <a:schemeClr val="tx1"/>
               </a:solidFill>
-              <a:highlight>
-                <a:srgbClr val="FFFFFF"/>
-              </a:highlight>
-              <a:latin typeface="Montserrat"/>
-              <a:ea typeface="Montserrat"/>
-              <a:cs typeface="Montserrat"/>
-              <a:sym typeface="Montserrat"/>
-            </a:endParaRPr>
-          </a:p>
-          <a:p>
-            <a:pPr marL="457200" lvl="0" indent="-323850" algn="l" rtl="0">
-              <a:lnSpc>
-                <a:spcPct val="150000"/>
-              </a:lnSpc>
-              <a:spcBef>
-                <a:spcPts val="0"/>
-              </a:spcBef>
-              <a:spcAft>
-                <a:spcPts val="0"/>
-              </a:spcAft>
-              <a:buClr>
-                <a:srgbClr val="0D0D0D"/>
-              </a:buClr>
-              <a:buSzPts val="1500"/>
-              <a:buFont typeface="Montserrat"/>
-              <a:buChar char="●"/>
-            </a:pPr>
-            <a:r>
-              <a:rPr lang="fr" sz="1500" i="1">
-                <a:solidFill>
-                  <a:srgbClr val="0D0D0D"/>
-                </a:solidFill>
-                <a:highlight>
-                  <a:srgbClr val="FFFFFF"/>
-                </a:highlight>
-                <a:latin typeface="Montserrat"/>
-                <a:ea typeface="Montserrat"/>
-                <a:cs typeface="Montserrat"/>
-                <a:sym typeface="Montserrat"/>
-              </a:rPr>
-              <a:t>Démonstration des fonctionnalités clés</a:t>
-            </a:r>
-            <a:endParaRPr sz="1500" i="1">
-              <a:solidFill>
-                <a:srgbClr val="0D0D0D"/>
-              </a:solidFill>
-              <a:highlight>
-                <a:srgbClr val="FFFFFF"/>
-              </a:highlight>
-              <a:latin typeface="Montserrat"/>
-              <a:ea typeface="Montserrat"/>
-              <a:cs typeface="Montserrat"/>
-              <a:sym typeface="Montserrat"/>
-            </a:endParaRPr>
-          </a:p>
-          <a:p>
-            <a:pPr marL="0" lvl="0" indent="0" algn="l" rtl="0">
-              <a:spcBef>
-                <a:spcPts val="0"/>
-              </a:spcBef>
-              <a:spcAft>
-                <a:spcPts val="0"/>
-              </a:spcAft>
-              <a:buNone/>
-            </a:pPr>
-            <a:endParaRPr>
-              <a:latin typeface="Montserrat"/>
-              <a:ea typeface="Montserrat"/>
-              <a:cs typeface="Montserrat"/>
-              <a:sym typeface="Montserrat"/>
-            </a:endParaRPr>
-          </a:p>
-          <a:p>
-            <a:pPr marL="457200" lvl="0" indent="0" algn="l" rtl="0">
-              <a:spcBef>
-                <a:spcPts val="1200"/>
-              </a:spcBef>
-              <a:spcAft>
-                <a:spcPts val="1200"/>
-              </a:spcAft>
-              <a:buNone/>
-            </a:pPr>
-            <a:endParaRPr>
               <a:latin typeface="Montserrat"/>
               <a:ea typeface="Montserrat"/>
               <a:cs typeface="Montserrat"/>
@@ -7988,6 +11916,36 @@
           </a:ln>
         </p:spPr>
       </p:pic>
+      <p:pic>
+        <p:nvPicPr>
+          <p:cNvPr id="3" name="Image 2" descr="Une image contenant texte, menu, fruit, nourriture&#10;&#10;Description générée automatiquement">
+            <a:extLst>
+              <a:ext uri="{FF2B5EF4-FFF2-40B4-BE49-F238E27FC236}">
+                <a16:creationId xmlns:a16="http://schemas.microsoft.com/office/drawing/2014/main" id="{3B114A1C-C379-24F2-ABA3-083FEFE79C14}"/>
+              </a:ext>
+            </a:extLst>
+          </p:cNvPr>
+          <p:cNvPicPr>
+            <a:picLocks noChangeAspect="1"/>
+          </p:cNvPicPr>
+          <p:nvPr/>
+        </p:nvPicPr>
+        <p:blipFill>
+          <a:blip r:embed="rId4"/>
+          <a:stretch>
+            <a:fillRect/>
+          </a:stretch>
+        </p:blipFill>
+        <p:spPr>
+          <a:xfrm>
+            <a:off x="2924217" y="1122204"/>
+            <a:ext cx="5908083" cy="3723409"/>
+          </a:xfrm>
+          <a:prstGeom prst="rect">
+            <a:avLst/>
+          </a:prstGeom>
+        </p:spPr>
+      </p:pic>
     </p:spTree>
   </p:cSld>
   <p:clrMapOvr>
@@ -7997,6 +11955,1110 @@
 </file>
 
 <file path=ppt/slides/slide5.xml><?xml version="1.0" encoding="utf-8"?>
+<p:sld xmlns:a="http://schemas.openxmlformats.org/drawingml/2006/main" xmlns:r="http://schemas.openxmlformats.org/officeDocument/2006/relationships" xmlns:p="http://schemas.openxmlformats.org/presentationml/2006/main">
+  <p:cSld>
+    <p:spTree>
+      <p:nvGrpSpPr>
+        <p:cNvPr id="1" name="Shape 75"/>
+        <p:cNvGrpSpPr/>
+        <p:nvPr/>
+      </p:nvGrpSpPr>
+      <p:grpSpPr>
+        <a:xfrm>
+          <a:off x="0" y="0"/>
+          <a:ext cx="0" cy="0"/>
+          <a:chOff x="0" y="0"/>
+          <a:chExt cx="0" cy="0"/>
+        </a:xfrm>
+      </p:grpSpPr>
+      <p:sp>
+        <p:nvSpPr>
+          <p:cNvPr id="76" name="Google Shape;76;p16"/>
+          <p:cNvSpPr txBox="1">
+            <a:spLocks noGrp="1"/>
+          </p:cNvSpPr>
+          <p:nvPr>
+            <p:ph type="title"/>
+          </p:nvPr>
+        </p:nvSpPr>
+        <p:spPr>
+          <a:xfrm>
+            <a:off x="311700" y="445025"/>
+            <a:ext cx="8520600" cy="572700"/>
+          </a:xfrm>
+          <a:prstGeom prst="rect">
+            <a:avLst/>
+          </a:prstGeom>
+        </p:spPr>
+        <p:txBody>
+          <a:bodyPr spcFirstLastPara="1" wrap="square" lIns="91425" tIns="91425" rIns="91425" bIns="91425" anchor="t" anchorCtr="0">
+            <a:noAutofit/>
+          </a:bodyPr>
+          <a:lstStyle/>
+          <a:p>
+            <a:pPr marL="0" lvl="0" indent="0" algn="l" rtl="0">
+              <a:lnSpc>
+                <a:spcPct val="115000"/>
+              </a:lnSpc>
+              <a:spcBef>
+                <a:spcPts val="0"/>
+              </a:spcBef>
+              <a:spcAft>
+                <a:spcPts val="0"/>
+              </a:spcAft>
+              <a:buClr>
+                <a:schemeClr val="dk1"/>
+              </a:buClr>
+              <a:buSzPts val="990"/>
+              <a:buFont typeface="Arial"/>
+              <a:buNone/>
+            </a:pPr>
+            <a:r>
+              <a:rPr lang="fr" sz="2020" dirty="0">
+                <a:latin typeface="Montserrat"/>
+                <a:ea typeface="Montserrat"/>
+                <a:cs typeface="Montserrat"/>
+                <a:sym typeface="Montserrat"/>
+              </a:rPr>
+              <a:t>Aperçu de la maquette</a:t>
+            </a:r>
+            <a:endParaRPr sz="2020" dirty="0">
+              <a:latin typeface="Montserrat"/>
+              <a:ea typeface="Montserrat"/>
+              <a:cs typeface="Montserrat"/>
+              <a:sym typeface="Montserrat"/>
+            </a:endParaRPr>
+          </a:p>
+          <a:p>
+            <a:pPr marL="0" lvl="0" indent="0" algn="l" rtl="0">
+              <a:lnSpc>
+                <a:spcPct val="115000"/>
+              </a:lnSpc>
+              <a:spcBef>
+                <a:spcPts val="1200"/>
+              </a:spcBef>
+              <a:spcAft>
+                <a:spcPts val="1200"/>
+              </a:spcAft>
+              <a:buSzPts val="990"/>
+              <a:buNone/>
+            </a:pPr>
+            <a:endParaRPr sz="1820" dirty="0">
+              <a:solidFill>
+                <a:schemeClr val="dk2"/>
+              </a:solidFill>
+              <a:latin typeface="Montserrat"/>
+              <a:ea typeface="Montserrat"/>
+              <a:cs typeface="Montserrat"/>
+              <a:sym typeface="Montserrat"/>
+            </a:endParaRPr>
+          </a:p>
+        </p:txBody>
+      </p:sp>
+      <p:sp>
+        <p:nvSpPr>
+          <p:cNvPr id="77" name="Google Shape;77;p16"/>
+          <p:cNvSpPr txBox="1">
+            <a:spLocks noGrp="1"/>
+          </p:cNvSpPr>
+          <p:nvPr>
+            <p:ph type="body" idx="1"/>
+          </p:nvPr>
+        </p:nvSpPr>
+        <p:spPr>
+          <a:xfrm>
+            <a:off x="0" y="1152475"/>
+            <a:ext cx="2847109" cy="3416400"/>
+          </a:xfrm>
+          <a:prstGeom prst="rect">
+            <a:avLst/>
+          </a:prstGeom>
+        </p:spPr>
+        <p:txBody>
+          <a:bodyPr spcFirstLastPara="1" wrap="square" lIns="91425" tIns="91425" rIns="91425" bIns="91425" anchor="t" anchorCtr="0">
+            <a:normAutofit/>
+          </a:bodyPr>
+          <a:lstStyle/>
+          <a:p>
+            <a:pPr marL="457200" lvl="0" indent="0" algn="l" rtl="0">
+              <a:spcBef>
+                <a:spcPts val="1200"/>
+              </a:spcBef>
+              <a:spcAft>
+                <a:spcPts val="1200"/>
+              </a:spcAft>
+              <a:buNone/>
+            </a:pPr>
+            <a:r>
+              <a:rPr lang="fr-FR" i="1" dirty="0">
+                <a:solidFill>
+                  <a:schemeClr val="tx1"/>
+                </a:solidFill>
+                <a:latin typeface="Montserrat"/>
+                <a:ea typeface="Montserrat"/>
+                <a:cs typeface="Montserrat"/>
+                <a:sym typeface="Montserrat"/>
+              </a:rPr>
+              <a:t>Dashboard</a:t>
+            </a:r>
+            <a:endParaRPr i="1" dirty="0">
+              <a:solidFill>
+                <a:schemeClr val="tx1"/>
+              </a:solidFill>
+              <a:latin typeface="Montserrat"/>
+              <a:ea typeface="Montserrat"/>
+              <a:cs typeface="Montserrat"/>
+              <a:sym typeface="Montserrat"/>
+            </a:endParaRPr>
+          </a:p>
+        </p:txBody>
+      </p:sp>
+      <p:sp>
+        <p:nvSpPr>
+          <p:cNvPr id="78" name="Google Shape;78;p16"/>
+          <p:cNvSpPr/>
+          <p:nvPr/>
+        </p:nvSpPr>
+        <p:spPr>
+          <a:xfrm>
+            <a:off x="-4800" y="0"/>
+            <a:ext cx="9153600" cy="239700"/>
+          </a:xfrm>
+          <a:prstGeom prst="rect">
+            <a:avLst/>
+          </a:prstGeom>
+          <a:solidFill>
+            <a:srgbClr val="FCE5CD"/>
+          </a:solidFill>
+          <a:ln w="9525" cap="flat" cmpd="sng">
+            <a:solidFill>
+              <a:srgbClr val="F7EDDE"/>
+            </a:solidFill>
+            <a:prstDash val="solid"/>
+            <a:round/>
+            <a:headEnd type="none" w="sm" len="sm"/>
+            <a:tailEnd type="none" w="sm" len="sm"/>
+          </a:ln>
+        </p:spPr>
+        <p:txBody>
+          <a:bodyPr spcFirstLastPara="1" wrap="square" lIns="91425" tIns="91425" rIns="91425" bIns="91425" anchor="ctr" anchorCtr="0">
+            <a:noAutofit/>
+          </a:bodyPr>
+          <a:lstStyle/>
+          <a:p>
+            <a:pPr marL="0" lvl="0" indent="0" algn="ctr" rtl="0">
+              <a:spcBef>
+                <a:spcPts val="0"/>
+              </a:spcBef>
+              <a:spcAft>
+                <a:spcPts val="0"/>
+              </a:spcAft>
+              <a:buNone/>
+            </a:pPr>
+            <a:endParaRPr/>
+          </a:p>
+        </p:txBody>
+      </p:sp>
+      <p:pic>
+        <p:nvPicPr>
+          <p:cNvPr id="79" name="Google Shape;79;p16"/>
+          <p:cNvPicPr preferRelativeResize="0"/>
+          <p:nvPr/>
+        </p:nvPicPr>
+        <p:blipFill>
+          <a:blip r:embed="rId3">
+            <a:alphaModFix/>
+          </a:blip>
+          <a:stretch>
+            <a:fillRect/>
+          </a:stretch>
+        </p:blipFill>
+        <p:spPr>
+          <a:xfrm>
+            <a:off x="8469575" y="-4"/>
+            <a:ext cx="674425" cy="340550"/>
+          </a:xfrm>
+          <a:prstGeom prst="rect">
+            <a:avLst/>
+          </a:prstGeom>
+          <a:noFill/>
+          <a:ln>
+            <a:noFill/>
+          </a:ln>
+        </p:spPr>
+      </p:pic>
+      <p:pic>
+        <p:nvPicPr>
+          <p:cNvPr id="4" name="Image 3" descr="Une image contenant texte, capture d’écran, conception&#10;&#10;Description générée automatiquement">
+            <a:extLst>
+              <a:ext uri="{FF2B5EF4-FFF2-40B4-BE49-F238E27FC236}">
+                <a16:creationId xmlns:a16="http://schemas.microsoft.com/office/drawing/2014/main" id="{57AC81CA-21F3-B174-1794-C3C183A3F132}"/>
+              </a:ext>
+            </a:extLst>
+          </p:cNvPr>
+          <p:cNvPicPr>
+            <a:picLocks noChangeAspect="1"/>
+          </p:cNvPicPr>
+          <p:nvPr/>
+        </p:nvPicPr>
+        <p:blipFill>
+          <a:blip r:embed="rId4"/>
+          <a:stretch>
+            <a:fillRect/>
+          </a:stretch>
+        </p:blipFill>
+        <p:spPr>
+          <a:xfrm>
+            <a:off x="2847109" y="1122204"/>
+            <a:ext cx="5675200" cy="3580593"/>
+          </a:xfrm>
+          <a:prstGeom prst="rect">
+            <a:avLst/>
+          </a:prstGeom>
+        </p:spPr>
+      </p:pic>
+    </p:spTree>
+    <p:extLst>
+      <p:ext uri="{BB962C8B-B14F-4D97-AF65-F5344CB8AC3E}">
+        <p14:creationId xmlns:p14="http://schemas.microsoft.com/office/powerpoint/2010/main" val="3220877660"/>
+      </p:ext>
+    </p:extLst>
+  </p:cSld>
+  <p:clrMapOvr>
+    <a:masterClrMapping/>
+  </p:clrMapOvr>
+</p:sld>
+</file>
+
+<file path=ppt/slides/slide6.xml><?xml version="1.0" encoding="utf-8"?>
+<p:sld xmlns:a="http://schemas.openxmlformats.org/drawingml/2006/main" xmlns:r="http://schemas.openxmlformats.org/officeDocument/2006/relationships" xmlns:p="http://schemas.openxmlformats.org/presentationml/2006/main">
+  <p:cSld>
+    <p:spTree>
+      <p:nvGrpSpPr>
+        <p:cNvPr id="1" name="Shape 75"/>
+        <p:cNvGrpSpPr/>
+        <p:nvPr/>
+      </p:nvGrpSpPr>
+      <p:grpSpPr>
+        <a:xfrm>
+          <a:off x="0" y="0"/>
+          <a:ext cx="0" cy="0"/>
+          <a:chOff x="0" y="0"/>
+          <a:chExt cx="0" cy="0"/>
+        </a:xfrm>
+      </p:grpSpPr>
+      <p:sp>
+        <p:nvSpPr>
+          <p:cNvPr id="76" name="Google Shape;76;p16"/>
+          <p:cNvSpPr txBox="1">
+            <a:spLocks noGrp="1"/>
+          </p:cNvSpPr>
+          <p:nvPr>
+            <p:ph type="title"/>
+          </p:nvPr>
+        </p:nvSpPr>
+        <p:spPr>
+          <a:xfrm>
+            <a:off x="311700" y="445025"/>
+            <a:ext cx="8520600" cy="572700"/>
+          </a:xfrm>
+          <a:prstGeom prst="rect">
+            <a:avLst/>
+          </a:prstGeom>
+        </p:spPr>
+        <p:txBody>
+          <a:bodyPr spcFirstLastPara="1" wrap="square" lIns="91425" tIns="91425" rIns="91425" bIns="91425" anchor="t" anchorCtr="0">
+            <a:noAutofit/>
+          </a:bodyPr>
+          <a:lstStyle/>
+          <a:p>
+            <a:pPr marL="0" lvl="0" indent="0" algn="l" rtl="0">
+              <a:lnSpc>
+                <a:spcPct val="115000"/>
+              </a:lnSpc>
+              <a:spcBef>
+                <a:spcPts val="0"/>
+              </a:spcBef>
+              <a:spcAft>
+                <a:spcPts val="0"/>
+              </a:spcAft>
+              <a:buClr>
+                <a:schemeClr val="dk1"/>
+              </a:buClr>
+              <a:buSzPts val="990"/>
+              <a:buFont typeface="Arial"/>
+              <a:buNone/>
+            </a:pPr>
+            <a:r>
+              <a:rPr lang="fr" sz="2020" dirty="0">
+                <a:latin typeface="Montserrat"/>
+                <a:ea typeface="Montserrat"/>
+                <a:cs typeface="Montserrat"/>
+                <a:sym typeface="Montserrat"/>
+              </a:rPr>
+              <a:t>Aperçu de la maquette</a:t>
+            </a:r>
+            <a:endParaRPr sz="2020" dirty="0">
+              <a:latin typeface="Montserrat"/>
+              <a:ea typeface="Montserrat"/>
+              <a:cs typeface="Montserrat"/>
+              <a:sym typeface="Montserrat"/>
+            </a:endParaRPr>
+          </a:p>
+          <a:p>
+            <a:pPr marL="0" lvl="0" indent="0" algn="l" rtl="0">
+              <a:lnSpc>
+                <a:spcPct val="115000"/>
+              </a:lnSpc>
+              <a:spcBef>
+                <a:spcPts val="1200"/>
+              </a:spcBef>
+              <a:spcAft>
+                <a:spcPts val="1200"/>
+              </a:spcAft>
+              <a:buSzPts val="990"/>
+              <a:buNone/>
+            </a:pPr>
+            <a:endParaRPr sz="1820" dirty="0">
+              <a:solidFill>
+                <a:schemeClr val="dk2"/>
+              </a:solidFill>
+              <a:latin typeface="Montserrat"/>
+              <a:ea typeface="Montserrat"/>
+              <a:cs typeface="Montserrat"/>
+              <a:sym typeface="Montserrat"/>
+            </a:endParaRPr>
+          </a:p>
+        </p:txBody>
+      </p:sp>
+      <p:sp>
+        <p:nvSpPr>
+          <p:cNvPr id="77" name="Google Shape;77;p16"/>
+          <p:cNvSpPr txBox="1">
+            <a:spLocks noGrp="1"/>
+          </p:cNvSpPr>
+          <p:nvPr>
+            <p:ph type="body" idx="1"/>
+          </p:nvPr>
+        </p:nvSpPr>
+        <p:spPr>
+          <a:xfrm>
+            <a:off x="-4800" y="1152475"/>
+            <a:ext cx="2851909" cy="3416400"/>
+          </a:xfrm>
+          <a:prstGeom prst="rect">
+            <a:avLst/>
+          </a:prstGeom>
+        </p:spPr>
+        <p:txBody>
+          <a:bodyPr spcFirstLastPara="1" wrap="square" lIns="91425" tIns="91425" rIns="91425" bIns="91425" anchor="t" anchorCtr="0">
+            <a:normAutofit/>
+          </a:bodyPr>
+          <a:lstStyle/>
+          <a:p>
+            <a:pPr marL="457200" lvl="0" indent="0" algn="l" rtl="0">
+              <a:spcBef>
+                <a:spcPts val="1200"/>
+              </a:spcBef>
+              <a:spcAft>
+                <a:spcPts val="1200"/>
+              </a:spcAft>
+              <a:buNone/>
+            </a:pPr>
+            <a:r>
+              <a:rPr lang="fr-FR" i="1" dirty="0">
+                <a:solidFill>
+                  <a:schemeClr val="tx1"/>
+                </a:solidFill>
+                <a:latin typeface="Montserrat"/>
+                <a:ea typeface="Montserrat"/>
+                <a:cs typeface="Montserrat"/>
+                <a:sym typeface="Montserrat"/>
+              </a:rPr>
+              <a:t>Création de menu</a:t>
+            </a:r>
+            <a:endParaRPr i="1" dirty="0">
+              <a:solidFill>
+                <a:schemeClr val="tx1"/>
+              </a:solidFill>
+              <a:latin typeface="Montserrat"/>
+              <a:ea typeface="Montserrat"/>
+              <a:cs typeface="Montserrat"/>
+              <a:sym typeface="Montserrat"/>
+            </a:endParaRPr>
+          </a:p>
+        </p:txBody>
+      </p:sp>
+      <p:sp>
+        <p:nvSpPr>
+          <p:cNvPr id="78" name="Google Shape;78;p16"/>
+          <p:cNvSpPr/>
+          <p:nvPr/>
+        </p:nvSpPr>
+        <p:spPr>
+          <a:xfrm>
+            <a:off x="-4800" y="0"/>
+            <a:ext cx="9153600" cy="239700"/>
+          </a:xfrm>
+          <a:prstGeom prst="rect">
+            <a:avLst/>
+          </a:prstGeom>
+          <a:solidFill>
+            <a:srgbClr val="FCE5CD"/>
+          </a:solidFill>
+          <a:ln w="9525" cap="flat" cmpd="sng">
+            <a:solidFill>
+              <a:srgbClr val="F7EDDE"/>
+            </a:solidFill>
+            <a:prstDash val="solid"/>
+            <a:round/>
+            <a:headEnd type="none" w="sm" len="sm"/>
+            <a:tailEnd type="none" w="sm" len="sm"/>
+          </a:ln>
+        </p:spPr>
+        <p:txBody>
+          <a:bodyPr spcFirstLastPara="1" wrap="square" lIns="91425" tIns="91425" rIns="91425" bIns="91425" anchor="ctr" anchorCtr="0">
+            <a:noAutofit/>
+          </a:bodyPr>
+          <a:lstStyle/>
+          <a:p>
+            <a:pPr marL="0" lvl="0" indent="0" algn="ctr" rtl="0">
+              <a:spcBef>
+                <a:spcPts val="0"/>
+              </a:spcBef>
+              <a:spcAft>
+                <a:spcPts val="0"/>
+              </a:spcAft>
+              <a:buNone/>
+            </a:pPr>
+            <a:endParaRPr/>
+          </a:p>
+        </p:txBody>
+      </p:sp>
+      <p:pic>
+        <p:nvPicPr>
+          <p:cNvPr id="79" name="Google Shape;79;p16"/>
+          <p:cNvPicPr preferRelativeResize="0"/>
+          <p:nvPr/>
+        </p:nvPicPr>
+        <p:blipFill>
+          <a:blip r:embed="rId3">
+            <a:alphaModFix/>
+          </a:blip>
+          <a:stretch>
+            <a:fillRect/>
+          </a:stretch>
+        </p:blipFill>
+        <p:spPr>
+          <a:xfrm>
+            <a:off x="8469575" y="-4"/>
+            <a:ext cx="674425" cy="340550"/>
+          </a:xfrm>
+          <a:prstGeom prst="rect">
+            <a:avLst/>
+          </a:prstGeom>
+          <a:noFill/>
+          <a:ln>
+            <a:noFill/>
+          </a:ln>
+        </p:spPr>
+      </p:pic>
+      <p:pic>
+        <p:nvPicPr>
+          <p:cNvPr id="4" name="Image 3" descr="Une image contenant texte, capture d’écran, conception&#10;&#10;Description générée automatiquement">
+            <a:extLst>
+              <a:ext uri="{FF2B5EF4-FFF2-40B4-BE49-F238E27FC236}">
+                <a16:creationId xmlns:a16="http://schemas.microsoft.com/office/drawing/2014/main" id="{C655C476-EE30-6530-CE53-88486A2DF5CB}"/>
+              </a:ext>
+            </a:extLst>
+          </p:cNvPr>
+          <p:cNvPicPr>
+            <a:picLocks noChangeAspect="1"/>
+          </p:cNvPicPr>
+          <p:nvPr/>
+        </p:nvPicPr>
+        <p:blipFill>
+          <a:blip r:embed="rId4"/>
+          <a:stretch>
+            <a:fillRect/>
+          </a:stretch>
+        </p:blipFill>
+        <p:spPr>
+          <a:xfrm>
+            <a:off x="2847110" y="1152475"/>
+            <a:ext cx="5719720" cy="3603661"/>
+          </a:xfrm>
+          <a:prstGeom prst="rect">
+            <a:avLst/>
+          </a:prstGeom>
+        </p:spPr>
+      </p:pic>
+    </p:spTree>
+    <p:extLst>
+      <p:ext uri="{BB962C8B-B14F-4D97-AF65-F5344CB8AC3E}">
+        <p14:creationId xmlns:p14="http://schemas.microsoft.com/office/powerpoint/2010/main" val="2670108631"/>
+      </p:ext>
+    </p:extLst>
+  </p:cSld>
+  <p:clrMapOvr>
+    <a:masterClrMapping/>
+  </p:clrMapOvr>
+</p:sld>
+</file>
+
+<file path=ppt/slides/slide7.xml><?xml version="1.0" encoding="utf-8"?>
+<p:sld xmlns:a="http://schemas.openxmlformats.org/drawingml/2006/main" xmlns:r="http://schemas.openxmlformats.org/officeDocument/2006/relationships" xmlns:p="http://schemas.openxmlformats.org/presentationml/2006/main">
+  <p:cSld>
+    <p:spTree>
+      <p:nvGrpSpPr>
+        <p:cNvPr id="1" name="Shape 75"/>
+        <p:cNvGrpSpPr/>
+        <p:nvPr/>
+      </p:nvGrpSpPr>
+      <p:grpSpPr>
+        <a:xfrm>
+          <a:off x="0" y="0"/>
+          <a:ext cx="0" cy="0"/>
+          <a:chOff x="0" y="0"/>
+          <a:chExt cx="0" cy="0"/>
+        </a:xfrm>
+      </p:grpSpPr>
+      <p:sp>
+        <p:nvSpPr>
+          <p:cNvPr id="76" name="Google Shape;76;p16"/>
+          <p:cNvSpPr txBox="1">
+            <a:spLocks noGrp="1"/>
+          </p:cNvSpPr>
+          <p:nvPr>
+            <p:ph type="title"/>
+          </p:nvPr>
+        </p:nvSpPr>
+        <p:spPr>
+          <a:xfrm>
+            <a:off x="311700" y="445025"/>
+            <a:ext cx="8520600" cy="572700"/>
+          </a:xfrm>
+          <a:prstGeom prst="rect">
+            <a:avLst/>
+          </a:prstGeom>
+        </p:spPr>
+        <p:txBody>
+          <a:bodyPr spcFirstLastPara="1" wrap="square" lIns="91425" tIns="91425" rIns="91425" bIns="91425" anchor="t" anchorCtr="0">
+            <a:noAutofit/>
+          </a:bodyPr>
+          <a:lstStyle/>
+          <a:p>
+            <a:pPr marL="0" lvl="0" indent="0" algn="l" rtl="0">
+              <a:lnSpc>
+                <a:spcPct val="115000"/>
+              </a:lnSpc>
+              <a:spcBef>
+                <a:spcPts val="0"/>
+              </a:spcBef>
+              <a:spcAft>
+                <a:spcPts val="0"/>
+              </a:spcAft>
+              <a:buClr>
+                <a:schemeClr val="dk1"/>
+              </a:buClr>
+              <a:buSzPts val="990"/>
+              <a:buFont typeface="Arial"/>
+              <a:buNone/>
+            </a:pPr>
+            <a:r>
+              <a:rPr lang="fr" sz="2020" dirty="0">
+                <a:latin typeface="Montserrat"/>
+                <a:ea typeface="Montserrat"/>
+                <a:cs typeface="Montserrat"/>
+                <a:sym typeface="Montserrat"/>
+              </a:rPr>
+              <a:t>Aperçu de la maquette</a:t>
+            </a:r>
+            <a:endParaRPr sz="2020" dirty="0">
+              <a:latin typeface="Montserrat"/>
+              <a:ea typeface="Montserrat"/>
+              <a:cs typeface="Montserrat"/>
+              <a:sym typeface="Montserrat"/>
+            </a:endParaRPr>
+          </a:p>
+          <a:p>
+            <a:pPr marL="0" lvl="0" indent="0" algn="l" rtl="0">
+              <a:lnSpc>
+                <a:spcPct val="115000"/>
+              </a:lnSpc>
+              <a:spcBef>
+                <a:spcPts val="1200"/>
+              </a:spcBef>
+              <a:spcAft>
+                <a:spcPts val="1200"/>
+              </a:spcAft>
+              <a:buSzPts val="990"/>
+              <a:buNone/>
+            </a:pPr>
+            <a:endParaRPr sz="1820" dirty="0">
+              <a:solidFill>
+                <a:schemeClr val="dk2"/>
+              </a:solidFill>
+              <a:latin typeface="Montserrat"/>
+              <a:ea typeface="Montserrat"/>
+              <a:cs typeface="Montserrat"/>
+              <a:sym typeface="Montserrat"/>
+            </a:endParaRPr>
+          </a:p>
+        </p:txBody>
+      </p:sp>
+      <p:sp>
+        <p:nvSpPr>
+          <p:cNvPr id="77" name="Google Shape;77;p16"/>
+          <p:cNvSpPr txBox="1">
+            <a:spLocks noGrp="1"/>
+          </p:cNvSpPr>
+          <p:nvPr>
+            <p:ph type="body" idx="1"/>
+          </p:nvPr>
+        </p:nvSpPr>
+        <p:spPr>
+          <a:xfrm>
+            <a:off x="-4800" y="1152475"/>
+            <a:ext cx="2851909" cy="3416400"/>
+          </a:xfrm>
+          <a:prstGeom prst="rect">
+            <a:avLst/>
+          </a:prstGeom>
+        </p:spPr>
+        <p:txBody>
+          <a:bodyPr spcFirstLastPara="1" wrap="square" lIns="91425" tIns="91425" rIns="91425" bIns="91425" anchor="t" anchorCtr="0">
+            <a:normAutofit/>
+          </a:bodyPr>
+          <a:lstStyle/>
+          <a:p>
+            <a:pPr marL="457200" lvl="0" indent="0" algn="l" rtl="0">
+              <a:spcBef>
+                <a:spcPts val="1200"/>
+              </a:spcBef>
+              <a:spcAft>
+                <a:spcPts val="1200"/>
+              </a:spcAft>
+              <a:buNone/>
+            </a:pPr>
+            <a:r>
+              <a:rPr lang="fr-FR" i="1" dirty="0">
+                <a:solidFill>
+                  <a:schemeClr val="tx1"/>
+                </a:solidFill>
+                <a:latin typeface="Montserrat"/>
+                <a:ea typeface="Montserrat"/>
+                <a:cs typeface="Montserrat"/>
+                <a:sym typeface="Montserrat"/>
+              </a:rPr>
+              <a:t>Personnalisation de menu</a:t>
+            </a:r>
+            <a:endParaRPr i="1" dirty="0">
+              <a:solidFill>
+                <a:schemeClr val="tx1"/>
+              </a:solidFill>
+              <a:latin typeface="Montserrat"/>
+              <a:ea typeface="Montserrat"/>
+              <a:cs typeface="Montserrat"/>
+              <a:sym typeface="Montserrat"/>
+            </a:endParaRPr>
+          </a:p>
+        </p:txBody>
+      </p:sp>
+      <p:sp>
+        <p:nvSpPr>
+          <p:cNvPr id="78" name="Google Shape;78;p16"/>
+          <p:cNvSpPr/>
+          <p:nvPr/>
+        </p:nvSpPr>
+        <p:spPr>
+          <a:xfrm>
+            <a:off x="-4800" y="0"/>
+            <a:ext cx="9153600" cy="239700"/>
+          </a:xfrm>
+          <a:prstGeom prst="rect">
+            <a:avLst/>
+          </a:prstGeom>
+          <a:solidFill>
+            <a:srgbClr val="FCE5CD"/>
+          </a:solidFill>
+          <a:ln w="9525" cap="flat" cmpd="sng">
+            <a:solidFill>
+              <a:srgbClr val="F7EDDE"/>
+            </a:solidFill>
+            <a:prstDash val="solid"/>
+            <a:round/>
+            <a:headEnd type="none" w="sm" len="sm"/>
+            <a:tailEnd type="none" w="sm" len="sm"/>
+          </a:ln>
+        </p:spPr>
+        <p:txBody>
+          <a:bodyPr spcFirstLastPara="1" wrap="square" lIns="91425" tIns="91425" rIns="91425" bIns="91425" anchor="ctr" anchorCtr="0">
+            <a:noAutofit/>
+          </a:bodyPr>
+          <a:lstStyle/>
+          <a:p>
+            <a:pPr marL="0" lvl="0" indent="0" algn="ctr" rtl="0">
+              <a:spcBef>
+                <a:spcPts val="0"/>
+              </a:spcBef>
+              <a:spcAft>
+                <a:spcPts val="0"/>
+              </a:spcAft>
+              <a:buNone/>
+            </a:pPr>
+            <a:endParaRPr/>
+          </a:p>
+        </p:txBody>
+      </p:sp>
+      <p:pic>
+        <p:nvPicPr>
+          <p:cNvPr id="79" name="Google Shape;79;p16"/>
+          <p:cNvPicPr preferRelativeResize="0"/>
+          <p:nvPr/>
+        </p:nvPicPr>
+        <p:blipFill>
+          <a:blip r:embed="rId3">
+            <a:alphaModFix/>
+          </a:blip>
+          <a:stretch>
+            <a:fillRect/>
+          </a:stretch>
+        </p:blipFill>
+        <p:spPr>
+          <a:xfrm>
+            <a:off x="8469575" y="-4"/>
+            <a:ext cx="674425" cy="340550"/>
+          </a:xfrm>
+          <a:prstGeom prst="rect">
+            <a:avLst/>
+          </a:prstGeom>
+          <a:noFill/>
+          <a:ln>
+            <a:noFill/>
+          </a:ln>
+        </p:spPr>
+      </p:pic>
+      <p:pic>
+        <p:nvPicPr>
+          <p:cNvPr id="3" name="Image 2" descr="Une image contenant texte, capture d’écran, Police, conception&#10;&#10;Description générée automatiquement">
+            <a:extLst>
+              <a:ext uri="{FF2B5EF4-FFF2-40B4-BE49-F238E27FC236}">
+                <a16:creationId xmlns:a16="http://schemas.microsoft.com/office/drawing/2014/main" id="{D292B7C1-67CF-E16B-A30C-4695081B09AD}"/>
+              </a:ext>
+            </a:extLst>
+          </p:cNvPr>
+          <p:cNvPicPr>
+            <a:picLocks noChangeAspect="1"/>
+          </p:cNvPicPr>
+          <p:nvPr/>
+        </p:nvPicPr>
+        <p:blipFill>
+          <a:blip r:embed="rId4"/>
+          <a:stretch>
+            <a:fillRect/>
+          </a:stretch>
+        </p:blipFill>
+        <p:spPr>
+          <a:xfrm>
+            <a:off x="2847109" y="1152475"/>
+            <a:ext cx="5714094" cy="3603662"/>
+          </a:xfrm>
+          <a:prstGeom prst="rect">
+            <a:avLst/>
+          </a:prstGeom>
+        </p:spPr>
+      </p:pic>
+    </p:spTree>
+    <p:extLst>
+      <p:ext uri="{BB962C8B-B14F-4D97-AF65-F5344CB8AC3E}">
+        <p14:creationId xmlns:p14="http://schemas.microsoft.com/office/powerpoint/2010/main" val="4055523677"/>
+      </p:ext>
+    </p:extLst>
+  </p:cSld>
+  <p:clrMapOvr>
+    <a:masterClrMapping/>
+  </p:clrMapOvr>
+</p:sld>
+</file>
+
+<file path=ppt/slides/slide8.xml><?xml version="1.0" encoding="utf-8"?>
+<p:sld xmlns:a="http://schemas.openxmlformats.org/drawingml/2006/main" xmlns:r="http://schemas.openxmlformats.org/officeDocument/2006/relationships" xmlns:p="http://schemas.openxmlformats.org/presentationml/2006/main">
+  <p:cSld>
+    <p:spTree>
+      <p:nvGrpSpPr>
+        <p:cNvPr id="1" name="Shape 75"/>
+        <p:cNvGrpSpPr/>
+        <p:nvPr/>
+      </p:nvGrpSpPr>
+      <p:grpSpPr>
+        <a:xfrm>
+          <a:off x="0" y="0"/>
+          <a:ext cx="0" cy="0"/>
+          <a:chOff x="0" y="0"/>
+          <a:chExt cx="0" cy="0"/>
+        </a:xfrm>
+      </p:grpSpPr>
+      <p:sp>
+        <p:nvSpPr>
+          <p:cNvPr id="76" name="Google Shape;76;p16"/>
+          <p:cNvSpPr txBox="1">
+            <a:spLocks noGrp="1"/>
+          </p:cNvSpPr>
+          <p:nvPr>
+            <p:ph type="title"/>
+          </p:nvPr>
+        </p:nvSpPr>
+        <p:spPr>
+          <a:xfrm>
+            <a:off x="311700" y="445025"/>
+            <a:ext cx="8520600" cy="572700"/>
+          </a:xfrm>
+          <a:prstGeom prst="rect">
+            <a:avLst/>
+          </a:prstGeom>
+        </p:spPr>
+        <p:txBody>
+          <a:bodyPr spcFirstLastPara="1" wrap="square" lIns="91425" tIns="91425" rIns="91425" bIns="91425" anchor="t" anchorCtr="0">
+            <a:noAutofit/>
+          </a:bodyPr>
+          <a:lstStyle/>
+          <a:p>
+            <a:pPr marL="0" lvl="0" indent="0" algn="l" rtl="0">
+              <a:lnSpc>
+                <a:spcPct val="115000"/>
+              </a:lnSpc>
+              <a:spcBef>
+                <a:spcPts val="0"/>
+              </a:spcBef>
+              <a:spcAft>
+                <a:spcPts val="0"/>
+              </a:spcAft>
+              <a:buClr>
+                <a:schemeClr val="dk1"/>
+              </a:buClr>
+              <a:buSzPts val="990"/>
+              <a:buFont typeface="Arial"/>
+              <a:buNone/>
+            </a:pPr>
+            <a:r>
+              <a:rPr lang="fr" sz="2020" dirty="0">
+                <a:latin typeface="Montserrat"/>
+                <a:ea typeface="Montserrat"/>
+                <a:cs typeface="Montserrat"/>
+                <a:sym typeface="Montserrat"/>
+              </a:rPr>
+              <a:t>Aperçu de la maquette</a:t>
+            </a:r>
+            <a:endParaRPr sz="2020" dirty="0">
+              <a:latin typeface="Montserrat"/>
+              <a:ea typeface="Montserrat"/>
+              <a:cs typeface="Montserrat"/>
+              <a:sym typeface="Montserrat"/>
+            </a:endParaRPr>
+          </a:p>
+          <a:p>
+            <a:pPr marL="0" lvl="0" indent="0" algn="l" rtl="0">
+              <a:lnSpc>
+                <a:spcPct val="115000"/>
+              </a:lnSpc>
+              <a:spcBef>
+                <a:spcPts val="1200"/>
+              </a:spcBef>
+              <a:spcAft>
+                <a:spcPts val="1200"/>
+              </a:spcAft>
+              <a:buSzPts val="990"/>
+              <a:buNone/>
+            </a:pPr>
+            <a:endParaRPr sz="1820" dirty="0">
+              <a:solidFill>
+                <a:schemeClr val="dk2"/>
+              </a:solidFill>
+              <a:latin typeface="Montserrat"/>
+              <a:ea typeface="Montserrat"/>
+              <a:cs typeface="Montserrat"/>
+              <a:sym typeface="Montserrat"/>
+            </a:endParaRPr>
+          </a:p>
+        </p:txBody>
+      </p:sp>
+      <p:sp>
+        <p:nvSpPr>
+          <p:cNvPr id="77" name="Google Shape;77;p16"/>
+          <p:cNvSpPr txBox="1">
+            <a:spLocks noGrp="1"/>
+          </p:cNvSpPr>
+          <p:nvPr>
+            <p:ph type="body" idx="1"/>
+          </p:nvPr>
+        </p:nvSpPr>
+        <p:spPr>
+          <a:xfrm>
+            <a:off x="-4800" y="1152475"/>
+            <a:ext cx="2851909" cy="3416400"/>
+          </a:xfrm>
+          <a:prstGeom prst="rect">
+            <a:avLst/>
+          </a:prstGeom>
+        </p:spPr>
+        <p:txBody>
+          <a:bodyPr spcFirstLastPara="1" wrap="square" lIns="91425" tIns="91425" rIns="91425" bIns="91425" anchor="t" anchorCtr="0">
+            <a:normAutofit/>
+          </a:bodyPr>
+          <a:lstStyle/>
+          <a:p>
+            <a:pPr marL="457200" lvl="0" indent="0" algn="l" rtl="0">
+              <a:spcBef>
+                <a:spcPts val="1200"/>
+              </a:spcBef>
+              <a:spcAft>
+                <a:spcPts val="1200"/>
+              </a:spcAft>
+              <a:buNone/>
+            </a:pPr>
+            <a:r>
+              <a:rPr lang="fr-FR" i="1" dirty="0">
+                <a:solidFill>
+                  <a:schemeClr val="tx1"/>
+                </a:solidFill>
+                <a:latin typeface="Montserrat"/>
+                <a:ea typeface="Montserrat"/>
+                <a:cs typeface="Montserrat"/>
+                <a:sym typeface="Montserrat"/>
+              </a:rPr>
+              <a:t>Diffusion et impression de menu</a:t>
+            </a:r>
+            <a:endParaRPr i="1" dirty="0">
+              <a:solidFill>
+                <a:schemeClr val="tx1"/>
+              </a:solidFill>
+              <a:latin typeface="Montserrat"/>
+              <a:ea typeface="Montserrat"/>
+              <a:cs typeface="Montserrat"/>
+              <a:sym typeface="Montserrat"/>
+            </a:endParaRPr>
+          </a:p>
+        </p:txBody>
+      </p:sp>
+      <p:sp>
+        <p:nvSpPr>
+          <p:cNvPr id="78" name="Google Shape;78;p16"/>
+          <p:cNvSpPr/>
+          <p:nvPr/>
+        </p:nvSpPr>
+        <p:spPr>
+          <a:xfrm>
+            <a:off x="-4800" y="0"/>
+            <a:ext cx="9153600" cy="239700"/>
+          </a:xfrm>
+          <a:prstGeom prst="rect">
+            <a:avLst/>
+          </a:prstGeom>
+          <a:solidFill>
+            <a:srgbClr val="FCE5CD"/>
+          </a:solidFill>
+          <a:ln w="9525" cap="flat" cmpd="sng">
+            <a:solidFill>
+              <a:srgbClr val="F7EDDE"/>
+            </a:solidFill>
+            <a:prstDash val="solid"/>
+            <a:round/>
+            <a:headEnd type="none" w="sm" len="sm"/>
+            <a:tailEnd type="none" w="sm" len="sm"/>
+          </a:ln>
+        </p:spPr>
+        <p:txBody>
+          <a:bodyPr spcFirstLastPara="1" wrap="square" lIns="91425" tIns="91425" rIns="91425" bIns="91425" anchor="ctr" anchorCtr="0">
+            <a:noAutofit/>
+          </a:bodyPr>
+          <a:lstStyle/>
+          <a:p>
+            <a:pPr marL="0" lvl="0" indent="0" algn="ctr" rtl="0">
+              <a:spcBef>
+                <a:spcPts val="0"/>
+              </a:spcBef>
+              <a:spcAft>
+                <a:spcPts val="0"/>
+              </a:spcAft>
+              <a:buNone/>
+            </a:pPr>
+            <a:endParaRPr/>
+          </a:p>
+        </p:txBody>
+      </p:sp>
+      <p:pic>
+        <p:nvPicPr>
+          <p:cNvPr id="79" name="Google Shape;79;p16"/>
+          <p:cNvPicPr preferRelativeResize="0"/>
+          <p:nvPr/>
+        </p:nvPicPr>
+        <p:blipFill>
+          <a:blip r:embed="rId3">
+            <a:alphaModFix/>
+          </a:blip>
+          <a:stretch>
+            <a:fillRect/>
+          </a:stretch>
+        </p:blipFill>
+        <p:spPr>
+          <a:xfrm>
+            <a:off x="8469575" y="-4"/>
+            <a:ext cx="674425" cy="340550"/>
+          </a:xfrm>
+          <a:prstGeom prst="rect">
+            <a:avLst/>
+          </a:prstGeom>
+          <a:noFill/>
+          <a:ln>
+            <a:noFill/>
+          </a:ln>
+        </p:spPr>
+      </p:pic>
+      <p:pic>
+        <p:nvPicPr>
+          <p:cNvPr id="4" name="Image 3" descr="Une image contenant texte, capture d’écran, conception&#10;&#10;Description générée automatiquement">
+            <a:extLst>
+              <a:ext uri="{FF2B5EF4-FFF2-40B4-BE49-F238E27FC236}">
+                <a16:creationId xmlns:a16="http://schemas.microsoft.com/office/drawing/2014/main" id="{6683ECF5-F97F-2FAC-8135-061929272024}"/>
+              </a:ext>
+            </a:extLst>
+          </p:cNvPr>
+          <p:cNvPicPr>
+            <a:picLocks noChangeAspect="1"/>
+          </p:cNvPicPr>
+          <p:nvPr/>
+        </p:nvPicPr>
+        <p:blipFill>
+          <a:blip r:embed="rId4"/>
+          <a:stretch>
+            <a:fillRect/>
+          </a:stretch>
+        </p:blipFill>
+        <p:spPr>
+          <a:xfrm>
+            <a:off x="2847109" y="1152475"/>
+            <a:ext cx="5714094" cy="3617069"/>
+          </a:xfrm>
+          <a:prstGeom prst="rect">
+            <a:avLst/>
+          </a:prstGeom>
+        </p:spPr>
+      </p:pic>
+    </p:spTree>
+    <p:extLst>
+      <p:ext uri="{BB962C8B-B14F-4D97-AF65-F5344CB8AC3E}">
+        <p14:creationId xmlns:p14="http://schemas.microsoft.com/office/powerpoint/2010/main" val="69724206"/>
+      </p:ext>
+    </p:extLst>
+  </p:cSld>
+  <p:clrMapOvr>
+    <a:masterClrMapping/>
+  </p:clrMapOvr>
+</p:sld>
+</file>
+
+<file path=ppt/slides/slide9.xml><?xml version="1.0" encoding="utf-8"?>
 <p:sld xmlns:a="http://schemas.openxmlformats.org/drawingml/2006/main" xmlns:r="http://schemas.openxmlformats.org/officeDocument/2006/relationships" xmlns:p="http://schemas.openxmlformats.org/presentationml/2006/main">
   <p:cSld>
     <p:spTree>
@@ -8034,7 +13096,7 @@
         </p:spPr>
         <p:txBody>
           <a:bodyPr spcFirstLastPara="1" wrap="square" lIns="91425" tIns="91425" rIns="91425" bIns="91425" anchor="t" anchorCtr="0">
-            <a:normAutofit/>
+            <a:normAutofit fontScale="90000"/>
           </a:bodyPr>
           <a:lstStyle/>
           <a:p>
@@ -8108,7 +13170,7 @@
               <a:buChar char="●"/>
             </a:pPr>
             <a:r>
-              <a:rPr lang="fr" sz="1500">
+              <a:rPr lang="fr-FR" sz="1500" i="1" dirty="0">
                 <a:solidFill>
                   <a:srgbClr val="0D0D0D"/>
                 </a:solidFill>
@@ -8120,9 +13182,25 @@
                 <a:cs typeface="Montserrat"/>
                 <a:sym typeface="Montserrat"/>
               </a:rPr>
-              <a:t>Explication brève de la méthodologie Agile et Scrum </a:t>
+              <a:t>Méthodologie de développement agile : approche du développement logiciel dont l'objectif est de distribuer en continu des logiciels opérationnels créés sur la base d'itérations rapides.</a:t>
             </a:r>
-            <a:endParaRPr sz="1500">
+          </a:p>
+          <a:p>
+            <a:pPr marL="457200" lvl="0" indent="-323850" algn="l" rtl="0">
+              <a:spcBef>
+                <a:spcPts val="0"/>
+              </a:spcBef>
+              <a:spcAft>
+                <a:spcPts val="0"/>
+              </a:spcAft>
+              <a:buClr>
+                <a:srgbClr val="0D0D0D"/>
+              </a:buClr>
+              <a:buSzPts val="1500"/>
+              <a:buFont typeface="Montserrat"/>
+              <a:buChar char="●"/>
+            </a:pPr>
+            <a:endParaRPr lang="fr-FR" sz="1500" i="1" dirty="0">
               <a:solidFill>
                 <a:srgbClr val="0D0D0D"/>
               </a:solidFill>
@@ -8136,17 +13214,22 @@
             </a:endParaRPr>
           </a:p>
           <a:p>
-            <a:pPr marL="457200" lvl="0" indent="0" algn="l" rtl="0">
-              <a:spcBef>
-                <a:spcPts val="0"/>
-              </a:spcBef>
-              <a:spcAft>
-                <a:spcPts val="0"/>
-              </a:spcAft>
-              <a:buNone/>
+            <a:pPr marL="457200" lvl="0" indent="-323850" algn="l" rtl="0">
+              <a:spcBef>
+                <a:spcPts val="0"/>
+              </a:spcBef>
+              <a:spcAft>
+                <a:spcPts val="0"/>
+              </a:spcAft>
+              <a:buClr>
+                <a:srgbClr val="0D0D0D"/>
+              </a:buClr>
+              <a:buSzPts val="1500"/>
+              <a:buFont typeface="Montserrat"/>
+              <a:buChar char="●"/>
             </a:pPr>
             <a:r>
-              <a:rPr lang="fr" sz="1500">
+              <a:rPr lang="fr-FR" sz="1500" i="1" dirty="0">
                 <a:solidFill>
                   <a:srgbClr val="0D0D0D"/>
                 </a:solidFill>
@@ -8158,10 +13241,10 @@
                 <a:cs typeface="Montserrat"/>
                 <a:sym typeface="Montserrat"/>
               </a:rPr>
-              <a:t>-&gt; Description de la structuration en sprints, leurs durées et les objectifs.</a:t>
+              <a:t>Durée des sprints : 4 semaines.</a:t>
             </a:r>
             <a:br>
-              <a:rPr lang="fr" sz="1500">
+              <a:rPr lang="fr-FR" sz="1500" dirty="0">
                 <a:solidFill>
                   <a:srgbClr val="0D0D0D"/>
                 </a:solidFill>
@@ -8174,7 +13257,7 @@
                 <a:sym typeface="Montserrat"/>
               </a:rPr>
             </a:br>
-            <a:endParaRPr sz="1500">
+            <a:endParaRPr lang="fr-FR" sz="1500" dirty="0">
               <a:solidFill>
                 <a:srgbClr val="0D0D0D"/>
               </a:solidFill>
@@ -8203,7 +13286,7 @@
               <a:buChar char="●"/>
             </a:pPr>
             <a:r>
-              <a:rPr lang="fr" sz="1500">
+              <a:rPr lang="fr" sz="1500" dirty="0">
                 <a:solidFill>
                   <a:srgbClr val="0D0D0D"/>
                 </a:solidFill>
@@ -8215,9 +13298,25 @@
                 <a:cs typeface="Montserrat"/>
                 <a:sym typeface="Montserrat"/>
               </a:rPr>
-              <a:t>Avantages de cette approche pour le projet Menu Maker.</a:t>
+              <a:t>Avantages de cette approche pour le projet Menu Maker : </a:t>
             </a:r>
-            <a:endParaRPr sz="1500">
+          </a:p>
+          <a:p>
+            <a:pPr marL="457200" lvl="0" indent="-323850" algn="l" rtl="0">
+              <a:spcBef>
+                <a:spcPts val="0"/>
+              </a:spcBef>
+              <a:spcAft>
+                <a:spcPts val="0"/>
+              </a:spcAft>
+              <a:buClr>
+                <a:srgbClr val="0D0D0D"/>
+              </a:buClr>
+              <a:buSzPts val="1500"/>
+              <a:buFont typeface="Montserrat"/>
+              <a:buChar char="●"/>
+            </a:pPr>
+            <a:endParaRPr sz="1500" dirty="0">
               <a:solidFill>
                 <a:srgbClr val="0D0D0D"/>
               </a:solidFill>
@@ -8231,16 +13330,80 @@
             </a:endParaRPr>
           </a:p>
           <a:p>
-            <a:pPr marL="0" lvl="0" indent="0" algn="l" rtl="0">
-              <a:spcBef>
-                <a:spcPts val="0"/>
-              </a:spcBef>
-              <a:spcAft>
-                <a:spcPts val="0"/>
-              </a:spcAft>
-              <a:buNone/>
-            </a:pPr>
-            <a:endParaRPr>
+            <a:pPr marL="742950" lvl="1" indent="-285750">
+              <a:buFont typeface="Wingdings" panose="05000000000000000000" pitchFamily="2" charset="2"/>
+              <a:buChar char="ü"/>
+            </a:pPr>
+            <a:r>
+              <a:rPr lang="fr-FR" dirty="0">
+                <a:solidFill>
+                  <a:schemeClr val="tx1"/>
+                </a:solidFill>
+                <a:latin typeface="Montserrat"/>
+                <a:ea typeface="Montserrat"/>
+                <a:cs typeface="Montserrat"/>
+                <a:sym typeface="Montserrat"/>
+              </a:rPr>
+              <a:t>Gagner plus de contrôle sur le produit final</a:t>
+            </a:r>
+          </a:p>
+          <a:p>
+            <a:pPr marL="742950" lvl="1" indent="-285750">
+              <a:buFont typeface="Wingdings" panose="05000000000000000000" pitchFamily="2" charset="2"/>
+              <a:buChar char="ü"/>
+            </a:pPr>
+            <a:r>
+              <a:rPr lang="fr-FR" dirty="0">
+                <a:solidFill>
+                  <a:schemeClr val="tx1"/>
+                </a:solidFill>
+                <a:latin typeface="Montserrat"/>
+                <a:ea typeface="Montserrat"/>
+                <a:cs typeface="Montserrat"/>
+                <a:sym typeface="Montserrat"/>
+              </a:rPr>
+              <a:t>Augmenter l’efficacité</a:t>
+            </a:r>
+          </a:p>
+          <a:p>
+            <a:pPr marL="742950" lvl="1" indent="-285750">
+              <a:buFont typeface="Wingdings" panose="05000000000000000000" pitchFamily="2" charset="2"/>
+              <a:buChar char="ü"/>
+            </a:pPr>
+            <a:r>
+              <a:rPr lang="fr-FR" dirty="0">
+                <a:solidFill>
+                  <a:schemeClr val="tx1"/>
+                </a:solidFill>
+                <a:latin typeface="Montserrat"/>
+                <a:ea typeface="Montserrat"/>
+                <a:cs typeface="Montserrat"/>
+                <a:sym typeface="Montserrat"/>
+              </a:rPr>
+              <a:t>Assurer des livraisons de haute qualité</a:t>
+            </a:r>
+          </a:p>
+          <a:p>
+            <a:pPr marL="742950" lvl="1" indent="-285750">
+              <a:buFont typeface="Wingdings" panose="05000000000000000000" pitchFamily="2" charset="2"/>
+              <a:buChar char="ü"/>
+            </a:pPr>
+            <a:r>
+              <a:rPr lang="fr-FR" dirty="0">
+                <a:solidFill>
+                  <a:schemeClr val="tx1"/>
+                </a:solidFill>
+                <a:latin typeface="Montserrat"/>
+                <a:ea typeface="Montserrat"/>
+                <a:cs typeface="Montserrat"/>
+                <a:sym typeface="Montserrat"/>
+              </a:rPr>
+              <a:t>Accroître la satisfaction des utilisateurs</a:t>
+            </a:r>
+            <a:endParaRPr dirty="0">
+              <a:solidFill>
+                <a:schemeClr val="tx1"/>
+              </a:solidFill>
               <a:latin typeface="Montserrat"/>
               <a:ea typeface="Montserrat"/>
               <a:cs typeface="Montserrat"/>
@@ -8257,7 +13420,7 @@
               </a:spcAft>
               <a:buNone/>
             </a:pPr>
-            <a:endParaRPr>
+            <a:endParaRPr dirty="0">
               <a:latin typeface="Montserrat"/>
               <a:ea typeface="Montserrat"/>
               <a:cs typeface="Montserrat"/>
@@ -8274,7 +13437,7 @@
               </a:spcAft>
               <a:buNone/>
             </a:pPr>
-            <a:endParaRPr>
+            <a:endParaRPr dirty="0">
               <a:latin typeface="Montserrat"/>
               <a:ea typeface="Montserrat"/>
               <a:cs typeface="Montserrat"/>
@@ -8332,1860 +13495,6 @@
       <p:pic>
         <p:nvPicPr>
           <p:cNvPr id="87" name="Google Shape;87;p17"/>
-          <p:cNvPicPr preferRelativeResize="0"/>
-          <p:nvPr/>
-        </p:nvPicPr>
-        <p:blipFill>
-          <a:blip r:embed="rId3">
-            <a:alphaModFix/>
-          </a:blip>
-          <a:stretch>
-            <a:fillRect/>
-          </a:stretch>
-        </p:blipFill>
-        <p:spPr>
-          <a:xfrm>
-            <a:off x="8469575" y="-4"/>
-            <a:ext cx="674425" cy="340550"/>
-          </a:xfrm>
-          <a:prstGeom prst="rect">
-            <a:avLst/>
-          </a:prstGeom>
-          <a:noFill/>
-          <a:ln>
-            <a:noFill/>
-          </a:ln>
-        </p:spPr>
-      </p:pic>
-    </p:spTree>
-  </p:cSld>
-  <p:clrMapOvr>
-    <a:masterClrMapping/>
-  </p:clrMapOvr>
-</p:sld>
-</file>
-
-<file path=ppt/slides/slide6.xml><?xml version="1.0" encoding="utf-8"?>
-<p:sld xmlns:a="http://schemas.openxmlformats.org/drawingml/2006/main" xmlns:r="http://schemas.openxmlformats.org/officeDocument/2006/relationships" xmlns:p="http://schemas.openxmlformats.org/presentationml/2006/main">
-  <p:cSld>
-    <p:spTree>
-      <p:nvGrpSpPr>
-        <p:cNvPr id="1" name="Shape 91"/>
-        <p:cNvGrpSpPr/>
-        <p:nvPr/>
-      </p:nvGrpSpPr>
-      <p:grpSpPr>
-        <a:xfrm>
-          <a:off x="0" y="0"/>
-          <a:ext cx="0" cy="0"/>
-          <a:chOff x="0" y="0"/>
-          <a:chExt cx="0" cy="0"/>
-        </a:xfrm>
-      </p:grpSpPr>
-      <p:sp>
-        <p:nvSpPr>
-          <p:cNvPr id="92" name="Google Shape;92;p18"/>
-          <p:cNvSpPr txBox="1">
-            <a:spLocks noGrp="1"/>
-          </p:cNvSpPr>
-          <p:nvPr>
-            <p:ph type="title"/>
-          </p:nvPr>
-        </p:nvSpPr>
-        <p:spPr>
-          <a:xfrm>
-            <a:off x="311700" y="445025"/>
-            <a:ext cx="8520600" cy="572700"/>
-          </a:xfrm>
-          <a:prstGeom prst="rect">
-            <a:avLst/>
-          </a:prstGeom>
-        </p:spPr>
-        <p:txBody>
-          <a:bodyPr spcFirstLastPara="1" wrap="square" lIns="91425" tIns="91425" rIns="91425" bIns="91425" anchor="t" anchorCtr="0">
-            <a:normAutofit/>
-          </a:bodyPr>
-          <a:lstStyle/>
-          <a:p>
-            <a:pPr marL="0" lvl="0" indent="0" algn="l" rtl="0">
-              <a:lnSpc>
-                <a:spcPct val="115000"/>
-              </a:lnSpc>
-              <a:spcBef>
-                <a:spcPts val="0"/>
-              </a:spcBef>
-              <a:spcAft>
-                <a:spcPts val="1200"/>
-              </a:spcAft>
-              <a:buNone/>
-            </a:pPr>
-            <a:r>
-              <a:rPr lang="fr" sz="2000">
-                <a:latin typeface="Montserrat"/>
-                <a:ea typeface="Montserrat"/>
-                <a:cs typeface="Montserrat"/>
-                <a:sym typeface="Montserrat"/>
-              </a:rPr>
-              <a:t>Suivi du projet avec le Kanban</a:t>
-            </a:r>
-            <a:endParaRPr sz="3000">
-              <a:latin typeface="Montserrat"/>
-              <a:ea typeface="Montserrat"/>
-              <a:cs typeface="Montserrat"/>
-              <a:sym typeface="Montserrat"/>
-            </a:endParaRPr>
-          </a:p>
-        </p:txBody>
-      </p:sp>
-      <p:sp>
-        <p:nvSpPr>
-          <p:cNvPr id="93" name="Google Shape;93;p18"/>
-          <p:cNvSpPr txBox="1">
-            <a:spLocks noGrp="1"/>
-          </p:cNvSpPr>
-          <p:nvPr>
-            <p:ph type="body" idx="1"/>
-          </p:nvPr>
-        </p:nvSpPr>
-        <p:spPr>
-          <a:xfrm>
-            <a:off x="311700" y="1152475"/>
-            <a:ext cx="8520600" cy="3416400"/>
-          </a:xfrm>
-          <a:prstGeom prst="rect">
-            <a:avLst/>
-          </a:prstGeom>
-        </p:spPr>
-        <p:txBody>
-          <a:bodyPr spcFirstLastPara="1" wrap="square" lIns="91425" tIns="91425" rIns="91425" bIns="91425" anchor="t" anchorCtr="0">
-            <a:normAutofit/>
-          </a:bodyPr>
-          <a:lstStyle/>
-          <a:p>
-            <a:pPr marL="0" lvl="0" indent="0" algn="l" rtl="0">
-              <a:spcBef>
-                <a:spcPts val="0"/>
-              </a:spcBef>
-              <a:spcAft>
-                <a:spcPts val="0"/>
-              </a:spcAft>
-              <a:buNone/>
-            </a:pPr>
-            <a:endParaRPr>
-              <a:latin typeface="Montserrat"/>
-              <a:ea typeface="Montserrat"/>
-              <a:cs typeface="Montserrat"/>
-              <a:sym typeface="Montserrat"/>
-            </a:endParaRPr>
-          </a:p>
-          <a:p>
-            <a:pPr marL="0" lvl="0" indent="0" algn="l" rtl="0">
-              <a:spcBef>
-                <a:spcPts val="1200"/>
-              </a:spcBef>
-              <a:spcAft>
-                <a:spcPts val="0"/>
-              </a:spcAft>
-              <a:buNone/>
-            </a:pPr>
-            <a:endParaRPr>
-              <a:latin typeface="Montserrat"/>
-              <a:ea typeface="Montserrat"/>
-              <a:cs typeface="Montserrat"/>
-              <a:sym typeface="Montserrat"/>
-            </a:endParaRPr>
-          </a:p>
-          <a:p>
-            <a:pPr marL="457200" lvl="0" indent="0" algn="l" rtl="0">
-              <a:spcBef>
-                <a:spcPts val="1200"/>
-              </a:spcBef>
-              <a:spcAft>
-                <a:spcPts val="1200"/>
-              </a:spcAft>
-              <a:buNone/>
-            </a:pPr>
-            <a:endParaRPr>
-              <a:latin typeface="Montserrat"/>
-              <a:ea typeface="Montserrat"/>
-              <a:cs typeface="Montserrat"/>
-              <a:sym typeface="Montserrat"/>
-            </a:endParaRPr>
-          </a:p>
-        </p:txBody>
-      </p:sp>
-      <p:sp>
-        <p:nvSpPr>
-          <p:cNvPr id="94" name="Google Shape;94;p18"/>
-          <p:cNvSpPr txBox="1"/>
-          <p:nvPr/>
-        </p:nvSpPr>
-        <p:spPr>
-          <a:xfrm>
-            <a:off x="434775" y="1085525"/>
-            <a:ext cx="8320500" cy="1821000"/>
-          </a:xfrm>
-          <a:prstGeom prst="rect">
-            <a:avLst/>
-          </a:prstGeom>
-          <a:noFill/>
-          <a:ln>
-            <a:noFill/>
-          </a:ln>
-        </p:spPr>
-        <p:txBody>
-          <a:bodyPr spcFirstLastPara="1" wrap="square" lIns="91425" tIns="91425" rIns="91425" bIns="91425" anchor="t" anchorCtr="0">
-            <a:spAutoFit/>
-          </a:bodyPr>
-          <a:lstStyle/>
-          <a:p>
-            <a:pPr marL="457200" lvl="0" indent="-323850" algn="l" rtl="0">
-              <a:lnSpc>
-                <a:spcPct val="150000"/>
-              </a:lnSpc>
-              <a:spcBef>
-                <a:spcPts val="0"/>
-              </a:spcBef>
-              <a:spcAft>
-                <a:spcPts val="0"/>
-              </a:spcAft>
-              <a:buClr>
-                <a:srgbClr val="0D0D0D"/>
-              </a:buClr>
-              <a:buSzPts val="1500"/>
-              <a:buFont typeface="Montserrat"/>
-              <a:buChar char="●"/>
-            </a:pPr>
-            <a:r>
-              <a:rPr lang="fr" sz="1500">
-                <a:solidFill>
-                  <a:srgbClr val="0D0D0D"/>
-                </a:solidFill>
-                <a:highlight>
-                  <a:srgbClr val="FFFFFF"/>
-                </a:highlight>
-                <a:latin typeface="Montserrat"/>
-                <a:ea typeface="Montserrat"/>
-                <a:cs typeface="Montserrat"/>
-                <a:sym typeface="Montserrat"/>
-              </a:rPr>
-              <a:t>Capture(s) d'écran du tableau Kanban.</a:t>
-            </a:r>
-            <a:endParaRPr sz="1500">
-              <a:solidFill>
-                <a:srgbClr val="0D0D0D"/>
-              </a:solidFill>
-              <a:highlight>
-                <a:srgbClr val="FFFFFF"/>
-              </a:highlight>
-              <a:latin typeface="Montserrat"/>
-              <a:ea typeface="Montserrat"/>
-              <a:cs typeface="Montserrat"/>
-              <a:sym typeface="Montserrat"/>
-            </a:endParaRPr>
-          </a:p>
-          <a:p>
-            <a:pPr marL="457200" lvl="0" indent="-323850" algn="l" rtl="0">
-              <a:lnSpc>
-                <a:spcPct val="150000"/>
-              </a:lnSpc>
-              <a:spcBef>
-                <a:spcPts val="0"/>
-              </a:spcBef>
-              <a:spcAft>
-                <a:spcPts val="0"/>
-              </a:spcAft>
-              <a:buClr>
-                <a:srgbClr val="0D0D0D"/>
-              </a:buClr>
-              <a:buSzPts val="1500"/>
-              <a:buFont typeface="Montserrat"/>
-              <a:buChar char="●"/>
-            </a:pPr>
-            <a:r>
-              <a:rPr lang="fr" sz="1500">
-                <a:solidFill>
-                  <a:srgbClr val="0D0D0D"/>
-                </a:solidFill>
-                <a:highlight>
-                  <a:srgbClr val="FFFFFF"/>
-                </a:highlight>
-                <a:latin typeface="Montserrat"/>
-                <a:ea typeface="Montserrat"/>
-                <a:cs typeface="Montserrat"/>
-                <a:sym typeface="Montserrat"/>
-              </a:rPr>
-              <a:t>Explication des User Stories (US), tâches attribuées, etc.</a:t>
-            </a:r>
-            <a:endParaRPr sz="1500">
-              <a:solidFill>
-                <a:srgbClr val="0D0D0D"/>
-              </a:solidFill>
-              <a:highlight>
-                <a:srgbClr val="FFFFFF"/>
-              </a:highlight>
-              <a:latin typeface="Montserrat"/>
-              <a:ea typeface="Montserrat"/>
-              <a:cs typeface="Montserrat"/>
-              <a:sym typeface="Montserrat"/>
-            </a:endParaRPr>
-          </a:p>
-          <a:p>
-            <a:pPr marL="457200" lvl="0" indent="-323850" algn="l" rtl="0">
-              <a:lnSpc>
-                <a:spcPct val="150000"/>
-              </a:lnSpc>
-              <a:spcBef>
-                <a:spcPts val="0"/>
-              </a:spcBef>
-              <a:spcAft>
-                <a:spcPts val="0"/>
-              </a:spcAft>
-              <a:buClr>
-                <a:srgbClr val="0D0D0D"/>
-              </a:buClr>
-              <a:buSzPts val="1500"/>
-              <a:buFont typeface="Montserrat"/>
-              <a:buChar char="●"/>
-            </a:pPr>
-            <a:r>
-              <a:rPr lang="fr" sz="1500">
-                <a:solidFill>
-                  <a:srgbClr val="0D0D0D"/>
-                </a:solidFill>
-                <a:highlight>
-                  <a:srgbClr val="FFFFFF"/>
-                </a:highlight>
-                <a:latin typeface="Montserrat"/>
-                <a:ea typeface="Montserrat"/>
-                <a:cs typeface="Montserrat"/>
-                <a:sym typeface="Montserrat"/>
-              </a:rPr>
-              <a:t>Explication de comment le tableau facilite le suivi et la coordination de l'équipe.</a:t>
-            </a:r>
-            <a:endParaRPr sz="1500">
-              <a:solidFill>
-                <a:srgbClr val="0D0D0D"/>
-              </a:solidFill>
-              <a:highlight>
-                <a:srgbClr val="FFFFFF"/>
-              </a:highlight>
-              <a:latin typeface="Montserrat"/>
-              <a:ea typeface="Montserrat"/>
-              <a:cs typeface="Montserrat"/>
-              <a:sym typeface="Montserrat"/>
-            </a:endParaRPr>
-          </a:p>
-          <a:p>
-            <a:pPr marL="0" lvl="0" indent="0" algn="l" rtl="0">
-              <a:lnSpc>
-                <a:spcPct val="115000"/>
-              </a:lnSpc>
-              <a:spcBef>
-                <a:spcPts val="0"/>
-              </a:spcBef>
-              <a:spcAft>
-                <a:spcPts val="0"/>
-              </a:spcAft>
-              <a:buNone/>
-            </a:pPr>
-            <a:endParaRPr sz="1200" i="1">
-              <a:solidFill>
-                <a:schemeClr val="dk1"/>
-              </a:solidFill>
-              <a:latin typeface="Montserrat"/>
-              <a:ea typeface="Montserrat"/>
-              <a:cs typeface="Montserrat"/>
-              <a:sym typeface="Montserrat"/>
-            </a:endParaRPr>
-          </a:p>
-          <a:p>
-            <a:pPr marL="0" lvl="0" indent="0" algn="l" rtl="0">
-              <a:spcBef>
-                <a:spcPts val="1200"/>
-              </a:spcBef>
-              <a:spcAft>
-                <a:spcPts val="0"/>
-              </a:spcAft>
-              <a:buNone/>
-            </a:pPr>
-            <a:r>
-              <a:rPr lang="fr">
-                <a:latin typeface="Montserrat"/>
-                <a:ea typeface="Montserrat"/>
-                <a:cs typeface="Montserrat"/>
-                <a:sym typeface="Montserrat"/>
-              </a:rPr>
-              <a:t>Ne pas oublier </a:t>
-            </a:r>
-            <a:r>
-              <a:rPr lang="fr" sz="1500">
-                <a:solidFill>
-                  <a:srgbClr val="0D0D0D"/>
-                </a:solidFill>
-                <a:highlight>
-                  <a:schemeClr val="lt1"/>
-                </a:highlight>
-                <a:latin typeface="Montserrat"/>
-                <a:ea typeface="Montserrat"/>
-                <a:cs typeface="Montserrat"/>
-                <a:sym typeface="Montserrat"/>
-              </a:rPr>
-              <a:t>la mise en public du lien du tableau</a:t>
-            </a:r>
-            <a:endParaRPr>
-              <a:latin typeface="Montserrat"/>
-              <a:ea typeface="Montserrat"/>
-              <a:cs typeface="Montserrat"/>
-              <a:sym typeface="Montserrat"/>
-            </a:endParaRPr>
-          </a:p>
-        </p:txBody>
-      </p:sp>
-      <p:sp>
-        <p:nvSpPr>
-          <p:cNvPr id="95" name="Google Shape;95;p18"/>
-          <p:cNvSpPr/>
-          <p:nvPr/>
-        </p:nvSpPr>
-        <p:spPr>
-          <a:xfrm>
-            <a:off x="-4800" y="0"/>
-            <a:ext cx="9153600" cy="239700"/>
-          </a:xfrm>
-          <a:prstGeom prst="rect">
-            <a:avLst/>
-          </a:prstGeom>
-          <a:solidFill>
-            <a:srgbClr val="FCE5CD"/>
-          </a:solidFill>
-          <a:ln w="9525" cap="flat" cmpd="sng">
-            <a:solidFill>
-              <a:srgbClr val="F7EDDE"/>
-            </a:solidFill>
-            <a:prstDash val="solid"/>
-            <a:round/>
-            <a:headEnd type="none" w="sm" len="sm"/>
-            <a:tailEnd type="none" w="sm" len="sm"/>
-          </a:ln>
-        </p:spPr>
-        <p:txBody>
-          <a:bodyPr spcFirstLastPara="1" wrap="square" lIns="91425" tIns="91425" rIns="91425" bIns="91425" anchor="ctr" anchorCtr="0">
-            <a:noAutofit/>
-          </a:bodyPr>
-          <a:lstStyle/>
-          <a:p>
-            <a:pPr marL="0" lvl="0" indent="0" algn="ctr" rtl="0">
-              <a:spcBef>
-                <a:spcPts val="0"/>
-              </a:spcBef>
-              <a:spcAft>
-                <a:spcPts val="0"/>
-              </a:spcAft>
-              <a:buNone/>
-            </a:pPr>
-            <a:endParaRPr/>
-          </a:p>
-        </p:txBody>
-      </p:sp>
-      <p:pic>
-        <p:nvPicPr>
-          <p:cNvPr id="96" name="Google Shape;96;p18"/>
-          <p:cNvPicPr preferRelativeResize="0"/>
-          <p:nvPr/>
-        </p:nvPicPr>
-        <p:blipFill>
-          <a:blip r:embed="rId3">
-            <a:alphaModFix/>
-          </a:blip>
-          <a:stretch>
-            <a:fillRect/>
-          </a:stretch>
-        </p:blipFill>
-        <p:spPr>
-          <a:xfrm>
-            <a:off x="8469575" y="-4"/>
-            <a:ext cx="674425" cy="340550"/>
-          </a:xfrm>
-          <a:prstGeom prst="rect">
-            <a:avLst/>
-          </a:prstGeom>
-          <a:noFill/>
-          <a:ln>
-            <a:noFill/>
-          </a:ln>
-        </p:spPr>
-      </p:pic>
-    </p:spTree>
-  </p:cSld>
-  <p:clrMapOvr>
-    <a:masterClrMapping/>
-  </p:clrMapOvr>
-</p:sld>
-</file>
-
-<file path=ppt/slides/slide7.xml><?xml version="1.0" encoding="utf-8"?>
-<p:sld xmlns:a="http://schemas.openxmlformats.org/drawingml/2006/main" xmlns:r="http://schemas.openxmlformats.org/officeDocument/2006/relationships" xmlns:p="http://schemas.openxmlformats.org/presentationml/2006/main">
-  <p:cSld>
-    <p:spTree>
-      <p:nvGrpSpPr>
-        <p:cNvPr id="1" name="Shape 100"/>
-        <p:cNvGrpSpPr/>
-        <p:nvPr/>
-      </p:nvGrpSpPr>
-      <p:grpSpPr>
-        <a:xfrm>
-          <a:off x="0" y="0"/>
-          <a:ext cx="0" cy="0"/>
-          <a:chOff x="0" y="0"/>
-          <a:chExt cx="0" cy="0"/>
-        </a:xfrm>
-      </p:grpSpPr>
-      <p:sp>
-        <p:nvSpPr>
-          <p:cNvPr id="101" name="Google Shape;101;p19"/>
-          <p:cNvSpPr txBox="1">
-            <a:spLocks noGrp="1"/>
-          </p:cNvSpPr>
-          <p:nvPr>
-            <p:ph type="title"/>
-          </p:nvPr>
-        </p:nvSpPr>
-        <p:spPr>
-          <a:xfrm>
-            <a:off x="311700" y="445025"/>
-            <a:ext cx="8520600" cy="572700"/>
-          </a:xfrm>
-          <a:prstGeom prst="rect">
-            <a:avLst/>
-          </a:prstGeom>
-        </p:spPr>
-        <p:txBody>
-          <a:bodyPr spcFirstLastPara="1" wrap="square" lIns="91425" tIns="91425" rIns="91425" bIns="91425" anchor="t" anchorCtr="0">
-            <a:normAutofit/>
-          </a:bodyPr>
-          <a:lstStyle/>
-          <a:p>
-            <a:pPr marL="0" lvl="0" indent="0" algn="l" rtl="0">
-              <a:lnSpc>
-                <a:spcPct val="115000"/>
-              </a:lnSpc>
-              <a:spcBef>
-                <a:spcPts val="0"/>
-              </a:spcBef>
-              <a:spcAft>
-                <a:spcPts val="1200"/>
-              </a:spcAft>
-              <a:buNone/>
-            </a:pPr>
-            <a:r>
-              <a:rPr lang="fr" sz="1800">
-                <a:latin typeface="Montserrat"/>
-                <a:ea typeface="Montserrat"/>
-                <a:cs typeface="Montserrat"/>
-                <a:sym typeface="Montserrat"/>
-              </a:rPr>
-              <a:t>Spécifications techniques</a:t>
-            </a:r>
-            <a:endParaRPr sz="1800">
-              <a:solidFill>
-                <a:schemeClr val="dk2"/>
-              </a:solidFill>
-              <a:latin typeface="Montserrat"/>
-              <a:ea typeface="Montserrat"/>
-              <a:cs typeface="Montserrat"/>
-              <a:sym typeface="Montserrat"/>
-            </a:endParaRPr>
-          </a:p>
-        </p:txBody>
-      </p:sp>
-      <p:sp>
-        <p:nvSpPr>
-          <p:cNvPr id="102" name="Google Shape;102;p19"/>
-          <p:cNvSpPr txBox="1">
-            <a:spLocks noGrp="1"/>
-          </p:cNvSpPr>
-          <p:nvPr>
-            <p:ph type="body" idx="1"/>
-          </p:nvPr>
-        </p:nvSpPr>
-        <p:spPr>
-          <a:xfrm>
-            <a:off x="311700" y="1152475"/>
-            <a:ext cx="8520600" cy="3416400"/>
-          </a:xfrm>
-          <a:prstGeom prst="rect">
-            <a:avLst/>
-          </a:prstGeom>
-        </p:spPr>
-        <p:txBody>
-          <a:bodyPr spcFirstLastPara="1" wrap="square" lIns="91425" tIns="91425" rIns="91425" bIns="91425" anchor="t" anchorCtr="0">
-            <a:normAutofit/>
-          </a:bodyPr>
-          <a:lstStyle/>
-          <a:p>
-            <a:pPr marL="0" lvl="0" indent="0" algn="l" rtl="0">
-              <a:spcBef>
-                <a:spcPts val="0"/>
-              </a:spcBef>
-              <a:spcAft>
-                <a:spcPts val="0"/>
-              </a:spcAft>
-              <a:buNone/>
-            </a:pPr>
-            <a:endParaRPr>
-              <a:latin typeface="Montserrat"/>
-              <a:ea typeface="Montserrat"/>
-              <a:cs typeface="Montserrat"/>
-              <a:sym typeface="Montserrat"/>
-            </a:endParaRPr>
-          </a:p>
-          <a:p>
-            <a:pPr marL="0" lvl="0" indent="0" algn="l" rtl="0">
-              <a:spcBef>
-                <a:spcPts val="1200"/>
-              </a:spcBef>
-              <a:spcAft>
-                <a:spcPts val="0"/>
-              </a:spcAft>
-              <a:buNone/>
-            </a:pPr>
-            <a:endParaRPr>
-              <a:latin typeface="Montserrat"/>
-              <a:ea typeface="Montserrat"/>
-              <a:cs typeface="Montserrat"/>
-              <a:sym typeface="Montserrat"/>
-            </a:endParaRPr>
-          </a:p>
-          <a:p>
-            <a:pPr marL="457200" lvl="0" indent="0" algn="l" rtl="0">
-              <a:spcBef>
-                <a:spcPts val="1200"/>
-              </a:spcBef>
-              <a:spcAft>
-                <a:spcPts val="1200"/>
-              </a:spcAft>
-              <a:buNone/>
-            </a:pPr>
-            <a:endParaRPr>
-              <a:latin typeface="Montserrat"/>
-              <a:ea typeface="Montserrat"/>
-              <a:cs typeface="Montserrat"/>
-              <a:sym typeface="Montserrat"/>
-            </a:endParaRPr>
-          </a:p>
-        </p:txBody>
-      </p:sp>
-      <p:sp>
-        <p:nvSpPr>
-          <p:cNvPr id="103" name="Google Shape;103;p19"/>
-          <p:cNvSpPr txBox="1"/>
-          <p:nvPr/>
-        </p:nvSpPr>
-        <p:spPr>
-          <a:xfrm>
-            <a:off x="0" y="0"/>
-            <a:ext cx="4911600" cy="338700"/>
-          </a:xfrm>
-          <a:prstGeom prst="rect">
-            <a:avLst/>
-          </a:prstGeom>
-          <a:noFill/>
-          <a:ln>
-            <a:noFill/>
-          </a:ln>
-        </p:spPr>
-        <p:txBody>
-          <a:bodyPr spcFirstLastPara="1" wrap="square" lIns="91425" tIns="91425" rIns="91425" bIns="91425" anchor="t" anchorCtr="0">
-            <a:spAutoFit/>
-          </a:bodyPr>
-          <a:lstStyle/>
-          <a:p>
-            <a:pPr marL="0" lvl="0" indent="0" algn="l" rtl="0">
-              <a:lnSpc>
-                <a:spcPct val="115000"/>
-              </a:lnSpc>
-              <a:spcBef>
-                <a:spcPts val="0"/>
-              </a:spcBef>
-              <a:spcAft>
-                <a:spcPts val="1200"/>
-              </a:spcAft>
-              <a:buNone/>
-            </a:pPr>
-            <a:r>
-              <a:rPr lang="fr" sz="1000">
-                <a:solidFill>
-                  <a:schemeClr val="dk2"/>
-                </a:solidFill>
-                <a:latin typeface="Montserrat"/>
-                <a:ea typeface="Montserrat"/>
-                <a:cs typeface="Montserrat"/>
-                <a:sym typeface="Montserrat"/>
-              </a:rPr>
-              <a:t>Présentation de l’usage du no-code</a:t>
-            </a:r>
-            <a:endParaRPr sz="1000"/>
-          </a:p>
-        </p:txBody>
-      </p:sp>
-      <p:sp>
-        <p:nvSpPr>
-          <p:cNvPr id="104" name="Google Shape;104;p19"/>
-          <p:cNvSpPr txBox="1"/>
-          <p:nvPr/>
-        </p:nvSpPr>
-        <p:spPr>
-          <a:xfrm>
-            <a:off x="434775" y="1085525"/>
-            <a:ext cx="8320500" cy="2151900"/>
-          </a:xfrm>
-          <a:prstGeom prst="rect">
-            <a:avLst/>
-          </a:prstGeom>
-          <a:noFill/>
-          <a:ln>
-            <a:noFill/>
-          </a:ln>
-        </p:spPr>
-        <p:txBody>
-          <a:bodyPr spcFirstLastPara="1" wrap="square" lIns="91425" tIns="91425" rIns="91425" bIns="91425" anchor="t" anchorCtr="0">
-            <a:spAutoFit/>
-          </a:bodyPr>
-          <a:lstStyle/>
-          <a:p>
-            <a:pPr marL="457200" lvl="0" indent="-323850" algn="l" rtl="0">
-              <a:lnSpc>
-                <a:spcPct val="150000"/>
-              </a:lnSpc>
-              <a:spcBef>
-                <a:spcPts val="0"/>
-              </a:spcBef>
-              <a:spcAft>
-                <a:spcPts val="0"/>
-              </a:spcAft>
-              <a:buClr>
-                <a:srgbClr val="0D0D0D"/>
-              </a:buClr>
-              <a:buSzPts val="1500"/>
-              <a:buFont typeface="Montserrat"/>
-              <a:buChar char="●"/>
-            </a:pPr>
-            <a:r>
-              <a:rPr lang="fr" sz="1500">
-                <a:solidFill>
-                  <a:srgbClr val="0D0D0D"/>
-                </a:solidFill>
-                <a:highlight>
-                  <a:srgbClr val="FFFFFF"/>
-                </a:highlight>
-                <a:latin typeface="Montserrat"/>
-                <a:ea typeface="Montserrat"/>
-                <a:cs typeface="Montserrat"/>
-                <a:sym typeface="Montserrat"/>
-              </a:rPr>
-              <a:t>Liste des principales spécifications techniques.</a:t>
-            </a:r>
-            <a:endParaRPr sz="1500">
-              <a:solidFill>
-                <a:srgbClr val="0D0D0D"/>
-              </a:solidFill>
-              <a:highlight>
-                <a:srgbClr val="FFFFFF"/>
-              </a:highlight>
-              <a:latin typeface="Montserrat"/>
-              <a:ea typeface="Montserrat"/>
-              <a:cs typeface="Montserrat"/>
-              <a:sym typeface="Montserrat"/>
-            </a:endParaRPr>
-          </a:p>
-          <a:p>
-            <a:pPr marL="457200" lvl="0" indent="-323850" algn="l" rtl="0">
-              <a:lnSpc>
-                <a:spcPct val="150000"/>
-              </a:lnSpc>
-              <a:spcBef>
-                <a:spcPts val="0"/>
-              </a:spcBef>
-              <a:spcAft>
-                <a:spcPts val="0"/>
-              </a:spcAft>
-              <a:buClr>
-                <a:srgbClr val="0D0D0D"/>
-              </a:buClr>
-              <a:buSzPts val="1500"/>
-              <a:buFont typeface="Montserrat"/>
-              <a:buChar char="●"/>
-            </a:pPr>
-            <a:r>
-              <a:rPr lang="fr" sz="1500">
-                <a:solidFill>
-                  <a:srgbClr val="0D0D0D"/>
-                </a:solidFill>
-                <a:highlight>
-                  <a:srgbClr val="FFFFFF"/>
-                </a:highlight>
-                <a:latin typeface="Montserrat"/>
-                <a:ea typeface="Montserrat"/>
-                <a:cs typeface="Montserrat"/>
-                <a:sym typeface="Montserrat"/>
-              </a:rPr>
-              <a:t>Choix d'une spécification technique clé à vulgariser.</a:t>
-            </a:r>
-            <a:br>
-              <a:rPr lang="fr" sz="1500">
-                <a:solidFill>
-                  <a:srgbClr val="0D0D0D"/>
-                </a:solidFill>
-                <a:highlight>
-                  <a:srgbClr val="FFFFFF"/>
-                </a:highlight>
-                <a:latin typeface="Montserrat"/>
-                <a:ea typeface="Montserrat"/>
-                <a:cs typeface="Montserrat"/>
-                <a:sym typeface="Montserrat"/>
-              </a:rPr>
-            </a:br>
-            <a:r>
-              <a:rPr lang="fr" sz="1500">
-                <a:solidFill>
-                  <a:srgbClr val="0D0D0D"/>
-                </a:solidFill>
-                <a:highlight>
-                  <a:srgbClr val="FFFFFF"/>
-                </a:highlight>
-                <a:latin typeface="Montserrat"/>
-                <a:ea typeface="Montserrat"/>
-                <a:cs typeface="Montserrat"/>
-                <a:sym typeface="Montserrat"/>
-              </a:rPr>
-              <a:t>-&gt; Présentation de cette spécification via un schéma explicatif, un diagramme ou un dessin.</a:t>
-            </a:r>
-            <a:endParaRPr sz="1500">
-              <a:solidFill>
-                <a:srgbClr val="0D0D0D"/>
-              </a:solidFill>
-              <a:highlight>
-                <a:srgbClr val="FFFFFF"/>
-              </a:highlight>
-              <a:latin typeface="Montserrat"/>
-              <a:ea typeface="Montserrat"/>
-              <a:cs typeface="Montserrat"/>
-              <a:sym typeface="Montserrat"/>
-            </a:endParaRPr>
-          </a:p>
-          <a:p>
-            <a:pPr marL="0" lvl="0" indent="0" algn="l" rtl="0">
-              <a:lnSpc>
-                <a:spcPct val="115000"/>
-              </a:lnSpc>
-              <a:spcBef>
-                <a:spcPts val="0"/>
-              </a:spcBef>
-              <a:spcAft>
-                <a:spcPts val="0"/>
-              </a:spcAft>
-              <a:buNone/>
-            </a:pPr>
-            <a:endParaRPr sz="1200" i="1">
-              <a:solidFill>
-                <a:schemeClr val="dk1"/>
-              </a:solidFill>
-              <a:latin typeface="Montserrat"/>
-              <a:ea typeface="Montserrat"/>
-              <a:cs typeface="Montserrat"/>
-              <a:sym typeface="Montserrat"/>
-            </a:endParaRPr>
-          </a:p>
-          <a:p>
-            <a:pPr marL="0" lvl="0" indent="0" algn="l" rtl="0">
-              <a:spcBef>
-                <a:spcPts val="1200"/>
-              </a:spcBef>
-              <a:spcAft>
-                <a:spcPts val="0"/>
-              </a:spcAft>
-              <a:buNone/>
-            </a:pPr>
-            <a:endParaRPr/>
-          </a:p>
-        </p:txBody>
-      </p:sp>
-      <p:sp>
-        <p:nvSpPr>
-          <p:cNvPr id="105" name="Google Shape;105;p19"/>
-          <p:cNvSpPr/>
-          <p:nvPr/>
-        </p:nvSpPr>
-        <p:spPr>
-          <a:xfrm>
-            <a:off x="-4800" y="0"/>
-            <a:ext cx="9153600" cy="239700"/>
-          </a:xfrm>
-          <a:prstGeom prst="rect">
-            <a:avLst/>
-          </a:prstGeom>
-          <a:solidFill>
-            <a:srgbClr val="FCE5CD"/>
-          </a:solidFill>
-          <a:ln w="9525" cap="flat" cmpd="sng">
-            <a:solidFill>
-              <a:srgbClr val="F7EDDE"/>
-            </a:solidFill>
-            <a:prstDash val="solid"/>
-            <a:round/>
-            <a:headEnd type="none" w="sm" len="sm"/>
-            <a:tailEnd type="none" w="sm" len="sm"/>
-          </a:ln>
-        </p:spPr>
-        <p:txBody>
-          <a:bodyPr spcFirstLastPara="1" wrap="square" lIns="91425" tIns="91425" rIns="91425" bIns="91425" anchor="ctr" anchorCtr="0">
-            <a:noAutofit/>
-          </a:bodyPr>
-          <a:lstStyle/>
-          <a:p>
-            <a:pPr marL="0" lvl="0" indent="0" algn="ctr" rtl="0">
-              <a:spcBef>
-                <a:spcPts val="0"/>
-              </a:spcBef>
-              <a:spcAft>
-                <a:spcPts val="0"/>
-              </a:spcAft>
-              <a:buNone/>
-            </a:pPr>
-            <a:endParaRPr/>
-          </a:p>
-        </p:txBody>
-      </p:sp>
-      <p:pic>
-        <p:nvPicPr>
-          <p:cNvPr id="106" name="Google Shape;106;p19"/>
-          <p:cNvPicPr preferRelativeResize="0"/>
-          <p:nvPr/>
-        </p:nvPicPr>
-        <p:blipFill>
-          <a:blip r:embed="rId3">
-            <a:alphaModFix/>
-          </a:blip>
-          <a:stretch>
-            <a:fillRect/>
-          </a:stretch>
-        </p:blipFill>
-        <p:spPr>
-          <a:xfrm>
-            <a:off x="8469575" y="-4"/>
-            <a:ext cx="674425" cy="340550"/>
-          </a:xfrm>
-          <a:prstGeom prst="rect">
-            <a:avLst/>
-          </a:prstGeom>
-          <a:noFill/>
-          <a:ln>
-            <a:noFill/>
-          </a:ln>
-        </p:spPr>
-      </p:pic>
-    </p:spTree>
-  </p:cSld>
-  <p:clrMapOvr>
-    <a:masterClrMapping/>
-  </p:clrMapOvr>
-</p:sld>
-</file>
-
-<file path=ppt/slides/slide8.xml><?xml version="1.0" encoding="utf-8"?>
-<p:sld xmlns:a="http://schemas.openxmlformats.org/drawingml/2006/main" xmlns:r="http://schemas.openxmlformats.org/officeDocument/2006/relationships" xmlns:p="http://schemas.openxmlformats.org/presentationml/2006/main">
-  <p:cSld>
-    <p:spTree>
-      <p:nvGrpSpPr>
-        <p:cNvPr id="1" name="Shape 110"/>
-        <p:cNvGrpSpPr/>
-        <p:nvPr/>
-      </p:nvGrpSpPr>
-      <p:grpSpPr>
-        <a:xfrm>
-          <a:off x="0" y="0"/>
-          <a:ext cx="0" cy="0"/>
-          <a:chOff x="0" y="0"/>
-          <a:chExt cx="0" cy="0"/>
-        </a:xfrm>
-      </p:grpSpPr>
-      <p:sp>
-        <p:nvSpPr>
-          <p:cNvPr id="111" name="Google Shape;111;p20"/>
-          <p:cNvSpPr txBox="1">
-            <a:spLocks noGrp="1"/>
-          </p:cNvSpPr>
-          <p:nvPr>
-            <p:ph type="title"/>
-          </p:nvPr>
-        </p:nvSpPr>
-        <p:spPr>
-          <a:xfrm>
-            <a:off x="311700" y="445025"/>
-            <a:ext cx="8520600" cy="572700"/>
-          </a:xfrm>
-          <a:prstGeom prst="rect">
-            <a:avLst/>
-          </a:prstGeom>
-        </p:spPr>
-        <p:txBody>
-          <a:bodyPr spcFirstLastPara="1" wrap="square" lIns="91425" tIns="91425" rIns="91425" bIns="91425" anchor="t" anchorCtr="0">
-            <a:normAutofit/>
-          </a:bodyPr>
-          <a:lstStyle/>
-          <a:p>
-            <a:pPr marL="0" lvl="0" indent="0" algn="l" rtl="0">
-              <a:lnSpc>
-                <a:spcPct val="115000"/>
-              </a:lnSpc>
-              <a:spcBef>
-                <a:spcPts val="0"/>
-              </a:spcBef>
-              <a:spcAft>
-                <a:spcPts val="1200"/>
-              </a:spcAft>
-              <a:buNone/>
-            </a:pPr>
-            <a:r>
-              <a:rPr lang="fr" sz="2000">
-                <a:latin typeface="Montserrat"/>
-                <a:ea typeface="Montserrat"/>
-                <a:cs typeface="Montserrat"/>
-                <a:sym typeface="Montserrat"/>
-              </a:rPr>
-              <a:t>Veille Technologique</a:t>
-            </a:r>
-            <a:endParaRPr sz="2000">
-              <a:solidFill>
-                <a:schemeClr val="dk2"/>
-              </a:solidFill>
-              <a:latin typeface="Montserrat"/>
-              <a:ea typeface="Montserrat"/>
-              <a:cs typeface="Montserrat"/>
-              <a:sym typeface="Montserrat"/>
-            </a:endParaRPr>
-          </a:p>
-        </p:txBody>
-      </p:sp>
-      <p:sp>
-        <p:nvSpPr>
-          <p:cNvPr id="112" name="Google Shape;112;p20"/>
-          <p:cNvSpPr txBox="1">
-            <a:spLocks noGrp="1"/>
-          </p:cNvSpPr>
-          <p:nvPr>
-            <p:ph type="body" idx="1"/>
-          </p:nvPr>
-        </p:nvSpPr>
-        <p:spPr>
-          <a:xfrm>
-            <a:off x="311700" y="1152475"/>
-            <a:ext cx="8520600" cy="3416400"/>
-          </a:xfrm>
-          <a:prstGeom prst="rect">
-            <a:avLst/>
-          </a:prstGeom>
-        </p:spPr>
-        <p:txBody>
-          <a:bodyPr spcFirstLastPara="1" wrap="square" lIns="91425" tIns="91425" rIns="91425" bIns="91425" anchor="t" anchorCtr="0">
-            <a:normAutofit/>
-          </a:bodyPr>
-          <a:lstStyle/>
-          <a:p>
-            <a:pPr marL="0" lvl="0" indent="0" algn="l" rtl="0">
-              <a:spcBef>
-                <a:spcPts val="0"/>
-              </a:spcBef>
-              <a:spcAft>
-                <a:spcPts val="0"/>
-              </a:spcAft>
-              <a:buNone/>
-            </a:pPr>
-            <a:endParaRPr>
-              <a:latin typeface="Montserrat"/>
-              <a:ea typeface="Montserrat"/>
-              <a:cs typeface="Montserrat"/>
-              <a:sym typeface="Montserrat"/>
-            </a:endParaRPr>
-          </a:p>
-          <a:p>
-            <a:pPr marL="0" lvl="0" indent="0" algn="l" rtl="0">
-              <a:spcBef>
-                <a:spcPts val="1200"/>
-              </a:spcBef>
-              <a:spcAft>
-                <a:spcPts val="0"/>
-              </a:spcAft>
-              <a:buNone/>
-            </a:pPr>
-            <a:endParaRPr>
-              <a:latin typeface="Montserrat"/>
-              <a:ea typeface="Montserrat"/>
-              <a:cs typeface="Montserrat"/>
-              <a:sym typeface="Montserrat"/>
-            </a:endParaRPr>
-          </a:p>
-          <a:p>
-            <a:pPr marL="457200" lvl="0" indent="0" algn="l" rtl="0">
-              <a:spcBef>
-                <a:spcPts val="1200"/>
-              </a:spcBef>
-              <a:spcAft>
-                <a:spcPts val="1200"/>
-              </a:spcAft>
-              <a:buNone/>
-            </a:pPr>
-            <a:endParaRPr>
-              <a:latin typeface="Montserrat"/>
-              <a:ea typeface="Montserrat"/>
-              <a:cs typeface="Montserrat"/>
-              <a:sym typeface="Montserrat"/>
-            </a:endParaRPr>
-          </a:p>
-        </p:txBody>
-      </p:sp>
-      <p:sp>
-        <p:nvSpPr>
-          <p:cNvPr id="113" name="Google Shape;113;p20"/>
-          <p:cNvSpPr txBox="1"/>
-          <p:nvPr/>
-        </p:nvSpPr>
-        <p:spPr>
-          <a:xfrm>
-            <a:off x="0" y="0"/>
-            <a:ext cx="4911600" cy="338700"/>
-          </a:xfrm>
-          <a:prstGeom prst="rect">
-            <a:avLst/>
-          </a:prstGeom>
-          <a:noFill/>
-          <a:ln>
-            <a:noFill/>
-          </a:ln>
-        </p:spPr>
-        <p:txBody>
-          <a:bodyPr spcFirstLastPara="1" wrap="square" lIns="91425" tIns="91425" rIns="91425" bIns="91425" anchor="t" anchorCtr="0">
-            <a:spAutoFit/>
-          </a:bodyPr>
-          <a:lstStyle/>
-          <a:p>
-            <a:pPr marL="0" lvl="0" indent="0" algn="l" rtl="0">
-              <a:lnSpc>
-                <a:spcPct val="115000"/>
-              </a:lnSpc>
-              <a:spcBef>
-                <a:spcPts val="0"/>
-              </a:spcBef>
-              <a:spcAft>
-                <a:spcPts val="1200"/>
-              </a:spcAft>
-              <a:buNone/>
-            </a:pPr>
-            <a:r>
-              <a:rPr lang="fr" sz="1000">
-                <a:solidFill>
-                  <a:schemeClr val="dk2"/>
-                </a:solidFill>
-                <a:latin typeface="Montserrat"/>
-                <a:ea typeface="Montserrat"/>
-                <a:cs typeface="Montserrat"/>
-                <a:sym typeface="Montserrat"/>
-              </a:rPr>
-              <a:t>Présentation de l’usage du no-code</a:t>
-            </a:r>
-            <a:endParaRPr sz="1000"/>
-          </a:p>
-        </p:txBody>
-      </p:sp>
-      <p:sp>
-        <p:nvSpPr>
-          <p:cNvPr id="114" name="Google Shape;114;p20"/>
-          <p:cNvSpPr txBox="1"/>
-          <p:nvPr/>
-        </p:nvSpPr>
-        <p:spPr>
-          <a:xfrm>
-            <a:off x="434775" y="1085525"/>
-            <a:ext cx="8320500" cy="2498100"/>
-          </a:xfrm>
-          <a:prstGeom prst="rect">
-            <a:avLst/>
-          </a:prstGeom>
-          <a:noFill/>
-          <a:ln>
-            <a:noFill/>
-          </a:ln>
-        </p:spPr>
-        <p:txBody>
-          <a:bodyPr spcFirstLastPara="1" wrap="square" lIns="91425" tIns="91425" rIns="91425" bIns="91425" anchor="t" anchorCtr="0">
-            <a:spAutoFit/>
-          </a:bodyPr>
-          <a:lstStyle/>
-          <a:p>
-            <a:pPr marL="457200" lvl="0" indent="-323850" algn="l" rtl="0">
-              <a:lnSpc>
-                <a:spcPct val="150000"/>
-              </a:lnSpc>
-              <a:spcBef>
-                <a:spcPts val="0"/>
-              </a:spcBef>
-              <a:spcAft>
-                <a:spcPts val="0"/>
-              </a:spcAft>
-              <a:buClr>
-                <a:srgbClr val="0D0D0D"/>
-              </a:buClr>
-              <a:buSzPts val="1500"/>
-              <a:buFont typeface="Montserrat"/>
-              <a:buChar char="●"/>
-            </a:pPr>
-            <a:r>
-              <a:rPr lang="fr" sz="1500">
-                <a:solidFill>
-                  <a:srgbClr val="0D0D0D"/>
-                </a:solidFill>
-                <a:highlight>
-                  <a:srgbClr val="FFFFFF"/>
-                </a:highlight>
-                <a:latin typeface="Montserrat"/>
-                <a:ea typeface="Montserrat"/>
-                <a:cs typeface="Montserrat"/>
-                <a:sym typeface="Montserrat"/>
-              </a:rPr>
-              <a:t>Captures d’écran de la veille (max 5)</a:t>
-            </a:r>
-            <a:endParaRPr sz="1500">
-              <a:solidFill>
-                <a:srgbClr val="0D0D0D"/>
-              </a:solidFill>
-              <a:highlight>
-                <a:srgbClr val="FFFFFF"/>
-              </a:highlight>
-              <a:latin typeface="Montserrat"/>
-              <a:ea typeface="Montserrat"/>
-              <a:cs typeface="Montserrat"/>
-              <a:sym typeface="Montserrat"/>
-            </a:endParaRPr>
-          </a:p>
-          <a:p>
-            <a:pPr marL="457200" lvl="0" indent="-323850" algn="l" rtl="0">
-              <a:lnSpc>
-                <a:spcPct val="150000"/>
-              </a:lnSpc>
-              <a:spcBef>
-                <a:spcPts val="0"/>
-              </a:spcBef>
-              <a:spcAft>
-                <a:spcPts val="0"/>
-              </a:spcAft>
-              <a:buClr>
-                <a:srgbClr val="0D0D0D"/>
-              </a:buClr>
-              <a:buSzPts val="1500"/>
-              <a:buFont typeface="Montserrat"/>
-              <a:buChar char="●"/>
-            </a:pPr>
-            <a:r>
-              <a:rPr lang="fr" sz="1500">
-                <a:solidFill>
-                  <a:srgbClr val="0D0D0D"/>
-                </a:solidFill>
-                <a:highlight>
-                  <a:srgbClr val="FFFFFF"/>
-                </a:highlight>
-                <a:latin typeface="Montserrat"/>
-                <a:ea typeface="Montserrat"/>
-                <a:cs typeface="Montserrat"/>
-                <a:sym typeface="Montserrat"/>
-              </a:rPr>
-              <a:t>Méthode de classification des sources d'information.</a:t>
-            </a:r>
-            <a:endParaRPr sz="1500">
-              <a:solidFill>
-                <a:srgbClr val="0D0D0D"/>
-              </a:solidFill>
-              <a:highlight>
-                <a:srgbClr val="FFFFFF"/>
-              </a:highlight>
-              <a:latin typeface="Montserrat"/>
-              <a:ea typeface="Montserrat"/>
-              <a:cs typeface="Montserrat"/>
-              <a:sym typeface="Montserrat"/>
-            </a:endParaRPr>
-          </a:p>
-          <a:p>
-            <a:pPr marL="457200" lvl="0" indent="-323850" algn="l" rtl="0">
-              <a:lnSpc>
-                <a:spcPct val="150000"/>
-              </a:lnSpc>
-              <a:spcBef>
-                <a:spcPts val="0"/>
-              </a:spcBef>
-              <a:spcAft>
-                <a:spcPts val="0"/>
-              </a:spcAft>
-              <a:buClr>
-                <a:srgbClr val="0D0D0D"/>
-              </a:buClr>
-              <a:buSzPts val="1500"/>
-              <a:buFont typeface="Montserrat"/>
-              <a:buChar char="●"/>
-            </a:pPr>
-            <a:r>
-              <a:rPr lang="fr" sz="1500">
-                <a:solidFill>
-                  <a:srgbClr val="0D0D0D"/>
-                </a:solidFill>
-                <a:highlight>
-                  <a:srgbClr val="FFFFFF"/>
-                </a:highlight>
-                <a:latin typeface="Montserrat"/>
-                <a:ea typeface="Montserrat"/>
-                <a:cs typeface="Montserrat"/>
-                <a:sym typeface="Montserrat"/>
-              </a:rPr>
-              <a:t>Exemple et explication du choix d’une source pour chacun des 2 axes de veille </a:t>
-            </a:r>
-            <a:endParaRPr sz="1500">
-              <a:solidFill>
-                <a:srgbClr val="0D0D0D"/>
-              </a:solidFill>
-              <a:highlight>
-                <a:srgbClr val="FFFFFF"/>
-              </a:highlight>
-              <a:latin typeface="Montserrat"/>
-              <a:ea typeface="Montserrat"/>
-              <a:cs typeface="Montserrat"/>
-              <a:sym typeface="Montserrat"/>
-            </a:endParaRPr>
-          </a:p>
-          <a:p>
-            <a:pPr marL="457200" lvl="0" indent="-323850" algn="l" rtl="0">
-              <a:lnSpc>
-                <a:spcPct val="150000"/>
-              </a:lnSpc>
-              <a:spcBef>
-                <a:spcPts val="0"/>
-              </a:spcBef>
-              <a:spcAft>
-                <a:spcPts val="0"/>
-              </a:spcAft>
-              <a:buClr>
-                <a:srgbClr val="0D0D0D"/>
-              </a:buClr>
-              <a:buSzPts val="1500"/>
-              <a:buFont typeface="Montserrat"/>
-              <a:buChar char="●"/>
-            </a:pPr>
-            <a:r>
-              <a:rPr lang="fr" sz="1500">
-                <a:solidFill>
-                  <a:srgbClr val="0D0D0D"/>
-                </a:solidFill>
-                <a:highlight>
-                  <a:srgbClr val="FFFFFF"/>
-                </a:highlight>
-                <a:latin typeface="Montserrat"/>
-                <a:ea typeface="Montserrat"/>
-                <a:cs typeface="Montserrat"/>
-                <a:sym typeface="Montserrat"/>
-              </a:rPr>
-              <a:t>Explication de la contribution de la veille à l'élaboration des spécifications techniques.</a:t>
-            </a:r>
-            <a:endParaRPr sz="1500">
-              <a:solidFill>
-                <a:srgbClr val="0D0D0D"/>
-              </a:solidFill>
-              <a:highlight>
-                <a:srgbClr val="FFFFFF"/>
-              </a:highlight>
-              <a:latin typeface="Montserrat"/>
-              <a:ea typeface="Montserrat"/>
-              <a:cs typeface="Montserrat"/>
-              <a:sym typeface="Montserrat"/>
-            </a:endParaRPr>
-          </a:p>
-          <a:p>
-            <a:pPr marL="0" lvl="0" indent="0" algn="l" rtl="0">
-              <a:lnSpc>
-                <a:spcPct val="115000"/>
-              </a:lnSpc>
-              <a:spcBef>
-                <a:spcPts val="0"/>
-              </a:spcBef>
-              <a:spcAft>
-                <a:spcPts val="0"/>
-              </a:spcAft>
-              <a:buNone/>
-            </a:pPr>
-            <a:endParaRPr sz="1200" i="1">
-              <a:solidFill>
-                <a:schemeClr val="dk1"/>
-              </a:solidFill>
-              <a:latin typeface="Montserrat"/>
-              <a:ea typeface="Montserrat"/>
-              <a:cs typeface="Montserrat"/>
-              <a:sym typeface="Montserrat"/>
-            </a:endParaRPr>
-          </a:p>
-          <a:p>
-            <a:pPr marL="0" lvl="0" indent="0" algn="l" rtl="0">
-              <a:spcBef>
-                <a:spcPts val="1200"/>
-              </a:spcBef>
-              <a:spcAft>
-                <a:spcPts val="0"/>
-              </a:spcAft>
-              <a:buNone/>
-            </a:pPr>
-            <a:endParaRPr/>
-          </a:p>
-        </p:txBody>
-      </p:sp>
-      <p:sp>
-        <p:nvSpPr>
-          <p:cNvPr id="115" name="Google Shape;115;p20"/>
-          <p:cNvSpPr/>
-          <p:nvPr/>
-        </p:nvSpPr>
-        <p:spPr>
-          <a:xfrm>
-            <a:off x="-4800" y="0"/>
-            <a:ext cx="9153600" cy="239700"/>
-          </a:xfrm>
-          <a:prstGeom prst="rect">
-            <a:avLst/>
-          </a:prstGeom>
-          <a:solidFill>
-            <a:srgbClr val="FCE5CD"/>
-          </a:solidFill>
-          <a:ln w="9525" cap="flat" cmpd="sng">
-            <a:solidFill>
-              <a:srgbClr val="F7EDDE"/>
-            </a:solidFill>
-            <a:prstDash val="solid"/>
-            <a:round/>
-            <a:headEnd type="none" w="sm" len="sm"/>
-            <a:tailEnd type="none" w="sm" len="sm"/>
-          </a:ln>
-        </p:spPr>
-        <p:txBody>
-          <a:bodyPr spcFirstLastPara="1" wrap="square" lIns="91425" tIns="91425" rIns="91425" bIns="91425" anchor="ctr" anchorCtr="0">
-            <a:noAutofit/>
-          </a:bodyPr>
-          <a:lstStyle/>
-          <a:p>
-            <a:pPr marL="0" lvl="0" indent="0" algn="ctr" rtl="0">
-              <a:spcBef>
-                <a:spcPts val="0"/>
-              </a:spcBef>
-              <a:spcAft>
-                <a:spcPts val="0"/>
-              </a:spcAft>
-              <a:buNone/>
-            </a:pPr>
-            <a:endParaRPr/>
-          </a:p>
-        </p:txBody>
-      </p:sp>
-      <p:pic>
-        <p:nvPicPr>
-          <p:cNvPr id="116" name="Google Shape;116;p20"/>
-          <p:cNvPicPr preferRelativeResize="0"/>
-          <p:nvPr/>
-        </p:nvPicPr>
-        <p:blipFill>
-          <a:blip r:embed="rId3">
-            <a:alphaModFix/>
-          </a:blip>
-          <a:stretch>
-            <a:fillRect/>
-          </a:stretch>
-        </p:blipFill>
-        <p:spPr>
-          <a:xfrm>
-            <a:off x="8469575" y="-4"/>
-            <a:ext cx="674425" cy="340550"/>
-          </a:xfrm>
-          <a:prstGeom prst="rect">
-            <a:avLst/>
-          </a:prstGeom>
-          <a:noFill/>
-          <a:ln>
-            <a:noFill/>
-          </a:ln>
-        </p:spPr>
-      </p:pic>
-    </p:spTree>
-  </p:cSld>
-  <p:clrMapOvr>
-    <a:masterClrMapping/>
-  </p:clrMapOvr>
-</p:sld>
-</file>
-
-<file path=ppt/slides/slide9.xml><?xml version="1.0" encoding="utf-8"?>
-<p:sld xmlns:a="http://schemas.openxmlformats.org/drawingml/2006/main" xmlns:r="http://schemas.openxmlformats.org/officeDocument/2006/relationships" xmlns:p="http://schemas.openxmlformats.org/presentationml/2006/main">
-  <p:cSld>
-    <p:spTree>
-      <p:nvGrpSpPr>
-        <p:cNvPr id="1" name="Shape 120"/>
-        <p:cNvGrpSpPr/>
-        <p:nvPr/>
-      </p:nvGrpSpPr>
-      <p:grpSpPr>
-        <a:xfrm>
-          <a:off x="0" y="0"/>
-          <a:ext cx="0" cy="0"/>
-          <a:chOff x="0" y="0"/>
-          <a:chExt cx="0" cy="0"/>
-        </a:xfrm>
-      </p:grpSpPr>
-      <p:sp>
-        <p:nvSpPr>
-          <p:cNvPr id="121" name="Google Shape;121;p21"/>
-          <p:cNvSpPr txBox="1">
-            <a:spLocks noGrp="1"/>
-          </p:cNvSpPr>
-          <p:nvPr>
-            <p:ph type="title"/>
-          </p:nvPr>
-        </p:nvSpPr>
-        <p:spPr>
-          <a:xfrm>
-            <a:off x="311700" y="445025"/>
-            <a:ext cx="8520600" cy="572700"/>
-          </a:xfrm>
-          <a:prstGeom prst="rect">
-            <a:avLst/>
-          </a:prstGeom>
-        </p:spPr>
-        <p:txBody>
-          <a:bodyPr spcFirstLastPara="1" wrap="square" lIns="91425" tIns="91425" rIns="91425" bIns="91425" anchor="t" anchorCtr="0">
-            <a:normAutofit/>
-          </a:bodyPr>
-          <a:lstStyle/>
-          <a:p>
-            <a:pPr marL="0" lvl="0" indent="0" algn="l" rtl="0">
-              <a:lnSpc>
-                <a:spcPct val="115000"/>
-              </a:lnSpc>
-              <a:spcBef>
-                <a:spcPts val="0"/>
-              </a:spcBef>
-              <a:spcAft>
-                <a:spcPts val="1200"/>
-              </a:spcAft>
-              <a:buNone/>
-            </a:pPr>
-            <a:r>
-              <a:rPr lang="fr" sz="2000">
-                <a:latin typeface="Montserrat"/>
-                <a:ea typeface="Montserrat"/>
-                <a:cs typeface="Montserrat"/>
-                <a:sym typeface="Montserrat"/>
-              </a:rPr>
-              <a:t>Conclusion</a:t>
-            </a:r>
-            <a:endParaRPr sz="2000">
-              <a:solidFill>
-                <a:schemeClr val="dk2"/>
-              </a:solidFill>
-              <a:latin typeface="Montserrat"/>
-              <a:ea typeface="Montserrat"/>
-              <a:cs typeface="Montserrat"/>
-              <a:sym typeface="Montserrat"/>
-            </a:endParaRPr>
-          </a:p>
-        </p:txBody>
-      </p:sp>
-      <p:sp>
-        <p:nvSpPr>
-          <p:cNvPr id="122" name="Google Shape;122;p21"/>
-          <p:cNvSpPr txBox="1">
-            <a:spLocks noGrp="1"/>
-          </p:cNvSpPr>
-          <p:nvPr>
-            <p:ph type="body" idx="1"/>
-          </p:nvPr>
-        </p:nvSpPr>
-        <p:spPr>
-          <a:xfrm>
-            <a:off x="311700" y="1152475"/>
-            <a:ext cx="8520600" cy="3416400"/>
-          </a:xfrm>
-          <a:prstGeom prst="rect">
-            <a:avLst/>
-          </a:prstGeom>
-        </p:spPr>
-        <p:txBody>
-          <a:bodyPr spcFirstLastPara="1" wrap="square" lIns="91425" tIns="91425" rIns="91425" bIns="91425" anchor="t" anchorCtr="0">
-            <a:normAutofit/>
-          </a:bodyPr>
-          <a:lstStyle/>
-          <a:p>
-            <a:pPr marL="0" lvl="0" indent="0" algn="l" rtl="0">
-              <a:spcBef>
-                <a:spcPts val="0"/>
-              </a:spcBef>
-              <a:spcAft>
-                <a:spcPts val="0"/>
-              </a:spcAft>
-              <a:buNone/>
-            </a:pPr>
-            <a:endParaRPr>
-              <a:latin typeface="Montserrat"/>
-              <a:ea typeface="Montserrat"/>
-              <a:cs typeface="Montserrat"/>
-              <a:sym typeface="Montserrat"/>
-            </a:endParaRPr>
-          </a:p>
-          <a:p>
-            <a:pPr marL="0" lvl="0" indent="0" algn="l" rtl="0">
-              <a:spcBef>
-                <a:spcPts val="1200"/>
-              </a:spcBef>
-              <a:spcAft>
-                <a:spcPts val="0"/>
-              </a:spcAft>
-              <a:buNone/>
-            </a:pPr>
-            <a:endParaRPr>
-              <a:latin typeface="Montserrat"/>
-              <a:ea typeface="Montserrat"/>
-              <a:cs typeface="Montserrat"/>
-              <a:sym typeface="Montserrat"/>
-            </a:endParaRPr>
-          </a:p>
-          <a:p>
-            <a:pPr marL="457200" lvl="0" indent="0" algn="l" rtl="0">
-              <a:spcBef>
-                <a:spcPts val="1200"/>
-              </a:spcBef>
-              <a:spcAft>
-                <a:spcPts val="1200"/>
-              </a:spcAft>
-              <a:buNone/>
-            </a:pPr>
-            <a:endParaRPr>
-              <a:latin typeface="Montserrat"/>
-              <a:ea typeface="Montserrat"/>
-              <a:cs typeface="Montserrat"/>
-              <a:sym typeface="Montserrat"/>
-            </a:endParaRPr>
-          </a:p>
-        </p:txBody>
-      </p:sp>
-      <p:sp>
-        <p:nvSpPr>
-          <p:cNvPr id="123" name="Google Shape;123;p21"/>
-          <p:cNvSpPr txBox="1"/>
-          <p:nvPr/>
-        </p:nvSpPr>
-        <p:spPr>
-          <a:xfrm>
-            <a:off x="0" y="0"/>
-            <a:ext cx="4911600" cy="338700"/>
-          </a:xfrm>
-          <a:prstGeom prst="rect">
-            <a:avLst/>
-          </a:prstGeom>
-          <a:noFill/>
-          <a:ln>
-            <a:noFill/>
-          </a:ln>
-        </p:spPr>
-        <p:txBody>
-          <a:bodyPr spcFirstLastPara="1" wrap="square" lIns="91425" tIns="91425" rIns="91425" bIns="91425" anchor="t" anchorCtr="0">
-            <a:spAutoFit/>
-          </a:bodyPr>
-          <a:lstStyle/>
-          <a:p>
-            <a:pPr marL="0" lvl="0" indent="0" algn="l" rtl="0">
-              <a:lnSpc>
-                <a:spcPct val="115000"/>
-              </a:lnSpc>
-              <a:spcBef>
-                <a:spcPts val="0"/>
-              </a:spcBef>
-              <a:spcAft>
-                <a:spcPts val="1200"/>
-              </a:spcAft>
-              <a:buNone/>
-            </a:pPr>
-            <a:r>
-              <a:rPr lang="fr" sz="1000">
-                <a:solidFill>
-                  <a:schemeClr val="dk2"/>
-                </a:solidFill>
-                <a:latin typeface="Montserrat"/>
-                <a:ea typeface="Montserrat"/>
-                <a:cs typeface="Montserrat"/>
-                <a:sym typeface="Montserrat"/>
-              </a:rPr>
-              <a:t>Présentation de l’usage du no-code</a:t>
-            </a:r>
-            <a:endParaRPr sz="1000"/>
-          </a:p>
-        </p:txBody>
-      </p:sp>
-      <p:sp>
-        <p:nvSpPr>
-          <p:cNvPr id="124" name="Google Shape;124;p21"/>
-          <p:cNvSpPr txBox="1"/>
-          <p:nvPr/>
-        </p:nvSpPr>
-        <p:spPr>
-          <a:xfrm>
-            <a:off x="434775" y="1085525"/>
-            <a:ext cx="8320500" cy="1085100"/>
-          </a:xfrm>
-          <a:prstGeom prst="rect">
-            <a:avLst/>
-          </a:prstGeom>
-          <a:noFill/>
-          <a:ln>
-            <a:noFill/>
-          </a:ln>
-        </p:spPr>
-        <p:txBody>
-          <a:bodyPr spcFirstLastPara="1" wrap="square" lIns="91425" tIns="91425" rIns="91425" bIns="91425" anchor="t" anchorCtr="0">
-            <a:spAutoFit/>
-          </a:bodyPr>
-          <a:lstStyle/>
-          <a:p>
-            <a:pPr marL="457200" lvl="0" indent="-342900" algn="l" rtl="0">
-              <a:lnSpc>
-                <a:spcPct val="115000"/>
-              </a:lnSpc>
-              <a:spcBef>
-                <a:spcPts val="0"/>
-              </a:spcBef>
-              <a:spcAft>
-                <a:spcPts val="0"/>
-              </a:spcAft>
-              <a:buClr>
-                <a:srgbClr val="0D0D0D"/>
-              </a:buClr>
-              <a:buSzPts val="1800"/>
-              <a:buFont typeface="Montserrat"/>
-              <a:buChar char="●"/>
-            </a:pPr>
-            <a:r>
-              <a:rPr lang="fr" sz="1500">
-                <a:solidFill>
-                  <a:srgbClr val="0D0D0D"/>
-                </a:solidFill>
-                <a:highlight>
-                  <a:srgbClr val="FFFFFF"/>
-                </a:highlight>
-                <a:latin typeface="Montserrat"/>
-                <a:ea typeface="Montserrat"/>
-                <a:cs typeface="Montserrat"/>
-                <a:sym typeface="Montserrat"/>
-              </a:rPr>
-              <a:t>Résumé des points clés de la présentation</a:t>
-            </a:r>
-            <a:endParaRPr sz="1800">
-              <a:solidFill>
-                <a:srgbClr val="0D0D0D"/>
-              </a:solidFill>
-              <a:highlight>
-                <a:srgbClr val="FFFFFF"/>
-              </a:highlight>
-              <a:latin typeface="Montserrat"/>
-              <a:ea typeface="Montserrat"/>
-              <a:cs typeface="Montserrat"/>
-              <a:sym typeface="Montserrat"/>
-            </a:endParaRPr>
-          </a:p>
-          <a:p>
-            <a:pPr marL="0" lvl="0" indent="0" algn="l" rtl="0">
-              <a:lnSpc>
-                <a:spcPct val="115000"/>
-              </a:lnSpc>
-              <a:spcBef>
-                <a:spcPts val="0"/>
-              </a:spcBef>
-              <a:spcAft>
-                <a:spcPts val="0"/>
-              </a:spcAft>
-              <a:buNone/>
-            </a:pPr>
-            <a:endParaRPr sz="1200" i="1">
-              <a:solidFill>
-                <a:schemeClr val="dk1"/>
-              </a:solidFill>
-              <a:latin typeface="Montserrat"/>
-              <a:ea typeface="Montserrat"/>
-              <a:cs typeface="Montserrat"/>
-              <a:sym typeface="Montserrat"/>
-            </a:endParaRPr>
-          </a:p>
-          <a:p>
-            <a:pPr marL="0" lvl="0" indent="0" algn="l" rtl="0">
-              <a:spcBef>
-                <a:spcPts val="1200"/>
-              </a:spcBef>
-              <a:spcAft>
-                <a:spcPts val="0"/>
-              </a:spcAft>
-              <a:buNone/>
-            </a:pPr>
-            <a:endParaRPr/>
-          </a:p>
-        </p:txBody>
-      </p:sp>
-      <p:sp>
-        <p:nvSpPr>
-          <p:cNvPr id="125" name="Google Shape;125;p21"/>
-          <p:cNvSpPr/>
-          <p:nvPr/>
-        </p:nvSpPr>
-        <p:spPr>
-          <a:xfrm>
-            <a:off x="-4800" y="0"/>
-            <a:ext cx="9153600" cy="239700"/>
-          </a:xfrm>
-          <a:prstGeom prst="rect">
-            <a:avLst/>
-          </a:prstGeom>
-          <a:solidFill>
-            <a:srgbClr val="FCE5CD"/>
-          </a:solidFill>
-          <a:ln w="9525" cap="flat" cmpd="sng">
-            <a:solidFill>
-              <a:srgbClr val="F7EDDE"/>
-            </a:solidFill>
-            <a:prstDash val="solid"/>
-            <a:round/>
-            <a:headEnd type="none" w="sm" len="sm"/>
-            <a:tailEnd type="none" w="sm" len="sm"/>
-          </a:ln>
-        </p:spPr>
-        <p:txBody>
-          <a:bodyPr spcFirstLastPara="1" wrap="square" lIns="91425" tIns="91425" rIns="91425" bIns="91425" anchor="ctr" anchorCtr="0">
-            <a:noAutofit/>
-          </a:bodyPr>
-          <a:lstStyle/>
-          <a:p>
-            <a:pPr marL="0" lvl="0" indent="0" algn="ctr" rtl="0">
-              <a:spcBef>
-                <a:spcPts val="0"/>
-              </a:spcBef>
-              <a:spcAft>
-                <a:spcPts val="0"/>
-              </a:spcAft>
-              <a:buNone/>
-            </a:pPr>
-            <a:endParaRPr/>
-          </a:p>
-        </p:txBody>
-      </p:sp>
-      <p:pic>
-        <p:nvPicPr>
-          <p:cNvPr id="126" name="Google Shape;126;p21"/>
           <p:cNvPicPr preferRelativeResize="0"/>
           <p:nvPr/>
         </p:nvPicPr>

--- a/BIARD_Sunny_4_presentation_052024.pptx
+++ b/BIARD_Sunny_4_presentation_052024.pptx
@@ -5,7 +5,7 @@
     <p:sldMasterId id="2147483659" r:id="rId1"/>
   </p:sldMasterIdLst>
   <p:notesMasterIdLst>
-    <p:notesMasterId r:id="rId19"/>
+    <p:notesMasterId r:id="rId22"/>
   </p:notesMasterIdLst>
   <p:sldIdLst>
     <p:sldId id="256" r:id="rId2"/>
@@ -22,19 +22,22 @@
     <p:sldId id="271" r:id="rId13"/>
     <p:sldId id="262" r:id="rId14"/>
     <p:sldId id="272" r:id="rId15"/>
-    <p:sldId id="263" r:id="rId16"/>
-    <p:sldId id="264" r:id="rId17"/>
-    <p:sldId id="265" r:id="rId18"/>
+    <p:sldId id="273" r:id="rId16"/>
+    <p:sldId id="263" r:id="rId17"/>
+    <p:sldId id="274" r:id="rId18"/>
+    <p:sldId id="275" r:id="rId19"/>
+    <p:sldId id="264" r:id="rId20"/>
+    <p:sldId id="265" r:id="rId21"/>
   </p:sldIdLst>
   <p:sldSz cx="9144000" cy="5143500" type="screen16x9"/>
   <p:notesSz cx="6858000" cy="9144000"/>
   <p:embeddedFontLst>
     <p:embeddedFont>
       <p:font typeface="Montserrat" panose="00000500000000000000" pitchFamily="2" charset="0"/>
-      <p:regular r:id="rId20"/>
-      <p:bold r:id="rId21"/>
-      <p:italic r:id="rId22"/>
-      <p:boldItalic r:id="rId23"/>
+      <p:regular r:id="rId23"/>
+      <p:bold r:id="rId24"/>
+      <p:italic r:id="rId25"/>
+      <p:boldItalic r:id="rId26"/>
     </p:embeddedFont>
   </p:embeddedFontLst>
   <p:defaultTextStyle>
@@ -1370,6 +1373,115 @@
   <p:cSld>
     <p:spTree>
       <p:nvGrpSpPr>
+        <p:cNvPr id="1" name="Shape 97"/>
+        <p:cNvGrpSpPr/>
+        <p:nvPr/>
+      </p:nvGrpSpPr>
+      <p:grpSpPr>
+        <a:xfrm>
+          <a:off x="0" y="0"/>
+          <a:ext cx="0" cy="0"/>
+          <a:chOff x="0" y="0"/>
+          <a:chExt cx="0" cy="0"/>
+        </a:xfrm>
+      </p:grpSpPr>
+      <p:sp>
+        <p:nvSpPr>
+          <p:cNvPr id="98" name="Google Shape;98;g20c4033f8d1_0_34:notes"/>
+          <p:cNvSpPr>
+            <a:spLocks noGrp="1" noRot="1" noChangeAspect="1"/>
+          </p:cNvSpPr>
+          <p:nvPr>
+            <p:ph type="sldImg" idx="2"/>
+          </p:nvPr>
+        </p:nvSpPr>
+        <p:spPr>
+          <a:xfrm>
+            <a:off x="381000" y="685800"/>
+            <a:ext cx="6096000" cy="3429000"/>
+          </a:xfrm>
+          <a:custGeom>
+            <a:avLst/>
+            <a:gdLst/>
+            <a:ahLst/>
+            <a:cxnLst/>
+            <a:rect l="l" t="t" r="r" b="b"/>
+            <a:pathLst>
+              <a:path w="120000" h="120000" extrusionOk="0">
+                <a:moveTo>
+                  <a:pt x="0" y="0"/>
+                </a:moveTo>
+                <a:lnTo>
+                  <a:pt x="120000" y="0"/>
+                </a:lnTo>
+                <a:lnTo>
+                  <a:pt x="120000" y="120000"/>
+                </a:lnTo>
+                <a:lnTo>
+                  <a:pt x="0" y="120000"/>
+                </a:lnTo>
+                <a:close/>
+              </a:path>
+            </a:pathLst>
+          </a:custGeom>
+        </p:spPr>
+      </p:sp>
+      <p:sp>
+        <p:nvSpPr>
+          <p:cNvPr id="99" name="Google Shape;99;g20c4033f8d1_0_34:notes"/>
+          <p:cNvSpPr txBox="1">
+            <a:spLocks noGrp="1"/>
+          </p:cNvSpPr>
+          <p:nvPr>
+            <p:ph type="body" idx="1"/>
+          </p:nvPr>
+        </p:nvSpPr>
+        <p:spPr>
+          <a:xfrm>
+            <a:off x="685800" y="4343400"/>
+            <a:ext cx="5486400" cy="4114800"/>
+          </a:xfrm>
+          <a:prstGeom prst="rect">
+            <a:avLst/>
+          </a:prstGeom>
+        </p:spPr>
+        <p:txBody>
+          <a:bodyPr spcFirstLastPara="1" wrap="square" lIns="91425" tIns="91425" rIns="91425" bIns="91425" anchor="t" anchorCtr="0">
+            <a:noAutofit/>
+          </a:bodyPr>
+          <a:lstStyle/>
+          <a:p>
+            <a:pPr marL="0" lvl="0" indent="0" algn="l" rtl="0">
+              <a:spcBef>
+                <a:spcPts val="0"/>
+              </a:spcBef>
+              <a:spcAft>
+                <a:spcPts val="0"/>
+              </a:spcAft>
+              <a:buNone/>
+            </a:pPr>
+            <a:endParaRPr/>
+          </a:p>
+        </p:txBody>
+      </p:sp>
+    </p:spTree>
+    <p:extLst>
+      <p:ext uri="{BB962C8B-B14F-4D97-AF65-F5344CB8AC3E}">
+        <p14:creationId xmlns:p14="http://schemas.microsoft.com/office/powerpoint/2010/main" val="846261757"/>
+      </p:ext>
+    </p:extLst>
+  </p:cSld>
+  <p:clrMapOvr>
+    <a:masterClrMapping/>
+  </p:clrMapOvr>
+</p:notes>
+</file>
+
+<file path=ppt/notesSlides/notesSlide16.xml><?xml version="1.0" encoding="utf-8"?>
+<p:notes xmlns:a="http://schemas.openxmlformats.org/drawingml/2006/main" xmlns:r="http://schemas.openxmlformats.org/officeDocument/2006/relationships" xmlns:p="http://schemas.openxmlformats.org/presentationml/2006/main" showMasterSp="0" showMasterPhAnim="0">
+  <p:cSld>
+    <p:spTree>
+      <p:nvGrpSpPr>
         <p:cNvPr id="1" name="Shape 107"/>
         <p:cNvGrpSpPr/>
         <p:nvPr/>
@@ -1469,7 +1581,225 @@
 </p:notes>
 </file>
 
-<file path=ppt/notesSlides/notesSlide16.xml><?xml version="1.0" encoding="utf-8"?>
+<file path=ppt/notesSlides/notesSlide17.xml><?xml version="1.0" encoding="utf-8"?>
+<p:notes xmlns:a="http://schemas.openxmlformats.org/drawingml/2006/main" xmlns:r="http://schemas.openxmlformats.org/officeDocument/2006/relationships" xmlns:p="http://schemas.openxmlformats.org/presentationml/2006/main" showMasterSp="0" showMasterPhAnim="0">
+  <p:cSld>
+    <p:spTree>
+      <p:nvGrpSpPr>
+        <p:cNvPr id="1" name="Shape 107"/>
+        <p:cNvGrpSpPr/>
+        <p:nvPr/>
+      </p:nvGrpSpPr>
+      <p:grpSpPr>
+        <a:xfrm>
+          <a:off x="0" y="0"/>
+          <a:ext cx="0" cy="0"/>
+          <a:chOff x="0" y="0"/>
+          <a:chExt cx="0" cy="0"/>
+        </a:xfrm>
+      </p:grpSpPr>
+      <p:sp>
+        <p:nvSpPr>
+          <p:cNvPr id="108" name="Google Shape;108;g218b606cc07_1_8:notes"/>
+          <p:cNvSpPr>
+            <a:spLocks noGrp="1" noRot="1" noChangeAspect="1"/>
+          </p:cNvSpPr>
+          <p:nvPr>
+            <p:ph type="sldImg" idx="2"/>
+          </p:nvPr>
+        </p:nvSpPr>
+        <p:spPr>
+          <a:xfrm>
+            <a:off x="381000" y="685800"/>
+            <a:ext cx="6096000" cy="3429000"/>
+          </a:xfrm>
+          <a:custGeom>
+            <a:avLst/>
+            <a:gdLst/>
+            <a:ahLst/>
+            <a:cxnLst/>
+            <a:rect l="l" t="t" r="r" b="b"/>
+            <a:pathLst>
+              <a:path w="120000" h="120000" extrusionOk="0">
+                <a:moveTo>
+                  <a:pt x="0" y="0"/>
+                </a:moveTo>
+                <a:lnTo>
+                  <a:pt x="120000" y="0"/>
+                </a:lnTo>
+                <a:lnTo>
+                  <a:pt x="120000" y="120000"/>
+                </a:lnTo>
+                <a:lnTo>
+                  <a:pt x="0" y="120000"/>
+                </a:lnTo>
+                <a:close/>
+              </a:path>
+            </a:pathLst>
+          </a:custGeom>
+        </p:spPr>
+      </p:sp>
+      <p:sp>
+        <p:nvSpPr>
+          <p:cNvPr id="109" name="Google Shape;109;g218b606cc07_1_8:notes"/>
+          <p:cNvSpPr txBox="1">
+            <a:spLocks noGrp="1"/>
+          </p:cNvSpPr>
+          <p:nvPr>
+            <p:ph type="body" idx="1"/>
+          </p:nvPr>
+        </p:nvSpPr>
+        <p:spPr>
+          <a:xfrm>
+            <a:off x="685800" y="4343400"/>
+            <a:ext cx="5486400" cy="4114800"/>
+          </a:xfrm>
+          <a:prstGeom prst="rect">
+            <a:avLst/>
+          </a:prstGeom>
+        </p:spPr>
+        <p:txBody>
+          <a:bodyPr spcFirstLastPara="1" wrap="square" lIns="91425" tIns="91425" rIns="91425" bIns="91425" anchor="t" anchorCtr="0">
+            <a:noAutofit/>
+          </a:bodyPr>
+          <a:lstStyle/>
+          <a:p>
+            <a:pPr marL="0" lvl="0" indent="0" algn="l" rtl="0">
+              <a:spcBef>
+                <a:spcPts val="0"/>
+              </a:spcBef>
+              <a:spcAft>
+                <a:spcPts val="0"/>
+              </a:spcAft>
+              <a:buNone/>
+            </a:pPr>
+            <a:endParaRPr/>
+          </a:p>
+        </p:txBody>
+      </p:sp>
+    </p:spTree>
+    <p:extLst>
+      <p:ext uri="{BB962C8B-B14F-4D97-AF65-F5344CB8AC3E}">
+        <p14:creationId xmlns:p14="http://schemas.microsoft.com/office/powerpoint/2010/main" val="943094484"/>
+      </p:ext>
+    </p:extLst>
+  </p:cSld>
+  <p:clrMapOvr>
+    <a:masterClrMapping/>
+  </p:clrMapOvr>
+</p:notes>
+</file>
+
+<file path=ppt/notesSlides/notesSlide18.xml><?xml version="1.0" encoding="utf-8"?>
+<p:notes xmlns:a="http://schemas.openxmlformats.org/drawingml/2006/main" xmlns:r="http://schemas.openxmlformats.org/officeDocument/2006/relationships" xmlns:p="http://schemas.openxmlformats.org/presentationml/2006/main" showMasterSp="0" showMasterPhAnim="0">
+  <p:cSld>
+    <p:spTree>
+      <p:nvGrpSpPr>
+        <p:cNvPr id="1" name="Shape 107"/>
+        <p:cNvGrpSpPr/>
+        <p:nvPr/>
+      </p:nvGrpSpPr>
+      <p:grpSpPr>
+        <a:xfrm>
+          <a:off x="0" y="0"/>
+          <a:ext cx="0" cy="0"/>
+          <a:chOff x="0" y="0"/>
+          <a:chExt cx="0" cy="0"/>
+        </a:xfrm>
+      </p:grpSpPr>
+      <p:sp>
+        <p:nvSpPr>
+          <p:cNvPr id="108" name="Google Shape;108;g218b606cc07_1_8:notes"/>
+          <p:cNvSpPr>
+            <a:spLocks noGrp="1" noRot="1" noChangeAspect="1"/>
+          </p:cNvSpPr>
+          <p:nvPr>
+            <p:ph type="sldImg" idx="2"/>
+          </p:nvPr>
+        </p:nvSpPr>
+        <p:spPr>
+          <a:xfrm>
+            <a:off x="381000" y="685800"/>
+            <a:ext cx="6096000" cy="3429000"/>
+          </a:xfrm>
+          <a:custGeom>
+            <a:avLst/>
+            <a:gdLst/>
+            <a:ahLst/>
+            <a:cxnLst/>
+            <a:rect l="l" t="t" r="r" b="b"/>
+            <a:pathLst>
+              <a:path w="120000" h="120000" extrusionOk="0">
+                <a:moveTo>
+                  <a:pt x="0" y="0"/>
+                </a:moveTo>
+                <a:lnTo>
+                  <a:pt x="120000" y="0"/>
+                </a:lnTo>
+                <a:lnTo>
+                  <a:pt x="120000" y="120000"/>
+                </a:lnTo>
+                <a:lnTo>
+                  <a:pt x="0" y="120000"/>
+                </a:lnTo>
+                <a:close/>
+              </a:path>
+            </a:pathLst>
+          </a:custGeom>
+        </p:spPr>
+      </p:sp>
+      <p:sp>
+        <p:nvSpPr>
+          <p:cNvPr id="109" name="Google Shape;109;g218b606cc07_1_8:notes"/>
+          <p:cNvSpPr txBox="1">
+            <a:spLocks noGrp="1"/>
+          </p:cNvSpPr>
+          <p:nvPr>
+            <p:ph type="body" idx="1"/>
+          </p:nvPr>
+        </p:nvSpPr>
+        <p:spPr>
+          <a:xfrm>
+            <a:off x="685800" y="4343400"/>
+            <a:ext cx="5486400" cy="4114800"/>
+          </a:xfrm>
+          <a:prstGeom prst="rect">
+            <a:avLst/>
+          </a:prstGeom>
+        </p:spPr>
+        <p:txBody>
+          <a:bodyPr spcFirstLastPara="1" wrap="square" lIns="91425" tIns="91425" rIns="91425" bIns="91425" anchor="t" anchorCtr="0">
+            <a:noAutofit/>
+          </a:bodyPr>
+          <a:lstStyle/>
+          <a:p>
+            <a:pPr marL="0" lvl="0" indent="0" algn="l" rtl="0">
+              <a:spcBef>
+                <a:spcPts val="0"/>
+              </a:spcBef>
+              <a:spcAft>
+                <a:spcPts val="0"/>
+              </a:spcAft>
+              <a:buNone/>
+            </a:pPr>
+            <a:endParaRPr/>
+          </a:p>
+        </p:txBody>
+      </p:sp>
+    </p:spTree>
+    <p:extLst>
+      <p:ext uri="{BB962C8B-B14F-4D97-AF65-F5344CB8AC3E}">
+        <p14:creationId xmlns:p14="http://schemas.microsoft.com/office/powerpoint/2010/main" val="531359876"/>
+      </p:ext>
+    </p:extLst>
+  </p:cSld>
+  <p:clrMapOvr>
+    <a:masterClrMapping/>
+  </p:clrMapOvr>
+</p:notes>
+</file>
+
+<file path=ppt/notesSlides/notesSlide19.xml><?xml version="1.0" encoding="utf-8"?>
 <p:notes xmlns:a="http://schemas.openxmlformats.org/drawingml/2006/main" xmlns:r="http://schemas.openxmlformats.org/officeDocument/2006/relationships" xmlns:p="http://schemas.openxmlformats.org/presentationml/2006/main" showMasterSp="0" showMasterPhAnim="0">
   <p:cSld>
     <p:spTree>
@@ -1530,110 +1860,6 @@
       <p:sp>
         <p:nvSpPr>
           <p:cNvPr id="119" name="Google Shape;119;g2c2bf8da8be_0_12:notes"/>
-          <p:cNvSpPr txBox="1">
-            <a:spLocks noGrp="1"/>
-          </p:cNvSpPr>
-          <p:nvPr>
-            <p:ph type="body" idx="1"/>
-          </p:nvPr>
-        </p:nvSpPr>
-        <p:spPr>
-          <a:xfrm>
-            <a:off x="685800" y="4343400"/>
-            <a:ext cx="5486400" cy="4114800"/>
-          </a:xfrm>
-          <a:prstGeom prst="rect">
-            <a:avLst/>
-          </a:prstGeom>
-        </p:spPr>
-        <p:txBody>
-          <a:bodyPr spcFirstLastPara="1" wrap="square" lIns="91425" tIns="91425" rIns="91425" bIns="91425" anchor="t" anchorCtr="0">
-            <a:noAutofit/>
-          </a:bodyPr>
-          <a:lstStyle/>
-          <a:p>
-            <a:pPr marL="0" lvl="0" indent="0" algn="l" rtl="0">
-              <a:spcBef>
-                <a:spcPts val="0"/>
-              </a:spcBef>
-              <a:spcAft>
-                <a:spcPts val="0"/>
-              </a:spcAft>
-              <a:buNone/>
-            </a:pPr>
-            <a:endParaRPr/>
-          </a:p>
-        </p:txBody>
-      </p:sp>
-    </p:spTree>
-  </p:cSld>
-  <p:clrMapOvr>
-    <a:masterClrMapping/>
-  </p:clrMapOvr>
-</p:notes>
-</file>
-
-<file path=ppt/notesSlides/notesSlide17.xml><?xml version="1.0" encoding="utf-8"?>
-<p:notes xmlns:a="http://schemas.openxmlformats.org/drawingml/2006/main" xmlns:r="http://schemas.openxmlformats.org/officeDocument/2006/relationships" xmlns:p="http://schemas.openxmlformats.org/presentationml/2006/main" showMasterSp="0" showMasterPhAnim="0">
-  <p:cSld>
-    <p:spTree>
-      <p:nvGrpSpPr>
-        <p:cNvPr id="1" name="Shape 127"/>
-        <p:cNvGrpSpPr/>
-        <p:nvPr/>
-      </p:nvGrpSpPr>
-      <p:grpSpPr>
-        <a:xfrm>
-          <a:off x="0" y="0"/>
-          <a:ext cx="0" cy="0"/>
-          <a:chOff x="0" y="0"/>
-          <a:chExt cx="0" cy="0"/>
-        </a:xfrm>
-      </p:grpSpPr>
-      <p:sp>
-        <p:nvSpPr>
-          <p:cNvPr id="128" name="Google Shape;128;g2c2bf8da8be_0_110:notes"/>
-          <p:cNvSpPr>
-            <a:spLocks noGrp="1" noRot="1" noChangeAspect="1"/>
-          </p:cNvSpPr>
-          <p:nvPr>
-            <p:ph type="sldImg" idx="2"/>
-          </p:nvPr>
-        </p:nvSpPr>
-        <p:spPr>
-          <a:xfrm>
-            <a:off x="381300" y="685800"/>
-            <a:ext cx="6096000" cy="3429000"/>
-          </a:xfrm>
-          <a:custGeom>
-            <a:avLst/>
-            <a:gdLst/>
-            <a:ahLst/>
-            <a:cxnLst/>
-            <a:rect l="l" t="t" r="r" b="b"/>
-            <a:pathLst>
-              <a:path w="120000" h="120000" extrusionOk="0">
-                <a:moveTo>
-                  <a:pt x="0" y="0"/>
-                </a:moveTo>
-                <a:lnTo>
-                  <a:pt x="120000" y="0"/>
-                </a:lnTo>
-                <a:lnTo>
-                  <a:pt x="120000" y="120000"/>
-                </a:lnTo>
-                <a:lnTo>
-                  <a:pt x="0" y="120000"/>
-                </a:lnTo>
-                <a:close/>
-              </a:path>
-            </a:pathLst>
-          </a:custGeom>
-        </p:spPr>
-      </p:sp>
-      <p:sp>
-        <p:nvSpPr>
-          <p:cNvPr id="129" name="Google Shape;129;g2c2bf8da8be_0_110:notes"/>
           <p:cNvSpPr txBox="1">
             <a:spLocks noGrp="1"/>
           </p:cNvSpPr>
@@ -1738,6 +1964,110 @@
       <p:sp>
         <p:nvSpPr>
           <p:cNvPr id="59" name="Google Shape;59;g12601cdab40_0_5:notes"/>
+          <p:cNvSpPr txBox="1">
+            <a:spLocks noGrp="1"/>
+          </p:cNvSpPr>
+          <p:nvPr>
+            <p:ph type="body" idx="1"/>
+          </p:nvPr>
+        </p:nvSpPr>
+        <p:spPr>
+          <a:xfrm>
+            <a:off x="685800" y="4343400"/>
+            <a:ext cx="5486400" cy="4114800"/>
+          </a:xfrm>
+          <a:prstGeom prst="rect">
+            <a:avLst/>
+          </a:prstGeom>
+        </p:spPr>
+        <p:txBody>
+          <a:bodyPr spcFirstLastPara="1" wrap="square" lIns="91425" tIns="91425" rIns="91425" bIns="91425" anchor="t" anchorCtr="0">
+            <a:noAutofit/>
+          </a:bodyPr>
+          <a:lstStyle/>
+          <a:p>
+            <a:pPr marL="0" lvl="0" indent="0" algn="l" rtl="0">
+              <a:spcBef>
+                <a:spcPts val="0"/>
+              </a:spcBef>
+              <a:spcAft>
+                <a:spcPts val="0"/>
+              </a:spcAft>
+              <a:buNone/>
+            </a:pPr>
+            <a:endParaRPr/>
+          </a:p>
+        </p:txBody>
+      </p:sp>
+    </p:spTree>
+  </p:cSld>
+  <p:clrMapOvr>
+    <a:masterClrMapping/>
+  </p:clrMapOvr>
+</p:notes>
+</file>
+
+<file path=ppt/notesSlides/notesSlide20.xml><?xml version="1.0" encoding="utf-8"?>
+<p:notes xmlns:a="http://schemas.openxmlformats.org/drawingml/2006/main" xmlns:r="http://schemas.openxmlformats.org/officeDocument/2006/relationships" xmlns:p="http://schemas.openxmlformats.org/presentationml/2006/main" showMasterSp="0" showMasterPhAnim="0">
+  <p:cSld>
+    <p:spTree>
+      <p:nvGrpSpPr>
+        <p:cNvPr id="1" name="Shape 127"/>
+        <p:cNvGrpSpPr/>
+        <p:nvPr/>
+      </p:nvGrpSpPr>
+      <p:grpSpPr>
+        <a:xfrm>
+          <a:off x="0" y="0"/>
+          <a:ext cx="0" cy="0"/>
+          <a:chOff x="0" y="0"/>
+          <a:chExt cx="0" cy="0"/>
+        </a:xfrm>
+      </p:grpSpPr>
+      <p:sp>
+        <p:nvSpPr>
+          <p:cNvPr id="128" name="Google Shape;128;g2c2bf8da8be_0_110:notes"/>
+          <p:cNvSpPr>
+            <a:spLocks noGrp="1" noRot="1" noChangeAspect="1"/>
+          </p:cNvSpPr>
+          <p:nvPr>
+            <p:ph type="sldImg" idx="2"/>
+          </p:nvPr>
+        </p:nvSpPr>
+        <p:spPr>
+          <a:xfrm>
+            <a:off x="381300" y="685800"/>
+            <a:ext cx="6096000" cy="3429000"/>
+          </a:xfrm>
+          <a:custGeom>
+            <a:avLst/>
+            <a:gdLst/>
+            <a:ahLst/>
+            <a:cxnLst/>
+            <a:rect l="l" t="t" r="r" b="b"/>
+            <a:pathLst>
+              <a:path w="120000" h="120000" extrusionOk="0">
+                <a:moveTo>
+                  <a:pt x="0" y="0"/>
+                </a:moveTo>
+                <a:lnTo>
+                  <a:pt x="120000" y="0"/>
+                </a:lnTo>
+                <a:lnTo>
+                  <a:pt x="120000" y="120000"/>
+                </a:lnTo>
+                <a:lnTo>
+                  <a:pt x="0" y="120000"/>
+                </a:lnTo>
+                <a:close/>
+              </a:path>
+            </a:pathLst>
+          </a:custGeom>
+        </p:spPr>
+      </p:sp>
+      <p:sp>
+        <p:nvSpPr>
+          <p:cNvPr id="129" name="Google Shape;129;g2c2bf8da8be_0_110:notes"/>
           <p:cNvSpPr txBox="1">
             <a:spLocks noGrp="1"/>
           </p:cNvSpPr>
@@ -7686,7 +8016,7 @@
           </a:bodyPr>
           <a:lstStyle/>
           <a:p>
-            <a:pPr marL="457200" lvl="0" indent="-323850" algn="l" rtl="0">
+            <a:pPr marL="457200" lvl="0" indent="-323850" algn="just" rtl="0">
               <a:lnSpc>
                 <a:spcPct val="150000"/>
               </a:lnSpc>
@@ -7716,52 +8046,23 @@
                 <a:cs typeface="Montserrat"/>
                 <a:sym typeface="Montserrat"/>
               </a:rPr>
-              <a:t>Le Kanban permet de suivre les tâches en temps réel, de gérer les priorités et de favoriser la collaboration entre les membres de l’équipe. Il permet ainsi d’assurer un meilleur partage de l’information, une réduction des délais, une flexibilité (agilité) accrue au sein de l’équipe et enfin il contribue à l’amélioration continue.</a:t>
+              <a:t>Le </a:t>
             </a:r>
-          </a:p>
-          <a:p>
-            <a:pPr marL="457200" lvl="0" indent="-323850" algn="l" rtl="0">
-              <a:lnSpc>
-                <a:spcPct val="150000"/>
-              </a:lnSpc>
-              <a:spcBef>
-                <a:spcPts val="0"/>
-              </a:spcBef>
-              <a:spcAft>
-                <a:spcPts val="0"/>
-              </a:spcAft>
-              <a:buClr>
-                <a:srgbClr val="0D0D0D"/>
-              </a:buClr>
-              <a:buSzPts val="1500"/>
-              <a:buFont typeface="Montserrat"/>
-              <a:buChar char="●"/>
-            </a:pPr>
-            <a:endParaRPr lang="fr-FR" sz="1500" i="1" dirty="0">
-              <a:solidFill>
-                <a:srgbClr val="0D0D0D"/>
-              </a:solidFill>
-              <a:highlight>
-                <a:srgbClr val="FFFFFF"/>
-              </a:highlight>
-              <a:latin typeface="Montserrat"/>
-              <a:ea typeface="Montserrat"/>
-              <a:cs typeface="Montserrat"/>
-              <a:sym typeface="Montserrat"/>
-            </a:endParaRPr>
-          </a:p>
-          <a:p>
-            <a:pPr marL="457200" indent="-323850">
-              <a:lnSpc>
-                <a:spcPct val="150000"/>
-              </a:lnSpc>
-              <a:buClr>
-                <a:srgbClr val="0D0D0D"/>
-              </a:buClr>
-              <a:buSzPts val="1500"/>
-              <a:buFont typeface="Montserrat"/>
-              <a:buChar char="●"/>
-            </a:pPr>
+            <a:r>
+              <a:rPr lang="fr-FR" sz="1500" b="1" i="1" dirty="0">
+                <a:solidFill>
+                  <a:srgbClr val="0D0D0D"/>
+                </a:solidFill>
+                <a:highlight>
+                  <a:srgbClr val="FFFFFF"/>
+                </a:highlight>
+                <a:latin typeface="Montserrat"/>
+                <a:ea typeface="Montserrat"/>
+                <a:cs typeface="Montserrat"/>
+                <a:sym typeface="Montserrat"/>
+              </a:rPr>
+              <a:t>Kanban</a:t>
+            </a:r>
             <a:r>
               <a:rPr lang="fr-FR" sz="1500" i="1" dirty="0">
                 <a:solidFill>
@@ -7775,14 +8076,20 @@
                 <a:cs typeface="Montserrat"/>
                 <a:sym typeface="Montserrat"/>
               </a:rPr>
-              <a:t>Un récit utilisateur, ou « user story » en anglais, est une description simple d’un besoin ou d’une attente exprimée par un utilisateur et utilisée dans le domaine du développement de logiciels et de la conception de nouveaux produits pour déterminer les fonctionnalités à développer. </a:t>
+              <a:t> permet de suivre les tâches en temps réel, de gérer les priorités et de favoriser la collaboration entre les membres de l’équipe. Il permet ainsi d’assurer un meilleur partage de l’information, une réduction des délais, une flexibilité (agilité) accrue au sein de l’équipe et enfin il contribue à l’amélioration continue.</a:t>
             </a:r>
           </a:p>
           <a:p>
-            <a:pPr marL="457200" indent="-323850">
+            <a:pPr marL="457200" lvl="0" indent="-323850" algn="just" rtl="0">
               <a:lnSpc>
                 <a:spcPct val="150000"/>
               </a:lnSpc>
+              <a:spcBef>
+                <a:spcPts val="0"/>
+              </a:spcBef>
+              <a:spcAft>
+                <a:spcPts val="0"/>
+              </a:spcAft>
               <a:buClr>
                 <a:srgbClr val="0D0D0D"/>
               </a:buClr>
@@ -7804,7 +8111,150 @@
             </a:endParaRPr>
           </a:p>
           <a:p>
-            <a:pPr marL="457200" indent="-323850">
+            <a:pPr marL="457200" indent="-323850" algn="just">
+              <a:lnSpc>
+                <a:spcPct val="150000"/>
+              </a:lnSpc>
+              <a:buClr>
+                <a:srgbClr val="0D0D0D"/>
+              </a:buClr>
+              <a:buSzPts val="1500"/>
+              <a:buFont typeface="Montserrat"/>
+              <a:buChar char="●"/>
+            </a:pPr>
+            <a:r>
+              <a:rPr lang="fr-FR" sz="1500" i="1" dirty="0">
+                <a:solidFill>
+                  <a:srgbClr val="0D0D0D"/>
+                </a:solidFill>
+                <a:highlight>
+                  <a:srgbClr val="FFFFFF"/>
+                </a:highlight>
+                <a:latin typeface="Montserrat"/>
+                <a:ea typeface="Montserrat"/>
+                <a:cs typeface="Montserrat"/>
+                <a:sym typeface="Montserrat"/>
+              </a:rPr>
+              <a:t>Un </a:t>
+            </a:r>
+            <a:r>
+              <a:rPr lang="fr-FR" sz="1500" b="1" i="1" dirty="0">
+                <a:solidFill>
+                  <a:srgbClr val="0D0D0D"/>
+                </a:solidFill>
+                <a:highlight>
+                  <a:srgbClr val="FFFFFF"/>
+                </a:highlight>
+                <a:latin typeface="Montserrat"/>
+                <a:ea typeface="Montserrat"/>
+                <a:cs typeface="Montserrat"/>
+                <a:sym typeface="Montserrat"/>
+              </a:rPr>
+              <a:t>récit utilisateur</a:t>
+            </a:r>
+            <a:r>
+              <a:rPr lang="fr-FR" sz="1500" i="1" dirty="0">
+                <a:solidFill>
+                  <a:srgbClr val="0D0D0D"/>
+                </a:solidFill>
+                <a:highlight>
+                  <a:srgbClr val="FFFFFF"/>
+                </a:highlight>
+                <a:latin typeface="Montserrat"/>
+                <a:ea typeface="Montserrat"/>
+                <a:cs typeface="Montserrat"/>
+                <a:sym typeface="Montserrat"/>
+              </a:rPr>
+              <a:t>, ou « </a:t>
+            </a:r>
+            <a:r>
+              <a:rPr lang="fr-FR" sz="1500" b="1" i="1" dirty="0">
+                <a:solidFill>
+                  <a:srgbClr val="0D0D0D"/>
+                </a:solidFill>
+                <a:highlight>
+                  <a:srgbClr val="FFFFFF"/>
+                </a:highlight>
+                <a:latin typeface="Montserrat"/>
+                <a:ea typeface="Montserrat"/>
+                <a:cs typeface="Montserrat"/>
+                <a:sym typeface="Montserrat"/>
+              </a:rPr>
+              <a:t>user story </a:t>
+            </a:r>
+            <a:r>
+              <a:rPr lang="fr-FR" sz="1500" i="1" dirty="0">
+                <a:solidFill>
+                  <a:srgbClr val="0D0D0D"/>
+                </a:solidFill>
+                <a:highlight>
+                  <a:srgbClr val="FFFFFF"/>
+                </a:highlight>
+                <a:latin typeface="Montserrat"/>
+                <a:ea typeface="Montserrat"/>
+                <a:cs typeface="Montserrat"/>
+                <a:sym typeface="Montserrat"/>
+              </a:rPr>
+              <a:t>»</a:t>
+            </a:r>
+            <a:r>
+              <a:rPr lang="fr-FR" sz="1500" b="1" i="1" dirty="0">
+                <a:solidFill>
+                  <a:srgbClr val="0D0D0D"/>
+                </a:solidFill>
+                <a:highlight>
+                  <a:srgbClr val="FFFFFF"/>
+                </a:highlight>
+                <a:latin typeface="Montserrat"/>
+                <a:ea typeface="Montserrat"/>
+                <a:cs typeface="Montserrat"/>
+                <a:sym typeface="Montserrat"/>
+              </a:rPr>
+              <a:t> </a:t>
+            </a:r>
+            <a:r>
+              <a:rPr lang="fr-FR" sz="1500" i="1" dirty="0">
+                <a:solidFill>
+                  <a:srgbClr val="0D0D0D"/>
+                </a:solidFill>
+                <a:highlight>
+                  <a:srgbClr val="FFFFFF"/>
+                </a:highlight>
+                <a:latin typeface="Montserrat"/>
+                <a:ea typeface="Montserrat"/>
+                <a:cs typeface="Montserrat"/>
+                <a:sym typeface="Montserrat"/>
+              </a:rPr>
+              <a:t>en anglais, est une description simple d’un besoin ou d’une attente exprimée par un utilisateur et utilisée dans le domaine du développement de logiciels et de la conception de nouveaux produits pour déterminer les fonctionnalités à développer. </a:t>
+            </a:r>
+          </a:p>
+          <a:p>
+            <a:pPr marL="457200" indent="-323850" algn="just">
+              <a:lnSpc>
+                <a:spcPct val="150000"/>
+              </a:lnSpc>
+              <a:buClr>
+                <a:srgbClr val="0D0D0D"/>
+              </a:buClr>
+              <a:buSzPts val="1500"/>
+              <a:buFont typeface="Montserrat"/>
+              <a:buChar char="●"/>
+            </a:pPr>
+            <a:endParaRPr lang="fr-FR" sz="1500" i="1" dirty="0">
+              <a:solidFill>
+                <a:srgbClr val="0D0D0D"/>
+              </a:solidFill>
+              <a:highlight>
+                <a:srgbClr val="FFFFFF"/>
+              </a:highlight>
+              <a:latin typeface="Montserrat"/>
+              <a:ea typeface="Montserrat"/>
+              <a:cs typeface="Montserrat"/>
+              <a:sym typeface="Montserrat"/>
+            </a:endParaRPr>
+          </a:p>
+          <a:p>
+            <a:pPr marL="457200" indent="-323850" algn="just">
               <a:lnSpc>
                 <a:spcPct val="150000"/>
               </a:lnSpc>
@@ -8564,6 +9014,21 @@
               <a:buChar char="●"/>
             </a:pPr>
             <a:r>
+              <a:rPr lang="fr-FR" sz="1500" b="1" i="1" dirty="0">
+                <a:solidFill>
+                  <a:srgbClr val="0D0D0D"/>
+                </a:solidFill>
+                <a:highlight>
+                  <a:srgbClr val="FFFFFF"/>
+                </a:highlight>
+                <a:latin typeface="Montserrat"/>
+                <a:ea typeface="Montserrat"/>
+                <a:cs typeface="Montserrat"/>
+                <a:sym typeface="Montserrat"/>
+              </a:rPr>
+              <a:t>User story </a:t>
+            </a:r>
+            <a:r>
               <a:rPr lang="fr-FR" sz="1500" i="1" dirty="0">
                 <a:solidFill>
                   <a:srgbClr val="0D0D0D"/>
@@ -8576,7 +9041,7 @@
                 <a:cs typeface="Montserrat"/>
                 <a:sym typeface="Montserrat"/>
               </a:rPr>
-              <a:t>User story : page login</a:t>
+              <a:t>: page login</a:t>
             </a:r>
           </a:p>
         </p:txBody>
@@ -8649,7 +9114,7 @@
               <a:buNone/>
             </a:pPr>
             <a:r>
-              <a:rPr lang="fr" sz="1800">
+              <a:rPr lang="fr" sz="1800" dirty="0">
                 <a:latin typeface="Montserrat"/>
                 <a:ea typeface="Montserrat"/>
                 <a:cs typeface="Montserrat"/>
@@ -8657,7 +9122,7 @@
               </a:rPr>
               <a:t>Spécifications techniques</a:t>
             </a:r>
-            <a:endParaRPr sz="1800">
+            <a:endParaRPr sz="1800" dirty="0">
               <a:solidFill>
                 <a:schemeClr val="dk2"/>
               </a:solidFill>
@@ -8703,7 +9168,7 @@
               </a:spcAft>
               <a:buNone/>
             </a:pPr>
-            <a:endParaRPr>
+            <a:endParaRPr dirty="0">
               <a:latin typeface="Montserrat"/>
               <a:ea typeface="Montserrat"/>
               <a:cs typeface="Montserrat"/>
@@ -8720,7 +9185,7 @@
               </a:spcAft>
               <a:buNone/>
             </a:pPr>
-            <a:endParaRPr>
+            <a:endParaRPr dirty="0">
               <a:latin typeface="Montserrat"/>
               <a:ea typeface="Montserrat"/>
               <a:cs typeface="Montserrat"/>
@@ -8737,7 +9202,7 @@
               </a:spcAft>
               <a:buNone/>
             </a:pPr>
-            <a:endParaRPr>
+            <a:endParaRPr dirty="0">
               <a:latin typeface="Montserrat"/>
               <a:ea typeface="Montserrat"/>
               <a:cs typeface="Montserrat"/>
@@ -8854,7 +9319,22 @@
                 <a:cs typeface="Montserrat"/>
                 <a:sym typeface="Montserrat"/>
               </a:rPr>
-              <a:t>Frontend : ReactJS</a:t>
+              <a:t>Frontend : </a:t>
+            </a:r>
+            <a:r>
+              <a:rPr lang="fr-FR" sz="1500" b="1" i="1" dirty="0">
+                <a:solidFill>
+                  <a:srgbClr val="0D0D0D"/>
+                </a:solidFill>
+                <a:highlight>
+                  <a:srgbClr val="FFFFFF"/>
+                </a:highlight>
+                <a:latin typeface="Montserrat"/>
+                <a:ea typeface="Montserrat"/>
+                <a:cs typeface="Montserrat"/>
+                <a:sym typeface="Montserrat"/>
+              </a:rPr>
+              <a:t>ReactJS</a:t>
             </a:r>
           </a:p>
           <a:p>
@@ -8888,7 +9368,22 @@
                 <a:cs typeface="Montserrat"/>
                 <a:sym typeface="Montserrat"/>
               </a:rPr>
-              <a:t>Backend : NodeJS</a:t>
+              <a:t>Backend : </a:t>
+            </a:r>
+            <a:r>
+              <a:rPr lang="fr-FR" sz="1500" b="1" i="1" dirty="0">
+                <a:solidFill>
+                  <a:srgbClr val="0D0D0D"/>
+                </a:solidFill>
+                <a:highlight>
+                  <a:srgbClr val="FFFFFF"/>
+                </a:highlight>
+                <a:latin typeface="Montserrat"/>
+                <a:ea typeface="Montserrat"/>
+                <a:cs typeface="Montserrat"/>
+                <a:sym typeface="Montserrat"/>
+              </a:rPr>
+              <a:t>NodeJS</a:t>
             </a:r>
           </a:p>
           <a:p>
@@ -8922,7 +9417,22 @@
                 <a:cs typeface="Montserrat"/>
                 <a:sym typeface="Montserrat"/>
               </a:rPr>
-              <a:t>Base de données : MySQL</a:t>
+              <a:t>Base de données : </a:t>
+            </a:r>
+            <a:r>
+              <a:rPr lang="fr-FR" sz="1500" b="1" i="1" dirty="0">
+                <a:solidFill>
+                  <a:srgbClr val="0D0D0D"/>
+                </a:solidFill>
+                <a:highlight>
+                  <a:srgbClr val="FFFFFF"/>
+                </a:highlight>
+                <a:latin typeface="Montserrat"/>
+                <a:ea typeface="Montserrat"/>
+                <a:cs typeface="Montserrat"/>
+                <a:sym typeface="Montserrat"/>
+              </a:rPr>
+              <a:t>MySQL</a:t>
             </a:r>
           </a:p>
           <a:p>
@@ -8956,7 +9466,22 @@
                 <a:cs typeface="Montserrat"/>
                 <a:sym typeface="Montserrat"/>
               </a:rPr>
-              <a:t>Composants réutilisables : Material UI</a:t>
+              <a:t>Composants réutilisables : </a:t>
+            </a:r>
+            <a:r>
+              <a:rPr lang="fr-FR" sz="1500" b="1" i="1" dirty="0">
+                <a:solidFill>
+                  <a:srgbClr val="0D0D0D"/>
+                </a:solidFill>
+                <a:highlight>
+                  <a:srgbClr val="FFFFFF"/>
+                </a:highlight>
+                <a:latin typeface="Montserrat"/>
+                <a:ea typeface="Montserrat"/>
+                <a:cs typeface="Montserrat"/>
+                <a:sym typeface="Montserrat"/>
+              </a:rPr>
+              <a:t>Material UI</a:t>
             </a:r>
           </a:p>
           <a:p>
@@ -8990,8 +9515,50 @@
                 <a:cs typeface="Montserrat"/>
                 <a:sym typeface="Montserrat"/>
               </a:rPr>
-              <a:t>Authentification : Nodemailer, localStorage, Passport.js</a:t>
+              <a:t>Authentification : </a:t>
             </a:r>
+            <a:r>
+              <a:rPr lang="fr-FR" sz="1500" b="1" i="1" dirty="0">
+                <a:solidFill>
+                  <a:srgbClr val="0D0D0D"/>
+                </a:solidFill>
+                <a:highlight>
+                  <a:srgbClr val="FFFFFF"/>
+                </a:highlight>
+                <a:latin typeface="Montserrat"/>
+                <a:ea typeface="Montserrat"/>
+                <a:cs typeface="Montserrat"/>
+                <a:sym typeface="Montserrat"/>
+              </a:rPr>
+              <a:t>Nodemailer, localStorage, </a:t>
+            </a:r>
+            <a:r>
+              <a:rPr lang="fr-FR" sz="1500" b="1" i="1" dirty="0" err="1">
+                <a:solidFill>
+                  <a:srgbClr val="0D0D0D"/>
+                </a:solidFill>
+                <a:highlight>
+                  <a:srgbClr val="FFFFFF"/>
+                </a:highlight>
+                <a:latin typeface="Montserrat"/>
+                <a:ea typeface="Montserrat"/>
+                <a:cs typeface="Montserrat"/>
+                <a:sym typeface="Montserrat"/>
+              </a:rPr>
+              <a:t>PassportJS</a:t>
+            </a:r>
+            <a:endParaRPr lang="fr-FR" sz="1500" b="1" i="1" dirty="0">
+              <a:solidFill>
+                <a:srgbClr val="0D0D0D"/>
+              </a:solidFill>
+              <a:highlight>
+                <a:srgbClr val="FFFFFF"/>
+              </a:highlight>
+              <a:latin typeface="Montserrat"/>
+              <a:ea typeface="Montserrat"/>
+              <a:cs typeface="Montserrat"/>
+              <a:sym typeface="Montserrat"/>
+            </a:endParaRPr>
           </a:p>
           <a:p>
             <a:pPr marL="457200" indent="-323850">
@@ -9018,7 +9585,22 @@
                 <a:cs typeface="Montserrat"/>
                 <a:sym typeface="Montserrat"/>
               </a:rPr>
-              <a:t>Gestion d’état (personnalisation de menu) : Redux</a:t>
+              <a:t>Gestion d’état (personnalisation de menu) : </a:t>
+            </a:r>
+            <a:r>
+              <a:rPr lang="fr-FR" sz="1500" b="1" i="1" dirty="0">
+                <a:solidFill>
+                  <a:srgbClr val="0D0D0D"/>
+                </a:solidFill>
+                <a:highlight>
+                  <a:srgbClr val="FFFFFF"/>
+                </a:highlight>
+                <a:latin typeface="Montserrat"/>
+                <a:ea typeface="Montserrat"/>
+                <a:cs typeface="Montserrat"/>
+                <a:sym typeface="Montserrat"/>
+              </a:rPr>
+              <a:t>Redux</a:t>
             </a:r>
           </a:p>
           <a:p>
@@ -9046,7 +9628,22 @@
                 <a:cs typeface="Montserrat"/>
                 <a:sym typeface="Montserrat"/>
               </a:rPr>
-              <a:t>Formulaires : React Hook Form</a:t>
+              <a:t>Formulaires : </a:t>
+            </a:r>
+            <a:r>
+              <a:rPr lang="fr-FR" sz="1500" b="1" i="1" dirty="0">
+                <a:solidFill>
+                  <a:srgbClr val="0D0D0D"/>
+                </a:solidFill>
+                <a:highlight>
+                  <a:srgbClr val="FFFFFF"/>
+                </a:highlight>
+                <a:latin typeface="Montserrat"/>
+                <a:ea typeface="Montserrat"/>
+                <a:cs typeface="Montserrat"/>
+                <a:sym typeface="Montserrat"/>
+              </a:rPr>
+              <a:t>React Hook Form</a:t>
             </a:r>
           </a:p>
           <a:p>
@@ -9074,10 +9671,10 @@
                 <a:cs typeface="Montserrat"/>
                 <a:sym typeface="Montserrat"/>
               </a:rPr>
-              <a:t>Impression : React-to-</a:t>
+              <a:t>Impression : </a:t>
             </a:r>
             <a:r>
-              <a:rPr lang="fr-FR" sz="1500" i="1" dirty="0" err="1">
+              <a:rPr lang="fr-FR" sz="1500" b="1" i="1" dirty="0">
                 <a:solidFill>
                   <a:srgbClr val="0D0D0D"/>
                 </a:solidFill>
@@ -9089,9 +9686,24 @@
                 <a:cs typeface="Montserrat"/>
                 <a:sym typeface="Montserrat"/>
               </a:rPr>
-              <a:t>print</a:t>
+              <a:t>React-to-</a:t>
             </a:r>
-            <a:endParaRPr lang="fr-FR" sz="1500" i="1" dirty="0">
+            <a:r>
+              <a:rPr lang="fr-FR" sz="1500" b="1" i="1" dirty="0" err="1">
+                <a:solidFill>
+                  <a:srgbClr val="0D0D0D"/>
+                </a:solidFill>
+                <a:highlight>
+                  <a:srgbClr val="FFFFFF"/>
+                </a:highlight>
+                <a:latin typeface="Montserrat"/>
+                <a:ea typeface="Montserrat"/>
+                <a:cs typeface="Montserrat"/>
+                <a:sym typeface="Montserrat"/>
+              </a:rPr>
+              <a:t>Print</a:t>
+            </a:r>
+            <a:endParaRPr lang="fr-FR" sz="1500" b="1" i="1" dirty="0">
               <a:solidFill>
                 <a:srgbClr val="0D0D0D"/>
               </a:solidFill>
@@ -9129,7 +9741,22 @@
                 <a:cs typeface="Montserrat"/>
                 <a:sym typeface="Montserrat"/>
               </a:rPr>
-              <a:t>Exportation PDF : React-PDF</a:t>
+              <a:t>Exportation PDF : </a:t>
+            </a:r>
+            <a:r>
+              <a:rPr lang="fr-FR" sz="1500" b="1" i="1" dirty="0">
+                <a:solidFill>
+                  <a:srgbClr val="0D0D0D"/>
+                </a:solidFill>
+                <a:highlight>
+                  <a:srgbClr val="FFFFFF"/>
+                </a:highlight>
+                <a:latin typeface="Montserrat"/>
+                <a:ea typeface="Montserrat"/>
+                <a:cs typeface="Montserrat"/>
+                <a:sym typeface="Montserrat"/>
+              </a:rPr>
+              <a:t>React-PDF</a:t>
             </a:r>
           </a:p>
           <a:p>
@@ -9163,9 +9790,24 @@
                 <a:cs typeface="Montserrat"/>
                 <a:sym typeface="Montserrat"/>
               </a:rPr>
-              <a:t>Exportation Deliveroo : API Deliveroo</a:t>
+              <a:t>Exportation Deliveroo : </a:t>
             </a:r>
-            <a:endParaRPr sz="1200" i="1" dirty="0">
+            <a:r>
+              <a:rPr lang="fr-FR" sz="1500" b="1" i="1" dirty="0">
+                <a:solidFill>
+                  <a:srgbClr val="0D0D0D"/>
+                </a:solidFill>
+                <a:highlight>
+                  <a:srgbClr val="FFFFFF"/>
+                </a:highlight>
+                <a:latin typeface="Montserrat"/>
+                <a:ea typeface="Montserrat"/>
+                <a:cs typeface="Montserrat"/>
+                <a:sym typeface="Montserrat"/>
+              </a:rPr>
+              <a:t>API Deliveroo</a:t>
+            </a:r>
+            <a:endParaRPr sz="1200" b="1" i="1" dirty="0">
               <a:solidFill>
                 <a:schemeClr val="dk1"/>
               </a:solidFill>
@@ -9261,6 +9903,95 @@
           <a:ln>
             <a:noFill/>
           </a:ln>
+        </p:spPr>
+      </p:pic>
+      <p:pic>
+        <p:nvPicPr>
+          <p:cNvPr id="3" name="Image 2" descr="Une image contenant Graphique, Police, conception&#10;&#10;Description générée automatiquement">
+            <a:extLst>
+              <a:ext uri="{FF2B5EF4-FFF2-40B4-BE49-F238E27FC236}">
+                <a16:creationId xmlns:a16="http://schemas.microsoft.com/office/drawing/2014/main" id="{FAA9ABEE-A4D3-2D98-5DF3-57DB30FFC421}"/>
+              </a:ext>
+            </a:extLst>
+          </p:cNvPr>
+          <p:cNvPicPr>
+            <a:picLocks noChangeAspect="1"/>
+          </p:cNvPicPr>
+          <p:nvPr/>
+        </p:nvPicPr>
+        <p:blipFill rotWithShape="1">
+          <a:blip r:embed="rId4"/>
+          <a:srcRect l="19860" t="24470" r="26711" b="16080"/>
+          <a:stretch/>
+        </p:blipFill>
+        <p:spPr>
+          <a:xfrm>
+            <a:off x="6770542" y="904989"/>
+            <a:ext cx="1699033" cy="708926"/>
+          </a:xfrm>
+          <a:prstGeom prst="rect">
+            <a:avLst/>
+          </a:prstGeom>
+        </p:spPr>
+      </p:pic>
+      <p:pic>
+        <p:nvPicPr>
+          <p:cNvPr id="5" name="Image 4" descr="Une image contenant capture d’écran, Graphique, conception&#10;&#10;Description générée automatiquement">
+            <a:extLst>
+              <a:ext uri="{FF2B5EF4-FFF2-40B4-BE49-F238E27FC236}">
+                <a16:creationId xmlns:a16="http://schemas.microsoft.com/office/drawing/2014/main" id="{33CB445E-8D90-B235-ABBB-B547C9A010F7}"/>
+              </a:ext>
+            </a:extLst>
+          </p:cNvPr>
+          <p:cNvPicPr>
+            <a:picLocks noChangeAspect="1"/>
+          </p:cNvPicPr>
+          <p:nvPr/>
+        </p:nvPicPr>
+        <p:blipFill>
+          <a:blip r:embed="rId5"/>
+          <a:stretch>
+            <a:fillRect/>
+          </a:stretch>
+        </p:blipFill>
+        <p:spPr>
+          <a:xfrm>
+            <a:off x="7084378" y="2098771"/>
+            <a:ext cx="1360039" cy="832159"/>
+          </a:xfrm>
+          <a:prstGeom prst="rect">
+            <a:avLst/>
+          </a:prstGeom>
+        </p:spPr>
+      </p:pic>
+      <p:pic>
+        <p:nvPicPr>
+          <p:cNvPr id="7" name="Image 6" descr="Une image contenant Graphique, Police, graphisme, logo&#10;&#10;Description générée automatiquement">
+            <a:extLst>
+              <a:ext uri="{FF2B5EF4-FFF2-40B4-BE49-F238E27FC236}">
+                <a16:creationId xmlns:a16="http://schemas.microsoft.com/office/drawing/2014/main" id="{3EDEACB0-A3F3-C46C-89B9-77D067D90484}"/>
+              </a:ext>
+            </a:extLst>
+          </p:cNvPr>
+          <p:cNvPicPr>
+            <a:picLocks noChangeAspect="1"/>
+          </p:cNvPicPr>
+          <p:nvPr/>
+        </p:nvPicPr>
+        <p:blipFill>
+          <a:blip r:embed="rId6"/>
+          <a:stretch>
+            <a:fillRect/>
+          </a:stretch>
+        </p:blipFill>
+        <p:spPr>
+          <a:xfrm>
+            <a:off x="6699416" y="3414384"/>
+            <a:ext cx="1745001" cy="902833"/>
+          </a:xfrm>
+          <a:prstGeom prst="rect">
+            <a:avLst/>
+          </a:prstGeom>
         </p:spPr>
       </p:pic>
     </p:spTree>
@@ -9380,7 +10111,7 @@
               </a:spcAft>
               <a:buNone/>
             </a:pPr>
-            <a:endParaRPr>
+            <a:endParaRPr dirty="0">
               <a:latin typeface="Montserrat"/>
               <a:ea typeface="Montserrat"/>
               <a:cs typeface="Montserrat"/>
@@ -9397,7 +10128,7 @@
               </a:spcAft>
               <a:buNone/>
             </a:pPr>
-            <a:endParaRPr>
+            <a:endParaRPr dirty="0">
               <a:latin typeface="Montserrat"/>
               <a:ea typeface="Montserrat"/>
               <a:cs typeface="Montserrat"/>
@@ -9414,7 +10145,7 @@
               </a:spcAft>
               <a:buNone/>
             </a:pPr>
-            <a:endParaRPr>
+            <a:endParaRPr dirty="0">
               <a:latin typeface="Montserrat"/>
               <a:ea typeface="Montserrat"/>
               <a:cs typeface="Montserrat"/>
@@ -9519,6 +10250,21 @@
               <a:buChar char="●"/>
             </a:pPr>
             <a:r>
+              <a:rPr lang="fr-FR" sz="1500" b="1" i="1" dirty="0">
+                <a:solidFill>
+                  <a:srgbClr val="0D0D0D"/>
+                </a:solidFill>
+                <a:highlight>
+                  <a:srgbClr val="FFFFFF"/>
+                </a:highlight>
+                <a:latin typeface="Montserrat"/>
+                <a:ea typeface="Montserrat"/>
+                <a:cs typeface="Montserrat"/>
+                <a:sym typeface="Montserrat"/>
+              </a:rPr>
+              <a:t>Nodemailer</a:t>
+            </a:r>
+            <a:r>
               <a:rPr lang="fr-FR" sz="1500" i="1" dirty="0">
                 <a:solidFill>
                   <a:srgbClr val="0D0D0D"/>
@@ -9531,7 +10277,7 @@
                 <a:cs typeface="Montserrat"/>
                 <a:sym typeface="Montserrat"/>
               </a:rPr>
-              <a:t>Nodemailer : fonctionnement</a:t>
+              <a:t> : maquettes</a:t>
             </a:r>
             <a:endParaRPr dirty="0"/>
           </a:p>
@@ -9611,6 +10357,36 @@
           </a:ln>
         </p:spPr>
       </p:pic>
+      <p:pic>
+        <p:nvPicPr>
+          <p:cNvPr id="13" name="Image 12" descr="Une image contenant texte, capture d’écran, conception, Police&#10;&#10;Description générée automatiquement">
+            <a:extLst>
+              <a:ext uri="{FF2B5EF4-FFF2-40B4-BE49-F238E27FC236}">
+                <a16:creationId xmlns:a16="http://schemas.microsoft.com/office/drawing/2014/main" id="{22B119A3-BC42-D127-76DE-76494EED563F}"/>
+              </a:ext>
+            </a:extLst>
+          </p:cNvPr>
+          <p:cNvPicPr>
+            <a:picLocks noChangeAspect="1"/>
+          </p:cNvPicPr>
+          <p:nvPr/>
+        </p:nvPicPr>
+        <p:blipFill>
+          <a:blip r:embed="rId4"/>
+          <a:stretch>
+            <a:fillRect/>
+          </a:stretch>
+        </p:blipFill>
+        <p:spPr>
+          <a:xfrm>
+            <a:off x="1875467" y="1616409"/>
+            <a:ext cx="5393065" cy="3301362"/>
+          </a:xfrm>
+          <a:prstGeom prst="rect">
+            <a:avLst/>
+          </a:prstGeom>
+        </p:spPr>
+      </p:pic>
     </p:spTree>
     <p:extLst>
       <p:ext uri="{BB962C8B-B14F-4D97-AF65-F5344CB8AC3E}">
@@ -9625,6 +10401,653 @@
 </file>
 
 <file path=ppt/slides/slide15.xml><?xml version="1.0" encoding="utf-8"?>
+<p:sld xmlns:a="http://schemas.openxmlformats.org/drawingml/2006/main" xmlns:r="http://schemas.openxmlformats.org/officeDocument/2006/relationships" xmlns:p="http://schemas.openxmlformats.org/presentationml/2006/main">
+  <p:cSld>
+    <p:spTree>
+      <p:nvGrpSpPr>
+        <p:cNvPr id="1" name="Shape 100"/>
+        <p:cNvGrpSpPr/>
+        <p:nvPr/>
+      </p:nvGrpSpPr>
+      <p:grpSpPr>
+        <a:xfrm>
+          <a:off x="0" y="0"/>
+          <a:ext cx="0" cy="0"/>
+          <a:chOff x="0" y="0"/>
+          <a:chExt cx="0" cy="0"/>
+        </a:xfrm>
+      </p:grpSpPr>
+      <p:sp>
+        <p:nvSpPr>
+          <p:cNvPr id="101" name="Google Shape;101;p19"/>
+          <p:cNvSpPr txBox="1">
+            <a:spLocks noGrp="1"/>
+          </p:cNvSpPr>
+          <p:nvPr>
+            <p:ph type="title"/>
+          </p:nvPr>
+        </p:nvSpPr>
+        <p:spPr>
+          <a:xfrm>
+            <a:off x="311700" y="445025"/>
+            <a:ext cx="8520600" cy="572700"/>
+          </a:xfrm>
+          <a:prstGeom prst="rect">
+            <a:avLst/>
+          </a:prstGeom>
+        </p:spPr>
+        <p:txBody>
+          <a:bodyPr spcFirstLastPara="1" wrap="square" lIns="91425" tIns="91425" rIns="91425" bIns="91425" anchor="t" anchorCtr="0">
+            <a:normAutofit fontScale="90000"/>
+          </a:bodyPr>
+          <a:lstStyle/>
+          <a:p>
+            <a:pPr marL="0" lvl="0" indent="0" algn="l" rtl="0">
+              <a:lnSpc>
+                <a:spcPct val="115000"/>
+              </a:lnSpc>
+              <a:spcBef>
+                <a:spcPts val="0"/>
+              </a:spcBef>
+              <a:spcAft>
+                <a:spcPts val="1200"/>
+              </a:spcAft>
+              <a:buNone/>
+            </a:pPr>
+            <a:r>
+              <a:rPr lang="fr" sz="1800">
+                <a:latin typeface="Montserrat"/>
+                <a:ea typeface="Montserrat"/>
+                <a:cs typeface="Montserrat"/>
+                <a:sym typeface="Montserrat"/>
+              </a:rPr>
+              <a:t>Spécifications techniques</a:t>
+            </a:r>
+            <a:endParaRPr sz="1800">
+              <a:solidFill>
+                <a:schemeClr val="dk2"/>
+              </a:solidFill>
+              <a:latin typeface="Montserrat"/>
+              <a:ea typeface="Montserrat"/>
+              <a:cs typeface="Montserrat"/>
+              <a:sym typeface="Montserrat"/>
+            </a:endParaRPr>
+          </a:p>
+        </p:txBody>
+      </p:sp>
+      <p:sp>
+        <p:nvSpPr>
+          <p:cNvPr id="102" name="Google Shape;102;p19"/>
+          <p:cNvSpPr txBox="1">
+            <a:spLocks noGrp="1"/>
+          </p:cNvSpPr>
+          <p:nvPr>
+            <p:ph type="body" idx="1"/>
+          </p:nvPr>
+        </p:nvSpPr>
+        <p:spPr>
+          <a:xfrm>
+            <a:off x="311700" y="1152475"/>
+            <a:ext cx="8520600" cy="3416400"/>
+          </a:xfrm>
+          <a:prstGeom prst="rect">
+            <a:avLst/>
+          </a:prstGeom>
+        </p:spPr>
+        <p:txBody>
+          <a:bodyPr spcFirstLastPara="1" wrap="square" lIns="91425" tIns="91425" rIns="91425" bIns="91425" anchor="t" anchorCtr="0">
+            <a:normAutofit/>
+          </a:bodyPr>
+          <a:lstStyle/>
+          <a:p>
+            <a:pPr marL="0" lvl="0" indent="0" algn="l" rtl="0">
+              <a:spcBef>
+                <a:spcPts val="0"/>
+              </a:spcBef>
+              <a:spcAft>
+                <a:spcPts val="0"/>
+              </a:spcAft>
+              <a:buNone/>
+            </a:pPr>
+            <a:endParaRPr dirty="0">
+              <a:latin typeface="Montserrat"/>
+              <a:ea typeface="Montserrat"/>
+              <a:cs typeface="Montserrat"/>
+              <a:sym typeface="Montserrat"/>
+            </a:endParaRPr>
+          </a:p>
+          <a:p>
+            <a:pPr marL="0" lvl="0" indent="0" algn="l" rtl="0">
+              <a:spcBef>
+                <a:spcPts val="1200"/>
+              </a:spcBef>
+              <a:spcAft>
+                <a:spcPts val="0"/>
+              </a:spcAft>
+              <a:buNone/>
+            </a:pPr>
+            <a:endParaRPr dirty="0">
+              <a:latin typeface="Montserrat"/>
+              <a:ea typeface="Montserrat"/>
+              <a:cs typeface="Montserrat"/>
+              <a:sym typeface="Montserrat"/>
+            </a:endParaRPr>
+          </a:p>
+          <a:p>
+            <a:pPr marL="457200" lvl="0" indent="0" algn="l" rtl="0">
+              <a:spcBef>
+                <a:spcPts val="1200"/>
+              </a:spcBef>
+              <a:spcAft>
+                <a:spcPts val="1200"/>
+              </a:spcAft>
+              <a:buNone/>
+            </a:pPr>
+            <a:endParaRPr dirty="0">
+              <a:latin typeface="Montserrat"/>
+              <a:ea typeface="Montserrat"/>
+              <a:cs typeface="Montserrat"/>
+              <a:sym typeface="Montserrat"/>
+            </a:endParaRPr>
+          </a:p>
+        </p:txBody>
+      </p:sp>
+      <p:sp>
+        <p:nvSpPr>
+          <p:cNvPr id="103" name="Google Shape;103;p19"/>
+          <p:cNvSpPr txBox="1"/>
+          <p:nvPr/>
+        </p:nvSpPr>
+        <p:spPr>
+          <a:xfrm>
+            <a:off x="0" y="0"/>
+            <a:ext cx="4911600" cy="338700"/>
+          </a:xfrm>
+          <a:prstGeom prst="rect">
+            <a:avLst/>
+          </a:prstGeom>
+          <a:noFill/>
+          <a:ln>
+            <a:noFill/>
+          </a:ln>
+        </p:spPr>
+        <p:txBody>
+          <a:bodyPr spcFirstLastPara="1" wrap="square" lIns="91425" tIns="91425" rIns="91425" bIns="91425" anchor="t" anchorCtr="0">
+            <a:spAutoFit/>
+          </a:bodyPr>
+          <a:lstStyle/>
+          <a:p>
+            <a:pPr marL="0" lvl="0" indent="0" algn="l" rtl="0">
+              <a:lnSpc>
+                <a:spcPct val="115000"/>
+              </a:lnSpc>
+              <a:spcBef>
+                <a:spcPts val="0"/>
+              </a:spcBef>
+              <a:spcAft>
+                <a:spcPts val="1200"/>
+              </a:spcAft>
+              <a:buNone/>
+            </a:pPr>
+            <a:r>
+              <a:rPr lang="fr" sz="1000">
+                <a:solidFill>
+                  <a:schemeClr val="dk2"/>
+                </a:solidFill>
+                <a:latin typeface="Montserrat"/>
+                <a:ea typeface="Montserrat"/>
+                <a:cs typeface="Montserrat"/>
+                <a:sym typeface="Montserrat"/>
+              </a:rPr>
+              <a:t>Présentation de l’usage du no-code</a:t>
+            </a:r>
+            <a:endParaRPr sz="1000"/>
+          </a:p>
+        </p:txBody>
+      </p:sp>
+      <p:sp>
+        <p:nvSpPr>
+          <p:cNvPr id="104" name="Google Shape;104;p19"/>
+          <p:cNvSpPr txBox="1"/>
+          <p:nvPr/>
+        </p:nvSpPr>
+        <p:spPr>
+          <a:xfrm>
+            <a:off x="434775" y="1085525"/>
+            <a:ext cx="8320500" cy="530884"/>
+          </a:xfrm>
+          <a:prstGeom prst="rect">
+            <a:avLst/>
+          </a:prstGeom>
+          <a:noFill/>
+          <a:ln>
+            <a:noFill/>
+          </a:ln>
+        </p:spPr>
+        <p:txBody>
+          <a:bodyPr spcFirstLastPara="1" wrap="square" lIns="91425" tIns="91425" rIns="91425" bIns="91425" anchor="t" anchorCtr="0">
+            <a:spAutoFit/>
+          </a:bodyPr>
+          <a:lstStyle/>
+          <a:p>
+            <a:pPr marL="457200" lvl="0" indent="-323850" algn="l" rtl="0">
+              <a:lnSpc>
+                <a:spcPct val="150000"/>
+              </a:lnSpc>
+              <a:spcBef>
+                <a:spcPts val="0"/>
+              </a:spcBef>
+              <a:spcAft>
+                <a:spcPts val="0"/>
+              </a:spcAft>
+              <a:buClr>
+                <a:srgbClr val="0D0D0D"/>
+              </a:buClr>
+              <a:buSzPts val="1500"/>
+              <a:buFont typeface="Montserrat"/>
+              <a:buChar char="●"/>
+            </a:pPr>
+            <a:r>
+              <a:rPr lang="fr-FR" sz="1500" b="1" i="1" dirty="0">
+                <a:solidFill>
+                  <a:srgbClr val="0D0D0D"/>
+                </a:solidFill>
+                <a:highlight>
+                  <a:srgbClr val="FFFFFF"/>
+                </a:highlight>
+                <a:latin typeface="Montserrat"/>
+                <a:ea typeface="Montserrat"/>
+                <a:cs typeface="Montserrat"/>
+                <a:sym typeface="Montserrat"/>
+              </a:rPr>
+              <a:t>Nodemailer</a:t>
+            </a:r>
+            <a:r>
+              <a:rPr lang="fr-FR" sz="1500" i="1" dirty="0">
+                <a:solidFill>
+                  <a:srgbClr val="0D0D0D"/>
+                </a:solidFill>
+                <a:highlight>
+                  <a:srgbClr val="FFFFFF"/>
+                </a:highlight>
+                <a:latin typeface="Montserrat"/>
+                <a:ea typeface="Montserrat"/>
+                <a:cs typeface="Montserrat"/>
+                <a:sym typeface="Montserrat"/>
+              </a:rPr>
+              <a:t> : fonctionnement</a:t>
+            </a:r>
+            <a:endParaRPr dirty="0"/>
+          </a:p>
+        </p:txBody>
+      </p:sp>
+      <p:sp>
+        <p:nvSpPr>
+          <p:cNvPr id="105" name="Google Shape;105;p19"/>
+          <p:cNvSpPr/>
+          <p:nvPr/>
+        </p:nvSpPr>
+        <p:spPr>
+          <a:xfrm>
+            <a:off x="-4800" y="0"/>
+            <a:ext cx="9153600" cy="239700"/>
+          </a:xfrm>
+          <a:prstGeom prst="rect">
+            <a:avLst/>
+          </a:prstGeom>
+          <a:solidFill>
+            <a:srgbClr val="FCE5CD"/>
+          </a:solidFill>
+          <a:ln w="9525" cap="flat" cmpd="sng">
+            <a:solidFill>
+              <a:srgbClr val="F7EDDE"/>
+            </a:solidFill>
+            <a:prstDash val="solid"/>
+            <a:round/>
+            <a:headEnd type="none" w="sm" len="sm"/>
+            <a:tailEnd type="none" w="sm" len="sm"/>
+          </a:ln>
+        </p:spPr>
+        <p:txBody>
+          <a:bodyPr spcFirstLastPara="1" wrap="square" lIns="91425" tIns="91425" rIns="91425" bIns="91425" anchor="ctr" anchorCtr="0">
+            <a:noAutofit/>
+          </a:bodyPr>
+          <a:lstStyle/>
+          <a:p>
+            <a:pPr marL="0" lvl="0" indent="0" algn="ctr" rtl="0">
+              <a:spcBef>
+                <a:spcPts val="0"/>
+              </a:spcBef>
+              <a:spcAft>
+                <a:spcPts val="0"/>
+              </a:spcAft>
+              <a:buNone/>
+            </a:pPr>
+            <a:endParaRPr/>
+          </a:p>
+        </p:txBody>
+      </p:sp>
+      <p:pic>
+        <p:nvPicPr>
+          <p:cNvPr id="106" name="Google Shape;106;p19"/>
+          <p:cNvPicPr preferRelativeResize="0"/>
+          <p:nvPr/>
+        </p:nvPicPr>
+        <p:blipFill>
+          <a:blip r:embed="rId3">
+            <a:alphaModFix/>
+          </a:blip>
+          <a:stretch>
+            <a:fillRect/>
+          </a:stretch>
+        </p:blipFill>
+        <p:spPr>
+          <a:xfrm>
+            <a:off x="8469575" y="-4"/>
+            <a:ext cx="674425" cy="340550"/>
+          </a:xfrm>
+          <a:prstGeom prst="rect">
+            <a:avLst/>
+          </a:prstGeom>
+          <a:noFill/>
+          <a:ln>
+            <a:noFill/>
+          </a:ln>
+        </p:spPr>
+      </p:pic>
+      <p:sp>
+        <p:nvSpPr>
+          <p:cNvPr id="2" name="Rectangle 1">
+            <a:extLst>
+              <a:ext uri="{FF2B5EF4-FFF2-40B4-BE49-F238E27FC236}">
+                <a16:creationId xmlns:a16="http://schemas.microsoft.com/office/drawing/2014/main" id="{770AB53B-BA0D-DEDC-D29F-2BA14784E10B}"/>
+              </a:ext>
+            </a:extLst>
+          </p:cNvPr>
+          <p:cNvSpPr/>
+          <p:nvPr/>
+        </p:nvSpPr>
+        <p:spPr>
+          <a:xfrm>
+            <a:off x="1038498" y="2395316"/>
+            <a:ext cx="1632858" cy="1162715"/>
+          </a:xfrm>
+          <a:prstGeom prst="rect">
+            <a:avLst/>
+          </a:prstGeom>
+        </p:spPr>
+        <p:style>
+          <a:lnRef idx="1">
+            <a:schemeClr val="accent4"/>
+          </a:lnRef>
+          <a:fillRef idx="3">
+            <a:schemeClr val="accent4"/>
+          </a:fillRef>
+          <a:effectRef idx="2">
+            <a:schemeClr val="accent4"/>
+          </a:effectRef>
+          <a:fontRef idx="minor">
+            <a:schemeClr val="lt1"/>
+          </a:fontRef>
+        </p:style>
+        <p:txBody>
+          <a:bodyPr rtlCol="0" anchor="ctr"/>
+          <a:lstStyle/>
+          <a:p>
+            <a:pPr algn="ctr"/>
+            <a:r>
+              <a:rPr lang="fr-FR" dirty="0">
+                <a:solidFill>
+                  <a:schemeClr val="tx1"/>
+                </a:solidFill>
+              </a:rPr>
+              <a:t>Création d’un « transporteur »</a:t>
+            </a:r>
+          </a:p>
+        </p:txBody>
+      </p:sp>
+      <p:sp>
+        <p:nvSpPr>
+          <p:cNvPr id="3" name="Rectangle 2">
+            <a:extLst>
+              <a:ext uri="{FF2B5EF4-FFF2-40B4-BE49-F238E27FC236}">
+                <a16:creationId xmlns:a16="http://schemas.microsoft.com/office/drawing/2014/main" id="{90E9AC81-3C61-A69B-CE95-FB93EFC2BAE4}"/>
+              </a:ext>
+            </a:extLst>
+          </p:cNvPr>
+          <p:cNvSpPr/>
+          <p:nvPr/>
+        </p:nvSpPr>
+        <p:spPr>
+          <a:xfrm>
+            <a:off x="3755571" y="2395376"/>
+            <a:ext cx="1632858" cy="1162715"/>
+          </a:xfrm>
+          <a:prstGeom prst="rect">
+            <a:avLst/>
+          </a:prstGeom>
+        </p:spPr>
+        <p:style>
+          <a:lnRef idx="1">
+            <a:schemeClr val="accent4"/>
+          </a:lnRef>
+          <a:fillRef idx="3">
+            <a:schemeClr val="accent4"/>
+          </a:fillRef>
+          <a:effectRef idx="2">
+            <a:schemeClr val="accent4"/>
+          </a:effectRef>
+          <a:fontRef idx="minor">
+            <a:schemeClr val="lt1"/>
+          </a:fontRef>
+        </p:style>
+        <p:txBody>
+          <a:bodyPr rtlCol="0" anchor="ctr"/>
+          <a:lstStyle/>
+          <a:p>
+            <a:pPr algn="ctr"/>
+            <a:r>
+              <a:rPr lang="fr-FR" dirty="0">
+                <a:solidFill>
+                  <a:schemeClr val="tx1"/>
+                </a:solidFill>
+              </a:rPr>
+              <a:t>Paramétrage du message à envoyer</a:t>
+            </a:r>
+          </a:p>
+        </p:txBody>
+      </p:sp>
+      <p:sp>
+        <p:nvSpPr>
+          <p:cNvPr id="4" name="Rectangle 3">
+            <a:extLst>
+              <a:ext uri="{FF2B5EF4-FFF2-40B4-BE49-F238E27FC236}">
+                <a16:creationId xmlns:a16="http://schemas.microsoft.com/office/drawing/2014/main" id="{D51457C2-EF64-FCB0-07CE-AFF44B40259C}"/>
+              </a:ext>
+            </a:extLst>
+          </p:cNvPr>
+          <p:cNvSpPr/>
+          <p:nvPr/>
+        </p:nvSpPr>
+        <p:spPr>
+          <a:xfrm>
+            <a:off x="6472644" y="2395316"/>
+            <a:ext cx="1632858" cy="1162715"/>
+          </a:xfrm>
+          <a:prstGeom prst="rect">
+            <a:avLst/>
+          </a:prstGeom>
+        </p:spPr>
+        <p:style>
+          <a:lnRef idx="1">
+            <a:schemeClr val="accent4"/>
+          </a:lnRef>
+          <a:fillRef idx="3">
+            <a:schemeClr val="accent4"/>
+          </a:fillRef>
+          <a:effectRef idx="2">
+            <a:schemeClr val="accent4"/>
+          </a:effectRef>
+          <a:fontRef idx="minor">
+            <a:schemeClr val="lt1"/>
+          </a:fontRef>
+        </p:style>
+        <p:txBody>
+          <a:bodyPr rtlCol="0" anchor="ctr"/>
+          <a:lstStyle/>
+          <a:p>
+            <a:pPr algn="ctr"/>
+            <a:r>
+              <a:rPr lang="fr-FR" dirty="0">
+                <a:solidFill>
+                  <a:schemeClr val="tx1"/>
+                </a:solidFill>
+              </a:rPr>
+              <a:t>Envoi du mail</a:t>
+            </a:r>
+          </a:p>
+        </p:txBody>
+      </p:sp>
+      <p:sp>
+        <p:nvSpPr>
+          <p:cNvPr id="8" name="Flèche : droite 7">
+            <a:extLst>
+              <a:ext uri="{FF2B5EF4-FFF2-40B4-BE49-F238E27FC236}">
+                <a16:creationId xmlns:a16="http://schemas.microsoft.com/office/drawing/2014/main" id="{B5E8FFFA-5325-826B-775A-1952DA19C38E}"/>
+              </a:ext>
+            </a:extLst>
+          </p:cNvPr>
+          <p:cNvSpPr/>
+          <p:nvPr/>
+        </p:nvSpPr>
+        <p:spPr>
+          <a:xfrm>
+            <a:off x="2693194" y="2906486"/>
+            <a:ext cx="1038225" cy="176348"/>
+          </a:xfrm>
+          <a:prstGeom prst="rightArrow">
+            <a:avLst/>
+          </a:prstGeom>
+          <a:ln>
+            <a:solidFill>
+              <a:schemeClr val="accent4"/>
+            </a:solidFill>
+          </a:ln>
+        </p:spPr>
+        <p:style>
+          <a:lnRef idx="2">
+            <a:schemeClr val="accent4">
+              <a:shade val="15000"/>
+            </a:schemeClr>
+          </a:lnRef>
+          <a:fillRef idx="1">
+            <a:schemeClr val="accent4"/>
+          </a:fillRef>
+          <a:effectRef idx="0">
+            <a:schemeClr val="accent4"/>
+          </a:effectRef>
+          <a:fontRef idx="minor">
+            <a:schemeClr val="lt1"/>
+          </a:fontRef>
+        </p:style>
+        <p:txBody>
+          <a:bodyPr rtlCol="0" anchor="ctr"/>
+          <a:lstStyle/>
+          <a:p>
+            <a:pPr algn="ctr"/>
+            <a:endParaRPr lang="fr-FR">
+              <a:ln w="0"/>
+              <a:solidFill>
+                <a:schemeClr val="accent1"/>
+              </a:solidFill>
+              <a:effectLst>
+                <a:outerShdw blurRad="38100" dist="25400" dir="5400000" algn="ctr" rotWithShape="0">
+                  <a:srgbClr val="6E747A">
+                    <a:alpha val="43000"/>
+                  </a:srgbClr>
+                </a:outerShdw>
+              </a:effectLst>
+            </a:endParaRPr>
+          </a:p>
+        </p:txBody>
+      </p:sp>
+      <p:sp>
+        <p:nvSpPr>
+          <p:cNvPr id="9" name="Flèche : droite 8">
+            <a:extLst>
+              <a:ext uri="{FF2B5EF4-FFF2-40B4-BE49-F238E27FC236}">
+                <a16:creationId xmlns:a16="http://schemas.microsoft.com/office/drawing/2014/main" id="{AABCA25F-BB57-5505-B700-2EF5BDA58F55}"/>
+              </a:ext>
+            </a:extLst>
+          </p:cNvPr>
+          <p:cNvSpPr/>
+          <p:nvPr/>
+        </p:nvSpPr>
+        <p:spPr>
+          <a:xfrm>
+            <a:off x="5411424" y="2906486"/>
+            <a:ext cx="1038225" cy="176348"/>
+          </a:xfrm>
+          <a:prstGeom prst="rightArrow">
+            <a:avLst/>
+          </a:prstGeom>
+          <a:ln>
+            <a:solidFill>
+              <a:schemeClr val="accent4"/>
+            </a:solidFill>
+          </a:ln>
+        </p:spPr>
+        <p:style>
+          <a:lnRef idx="2">
+            <a:schemeClr val="accent4">
+              <a:shade val="15000"/>
+            </a:schemeClr>
+          </a:lnRef>
+          <a:fillRef idx="1">
+            <a:schemeClr val="accent4"/>
+          </a:fillRef>
+          <a:effectRef idx="0">
+            <a:schemeClr val="accent4"/>
+          </a:effectRef>
+          <a:fontRef idx="minor">
+            <a:schemeClr val="lt1"/>
+          </a:fontRef>
+        </p:style>
+        <p:txBody>
+          <a:bodyPr rtlCol="0" anchor="ctr"/>
+          <a:lstStyle/>
+          <a:p>
+            <a:pPr algn="ctr"/>
+            <a:endParaRPr lang="fr-FR">
+              <a:ln w="0"/>
+              <a:solidFill>
+                <a:schemeClr val="accent1"/>
+              </a:solidFill>
+              <a:effectLst>
+                <a:outerShdw blurRad="38100" dist="25400" dir="5400000" algn="ctr" rotWithShape="0">
+                  <a:srgbClr val="6E747A">
+                    <a:alpha val="43000"/>
+                  </a:srgbClr>
+                </a:outerShdw>
+              </a:effectLst>
+            </a:endParaRPr>
+          </a:p>
+        </p:txBody>
+      </p:sp>
+    </p:spTree>
+    <p:extLst>
+      <p:ext uri="{BB962C8B-B14F-4D97-AF65-F5344CB8AC3E}">
+        <p14:creationId xmlns:p14="http://schemas.microsoft.com/office/powerpoint/2010/main" val="528039005"/>
+      </p:ext>
+    </p:extLst>
+  </p:cSld>
+  <p:clrMapOvr>
+    <a:masterClrMapping/>
+  </p:clrMapOvr>
+</p:sld>
+</file>
+
+<file path=ppt/slides/slide16.xml><?xml version="1.0" encoding="utf-8"?>
 <p:sld xmlns:a="http://schemas.openxmlformats.org/drawingml/2006/main" xmlns:r="http://schemas.openxmlformats.org/officeDocument/2006/relationships" xmlns:p="http://schemas.openxmlformats.org/presentationml/2006/main">
   <p:cSld>
     <p:spTree>
@@ -9733,7 +11156,7 @@
               </a:spcAft>
               <a:buNone/>
             </a:pPr>
-            <a:endParaRPr>
+            <a:endParaRPr dirty="0">
               <a:latin typeface="Montserrat"/>
               <a:ea typeface="Montserrat"/>
               <a:cs typeface="Montserrat"/>
@@ -9750,7 +11173,7 @@
               </a:spcAft>
               <a:buNone/>
             </a:pPr>
-            <a:endParaRPr>
+            <a:endParaRPr dirty="0">
               <a:latin typeface="Montserrat"/>
               <a:ea typeface="Montserrat"/>
               <a:cs typeface="Montserrat"/>
@@ -9767,7 +11190,7 @@
               </a:spcAft>
               <a:buNone/>
             </a:pPr>
-            <a:endParaRPr>
+            <a:endParaRPr dirty="0">
               <a:latin typeface="Montserrat"/>
               <a:ea typeface="Montserrat"/>
               <a:cs typeface="Montserrat"/>
@@ -9838,7 +11261,7 @@
         <p:spPr>
           <a:xfrm>
             <a:off x="434775" y="1085525"/>
-            <a:ext cx="8320500" cy="2498100"/>
+            <a:ext cx="8320500" cy="900216"/>
           </a:xfrm>
           <a:prstGeom prst="rect">
             <a:avLst/>
@@ -9872,7 +11295,7 @@
               <a:buChar char="●"/>
             </a:pPr>
             <a:r>
-              <a:rPr lang="fr" sz="1500">
+              <a:rPr lang="fr-FR" sz="1500" b="1" i="1" dirty="0">
                 <a:solidFill>
                   <a:srgbClr val="0D0D0D"/>
                 </a:solidFill>
@@ -9884,41 +11307,10 @@
                 <a:cs typeface="Montserrat"/>
                 <a:sym typeface="Montserrat"/>
               </a:rPr>
-              <a:t>Captures d’écran de la veille (max 5)</a:t>
+              <a:t>Feedly</a:t>
             </a:r>
-            <a:endParaRPr sz="1500">
-              <a:solidFill>
-                <a:srgbClr val="0D0D0D"/>
-              </a:solidFill>
-              <a:highlight>
-                <a:srgbClr val="FFFFFF"/>
-              </a:highlight>
-              <a:latin typeface="Montserrat"/>
-              <a:ea typeface="Montserrat"/>
-              <a:cs typeface="Montserrat"/>
-              <a:sym typeface="Montserrat"/>
-            </a:endParaRPr>
-          </a:p>
-          <a:p>
-            <a:pPr marL="457200" lvl="0" indent="-323850" algn="l" rtl="0">
-              <a:lnSpc>
-                <a:spcPct val="150000"/>
-              </a:lnSpc>
-              <a:spcBef>
-                <a:spcPts val="0"/>
-              </a:spcBef>
-              <a:spcAft>
-                <a:spcPts val="0"/>
-              </a:spcAft>
-              <a:buClr>
-                <a:srgbClr val="0D0D0D"/>
-              </a:buClr>
-              <a:buSzPts val="1500"/>
-              <a:buFont typeface="Montserrat"/>
-              <a:buChar char="●"/>
-            </a:pPr>
             <a:r>
-              <a:rPr lang="fr" sz="1500">
+              <a:rPr lang="fr-FR" sz="1500" i="1" dirty="0">
                 <a:solidFill>
                   <a:srgbClr val="0D0D0D"/>
                 </a:solidFill>
@@ -9930,127 +11322,9 @@
                 <a:cs typeface="Montserrat"/>
                 <a:sym typeface="Montserrat"/>
               </a:rPr>
-              <a:t>Méthode de classification des sources d'information.</a:t>
+              <a:t> : deux axes principaux</a:t>
             </a:r>
-            <a:endParaRPr sz="1500">
-              <a:solidFill>
-                <a:srgbClr val="0D0D0D"/>
-              </a:solidFill>
-              <a:highlight>
-                <a:srgbClr val="FFFFFF"/>
-              </a:highlight>
-              <a:latin typeface="Montserrat"/>
-              <a:ea typeface="Montserrat"/>
-              <a:cs typeface="Montserrat"/>
-              <a:sym typeface="Montserrat"/>
-            </a:endParaRPr>
-          </a:p>
-          <a:p>
-            <a:pPr marL="457200" lvl="0" indent="-323850" algn="l" rtl="0">
-              <a:lnSpc>
-                <a:spcPct val="150000"/>
-              </a:lnSpc>
-              <a:spcBef>
-                <a:spcPts val="0"/>
-              </a:spcBef>
-              <a:spcAft>
-                <a:spcPts val="0"/>
-              </a:spcAft>
-              <a:buClr>
-                <a:srgbClr val="0D0D0D"/>
-              </a:buClr>
-              <a:buSzPts val="1500"/>
-              <a:buFont typeface="Montserrat"/>
-              <a:buChar char="●"/>
-            </a:pPr>
-            <a:r>
-              <a:rPr lang="fr" sz="1500">
-                <a:solidFill>
-                  <a:srgbClr val="0D0D0D"/>
-                </a:solidFill>
-                <a:highlight>
-                  <a:srgbClr val="FFFFFF"/>
-                </a:highlight>
-                <a:latin typeface="Montserrat"/>
-                <a:ea typeface="Montserrat"/>
-                <a:cs typeface="Montserrat"/>
-                <a:sym typeface="Montserrat"/>
-              </a:rPr>
-              <a:t>Exemple et explication du choix d’une source pour chacun des 2 axes de veille </a:t>
-            </a:r>
-            <a:endParaRPr sz="1500">
-              <a:solidFill>
-                <a:srgbClr val="0D0D0D"/>
-              </a:solidFill>
-              <a:highlight>
-                <a:srgbClr val="FFFFFF"/>
-              </a:highlight>
-              <a:latin typeface="Montserrat"/>
-              <a:ea typeface="Montserrat"/>
-              <a:cs typeface="Montserrat"/>
-              <a:sym typeface="Montserrat"/>
-            </a:endParaRPr>
-          </a:p>
-          <a:p>
-            <a:pPr marL="457200" lvl="0" indent="-323850" algn="l" rtl="0">
-              <a:lnSpc>
-                <a:spcPct val="150000"/>
-              </a:lnSpc>
-              <a:spcBef>
-                <a:spcPts val="0"/>
-              </a:spcBef>
-              <a:spcAft>
-                <a:spcPts val="0"/>
-              </a:spcAft>
-              <a:buClr>
-                <a:srgbClr val="0D0D0D"/>
-              </a:buClr>
-              <a:buSzPts val="1500"/>
-              <a:buFont typeface="Montserrat"/>
-              <a:buChar char="●"/>
-            </a:pPr>
-            <a:r>
-              <a:rPr lang="fr" sz="1500">
-                <a:solidFill>
-                  <a:srgbClr val="0D0D0D"/>
-                </a:solidFill>
-                <a:highlight>
-                  <a:srgbClr val="FFFFFF"/>
-                </a:highlight>
-                <a:latin typeface="Montserrat"/>
-                <a:ea typeface="Montserrat"/>
-                <a:cs typeface="Montserrat"/>
-                <a:sym typeface="Montserrat"/>
-              </a:rPr>
-              <a:t>Explication de la contribution de la veille à l'élaboration des spécifications techniques.</a:t>
-            </a:r>
-            <a:endParaRPr sz="1500">
-              <a:solidFill>
-                <a:srgbClr val="0D0D0D"/>
-              </a:solidFill>
-              <a:highlight>
-                <a:srgbClr val="FFFFFF"/>
-              </a:highlight>
-              <a:latin typeface="Montserrat"/>
-              <a:ea typeface="Montserrat"/>
-              <a:cs typeface="Montserrat"/>
-              <a:sym typeface="Montserrat"/>
-            </a:endParaRPr>
-          </a:p>
-          <a:p>
-            <a:pPr marL="0" lvl="0" indent="0" algn="l" rtl="0">
-              <a:lnSpc>
-                <a:spcPct val="115000"/>
-              </a:lnSpc>
-              <a:spcBef>
-                <a:spcPts val="0"/>
-              </a:spcBef>
-              <a:spcAft>
-                <a:spcPts val="0"/>
-              </a:spcAft>
-              <a:buNone/>
-            </a:pPr>
-            <a:endParaRPr sz="1200" i="1">
+            <a:endParaRPr sz="1200" i="1" dirty="0">
               <a:solidFill>
                 <a:schemeClr val="dk1"/>
               </a:solidFill>
@@ -10070,7 +11344,7 @@
               </a:spcAft>
               <a:buNone/>
             </a:pPr>
-            <a:endParaRPr/>
+            <a:endParaRPr dirty="0"/>
           </a:p>
         </p:txBody>
       </p:sp>
@@ -10148,6 +11422,65 @@
           </a:ln>
         </p:spPr>
       </p:pic>
+      <p:pic>
+        <p:nvPicPr>
+          <p:cNvPr id="3" name="Image 2" descr="Une image contenant texte, capture d’écran, ordinateur, Site web&#10;&#10;Description générée automatiquement">
+            <a:extLst>
+              <a:ext uri="{FF2B5EF4-FFF2-40B4-BE49-F238E27FC236}">
+                <a16:creationId xmlns:a16="http://schemas.microsoft.com/office/drawing/2014/main" id="{63E9BD10-B9C6-D7B9-5DA9-2551DAFFE177}"/>
+              </a:ext>
+            </a:extLst>
+          </p:cNvPr>
+          <p:cNvPicPr>
+            <a:picLocks noChangeAspect="1"/>
+          </p:cNvPicPr>
+          <p:nvPr/>
+        </p:nvPicPr>
+        <p:blipFill rotWithShape="1">
+          <a:blip r:embed="rId4"/>
+          <a:srcRect r="19085"/>
+          <a:stretch/>
+        </p:blipFill>
+        <p:spPr>
+          <a:xfrm>
+            <a:off x="1030224" y="1702432"/>
+            <a:ext cx="2932175" cy="3270217"/>
+          </a:xfrm>
+          <a:prstGeom prst="rect">
+            <a:avLst/>
+          </a:prstGeom>
+        </p:spPr>
+      </p:pic>
+      <p:pic>
+        <p:nvPicPr>
+          <p:cNvPr id="5" name="Image 4" descr="Une image contenant texte, capture d’écran, Police, document&#10;&#10;Description générée automatiquement">
+            <a:extLst>
+              <a:ext uri="{FF2B5EF4-FFF2-40B4-BE49-F238E27FC236}">
+                <a16:creationId xmlns:a16="http://schemas.microsoft.com/office/drawing/2014/main" id="{7BC000CB-87D0-F587-052A-A793A90624DF}"/>
+              </a:ext>
+            </a:extLst>
+          </p:cNvPr>
+          <p:cNvPicPr>
+            <a:picLocks noChangeAspect="1"/>
+          </p:cNvPicPr>
+          <p:nvPr/>
+        </p:nvPicPr>
+        <p:blipFill>
+          <a:blip r:embed="rId5"/>
+          <a:stretch>
+            <a:fillRect/>
+          </a:stretch>
+        </p:blipFill>
+        <p:spPr>
+          <a:xfrm>
+            <a:off x="5181431" y="1709090"/>
+            <a:ext cx="2932345" cy="3263559"/>
+          </a:xfrm>
+          <a:prstGeom prst="rect">
+            <a:avLst/>
+          </a:prstGeom>
+        </p:spPr>
+      </p:pic>
     </p:spTree>
   </p:cSld>
   <p:clrMapOvr>
@@ -10156,7 +11489,809 @@
 </p:sld>
 </file>
 
-<file path=ppt/slides/slide16.xml><?xml version="1.0" encoding="utf-8"?>
+<file path=ppt/slides/slide17.xml><?xml version="1.0" encoding="utf-8"?>
+<p:sld xmlns:a="http://schemas.openxmlformats.org/drawingml/2006/main" xmlns:r="http://schemas.openxmlformats.org/officeDocument/2006/relationships" xmlns:p="http://schemas.openxmlformats.org/presentationml/2006/main">
+  <p:cSld>
+    <p:spTree>
+      <p:nvGrpSpPr>
+        <p:cNvPr id="1" name="Shape 110"/>
+        <p:cNvGrpSpPr/>
+        <p:nvPr/>
+      </p:nvGrpSpPr>
+      <p:grpSpPr>
+        <a:xfrm>
+          <a:off x="0" y="0"/>
+          <a:ext cx="0" cy="0"/>
+          <a:chOff x="0" y="0"/>
+          <a:chExt cx="0" cy="0"/>
+        </a:xfrm>
+      </p:grpSpPr>
+      <p:sp>
+        <p:nvSpPr>
+          <p:cNvPr id="111" name="Google Shape;111;p20"/>
+          <p:cNvSpPr txBox="1">
+            <a:spLocks noGrp="1"/>
+          </p:cNvSpPr>
+          <p:nvPr>
+            <p:ph type="title"/>
+          </p:nvPr>
+        </p:nvSpPr>
+        <p:spPr>
+          <a:xfrm>
+            <a:off x="311700" y="445025"/>
+            <a:ext cx="8520600" cy="572700"/>
+          </a:xfrm>
+          <a:prstGeom prst="rect">
+            <a:avLst/>
+          </a:prstGeom>
+        </p:spPr>
+        <p:txBody>
+          <a:bodyPr spcFirstLastPara="1" wrap="square" lIns="91425" tIns="91425" rIns="91425" bIns="91425" anchor="t" anchorCtr="0">
+            <a:normAutofit fontScale="90000"/>
+          </a:bodyPr>
+          <a:lstStyle/>
+          <a:p>
+            <a:pPr marL="0" lvl="0" indent="0" algn="l" rtl="0">
+              <a:lnSpc>
+                <a:spcPct val="115000"/>
+              </a:lnSpc>
+              <a:spcBef>
+                <a:spcPts val="0"/>
+              </a:spcBef>
+              <a:spcAft>
+                <a:spcPts val="1200"/>
+              </a:spcAft>
+              <a:buNone/>
+            </a:pPr>
+            <a:r>
+              <a:rPr lang="fr" sz="2000">
+                <a:latin typeface="Montserrat"/>
+                <a:ea typeface="Montserrat"/>
+                <a:cs typeface="Montserrat"/>
+                <a:sym typeface="Montserrat"/>
+              </a:rPr>
+              <a:t>Veille Technologique</a:t>
+            </a:r>
+            <a:endParaRPr sz="2000">
+              <a:solidFill>
+                <a:schemeClr val="dk2"/>
+              </a:solidFill>
+              <a:latin typeface="Montserrat"/>
+              <a:ea typeface="Montserrat"/>
+              <a:cs typeface="Montserrat"/>
+              <a:sym typeface="Montserrat"/>
+            </a:endParaRPr>
+          </a:p>
+        </p:txBody>
+      </p:sp>
+      <p:sp>
+        <p:nvSpPr>
+          <p:cNvPr id="113" name="Google Shape;113;p20"/>
+          <p:cNvSpPr txBox="1"/>
+          <p:nvPr/>
+        </p:nvSpPr>
+        <p:spPr>
+          <a:xfrm>
+            <a:off x="0" y="0"/>
+            <a:ext cx="4911600" cy="338700"/>
+          </a:xfrm>
+          <a:prstGeom prst="rect">
+            <a:avLst/>
+          </a:prstGeom>
+          <a:noFill/>
+          <a:ln>
+            <a:noFill/>
+          </a:ln>
+        </p:spPr>
+        <p:txBody>
+          <a:bodyPr spcFirstLastPara="1" wrap="square" lIns="91425" tIns="91425" rIns="91425" bIns="91425" anchor="t" anchorCtr="0">
+            <a:spAutoFit/>
+          </a:bodyPr>
+          <a:lstStyle/>
+          <a:p>
+            <a:pPr marL="0" lvl="0" indent="0" algn="l" rtl="0">
+              <a:lnSpc>
+                <a:spcPct val="115000"/>
+              </a:lnSpc>
+              <a:spcBef>
+                <a:spcPts val="0"/>
+              </a:spcBef>
+              <a:spcAft>
+                <a:spcPts val="1200"/>
+              </a:spcAft>
+              <a:buNone/>
+            </a:pPr>
+            <a:r>
+              <a:rPr lang="fr" sz="1000">
+                <a:solidFill>
+                  <a:schemeClr val="dk2"/>
+                </a:solidFill>
+                <a:latin typeface="Montserrat"/>
+                <a:ea typeface="Montserrat"/>
+                <a:cs typeface="Montserrat"/>
+                <a:sym typeface="Montserrat"/>
+              </a:rPr>
+              <a:t>Présentation de l’usage du no-code</a:t>
+            </a:r>
+            <a:endParaRPr sz="1000"/>
+          </a:p>
+        </p:txBody>
+      </p:sp>
+      <p:sp>
+        <p:nvSpPr>
+          <p:cNvPr id="114" name="Google Shape;114;p20"/>
+          <p:cNvSpPr txBox="1"/>
+          <p:nvPr/>
+        </p:nvSpPr>
+        <p:spPr>
+          <a:xfrm>
+            <a:off x="434775" y="1085525"/>
+            <a:ext cx="8320500" cy="900216"/>
+          </a:xfrm>
+          <a:prstGeom prst="rect">
+            <a:avLst/>
+          </a:prstGeom>
+          <a:noFill/>
+          <a:ln>
+            <a:noFill/>
+          </a:ln>
+        </p:spPr>
+        <p:txBody>
+          <a:bodyPr spcFirstLastPara="1" wrap="square" lIns="91425" tIns="91425" rIns="91425" bIns="91425" anchor="t" anchorCtr="0">
+            <a:spAutoFit/>
+          </a:bodyPr>
+          <a:lstStyle/>
+          <a:p>
+            <a:pPr marL="457200" lvl="0" indent="-323850" algn="l" rtl="0">
+              <a:lnSpc>
+                <a:spcPct val="150000"/>
+              </a:lnSpc>
+              <a:spcBef>
+                <a:spcPts val="0"/>
+              </a:spcBef>
+              <a:spcAft>
+                <a:spcPts val="0"/>
+              </a:spcAft>
+              <a:buClr>
+                <a:srgbClr val="0D0D0D"/>
+              </a:buClr>
+              <a:buSzPts val="1500"/>
+              <a:buFont typeface="Montserrat"/>
+              <a:buChar char="●"/>
+            </a:pPr>
+            <a:r>
+              <a:rPr lang="fr-FR" sz="1500" b="1" i="1" dirty="0">
+                <a:solidFill>
+                  <a:srgbClr val="0D0D0D"/>
+                </a:solidFill>
+                <a:highlight>
+                  <a:srgbClr val="FFFFFF"/>
+                </a:highlight>
+                <a:latin typeface="Montserrat"/>
+                <a:ea typeface="Montserrat"/>
+                <a:cs typeface="Montserrat"/>
+                <a:sym typeface="Montserrat"/>
+              </a:rPr>
+              <a:t>Feedly</a:t>
+            </a:r>
+            <a:r>
+              <a:rPr lang="fr-FR" sz="1500" i="1" dirty="0">
+                <a:solidFill>
+                  <a:srgbClr val="0D0D0D"/>
+                </a:solidFill>
+                <a:highlight>
+                  <a:srgbClr val="FFFFFF"/>
+                </a:highlight>
+                <a:latin typeface="Montserrat"/>
+                <a:ea typeface="Montserrat"/>
+                <a:cs typeface="Montserrat"/>
+                <a:sym typeface="Montserrat"/>
+              </a:rPr>
+              <a:t> : exemples de sources d’informations</a:t>
+            </a:r>
+            <a:endParaRPr sz="1200" i="1" dirty="0">
+              <a:solidFill>
+                <a:schemeClr val="dk1"/>
+              </a:solidFill>
+              <a:latin typeface="Montserrat"/>
+              <a:ea typeface="Montserrat"/>
+              <a:cs typeface="Montserrat"/>
+              <a:sym typeface="Montserrat"/>
+            </a:endParaRPr>
+          </a:p>
+          <a:p>
+            <a:pPr marL="0" lvl="0" indent="0" algn="l" rtl="0">
+              <a:spcBef>
+                <a:spcPts val="1200"/>
+              </a:spcBef>
+              <a:spcAft>
+                <a:spcPts val="0"/>
+              </a:spcAft>
+              <a:buNone/>
+            </a:pPr>
+            <a:endParaRPr dirty="0"/>
+          </a:p>
+        </p:txBody>
+      </p:sp>
+      <p:sp>
+        <p:nvSpPr>
+          <p:cNvPr id="115" name="Google Shape;115;p20"/>
+          <p:cNvSpPr/>
+          <p:nvPr/>
+        </p:nvSpPr>
+        <p:spPr>
+          <a:xfrm>
+            <a:off x="-4800" y="0"/>
+            <a:ext cx="9153600" cy="239700"/>
+          </a:xfrm>
+          <a:prstGeom prst="rect">
+            <a:avLst/>
+          </a:prstGeom>
+          <a:solidFill>
+            <a:srgbClr val="FCE5CD"/>
+          </a:solidFill>
+          <a:ln w="9525" cap="flat" cmpd="sng">
+            <a:solidFill>
+              <a:srgbClr val="F7EDDE"/>
+            </a:solidFill>
+            <a:prstDash val="solid"/>
+            <a:round/>
+            <a:headEnd type="none" w="sm" len="sm"/>
+            <a:tailEnd type="none" w="sm" len="sm"/>
+          </a:ln>
+        </p:spPr>
+        <p:txBody>
+          <a:bodyPr spcFirstLastPara="1" wrap="square" lIns="91425" tIns="91425" rIns="91425" bIns="91425" anchor="ctr" anchorCtr="0">
+            <a:noAutofit/>
+          </a:bodyPr>
+          <a:lstStyle/>
+          <a:p>
+            <a:pPr marL="0" lvl="0" indent="0" algn="ctr" rtl="0">
+              <a:spcBef>
+                <a:spcPts val="0"/>
+              </a:spcBef>
+              <a:spcAft>
+                <a:spcPts val="0"/>
+              </a:spcAft>
+              <a:buNone/>
+            </a:pPr>
+            <a:endParaRPr/>
+          </a:p>
+        </p:txBody>
+      </p:sp>
+      <p:pic>
+        <p:nvPicPr>
+          <p:cNvPr id="116" name="Google Shape;116;p20"/>
+          <p:cNvPicPr preferRelativeResize="0"/>
+          <p:nvPr/>
+        </p:nvPicPr>
+        <p:blipFill>
+          <a:blip r:embed="rId3">
+            <a:alphaModFix/>
+          </a:blip>
+          <a:stretch>
+            <a:fillRect/>
+          </a:stretch>
+        </p:blipFill>
+        <p:spPr>
+          <a:xfrm>
+            <a:off x="8469575" y="-4"/>
+            <a:ext cx="674425" cy="340550"/>
+          </a:xfrm>
+          <a:prstGeom prst="rect">
+            <a:avLst/>
+          </a:prstGeom>
+          <a:noFill/>
+          <a:ln>
+            <a:noFill/>
+          </a:ln>
+        </p:spPr>
+      </p:pic>
+      <p:pic>
+        <p:nvPicPr>
+          <p:cNvPr id="4" name="Image 3" descr="Une image contenant texte, Police, ligne, capture d’écran&#10;&#10;Description générée automatiquement">
+            <a:extLst>
+              <a:ext uri="{FF2B5EF4-FFF2-40B4-BE49-F238E27FC236}">
+                <a16:creationId xmlns:a16="http://schemas.microsoft.com/office/drawing/2014/main" id="{A99055DB-5FA9-F212-91A1-09125D9832E5}"/>
+              </a:ext>
+            </a:extLst>
+          </p:cNvPr>
+          <p:cNvPicPr>
+            <a:picLocks noChangeAspect="1"/>
+          </p:cNvPicPr>
+          <p:nvPr/>
+        </p:nvPicPr>
+        <p:blipFill rotWithShape="1">
+          <a:blip r:embed="rId4"/>
+          <a:srcRect l="2319" t="8167" r="1874" b="6280"/>
+          <a:stretch/>
+        </p:blipFill>
+        <p:spPr>
+          <a:xfrm>
+            <a:off x="1252366" y="1688307"/>
+            <a:ext cx="6639268" cy="1189456"/>
+          </a:xfrm>
+          <a:prstGeom prst="rect">
+            <a:avLst/>
+          </a:prstGeom>
+        </p:spPr>
+      </p:pic>
+      <p:pic>
+        <p:nvPicPr>
+          <p:cNvPr id="7" name="Image 6" descr="Une image contenant texte, Police, capture d’écran&#10;&#10;Description générée automatiquement">
+            <a:extLst>
+              <a:ext uri="{FF2B5EF4-FFF2-40B4-BE49-F238E27FC236}">
+                <a16:creationId xmlns:a16="http://schemas.microsoft.com/office/drawing/2014/main" id="{08CC787D-28AD-EC74-0B48-229A9C02B80A}"/>
+              </a:ext>
+            </a:extLst>
+          </p:cNvPr>
+          <p:cNvPicPr>
+            <a:picLocks noChangeAspect="1"/>
+          </p:cNvPicPr>
+          <p:nvPr/>
+        </p:nvPicPr>
+        <p:blipFill rotWithShape="1">
+          <a:blip r:embed="rId5"/>
+          <a:srcRect l="1986" t="5062" r="1907" b="5562"/>
+          <a:stretch/>
+        </p:blipFill>
+        <p:spPr>
+          <a:xfrm>
+            <a:off x="1252366" y="3157760"/>
+            <a:ext cx="6639268" cy="1650338"/>
+          </a:xfrm>
+          <a:prstGeom prst="rect">
+            <a:avLst/>
+          </a:prstGeom>
+        </p:spPr>
+      </p:pic>
+    </p:spTree>
+    <p:extLst>
+      <p:ext uri="{BB962C8B-B14F-4D97-AF65-F5344CB8AC3E}">
+        <p14:creationId xmlns:p14="http://schemas.microsoft.com/office/powerpoint/2010/main" val="2242019385"/>
+      </p:ext>
+    </p:extLst>
+  </p:cSld>
+  <p:clrMapOvr>
+    <a:masterClrMapping/>
+  </p:clrMapOvr>
+</p:sld>
+</file>
+
+<file path=ppt/slides/slide18.xml><?xml version="1.0" encoding="utf-8"?>
+<p:sld xmlns:a="http://schemas.openxmlformats.org/drawingml/2006/main" xmlns:r="http://schemas.openxmlformats.org/officeDocument/2006/relationships" xmlns:p="http://schemas.openxmlformats.org/presentationml/2006/main">
+  <p:cSld>
+    <p:spTree>
+      <p:nvGrpSpPr>
+        <p:cNvPr id="1" name="Shape 110"/>
+        <p:cNvGrpSpPr/>
+        <p:nvPr/>
+      </p:nvGrpSpPr>
+      <p:grpSpPr>
+        <a:xfrm>
+          <a:off x="0" y="0"/>
+          <a:ext cx="0" cy="0"/>
+          <a:chOff x="0" y="0"/>
+          <a:chExt cx="0" cy="0"/>
+        </a:xfrm>
+      </p:grpSpPr>
+      <p:sp>
+        <p:nvSpPr>
+          <p:cNvPr id="111" name="Google Shape;111;p20"/>
+          <p:cNvSpPr txBox="1">
+            <a:spLocks noGrp="1"/>
+          </p:cNvSpPr>
+          <p:nvPr>
+            <p:ph type="title"/>
+          </p:nvPr>
+        </p:nvSpPr>
+        <p:spPr>
+          <a:xfrm>
+            <a:off x="311700" y="445025"/>
+            <a:ext cx="8520600" cy="572700"/>
+          </a:xfrm>
+          <a:prstGeom prst="rect">
+            <a:avLst/>
+          </a:prstGeom>
+        </p:spPr>
+        <p:txBody>
+          <a:bodyPr spcFirstLastPara="1" wrap="square" lIns="91425" tIns="91425" rIns="91425" bIns="91425" anchor="t" anchorCtr="0">
+            <a:normAutofit fontScale="90000"/>
+          </a:bodyPr>
+          <a:lstStyle/>
+          <a:p>
+            <a:pPr marL="0" lvl="0" indent="0" algn="l" rtl="0">
+              <a:lnSpc>
+                <a:spcPct val="115000"/>
+              </a:lnSpc>
+              <a:spcBef>
+                <a:spcPts val="0"/>
+              </a:spcBef>
+              <a:spcAft>
+                <a:spcPts val="1200"/>
+              </a:spcAft>
+              <a:buNone/>
+            </a:pPr>
+            <a:r>
+              <a:rPr lang="fr" sz="2000" dirty="0">
+                <a:latin typeface="Montserrat"/>
+                <a:ea typeface="Montserrat"/>
+                <a:cs typeface="Montserrat"/>
+                <a:sym typeface="Montserrat"/>
+              </a:rPr>
+              <a:t>Veille Technologique</a:t>
+            </a:r>
+            <a:endParaRPr sz="2000" dirty="0">
+              <a:solidFill>
+                <a:schemeClr val="dk2"/>
+              </a:solidFill>
+              <a:latin typeface="Montserrat"/>
+              <a:ea typeface="Montserrat"/>
+              <a:cs typeface="Montserrat"/>
+              <a:sym typeface="Montserrat"/>
+            </a:endParaRPr>
+          </a:p>
+        </p:txBody>
+      </p:sp>
+      <p:sp>
+        <p:nvSpPr>
+          <p:cNvPr id="113" name="Google Shape;113;p20"/>
+          <p:cNvSpPr txBox="1"/>
+          <p:nvPr/>
+        </p:nvSpPr>
+        <p:spPr>
+          <a:xfrm>
+            <a:off x="0" y="0"/>
+            <a:ext cx="4911600" cy="338700"/>
+          </a:xfrm>
+          <a:prstGeom prst="rect">
+            <a:avLst/>
+          </a:prstGeom>
+          <a:noFill/>
+          <a:ln>
+            <a:noFill/>
+          </a:ln>
+        </p:spPr>
+        <p:txBody>
+          <a:bodyPr spcFirstLastPara="1" wrap="square" lIns="91425" tIns="91425" rIns="91425" bIns="91425" anchor="t" anchorCtr="0">
+            <a:spAutoFit/>
+          </a:bodyPr>
+          <a:lstStyle/>
+          <a:p>
+            <a:pPr marL="0" lvl="0" indent="0" algn="l" rtl="0">
+              <a:lnSpc>
+                <a:spcPct val="115000"/>
+              </a:lnSpc>
+              <a:spcBef>
+                <a:spcPts val="0"/>
+              </a:spcBef>
+              <a:spcAft>
+                <a:spcPts val="1200"/>
+              </a:spcAft>
+              <a:buNone/>
+            </a:pPr>
+            <a:r>
+              <a:rPr lang="fr" sz="1000">
+                <a:solidFill>
+                  <a:schemeClr val="dk2"/>
+                </a:solidFill>
+                <a:latin typeface="Montserrat"/>
+                <a:ea typeface="Montserrat"/>
+                <a:cs typeface="Montserrat"/>
+                <a:sym typeface="Montserrat"/>
+              </a:rPr>
+              <a:t>Présentation de l’usage du no-code</a:t>
+            </a:r>
+            <a:endParaRPr sz="1000"/>
+          </a:p>
+        </p:txBody>
+      </p:sp>
+      <p:sp>
+        <p:nvSpPr>
+          <p:cNvPr id="114" name="Google Shape;114;p20"/>
+          <p:cNvSpPr txBox="1"/>
+          <p:nvPr/>
+        </p:nvSpPr>
+        <p:spPr>
+          <a:xfrm>
+            <a:off x="434775" y="1085525"/>
+            <a:ext cx="8320500" cy="2774575"/>
+          </a:xfrm>
+          <a:prstGeom prst="rect">
+            <a:avLst/>
+          </a:prstGeom>
+          <a:noFill/>
+          <a:ln>
+            <a:noFill/>
+          </a:ln>
+        </p:spPr>
+        <p:txBody>
+          <a:bodyPr spcFirstLastPara="1" wrap="square" lIns="91425" tIns="91425" rIns="91425" bIns="91425" anchor="t" anchorCtr="0">
+            <a:spAutoFit/>
+          </a:bodyPr>
+          <a:lstStyle/>
+          <a:p>
+            <a:pPr marL="457200" lvl="0" indent="-323850" algn="just" rtl="0">
+              <a:lnSpc>
+                <a:spcPct val="150000"/>
+              </a:lnSpc>
+              <a:spcBef>
+                <a:spcPts val="0"/>
+              </a:spcBef>
+              <a:spcAft>
+                <a:spcPts val="0"/>
+              </a:spcAft>
+              <a:buClr>
+                <a:srgbClr val="0D0D0D"/>
+              </a:buClr>
+              <a:buSzPts val="1500"/>
+              <a:buFont typeface="Montserrat"/>
+              <a:buChar char="●"/>
+            </a:pPr>
+            <a:r>
+              <a:rPr lang="fr-FR" sz="1500" i="1" dirty="0">
+                <a:solidFill>
+                  <a:schemeClr val="tx1"/>
+                </a:solidFill>
+                <a:highlight>
+                  <a:srgbClr val="FFFFFF"/>
+                </a:highlight>
+                <a:latin typeface="Montserrat"/>
+                <a:ea typeface="Montserrat"/>
+                <a:cs typeface="Montserrat"/>
+                <a:sym typeface="Montserrat"/>
+              </a:rPr>
+              <a:t>Bénéfices de la veille technologique pour le projet :</a:t>
+            </a:r>
+          </a:p>
+          <a:p>
+            <a:pPr marL="457200" lvl="0" indent="-323850" algn="just" rtl="0">
+              <a:lnSpc>
+                <a:spcPct val="150000"/>
+              </a:lnSpc>
+              <a:spcBef>
+                <a:spcPts val="0"/>
+              </a:spcBef>
+              <a:spcAft>
+                <a:spcPts val="0"/>
+              </a:spcAft>
+              <a:buClr>
+                <a:srgbClr val="0D0D0D"/>
+              </a:buClr>
+              <a:buSzPts val="1500"/>
+              <a:buFont typeface="Montserrat"/>
+              <a:buChar char="●"/>
+            </a:pPr>
+            <a:endParaRPr lang="fr-FR" sz="1500" i="1" dirty="0">
+              <a:solidFill>
+                <a:schemeClr val="tx1"/>
+              </a:solidFill>
+              <a:highlight>
+                <a:srgbClr val="FFFFFF"/>
+              </a:highlight>
+              <a:latin typeface="Montserrat"/>
+              <a:ea typeface="Montserrat"/>
+              <a:cs typeface="Montserrat"/>
+              <a:sym typeface="Montserrat"/>
+            </a:endParaRPr>
+          </a:p>
+          <a:p>
+            <a:pPr marL="742950" lvl="1" indent="-285750" algn="just">
+              <a:buFont typeface="Wingdings" panose="05000000000000000000" pitchFamily="2" charset="2"/>
+              <a:buChar char="ü"/>
+            </a:pPr>
+            <a:r>
+              <a:rPr lang="fr-FR" sz="1200" dirty="0">
+                <a:solidFill>
+                  <a:schemeClr val="tx1"/>
+                </a:solidFill>
+                <a:latin typeface="Montserrat"/>
+                <a:ea typeface="Montserrat"/>
+                <a:cs typeface="Montserrat"/>
+                <a:sym typeface="Montserrat"/>
+              </a:rPr>
+              <a:t>Se tenir informé des dernières nouveautés en matière de langages, frameworks, bibliothèques, librairies…</a:t>
+            </a:r>
+          </a:p>
+          <a:p>
+            <a:pPr marL="742950" lvl="1" indent="-285750" algn="just">
+              <a:buFont typeface="Wingdings" panose="05000000000000000000" pitchFamily="2" charset="2"/>
+              <a:buChar char="ü"/>
+            </a:pPr>
+            <a:r>
+              <a:rPr lang="fr-FR" sz="1200" dirty="0">
+                <a:solidFill>
+                  <a:schemeClr val="tx1"/>
+                </a:solidFill>
+                <a:latin typeface="Montserrat"/>
+                <a:ea typeface="Montserrat"/>
+                <a:cs typeface="Montserrat"/>
+                <a:sym typeface="Montserrat"/>
+              </a:rPr>
+              <a:t>Se tenir à jour sur les bonnes pratiques de développement et de sécurité en vigueur (apprentissage continu)</a:t>
+            </a:r>
+          </a:p>
+          <a:p>
+            <a:pPr marL="457200" lvl="1" algn="just"/>
+            <a:endParaRPr lang="fr-FR" sz="1500" i="1" dirty="0">
+              <a:solidFill>
+                <a:schemeClr val="tx1"/>
+              </a:solidFill>
+              <a:latin typeface="Montserrat"/>
+              <a:ea typeface="Montserrat"/>
+              <a:cs typeface="Montserrat"/>
+              <a:sym typeface="Montserrat"/>
+            </a:endParaRPr>
+          </a:p>
+          <a:p>
+            <a:pPr marL="133350" marR="0" lvl="0" algn="just" defTabSz="914400" rtl="0" eaLnBrk="1" fontAlgn="auto" latinLnBrk="0" hangingPunct="1">
+              <a:lnSpc>
+                <a:spcPct val="150000"/>
+              </a:lnSpc>
+              <a:spcBef>
+                <a:spcPts val="0"/>
+              </a:spcBef>
+              <a:spcAft>
+                <a:spcPts val="0"/>
+              </a:spcAft>
+              <a:buClr>
+                <a:srgbClr val="0D0D0D"/>
+              </a:buClr>
+              <a:buSzPts val="1500"/>
+              <a:tabLst/>
+              <a:defRPr/>
+            </a:pPr>
+            <a:r>
+              <a:rPr kumimoji="0" lang="fr-FR" sz="1500" b="1" i="1" u="none" strike="noStrike" kern="0" cap="none" spc="0" normalizeH="0" baseline="0" noProof="0" dirty="0">
+                <a:ln>
+                  <a:noFill/>
+                </a:ln>
+                <a:solidFill>
+                  <a:srgbClr val="000000"/>
+                </a:solidFill>
+                <a:effectLst/>
+                <a:highlight>
+                  <a:srgbClr val="FFFFFF"/>
+                </a:highlight>
+                <a:uLnTx/>
+                <a:uFillTx/>
+                <a:latin typeface="Montserrat"/>
+                <a:ea typeface="Montserrat"/>
+                <a:cs typeface="Montserrat"/>
+                <a:sym typeface="Montserrat"/>
+              </a:rPr>
+              <a:t>=&gt; Travail de bonne qualité et aligné sur les dernières technologies</a:t>
+            </a:r>
+            <a:endParaRPr lang="fr-FR" sz="1200" b="1" i="1" dirty="0">
+              <a:solidFill>
+                <a:schemeClr val="dk1"/>
+              </a:solidFill>
+              <a:latin typeface="Montserrat"/>
+              <a:ea typeface="Montserrat"/>
+              <a:cs typeface="Montserrat"/>
+              <a:sym typeface="Montserrat"/>
+            </a:endParaRPr>
+          </a:p>
+          <a:p>
+            <a:pPr marL="171450" lvl="7" indent="-171450">
+              <a:lnSpc>
+                <a:spcPct val="115000"/>
+              </a:lnSpc>
+              <a:buFont typeface="Wingdings" panose="05000000000000000000" pitchFamily="2" charset="2"/>
+              <a:buChar char="ü"/>
+            </a:pPr>
+            <a:endParaRPr sz="1200" i="1" dirty="0">
+              <a:solidFill>
+                <a:schemeClr val="dk1"/>
+              </a:solidFill>
+              <a:latin typeface="Montserrat"/>
+              <a:ea typeface="Montserrat"/>
+              <a:cs typeface="Montserrat"/>
+              <a:sym typeface="Montserrat"/>
+            </a:endParaRPr>
+          </a:p>
+          <a:p>
+            <a:pPr marL="0" lvl="0" indent="0" algn="l" rtl="0">
+              <a:spcBef>
+                <a:spcPts val="1200"/>
+              </a:spcBef>
+              <a:spcAft>
+                <a:spcPts val="0"/>
+              </a:spcAft>
+              <a:buNone/>
+            </a:pPr>
+            <a:endParaRPr dirty="0"/>
+          </a:p>
+        </p:txBody>
+      </p:sp>
+      <p:sp>
+        <p:nvSpPr>
+          <p:cNvPr id="115" name="Google Shape;115;p20"/>
+          <p:cNvSpPr/>
+          <p:nvPr/>
+        </p:nvSpPr>
+        <p:spPr>
+          <a:xfrm>
+            <a:off x="-4800" y="0"/>
+            <a:ext cx="9153600" cy="239700"/>
+          </a:xfrm>
+          <a:prstGeom prst="rect">
+            <a:avLst/>
+          </a:prstGeom>
+          <a:solidFill>
+            <a:srgbClr val="FCE5CD"/>
+          </a:solidFill>
+          <a:ln w="9525" cap="flat" cmpd="sng">
+            <a:solidFill>
+              <a:srgbClr val="F7EDDE"/>
+            </a:solidFill>
+            <a:prstDash val="solid"/>
+            <a:round/>
+            <a:headEnd type="none" w="sm" len="sm"/>
+            <a:tailEnd type="none" w="sm" len="sm"/>
+          </a:ln>
+        </p:spPr>
+        <p:txBody>
+          <a:bodyPr spcFirstLastPara="1" wrap="square" lIns="91425" tIns="91425" rIns="91425" bIns="91425" anchor="ctr" anchorCtr="0">
+            <a:noAutofit/>
+          </a:bodyPr>
+          <a:lstStyle/>
+          <a:p>
+            <a:pPr marL="0" lvl="0" indent="0" algn="ctr" rtl="0">
+              <a:spcBef>
+                <a:spcPts val="0"/>
+              </a:spcBef>
+              <a:spcAft>
+                <a:spcPts val="0"/>
+              </a:spcAft>
+              <a:buNone/>
+            </a:pPr>
+            <a:endParaRPr/>
+          </a:p>
+        </p:txBody>
+      </p:sp>
+      <p:pic>
+        <p:nvPicPr>
+          <p:cNvPr id="116" name="Google Shape;116;p20"/>
+          <p:cNvPicPr preferRelativeResize="0"/>
+          <p:nvPr/>
+        </p:nvPicPr>
+        <p:blipFill>
+          <a:blip r:embed="rId3">
+            <a:alphaModFix/>
+          </a:blip>
+          <a:stretch>
+            <a:fillRect/>
+          </a:stretch>
+        </p:blipFill>
+        <p:spPr>
+          <a:xfrm>
+            <a:off x="8469575" y="-4"/>
+            <a:ext cx="674425" cy="340550"/>
+          </a:xfrm>
+          <a:prstGeom prst="rect">
+            <a:avLst/>
+          </a:prstGeom>
+          <a:noFill/>
+          <a:ln>
+            <a:noFill/>
+          </a:ln>
+        </p:spPr>
+      </p:pic>
+    </p:spTree>
+    <p:extLst>
+      <p:ext uri="{BB962C8B-B14F-4D97-AF65-F5344CB8AC3E}">
+        <p14:creationId xmlns:p14="http://schemas.microsoft.com/office/powerpoint/2010/main" val="1102437204"/>
+      </p:ext>
+    </p:extLst>
+  </p:cSld>
+  <p:clrMapOvr>
+    <a:masterClrMapping/>
+  </p:clrMapOvr>
+</p:sld>
+</file>
+
+<file path=ppt/slides/slide19.xml><?xml version="1.0" encoding="utf-8"?>
 <p:sld xmlns:a="http://schemas.openxmlformats.org/drawingml/2006/main" xmlns:r="http://schemas.openxmlformats.org/officeDocument/2006/relationships" xmlns:p="http://schemas.openxmlformats.org/presentationml/2006/main">
   <p:cSld>
     <p:spTree>
@@ -10265,7 +12400,7 @@
               </a:spcAft>
               <a:buNone/>
             </a:pPr>
-            <a:endParaRPr>
+            <a:endParaRPr dirty="0">
               <a:latin typeface="Montserrat"/>
               <a:ea typeface="Montserrat"/>
               <a:cs typeface="Montserrat"/>
@@ -10282,7 +12417,7 @@
               </a:spcAft>
               <a:buNone/>
             </a:pPr>
-            <a:endParaRPr>
+            <a:endParaRPr dirty="0">
               <a:latin typeface="Montserrat"/>
               <a:ea typeface="Montserrat"/>
               <a:cs typeface="Montserrat"/>
@@ -10299,7 +12434,7 @@
               </a:spcAft>
               <a:buNone/>
             </a:pPr>
-            <a:endParaRPr>
+            <a:endParaRPr dirty="0">
               <a:latin typeface="Montserrat"/>
               <a:ea typeface="Montserrat"/>
               <a:cs typeface="Montserrat"/>
@@ -10370,7 +12505,7 @@
         <p:spPr>
           <a:xfrm>
             <a:off x="434775" y="1085525"/>
-            <a:ext cx="8320500" cy="1085100"/>
+            <a:ext cx="8320500" cy="2677626"/>
           </a:xfrm>
           <a:prstGeom prst="rect">
             <a:avLst/>
@@ -10404,7 +12539,7 @@
               <a:buChar char="●"/>
             </a:pPr>
             <a:r>
-              <a:rPr lang="fr" sz="1500">
+              <a:rPr lang="fr-FR" sz="1500" i="1" dirty="0">
                 <a:solidFill>
                   <a:srgbClr val="0D0D0D"/>
                 </a:solidFill>
@@ -10416,9 +12551,310 @@
                 <a:cs typeface="Montserrat"/>
                 <a:sym typeface="Montserrat"/>
               </a:rPr>
-              <a:t>Résumé des points clés de la présentation</a:t>
+              <a:t>« </a:t>
             </a:r>
-            <a:endParaRPr sz="1800">
+            <a:r>
+              <a:rPr lang="fr-FR" sz="1500" b="1" i="1" dirty="0">
+                <a:solidFill>
+                  <a:srgbClr val="0D0D0D"/>
+                </a:solidFill>
+                <a:highlight>
+                  <a:srgbClr val="FFFFFF"/>
+                </a:highlight>
+                <a:latin typeface="Montserrat"/>
+                <a:ea typeface="Montserrat"/>
+                <a:cs typeface="Montserrat"/>
+                <a:sym typeface="Montserrat"/>
+              </a:rPr>
+              <a:t>Menu Maker</a:t>
+            </a:r>
+            <a:r>
+              <a:rPr lang="fr-FR" sz="1500" i="1" dirty="0">
+                <a:solidFill>
+                  <a:srgbClr val="0D0D0D"/>
+                </a:solidFill>
+                <a:highlight>
+                  <a:srgbClr val="FFFFFF"/>
+                </a:highlight>
+                <a:latin typeface="Montserrat"/>
+                <a:ea typeface="Montserrat"/>
+                <a:cs typeface="Montserrat"/>
+                <a:sym typeface="Montserrat"/>
+              </a:rPr>
+              <a:t> » : outil en ligne d’aide à la création de menus</a:t>
+            </a:r>
+          </a:p>
+          <a:p>
+            <a:pPr marL="457200" lvl="0" indent="-342900" algn="l" rtl="0">
+              <a:lnSpc>
+                <a:spcPct val="115000"/>
+              </a:lnSpc>
+              <a:spcBef>
+                <a:spcPts val="0"/>
+              </a:spcBef>
+              <a:spcAft>
+                <a:spcPts val="0"/>
+              </a:spcAft>
+              <a:buClr>
+                <a:srgbClr val="0D0D0D"/>
+              </a:buClr>
+              <a:buSzPts val="1800"/>
+              <a:buFont typeface="Montserrat"/>
+              <a:buChar char="●"/>
+            </a:pPr>
+            <a:r>
+              <a:rPr lang="fr-FR" sz="1500" i="1" dirty="0">
+                <a:solidFill>
+                  <a:srgbClr val="0D0D0D"/>
+                </a:solidFill>
+                <a:highlight>
+                  <a:srgbClr val="FFFFFF"/>
+                </a:highlight>
+                <a:latin typeface="Montserrat"/>
+                <a:ea typeface="Montserrat"/>
+                <a:cs typeface="Montserrat"/>
+                <a:sym typeface="Montserrat"/>
+              </a:rPr>
+              <a:t>Méthodologie de développement </a:t>
+            </a:r>
+            <a:r>
+              <a:rPr lang="fr-FR" sz="1500" b="1" i="1" dirty="0">
+                <a:solidFill>
+                  <a:srgbClr val="0D0D0D"/>
+                </a:solidFill>
+                <a:highlight>
+                  <a:srgbClr val="FFFFFF"/>
+                </a:highlight>
+                <a:latin typeface="Montserrat"/>
+                <a:ea typeface="Montserrat"/>
+                <a:cs typeface="Montserrat"/>
+                <a:sym typeface="Montserrat"/>
+              </a:rPr>
+              <a:t>agile</a:t>
+            </a:r>
+          </a:p>
+          <a:p>
+            <a:pPr marL="457200" lvl="0" indent="-342900" algn="l" rtl="0">
+              <a:lnSpc>
+                <a:spcPct val="115000"/>
+              </a:lnSpc>
+              <a:spcBef>
+                <a:spcPts val="0"/>
+              </a:spcBef>
+              <a:spcAft>
+                <a:spcPts val="0"/>
+              </a:spcAft>
+              <a:buClr>
+                <a:srgbClr val="0D0D0D"/>
+              </a:buClr>
+              <a:buSzPts val="1800"/>
+              <a:buFont typeface="Montserrat"/>
+              <a:buChar char="●"/>
+            </a:pPr>
+            <a:r>
+              <a:rPr lang="fr-FR" sz="1500" i="1" dirty="0">
+                <a:solidFill>
+                  <a:srgbClr val="0D0D0D"/>
+                </a:solidFill>
+                <a:highlight>
+                  <a:srgbClr val="FFFFFF"/>
+                </a:highlight>
+                <a:latin typeface="Montserrat"/>
+                <a:ea typeface="Montserrat"/>
+                <a:cs typeface="Montserrat"/>
+                <a:sym typeface="Montserrat"/>
+              </a:rPr>
+              <a:t>Suivi des sprints via tableau </a:t>
+            </a:r>
+            <a:r>
+              <a:rPr lang="fr-FR" sz="1500" b="1" i="1" dirty="0">
+                <a:solidFill>
+                  <a:srgbClr val="0D0D0D"/>
+                </a:solidFill>
+                <a:highlight>
+                  <a:srgbClr val="FFFFFF"/>
+                </a:highlight>
+                <a:latin typeface="Montserrat"/>
+                <a:ea typeface="Montserrat"/>
+                <a:cs typeface="Montserrat"/>
+                <a:sym typeface="Montserrat"/>
+              </a:rPr>
+              <a:t>Kanban</a:t>
+            </a:r>
+          </a:p>
+          <a:p>
+            <a:pPr marL="457200" lvl="0" indent="-342900" algn="l" rtl="0">
+              <a:lnSpc>
+                <a:spcPct val="115000"/>
+              </a:lnSpc>
+              <a:spcBef>
+                <a:spcPts val="0"/>
+              </a:spcBef>
+              <a:spcAft>
+                <a:spcPts val="0"/>
+              </a:spcAft>
+              <a:buClr>
+                <a:srgbClr val="0D0D0D"/>
+              </a:buClr>
+              <a:buSzPts val="1800"/>
+              <a:buFont typeface="Montserrat"/>
+              <a:buChar char="●"/>
+            </a:pPr>
+            <a:r>
+              <a:rPr lang="fr-FR" sz="1500" i="1" dirty="0">
+                <a:solidFill>
+                  <a:srgbClr val="0D0D0D"/>
+                </a:solidFill>
+                <a:highlight>
+                  <a:srgbClr val="FFFFFF"/>
+                </a:highlight>
+                <a:latin typeface="Montserrat"/>
+                <a:ea typeface="Montserrat"/>
+                <a:cs typeface="Montserrat"/>
+                <a:sym typeface="Montserrat"/>
+              </a:rPr>
+              <a:t>Spécifications techniques définies (</a:t>
+            </a:r>
+            <a:r>
+              <a:rPr lang="fr-FR" sz="1500" b="1" i="1" dirty="0">
+                <a:solidFill>
+                  <a:srgbClr val="0D0D0D"/>
+                </a:solidFill>
+                <a:highlight>
+                  <a:srgbClr val="FFFFFF"/>
+                </a:highlight>
+                <a:latin typeface="Montserrat"/>
+                <a:ea typeface="Montserrat"/>
+                <a:cs typeface="Montserrat"/>
+                <a:sym typeface="Montserrat"/>
+              </a:rPr>
+              <a:t>ReactJS</a:t>
+            </a:r>
+            <a:r>
+              <a:rPr lang="fr-FR" sz="1500" i="1" dirty="0">
+                <a:solidFill>
+                  <a:srgbClr val="0D0D0D"/>
+                </a:solidFill>
+                <a:highlight>
+                  <a:srgbClr val="FFFFFF"/>
+                </a:highlight>
+                <a:latin typeface="Montserrat"/>
+                <a:ea typeface="Montserrat"/>
+                <a:cs typeface="Montserrat"/>
+                <a:sym typeface="Montserrat"/>
+              </a:rPr>
+              <a:t>, </a:t>
+            </a:r>
+            <a:r>
+              <a:rPr lang="fr-FR" sz="1500" b="1" i="1" dirty="0">
+                <a:solidFill>
+                  <a:srgbClr val="0D0D0D"/>
+                </a:solidFill>
+                <a:highlight>
+                  <a:srgbClr val="FFFFFF"/>
+                </a:highlight>
+                <a:latin typeface="Montserrat"/>
+                <a:ea typeface="Montserrat"/>
+                <a:cs typeface="Montserrat"/>
+                <a:sym typeface="Montserrat"/>
+              </a:rPr>
+              <a:t>NodeJS</a:t>
+            </a:r>
+            <a:r>
+              <a:rPr lang="fr-FR" sz="1500" i="1" dirty="0">
+                <a:solidFill>
+                  <a:srgbClr val="0D0D0D"/>
+                </a:solidFill>
+                <a:highlight>
+                  <a:srgbClr val="FFFFFF"/>
+                </a:highlight>
+                <a:latin typeface="Montserrat"/>
+                <a:ea typeface="Montserrat"/>
+                <a:cs typeface="Montserrat"/>
+                <a:sym typeface="Montserrat"/>
+              </a:rPr>
+              <a:t>, </a:t>
+            </a:r>
+            <a:r>
+              <a:rPr lang="fr-FR" sz="1500" b="1" i="1" dirty="0">
+                <a:solidFill>
+                  <a:srgbClr val="0D0D0D"/>
+                </a:solidFill>
+                <a:highlight>
+                  <a:srgbClr val="FFFFFF"/>
+                </a:highlight>
+                <a:latin typeface="Montserrat"/>
+                <a:ea typeface="Montserrat"/>
+                <a:cs typeface="Montserrat"/>
+                <a:sym typeface="Montserrat"/>
+              </a:rPr>
+              <a:t>MySQL</a:t>
+            </a:r>
+            <a:r>
+              <a:rPr lang="fr-FR" sz="1500" i="1" dirty="0">
+                <a:solidFill>
+                  <a:srgbClr val="0D0D0D"/>
+                </a:solidFill>
+                <a:highlight>
+                  <a:srgbClr val="FFFFFF"/>
+                </a:highlight>
+                <a:latin typeface="Montserrat"/>
+                <a:ea typeface="Montserrat"/>
+                <a:cs typeface="Montserrat"/>
+                <a:sym typeface="Montserrat"/>
+              </a:rPr>
+              <a:t>…)</a:t>
+            </a:r>
+          </a:p>
+          <a:p>
+            <a:pPr marL="457200" lvl="0" indent="-342900" algn="l" rtl="0">
+              <a:lnSpc>
+                <a:spcPct val="115000"/>
+              </a:lnSpc>
+              <a:spcBef>
+                <a:spcPts val="0"/>
+              </a:spcBef>
+              <a:spcAft>
+                <a:spcPts val="0"/>
+              </a:spcAft>
+              <a:buClr>
+                <a:srgbClr val="0D0D0D"/>
+              </a:buClr>
+              <a:buSzPts val="1800"/>
+              <a:buFont typeface="Montserrat"/>
+              <a:buChar char="●"/>
+            </a:pPr>
+            <a:r>
+              <a:rPr lang="fr-FR" sz="1500" i="1" dirty="0">
+                <a:solidFill>
+                  <a:srgbClr val="0D0D0D"/>
+                </a:solidFill>
+                <a:highlight>
+                  <a:srgbClr val="FFFFFF"/>
+                </a:highlight>
+                <a:latin typeface="Montserrat"/>
+                <a:ea typeface="Montserrat"/>
+                <a:cs typeface="Montserrat"/>
+                <a:sym typeface="Montserrat"/>
+              </a:rPr>
+              <a:t>Veille technologique à l’aide de </a:t>
+            </a:r>
+            <a:r>
+              <a:rPr lang="fr-FR" sz="1500" b="1" i="1" dirty="0">
+                <a:solidFill>
+                  <a:srgbClr val="0D0D0D"/>
+                </a:solidFill>
+                <a:highlight>
+                  <a:srgbClr val="FFFFFF"/>
+                </a:highlight>
+                <a:latin typeface="Montserrat"/>
+                <a:ea typeface="Montserrat"/>
+                <a:cs typeface="Montserrat"/>
+                <a:sym typeface="Montserrat"/>
+              </a:rPr>
+              <a:t>Feedly</a:t>
+            </a:r>
+            <a:endParaRPr lang="fr-FR" sz="1500" i="1" dirty="0">
               <a:solidFill>
                 <a:srgbClr val="0D0D0D"/>
               </a:solidFill>
@@ -10432,6 +12868,68 @@
             </a:endParaRPr>
           </a:p>
           <a:p>
+            <a:pPr marL="457200" lvl="0" indent="-342900" algn="l" rtl="0">
+              <a:lnSpc>
+                <a:spcPct val="115000"/>
+              </a:lnSpc>
+              <a:spcBef>
+                <a:spcPts val="0"/>
+              </a:spcBef>
+              <a:spcAft>
+                <a:spcPts val="0"/>
+              </a:spcAft>
+              <a:buClr>
+                <a:srgbClr val="0D0D0D"/>
+              </a:buClr>
+              <a:buSzPts val="1800"/>
+              <a:buFont typeface="Montserrat"/>
+              <a:buChar char="●"/>
+            </a:pPr>
+            <a:endParaRPr lang="fr-FR" sz="1500" i="1" dirty="0">
+              <a:solidFill>
+                <a:srgbClr val="0D0D0D"/>
+              </a:solidFill>
+              <a:highlight>
+                <a:srgbClr val="FFFFFF"/>
+              </a:highlight>
+              <a:latin typeface="Montserrat"/>
+              <a:ea typeface="Montserrat"/>
+              <a:cs typeface="Montserrat"/>
+              <a:sym typeface="Montserrat"/>
+            </a:endParaRPr>
+          </a:p>
+          <a:p>
+            <a:pPr marL="457200" lvl="0" indent="-342900" algn="l" rtl="0">
+              <a:lnSpc>
+                <a:spcPct val="115000"/>
+              </a:lnSpc>
+              <a:spcBef>
+                <a:spcPts val="0"/>
+              </a:spcBef>
+              <a:spcAft>
+                <a:spcPts val="0"/>
+              </a:spcAft>
+              <a:buClr>
+                <a:srgbClr val="0D0D0D"/>
+              </a:buClr>
+              <a:buSzPts val="1800"/>
+              <a:buFont typeface="Montserrat"/>
+              <a:buChar char="●"/>
+            </a:pPr>
+            <a:endParaRPr sz="1800" b="1" i="1" dirty="0">
+              <a:solidFill>
+                <a:srgbClr val="0D0D0D"/>
+              </a:solidFill>
+              <a:highlight>
+                <a:srgbClr val="FFFFFF"/>
+              </a:highlight>
+              <a:latin typeface="Montserrat"/>
+              <a:ea typeface="Montserrat"/>
+              <a:cs typeface="Montserrat"/>
+              <a:sym typeface="Montserrat"/>
+            </a:endParaRPr>
+          </a:p>
+          <a:p>
             <a:pPr marL="0" lvl="0" indent="0" algn="l" rtl="0">
               <a:lnSpc>
                 <a:spcPct val="115000"/>
@@ -10444,7 +12942,7 @@
               </a:spcAft>
               <a:buNone/>
             </a:pPr>
-            <a:endParaRPr sz="1200" i="1">
+            <a:endParaRPr sz="1200" i="1" dirty="0">
               <a:solidFill>
                 <a:schemeClr val="dk1"/>
               </a:solidFill>
@@ -10464,7 +12962,7 @@
               </a:spcAft>
               <a:buNone/>
             </a:pPr>
-            <a:endParaRPr/>
+            <a:endParaRPr dirty="0"/>
           </a:p>
         </p:txBody>
       </p:sp>
@@ -10517,171 +13015,6 @@
       <p:pic>
         <p:nvPicPr>
           <p:cNvPr id="126" name="Google Shape;126;p21"/>
-          <p:cNvPicPr preferRelativeResize="0"/>
-          <p:nvPr/>
-        </p:nvPicPr>
-        <p:blipFill>
-          <a:blip r:embed="rId3">
-            <a:alphaModFix/>
-          </a:blip>
-          <a:stretch>
-            <a:fillRect/>
-          </a:stretch>
-        </p:blipFill>
-        <p:spPr>
-          <a:xfrm>
-            <a:off x="8469575" y="-4"/>
-            <a:ext cx="674425" cy="340550"/>
-          </a:xfrm>
-          <a:prstGeom prst="rect">
-            <a:avLst/>
-          </a:prstGeom>
-          <a:noFill/>
-          <a:ln>
-            <a:noFill/>
-          </a:ln>
-        </p:spPr>
-      </p:pic>
-    </p:spTree>
-  </p:cSld>
-  <p:clrMapOvr>
-    <a:masterClrMapping/>
-  </p:clrMapOvr>
-</p:sld>
-</file>
-
-<file path=ppt/slides/slide17.xml><?xml version="1.0" encoding="utf-8"?>
-<p:sld xmlns:a="http://schemas.openxmlformats.org/drawingml/2006/main" xmlns:r="http://schemas.openxmlformats.org/officeDocument/2006/relationships" xmlns:p="http://schemas.openxmlformats.org/presentationml/2006/main">
-  <p:cSld>
-    <p:bg>
-      <p:bgPr>
-        <a:solidFill>
-          <a:srgbClr val="FCE5CD"/>
-        </a:solidFill>
-        <a:effectLst/>
-      </p:bgPr>
-    </p:bg>
-    <p:spTree>
-      <p:nvGrpSpPr>
-        <p:cNvPr id="1" name="Shape 130"/>
-        <p:cNvGrpSpPr/>
-        <p:nvPr/>
-      </p:nvGrpSpPr>
-      <p:grpSpPr>
-        <a:xfrm>
-          <a:off x="0" y="0"/>
-          <a:ext cx="0" cy="0"/>
-          <a:chOff x="0" y="0"/>
-          <a:chExt cx="0" cy="0"/>
-        </a:xfrm>
-      </p:grpSpPr>
-      <p:sp>
-        <p:nvSpPr>
-          <p:cNvPr id="131" name="Google Shape;131;p22"/>
-          <p:cNvSpPr txBox="1"/>
-          <p:nvPr/>
-        </p:nvSpPr>
-        <p:spPr>
-          <a:xfrm>
-            <a:off x="2411475" y="2125800"/>
-            <a:ext cx="4222200" cy="801900"/>
-          </a:xfrm>
-          <a:prstGeom prst="rect">
-            <a:avLst/>
-          </a:prstGeom>
-          <a:noFill/>
-          <a:ln>
-            <a:noFill/>
-          </a:ln>
-        </p:spPr>
-        <p:txBody>
-          <a:bodyPr spcFirstLastPara="1" wrap="square" lIns="91425" tIns="91425" rIns="91425" bIns="91425" anchor="t" anchorCtr="0">
-            <a:noAutofit/>
-          </a:bodyPr>
-          <a:lstStyle/>
-          <a:p>
-            <a:pPr marL="0" lvl="0" indent="0" algn="ctr" rtl="0">
-              <a:spcBef>
-                <a:spcPts val="0"/>
-              </a:spcBef>
-              <a:spcAft>
-                <a:spcPts val="0"/>
-              </a:spcAft>
-              <a:buNone/>
-            </a:pPr>
-            <a:r>
-              <a:rPr lang="fr" sz="3500">
-                <a:solidFill>
-                  <a:schemeClr val="dk1"/>
-                </a:solidFill>
-                <a:latin typeface="Montserrat"/>
-                <a:ea typeface="Montserrat"/>
-                <a:cs typeface="Montserrat"/>
-                <a:sym typeface="Montserrat"/>
-              </a:rPr>
-              <a:t>QUESTIONS ?</a:t>
-            </a:r>
-            <a:endParaRPr sz="3500">
-              <a:solidFill>
-                <a:schemeClr val="dk1"/>
-              </a:solidFill>
-              <a:latin typeface="Montserrat"/>
-              <a:ea typeface="Montserrat"/>
-              <a:cs typeface="Montserrat"/>
-              <a:sym typeface="Montserrat"/>
-            </a:endParaRPr>
-          </a:p>
-        </p:txBody>
-      </p:sp>
-      <p:sp>
-        <p:nvSpPr>
-          <p:cNvPr id="132" name="Google Shape;132;p22"/>
-          <p:cNvSpPr txBox="1"/>
-          <p:nvPr/>
-        </p:nvSpPr>
-        <p:spPr>
-          <a:xfrm>
-            <a:off x="115175" y="118275"/>
-            <a:ext cx="2384700" cy="280200"/>
-          </a:xfrm>
-          <a:prstGeom prst="rect">
-            <a:avLst/>
-          </a:prstGeom>
-          <a:noFill/>
-          <a:ln>
-            <a:noFill/>
-          </a:ln>
-        </p:spPr>
-        <p:txBody>
-          <a:bodyPr spcFirstLastPara="1" wrap="square" lIns="91425" tIns="91425" rIns="91425" bIns="91425" anchor="t" anchorCtr="0">
-            <a:noAutofit/>
-          </a:bodyPr>
-          <a:lstStyle/>
-          <a:p>
-            <a:pPr marL="0" lvl="0" indent="0" algn="l" rtl="0">
-              <a:spcBef>
-                <a:spcPts val="0"/>
-              </a:spcBef>
-              <a:spcAft>
-                <a:spcPts val="0"/>
-              </a:spcAft>
-              <a:buNone/>
-            </a:pPr>
-            <a:endParaRPr sz="1500">
-              <a:solidFill>
-                <a:schemeClr val="dk1"/>
-              </a:solidFill>
-              <a:latin typeface="Montserrat"/>
-              <a:ea typeface="Montserrat"/>
-              <a:cs typeface="Montserrat"/>
-              <a:sym typeface="Montserrat"/>
-            </a:endParaRPr>
-          </a:p>
-        </p:txBody>
-      </p:sp>
-      <p:pic>
-        <p:nvPicPr>
-          <p:cNvPr id="133" name="Google Shape;133;p22"/>
           <p:cNvPicPr preferRelativeResize="0"/>
           <p:nvPr/>
         </p:nvPicPr>
@@ -11237,6 +13570,171 @@
 </p:sld>
 </file>
 
+<file path=ppt/slides/slide20.xml><?xml version="1.0" encoding="utf-8"?>
+<p:sld xmlns:a="http://schemas.openxmlformats.org/drawingml/2006/main" xmlns:r="http://schemas.openxmlformats.org/officeDocument/2006/relationships" xmlns:p="http://schemas.openxmlformats.org/presentationml/2006/main">
+  <p:cSld>
+    <p:bg>
+      <p:bgPr>
+        <a:solidFill>
+          <a:srgbClr val="FCE5CD"/>
+        </a:solidFill>
+        <a:effectLst/>
+      </p:bgPr>
+    </p:bg>
+    <p:spTree>
+      <p:nvGrpSpPr>
+        <p:cNvPr id="1" name="Shape 130"/>
+        <p:cNvGrpSpPr/>
+        <p:nvPr/>
+      </p:nvGrpSpPr>
+      <p:grpSpPr>
+        <a:xfrm>
+          <a:off x="0" y="0"/>
+          <a:ext cx="0" cy="0"/>
+          <a:chOff x="0" y="0"/>
+          <a:chExt cx="0" cy="0"/>
+        </a:xfrm>
+      </p:grpSpPr>
+      <p:sp>
+        <p:nvSpPr>
+          <p:cNvPr id="131" name="Google Shape;131;p22"/>
+          <p:cNvSpPr txBox="1"/>
+          <p:nvPr/>
+        </p:nvSpPr>
+        <p:spPr>
+          <a:xfrm>
+            <a:off x="2411475" y="2125800"/>
+            <a:ext cx="4222200" cy="801900"/>
+          </a:xfrm>
+          <a:prstGeom prst="rect">
+            <a:avLst/>
+          </a:prstGeom>
+          <a:noFill/>
+          <a:ln>
+            <a:noFill/>
+          </a:ln>
+        </p:spPr>
+        <p:txBody>
+          <a:bodyPr spcFirstLastPara="1" wrap="square" lIns="91425" tIns="91425" rIns="91425" bIns="91425" anchor="t" anchorCtr="0">
+            <a:noAutofit/>
+          </a:bodyPr>
+          <a:lstStyle/>
+          <a:p>
+            <a:pPr marL="0" lvl="0" indent="0" algn="ctr" rtl="0">
+              <a:spcBef>
+                <a:spcPts val="0"/>
+              </a:spcBef>
+              <a:spcAft>
+                <a:spcPts val="0"/>
+              </a:spcAft>
+              <a:buNone/>
+            </a:pPr>
+            <a:r>
+              <a:rPr lang="fr" sz="3500">
+                <a:solidFill>
+                  <a:schemeClr val="dk1"/>
+                </a:solidFill>
+                <a:latin typeface="Montserrat"/>
+                <a:ea typeface="Montserrat"/>
+                <a:cs typeface="Montserrat"/>
+                <a:sym typeface="Montserrat"/>
+              </a:rPr>
+              <a:t>QUESTIONS ?</a:t>
+            </a:r>
+            <a:endParaRPr sz="3500">
+              <a:solidFill>
+                <a:schemeClr val="dk1"/>
+              </a:solidFill>
+              <a:latin typeface="Montserrat"/>
+              <a:ea typeface="Montserrat"/>
+              <a:cs typeface="Montserrat"/>
+              <a:sym typeface="Montserrat"/>
+            </a:endParaRPr>
+          </a:p>
+        </p:txBody>
+      </p:sp>
+      <p:sp>
+        <p:nvSpPr>
+          <p:cNvPr id="132" name="Google Shape;132;p22"/>
+          <p:cNvSpPr txBox="1"/>
+          <p:nvPr/>
+        </p:nvSpPr>
+        <p:spPr>
+          <a:xfrm>
+            <a:off x="115175" y="118275"/>
+            <a:ext cx="2384700" cy="280200"/>
+          </a:xfrm>
+          <a:prstGeom prst="rect">
+            <a:avLst/>
+          </a:prstGeom>
+          <a:noFill/>
+          <a:ln>
+            <a:noFill/>
+          </a:ln>
+        </p:spPr>
+        <p:txBody>
+          <a:bodyPr spcFirstLastPara="1" wrap="square" lIns="91425" tIns="91425" rIns="91425" bIns="91425" anchor="t" anchorCtr="0">
+            <a:noAutofit/>
+          </a:bodyPr>
+          <a:lstStyle/>
+          <a:p>
+            <a:pPr marL="0" lvl="0" indent="0" algn="l" rtl="0">
+              <a:spcBef>
+                <a:spcPts val="0"/>
+              </a:spcBef>
+              <a:spcAft>
+                <a:spcPts val="0"/>
+              </a:spcAft>
+              <a:buNone/>
+            </a:pPr>
+            <a:endParaRPr sz="1500">
+              <a:solidFill>
+                <a:schemeClr val="dk1"/>
+              </a:solidFill>
+              <a:latin typeface="Montserrat"/>
+              <a:ea typeface="Montserrat"/>
+              <a:cs typeface="Montserrat"/>
+              <a:sym typeface="Montserrat"/>
+            </a:endParaRPr>
+          </a:p>
+        </p:txBody>
+      </p:sp>
+      <p:pic>
+        <p:nvPicPr>
+          <p:cNvPr id="133" name="Google Shape;133;p22"/>
+          <p:cNvPicPr preferRelativeResize="0"/>
+          <p:nvPr/>
+        </p:nvPicPr>
+        <p:blipFill>
+          <a:blip r:embed="rId3">
+            <a:alphaModFix/>
+          </a:blip>
+          <a:stretch>
+            <a:fillRect/>
+          </a:stretch>
+        </p:blipFill>
+        <p:spPr>
+          <a:xfrm>
+            <a:off x="8469575" y="-4"/>
+            <a:ext cx="674425" cy="340550"/>
+          </a:xfrm>
+          <a:prstGeom prst="rect">
+            <a:avLst/>
+          </a:prstGeom>
+          <a:noFill/>
+          <a:ln>
+            <a:noFill/>
+          </a:ln>
+        </p:spPr>
+      </p:pic>
+    </p:spTree>
+  </p:cSld>
+  <p:clrMapOvr>
+    <a:masterClrMapping/>
+  </p:clrMapOvr>
+</p:sld>
+</file>
+
 <file path=ppt/slides/slide3.xml><?xml version="1.0" encoding="utf-8"?>
 <p:sld xmlns:a="http://schemas.openxmlformats.org/drawingml/2006/main" xmlns:r="http://schemas.openxmlformats.org/officeDocument/2006/relationships" xmlns:p="http://schemas.openxmlformats.org/presentationml/2006/main">
   <p:cSld>
@@ -11373,7 +13871,7 @@
                 <a:cs typeface="Montserrat"/>
                 <a:sym typeface="Montserrat"/>
               </a:rPr>
-              <a:t> souhaite réaliser un outil en ligne qui permettra à ses clients restaurateurs de publier et de choisir par eux-mêmes la mise en forme de leurs menus, d’où le nom “</a:t>
+              <a:t> souhaite réaliser un outil en ligne qui permettra à ses clients restaurateurs de publier et de choisir par eux-mêmes la mise en forme de leurs menus, d’où le nom « </a:t>
             </a:r>
             <a:r>
               <a:rPr lang="fr-FR" sz="1500" b="1" i="1" dirty="0">
@@ -11385,7 +13883,7 @@
                 <a:cs typeface="Montserrat"/>
                 <a:sym typeface="Montserrat"/>
               </a:rPr>
-              <a:t>Menu Maker</a:t>
+              <a:t>Menu Maker </a:t>
             </a:r>
             <a:r>
               <a:rPr lang="fr-FR" sz="1500" i="1" dirty="0">
@@ -11397,7 +13895,7 @@
                 <a:cs typeface="Montserrat"/>
                 <a:sym typeface="Montserrat"/>
               </a:rPr>
-              <a:t>”.</a:t>
+              <a:t>».</a:t>
             </a:r>
           </a:p>
           <a:p>
@@ -13155,7 +15653,7 @@
           </a:bodyPr>
           <a:lstStyle/>
           <a:p>
-            <a:pPr marL="457200" lvl="0" indent="-323850" algn="l" rtl="0">
+            <a:pPr marL="457200" lvl="0" indent="-323850" algn="just" rtl="0">
               <a:spcBef>
                 <a:spcPts val="0"/>
               </a:spcBef>
@@ -13169,6 +15667,21 @@
               <a:buFont typeface="Montserrat"/>
               <a:buChar char="●"/>
             </a:pPr>
+            <a:r>
+              <a:rPr lang="fr-FR" sz="1500" b="1" i="1" dirty="0">
+                <a:solidFill>
+                  <a:srgbClr val="0D0D0D"/>
+                </a:solidFill>
+                <a:highlight>
+                  <a:srgbClr val="FFFFFF"/>
+                </a:highlight>
+                <a:latin typeface="Montserrat"/>
+                <a:ea typeface="Montserrat"/>
+                <a:cs typeface="Montserrat"/>
+                <a:sym typeface="Montserrat"/>
+              </a:rPr>
+              <a:t>Méthodologie de développement agile </a:t>
+            </a:r>
             <a:r>
               <a:rPr lang="fr-FR" sz="1500" i="1" dirty="0">
                 <a:solidFill>
@@ -13182,11 +15695,11 @@
                 <a:cs typeface="Montserrat"/>
                 <a:sym typeface="Montserrat"/>
               </a:rPr>
-              <a:t>Méthodologie de développement agile : approche du développement logiciel dont l'objectif est de distribuer en continu des logiciels opérationnels créés sur la base d'itérations rapides.</a:t>
+              <a:t>: approche du développement logiciel dont l'objectif est de distribuer en continu des logiciels opérationnels créés sur la base d'itérations rapides.</a:t>
             </a:r>
           </a:p>
           <a:p>
-            <a:pPr marL="457200" lvl="0" indent="-323850" algn="l" rtl="0">
+            <a:pPr marL="457200" lvl="0" indent="-323850" rtl="0">
               <a:spcBef>
                 <a:spcPts val="0"/>
               </a:spcBef>
@@ -13214,7 +15727,7 @@
             </a:endParaRPr>
           </a:p>
           <a:p>
-            <a:pPr marL="457200" lvl="0" indent="-323850" algn="l" rtl="0">
+            <a:pPr marL="457200" lvl="0" indent="-323850" rtl="0">
               <a:spcBef>
                 <a:spcPts val="0"/>
               </a:spcBef>
@@ -13241,7 +15754,37 @@
                 <a:cs typeface="Montserrat"/>
                 <a:sym typeface="Montserrat"/>
               </a:rPr>
-              <a:t>Durée des sprints : 4 semaines.</a:t>
+              <a:t>Durée des </a:t>
+            </a:r>
+            <a:r>
+              <a:rPr lang="fr-FR" sz="1500" b="1" i="1" dirty="0">
+                <a:solidFill>
+                  <a:srgbClr val="0D0D0D"/>
+                </a:solidFill>
+                <a:highlight>
+                  <a:srgbClr val="FFFFFF"/>
+                </a:highlight>
+                <a:latin typeface="Montserrat"/>
+                <a:ea typeface="Montserrat"/>
+                <a:cs typeface="Montserrat"/>
+                <a:sym typeface="Montserrat"/>
+              </a:rPr>
+              <a:t>sprints</a:t>
+            </a:r>
+            <a:r>
+              <a:rPr lang="fr-FR" sz="1500" i="1" dirty="0">
+                <a:solidFill>
+                  <a:srgbClr val="0D0D0D"/>
+                </a:solidFill>
+                <a:highlight>
+                  <a:srgbClr val="FFFFFF"/>
+                </a:highlight>
+                <a:latin typeface="Montserrat"/>
+                <a:ea typeface="Montserrat"/>
+                <a:cs typeface="Montserrat"/>
+                <a:sym typeface="Montserrat"/>
+              </a:rPr>
+              <a:t> : 4 semaines.</a:t>
             </a:r>
             <a:br>
               <a:rPr lang="fr-FR" sz="1500" dirty="0">
@@ -13271,7 +15814,7 @@
             </a:endParaRPr>
           </a:p>
           <a:p>
-            <a:pPr marL="457200" lvl="0" indent="-323850" algn="l" rtl="0">
+            <a:pPr marL="457200" lvl="0" indent="-323850" rtl="0">
               <a:spcBef>
                 <a:spcPts val="0"/>
               </a:spcBef>
@@ -13302,7 +15845,7 @@
             </a:r>
           </a:p>
           <a:p>
-            <a:pPr marL="457200" lvl="0" indent="-323850" algn="l" rtl="0">
+            <a:pPr marL="457200" lvl="0" indent="-323850" rtl="0">
               <a:spcBef>
                 <a:spcPts val="0"/>
               </a:spcBef>

--- a/BIARD_Sunny_4_presentation_052024.pptx
+++ b/BIARD_Sunny_4_presentation_052024.pptx
@@ -9530,35 +9530,8 @@
                 <a:cs typeface="Montserrat"/>
                 <a:sym typeface="Montserrat"/>
               </a:rPr>
-              <a:t>Nodemailer, localStorage, </a:t>
+              <a:t>Nodemailer, localStorage, PassportJS</a:t>
             </a:r>
-            <a:r>
-              <a:rPr lang="fr-FR" sz="1500" b="1" i="1" dirty="0" err="1">
-                <a:solidFill>
-                  <a:srgbClr val="0D0D0D"/>
-                </a:solidFill>
-                <a:highlight>
-                  <a:srgbClr val="FFFFFF"/>
-                </a:highlight>
-                <a:latin typeface="Montserrat"/>
-                <a:ea typeface="Montserrat"/>
-                <a:cs typeface="Montserrat"/>
-                <a:sym typeface="Montserrat"/>
-              </a:rPr>
-              <a:t>PassportJS</a:t>
-            </a:r>
-            <a:endParaRPr lang="fr-FR" sz="1500" b="1" i="1" dirty="0">
-              <a:solidFill>
-                <a:srgbClr val="0D0D0D"/>
-              </a:solidFill>
-              <a:highlight>
-                <a:srgbClr val="FFFFFF"/>
-              </a:highlight>
-              <a:latin typeface="Montserrat"/>
-              <a:ea typeface="Montserrat"/>
-              <a:cs typeface="Montserrat"/>
-              <a:sym typeface="Montserrat"/>
-            </a:endParaRPr>
           </a:p>
           <a:p>
             <a:pPr marL="457200" indent="-323850">
@@ -12664,7 +12637,37 @@
                 <a:cs typeface="Montserrat"/>
                 <a:sym typeface="Montserrat"/>
               </a:rPr>
-              <a:t>Suivi des sprints via tableau </a:t>
+              <a:t>Suivi des </a:t>
+            </a:r>
+            <a:r>
+              <a:rPr lang="fr-FR" sz="1500" b="1" i="1" dirty="0">
+                <a:solidFill>
+                  <a:srgbClr val="0D0D0D"/>
+                </a:solidFill>
+                <a:highlight>
+                  <a:srgbClr val="FFFFFF"/>
+                </a:highlight>
+                <a:latin typeface="Montserrat"/>
+                <a:ea typeface="Montserrat"/>
+                <a:cs typeface="Montserrat"/>
+                <a:sym typeface="Montserrat"/>
+              </a:rPr>
+              <a:t>sprints</a:t>
+            </a:r>
+            <a:r>
+              <a:rPr lang="fr-FR" sz="1500" i="1" dirty="0">
+                <a:solidFill>
+                  <a:srgbClr val="0D0D0D"/>
+                </a:solidFill>
+                <a:highlight>
+                  <a:srgbClr val="FFFFFF"/>
+                </a:highlight>
+                <a:latin typeface="Montserrat"/>
+                <a:ea typeface="Montserrat"/>
+                <a:cs typeface="Montserrat"/>
+                <a:sym typeface="Montserrat"/>
+              </a:rPr>
+              <a:t> via le tableau </a:t>
             </a:r>
             <a:r>
               <a:rPr lang="fr-FR" sz="1500" b="1" i="1" dirty="0">

--- a/BIARD_Sunny_4_presentation_052024.pptx
+++ b/BIARD_Sunny_4_presentation_052024.pptx
@@ -12,11 +12,11 @@
     <p:sldId id="257" r:id="rId3"/>
     <p:sldId id="258" r:id="rId4"/>
     <p:sldId id="259" r:id="rId5"/>
-    <p:sldId id="266" r:id="rId6"/>
-    <p:sldId id="267" r:id="rId7"/>
-    <p:sldId id="268" r:id="rId8"/>
-    <p:sldId id="269" r:id="rId9"/>
-    <p:sldId id="260" r:id="rId10"/>
+    <p:sldId id="267" r:id="rId6"/>
+    <p:sldId id="268" r:id="rId7"/>
+    <p:sldId id="269" r:id="rId8"/>
+    <p:sldId id="260" r:id="rId9"/>
+    <p:sldId id="276" r:id="rId10"/>
     <p:sldId id="261" r:id="rId11"/>
     <p:sldId id="270" r:id="rId12"/>
     <p:sldId id="271" r:id="rId13"/>
@@ -33,7 +33,7 @@
   <p:notesSz cx="6858000" cy="9144000"/>
   <p:embeddedFontLst>
     <p:embeddedFont>
-      <p:font typeface="Montserrat" panose="00000500000000000000" pitchFamily="2" charset="0"/>
+      <p:font typeface="Montserrat" pitchFamily="2" charset="77"/>
       <p:regular r:id="rId23"/>
       <p:bold r:id="rId24"/>
       <p:italic r:id="rId25"/>
@@ -2418,7 +2418,7 @@
     </p:spTree>
     <p:extLst>
       <p:ext uri="{BB962C8B-B14F-4D97-AF65-F5344CB8AC3E}">
-        <p14:creationId xmlns:p14="http://schemas.microsoft.com/office/powerpoint/2010/main" val="2763186964"/>
+        <p14:creationId xmlns:p14="http://schemas.microsoft.com/office/powerpoint/2010/main" val="3739122167"/>
       </p:ext>
     </p:extLst>
   </p:cSld>
@@ -2527,7 +2527,7 @@
     </p:spTree>
     <p:extLst>
       <p:ext uri="{BB962C8B-B14F-4D97-AF65-F5344CB8AC3E}">
-        <p14:creationId xmlns:p14="http://schemas.microsoft.com/office/powerpoint/2010/main" val="3739122167"/>
+        <p14:creationId xmlns:p14="http://schemas.microsoft.com/office/powerpoint/2010/main" val="2208565550"/>
       </p:ext>
     </p:extLst>
   </p:cSld>
@@ -2636,7 +2636,7 @@
     </p:spTree>
     <p:extLst>
       <p:ext uri="{BB962C8B-B14F-4D97-AF65-F5344CB8AC3E}">
-        <p14:creationId xmlns:p14="http://schemas.microsoft.com/office/powerpoint/2010/main" val="2208565550"/>
+        <p14:creationId xmlns:p14="http://schemas.microsoft.com/office/powerpoint/2010/main" val="2595252408"/>
       </p:ext>
     </p:extLst>
   </p:cSld>
@@ -2651,7 +2651,7 @@
   <p:cSld>
     <p:spTree>
       <p:nvGrpSpPr>
-        <p:cNvPr id="1" name="Shape 72"/>
+        <p:cNvPr id="1" name="Shape 80"/>
         <p:cNvGrpSpPr/>
         <p:nvPr/>
       </p:nvGrpSpPr>
@@ -2665,7 +2665,7 @@
       </p:grpSpPr>
       <p:sp>
         <p:nvSpPr>
-          <p:cNvPr id="73" name="Google Shape;73;g20c4033f8d1_0_2:notes"/>
+          <p:cNvPr id="81" name="Google Shape;81;g20c4033f8d1_0_22:notes"/>
           <p:cNvSpPr>
             <a:spLocks noGrp="1" noRot="1" noChangeAspect="1"/>
           </p:cNvSpPr>
@@ -2706,7 +2706,7 @@
       </p:sp>
       <p:sp>
         <p:nvSpPr>
-          <p:cNvPr id="74" name="Google Shape;74;g20c4033f8d1_0_2:notes"/>
+          <p:cNvPr id="82" name="Google Shape;82;g20c4033f8d1_0_22:notes"/>
           <p:cNvSpPr txBox="1">
             <a:spLocks noGrp="1"/>
           </p:cNvSpPr>
@@ -2743,11 +2743,6 @@
         </p:txBody>
       </p:sp>
     </p:spTree>
-    <p:extLst>
-      <p:ext uri="{BB962C8B-B14F-4D97-AF65-F5344CB8AC3E}">
-        <p14:creationId xmlns:p14="http://schemas.microsoft.com/office/powerpoint/2010/main" val="2595252408"/>
-      </p:ext>
-    </p:extLst>
   </p:cSld>
   <p:clrMapOvr>
     <a:masterClrMapping/>
@@ -2852,6 +2847,11 @@
         </p:txBody>
       </p:sp>
     </p:spTree>
+    <p:extLst>
+      <p:ext uri="{BB962C8B-B14F-4D97-AF65-F5344CB8AC3E}">
+        <p14:creationId xmlns:p14="http://schemas.microsoft.com/office/powerpoint/2010/main" val="4042682662"/>
+      </p:ext>
+    </p:extLst>
   </p:cSld>
   <p:clrMapOvr>
     <a:masterClrMapping/>
@@ -14568,8 +14568,8 @@
         </p:nvSpPr>
         <p:spPr>
           <a:xfrm>
-            <a:off x="0" y="1152475"/>
-            <a:ext cx="2847109" cy="3416400"/>
+            <a:off x="-4800" y="1152475"/>
+            <a:ext cx="2851909" cy="3416400"/>
           </a:xfrm>
           <a:prstGeom prst="rect">
             <a:avLst/>
@@ -14600,7 +14600,7 @@
                 <a:cs typeface="Montserrat"/>
                 <a:sym typeface="Montserrat"/>
               </a:rPr>
-              <a:t>Dashboard</a:t>
+              <a:t>Création de menu</a:t>
             </a:r>
             <a:endParaRPr i="1" dirty="0">
               <a:solidFill>
@@ -14693,7 +14693,7 @@
           <p:cNvPr id="4" name="Image 3" descr="Une image contenant texte, capture d’écran, conception&#10;&#10;Description générée automatiquement">
             <a:extLst>
               <a:ext uri="{FF2B5EF4-FFF2-40B4-BE49-F238E27FC236}">
-                <a16:creationId xmlns:a16="http://schemas.microsoft.com/office/drawing/2014/main" id="{57AC81CA-21F3-B174-1794-C3C183A3F132}"/>
+                <a16:creationId xmlns:a16="http://schemas.microsoft.com/office/drawing/2014/main" id="{C655C476-EE30-6530-CE53-88486A2DF5CB}"/>
               </a:ext>
             </a:extLst>
           </p:cNvPr>
@@ -14710,8 +14710,8 @@
         </p:blipFill>
         <p:spPr>
           <a:xfrm>
-            <a:off x="2847109" y="1122204"/>
-            <a:ext cx="5675200" cy="3580593"/>
+            <a:off x="2847110" y="1152475"/>
+            <a:ext cx="5719720" cy="3603661"/>
           </a:xfrm>
           <a:prstGeom prst="rect">
             <a:avLst/>
@@ -14721,7 +14721,7 @@
     </p:spTree>
     <p:extLst>
       <p:ext uri="{BB962C8B-B14F-4D97-AF65-F5344CB8AC3E}">
-        <p14:creationId xmlns:p14="http://schemas.microsoft.com/office/powerpoint/2010/main" val="3220877660"/>
+        <p14:creationId xmlns:p14="http://schemas.microsoft.com/office/powerpoint/2010/main" val="2670108631"/>
       </p:ext>
     </p:extLst>
   </p:cSld>
@@ -14876,7 +14876,7 @@
                 <a:cs typeface="Montserrat"/>
                 <a:sym typeface="Montserrat"/>
               </a:rPr>
-              <a:t>Création de menu</a:t>
+              <a:t>Personnalisation de menu</a:t>
             </a:r>
             <a:endParaRPr i="1" dirty="0">
               <a:solidFill>
@@ -14966,10 +14966,10 @@
       </p:pic>
       <p:pic>
         <p:nvPicPr>
-          <p:cNvPr id="4" name="Image 3" descr="Une image contenant texte, capture d’écran, conception&#10;&#10;Description générée automatiquement">
+          <p:cNvPr id="3" name="Image 2" descr="Une image contenant texte, capture d’écran, Police, conception&#10;&#10;Description générée automatiquement">
             <a:extLst>
               <a:ext uri="{FF2B5EF4-FFF2-40B4-BE49-F238E27FC236}">
-                <a16:creationId xmlns:a16="http://schemas.microsoft.com/office/drawing/2014/main" id="{C655C476-EE30-6530-CE53-88486A2DF5CB}"/>
+                <a16:creationId xmlns:a16="http://schemas.microsoft.com/office/drawing/2014/main" id="{D292B7C1-67CF-E16B-A30C-4695081B09AD}"/>
               </a:ext>
             </a:extLst>
           </p:cNvPr>
@@ -14986,8 +14986,8 @@
         </p:blipFill>
         <p:spPr>
           <a:xfrm>
-            <a:off x="2847110" y="1152475"/>
-            <a:ext cx="5719720" cy="3603661"/>
+            <a:off x="2847109" y="1152475"/>
+            <a:ext cx="5714094" cy="3603662"/>
           </a:xfrm>
           <a:prstGeom prst="rect">
             <a:avLst/>
@@ -14997,7 +14997,7 @@
     </p:spTree>
     <p:extLst>
       <p:ext uri="{BB962C8B-B14F-4D97-AF65-F5344CB8AC3E}">
-        <p14:creationId xmlns:p14="http://schemas.microsoft.com/office/powerpoint/2010/main" val="2670108631"/>
+        <p14:creationId xmlns:p14="http://schemas.microsoft.com/office/powerpoint/2010/main" val="4055523677"/>
       </p:ext>
     </p:extLst>
   </p:cSld>
@@ -15152,282 +15152,6 @@
                 <a:cs typeface="Montserrat"/>
                 <a:sym typeface="Montserrat"/>
               </a:rPr>
-              <a:t>Personnalisation de menu</a:t>
-            </a:r>
-            <a:endParaRPr i="1" dirty="0">
-              <a:solidFill>
-                <a:schemeClr val="tx1"/>
-              </a:solidFill>
-              <a:latin typeface="Montserrat"/>
-              <a:ea typeface="Montserrat"/>
-              <a:cs typeface="Montserrat"/>
-              <a:sym typeface="Montserrat"/>
-            </a:endParaRPr>
-          </a:p>
-        </p:txBody>
-      </p:sp>
-      <p:sp>
-        <p:nvSpPr>
-          <p:cNvPr id="78" name="Google Shape;78;p16"/>
-          <p:cNvSpPr/>
-          <p:nvPr/>
-        </p:nvSpPr>
-        <p:spPr>
-          <a:xfrm>
-            <a:off x="-4800" y="0"/>
-            <a:ext cx="9153600" cy="239700"/>
-          </a:xfrm>
-          <a:prstGeom prst="rect">
-            <a:avLst/>
-          </a:prstGeom>
-          <a:solidFill>
-            <a:srgbClr val="FCE5CD"/>
-          </a:solidFill>
-          <a:ln w="9525" cap="flat" cmpd="sng">
-            <a:solidFill>
-              <a:srgbClr val="F7EDDE"/>
-            </a:solidFill>
-            <a:prstDash val="solid"/>
-            <a:round/>
-            <a:headEnd type="none" w="sm" len="sm"/>
-            <a:tailEnd type="none" w="sm" len="sm"/>
-          </a:ln>
-        </p:spPr>
-        <p:txBody>
-          <a:bodyPr spcFirstLastPara="1" wrap="square" lIns="91425" tIns="91425" rIns="91425" bIns="91425" anchor="ctr" anchorCtr="0">
-            <a:noAutofit/>
-          </a:bodyPr>
-          <a:lstStyle/>
-          <a:p>
-            <a:pPr marL="0" lvl="0" indent="0" algn="ctr" rtl="0">
-              <a:spcBef>
-                <a:spcPts val="0"/>
-              </a:spcBef>
-              <a:spcAft>
-                <a:spcPts val="0"/>
-              </a:spcAft>
-              <a:buNone/>
-            </a:pPr>
-            <a:endParaRPr/>
-          </a:p>
-        </p:txBody>
-      </p:sp>
-      <p:pic>
-        <p:nvPicPr>
-          <p:cNvPr id="79" name="Google Shape;79;p16"/>
-          <p:cNvPicPr preferRelativeResize="0"/>
-          <p:nvPr/>
-        </p:nvPicPr>
-        <p:blipFill>
-          <a:blip r:embed="rId3">
-            <a:alphaModFix/>
-          </a:blip>
-          <a:stretch>
-            <a:fillRect/>
-          </a:stretch>
-        </p:blipFill>
-        <p:spPr>
-          <a:xfrm>
-            <a:off x="8469575" y="-4"/>
-            <a:ext cx="674425" cy="340550"/>
-          </a:xfrm>
-          <a:prstGeom prst="rect">
-            <a:avLst/>
-          </a:prstGeom>
-          <a:noFill/>
-          <a:ln>
-            <a:noFill/>
-          </a:ln>
-        </p:spPr>
-      </p:pic>
-      <p:pic>
-        <p:nvPicPr>
-          <p:cNvPr id="3" name="Image 2" descr="Une image contenant texte, capture d’écran, Police, conception&#10;&#10;Description générée automatiquement">
-            <a:extLst>
-              <a:ext uri="{FF2B5EF4-FFF2-40B4-BE49-F238E27FC236}">
-                <a16:creationId xmlns:a16="http://schemas.microsoft.com/office/drawing/2014/main" id="{D292B7C1-67CF-E16B-A30C-4695081B09AD}"/>
-              </a:ext>
-            </a:extLst>
-          </p:cNvPr>
-          <p:cNvPicPr>
-            <a:picLocks noChangeAspect="1"/>
-          </p:cNvPicPr>
-          <p:nvPr/>
-        </p:nvPicPr>
-        <p:blipFill>
-          <a:blip r:embed="rId4"/>
-          <a:stretch>
-            <a:fillRect/>
-          </a:stretch>
-        </p:blipFill>
-        <p:spPr>
-          <a:xfrm>
-            <a:off x="2847109" y="1152475"/>
-            <a:ext cx="5714094" cy="3603662"/>
-          </a:xfrm>
-          <a:prstGeom prst="rect">
-            <a:avLst/>
-          </a:prstGeom>
-        </p:spPr>
-      </p:pic>
-    </p:spTree>
-    <p:extLst>
-      <p:ext uri="{BB962C8B-B14F-4D97-AF65-F5344CB8AC3E}">
-        <p14:creationId xmlns:p14="http://schemas.microsoft.com/office/powerpoint/2010/main" val="4055523677"/>
-      </p:ext>
-    </p:extLst>
-  </p:cSld>
-  <p:clrMapOvr>
-    <a:masterClrMapping/>
-  </p:clrMapOvr>
-</p:sld>
-</file>
-
-<file path=ppt/slides/slide8.xml><?xml version="1.0" encoding="utf-8"?>
-<p:sld xmlns:a="http://schemas.openxmlformats.org/drawingml/2006/main" xmlns:r="http://schemas.openxmlformats.org/officeDocument/2006/relationships" xmlns:p="http://schemas.openxmlformats.org/presentationml/2006/main">
-  <p:cSld>
-    <p:spTree>
-      <p:nvGrpSpPr>
-        <p:cNvPr id="1" name="Shape 75"/>
-        <p:cNvGrpSpPr/>
-        <p:nvPr/>
-      </p:nvGrpSpPr>
-      <p:grpSpPr>
-        <a:xfrm>
-          <a:off x="0" y="0"/>
-          <a:ext cx="0" cy="0"/>
-          <a:chOff x="0" y="0"/>
-          <a:chExt cx="0" cy="0"/>
-        </a:xfrm>
-      </p:grpSpPr>
-      <p:sp>
-        <p:nvSpPr>
-          <p:cNvPr id="76" name="Google Shape;76;p16"/>
-          <p:cNvSpPr txBox="1">
-            <a:spLocks noGrp="1"/>
-          </p:cNvSpPr>
-          <p:nvPr>
-            <p:ph type="title"/>
-          </p:nvPr>
-        </p:nvSpPr>
-        <p:spPr>
-          <a:xfrm>
-            <a:off x="311700" y="445025"/>
-            <a:ext cx="8520600" cy="572700"/>
-          </a:xfrm>
-          <a:prstGeom prst="rect">
-            <a:avLst/>
-          </a:prstGeom>
-        </p:spPr>
-        <p:txBody>
-          <a:bodyPr spcFirstLastPara="1" wrap="square" lIns="91425" tIns="91425" rIns="91425" bIns="91425" anchor="t" anchorCtr="0">
-            <a:noAutofit/>
-          </a:bodyPr>
-          <a:lstStyle/>
-          <a:p>
-            <a:pPr marL="0" lvl="0" indent="0" algn="l" rtl="0">
-              <a:lnSpc>
-                <a:spcPct val="115000"/>
-              </a:lnSpc>
-              <a:spcBef>
-                <a:spcPts val="0"/>
-              </a:spcBef>
-              <a:spcAft>
-                <a:spcPts val="0"/>
-              </a:spcAft>
-              <a:buClr>
-                <a:schemeClr val="dk1"/>
-              </a:buClr>
-              <a:buSzPts val="990"/>
-              <a:buFont typeface="Arial"/>
-              <a:buNone/>
-            </a:pPr>
-            <a:r>
-              <a:rPr lang="fr" sz="2020" dirty="0">
-                <a:latin typeface="Montserrat"/>
-                <a:ea typeface="Montserrat"/>
-                <a:cs typeface="Montserrat"/>
-                <a:sym typeface="Montserrat"/>
-              </a:rPr>
-              <a:t>Aperçu de la maquette</a:t>
-            </a:r>
-            <a:endParaRPr sz="2020" dirty="0">
-              <a:latin typeface="Montserrat"/>
-              <a:ea typeface="Montserrat"/>
-              <a:cs typeface="Montserrat"/>
-              <a:sym typeface="Montserrat"/>
-            </a:endParaRPr>
-          </a:p>
-          <a:p>
-            <a:pPr marL="0" lvl="0" indent="0" algn="l" rtl="0">
-              <a:lnSpc>
-                <a:spcPct val="115000"/>
-              </a:lnSpc>
-              <a:spcBef>
-                <a:spcPts val="1200"/>
-              </a:spcBef>
-              <a:spcAft>
-                <a:spcPts val="1200"/>
-              </a:spcAft>
-              <a:buSzPts val="990"/>
-              <a:buNone/>
-            </a:pPr>
-            <a:endParaRPr sz="1820" dirty="0">
-              <a:solidFill>
-                <a:schemeClr val="dk2"/>
-              </a:solidFill>
-              <a:latin typeface="Montserrat"/>
-              <a:ea typeface="Montserrat"/>
-              <a:cs typeface="Montserrat"/>
-              <a:sym typeface="Montserrat"/>
-            </a:endParaRPr>
-          </a:p>
-        </p:txBody>
-      </p:sp>
-      <p:sp>
-        <p:nvSpPr>
-          <p:cNvPr id="77" name="Google Shape;77;p16"/>
-          <p:cNvSpPr txBox="1">
-            <a:spLocks noGrp="1"/>
-          </p:cNvSpPr>
-          <p:nvPr>
-            <p:ph type="body" idx="1"/>
-          </p:nvPr>
-        </p:nvSpPr>
-        <p:spPr>
-          <a:xfrm>
-            <a:off x="-4800" y="1152475"/>
-            <a:ext cx="2851909" cy="3416400"/>
-          </a:xfrm>
-          <a:prstGeom prst="rect">
-            <a:avLst/>
-          </a:prstGeom>
-        </p:spPr>
-        <p:txBody>
-          <a:bodyPr spcFirstLastPara="1" wrap="square" lIns="91425" tIns="91425" rIns="91425" bIns="91425" anchor="t" anchorCtr="0">
-            <a:normAutofit/>
-          </a:bodyPr>
-          <a:lstStyle/>
-          <a:p>
-            <a:pPr marL="457200" lvl="0" indent="0" algn="l" rtl="0">
-              <a:spcBef>
-                <a:spcPts val="1200"/>
-              </a:spcBef>
-              <a:spcAft>
-                <a:spcPts val="1200"/>
-              </a:spcAft>
-              <a:buNone/>
-            </a:pPr>
-            <a:r>
-              <a:rPr lang="fr-FR" i="1" dirty="0">
-                <a:solidFill>
-                  <a:schemeClr val="tx1"/>
-                </a:solidFill>
-                <a:latin typeface="Montserrat"/>
-                <a:ea typeface="Montserrat"/>
-                <a:cs typeface="Montserrat"/>
-                <a:sym typeface="Montserrat"/>
-              </a:rPr>
               <a:t>Diffusion et impression de menu</a:t>
             </a:r>
             <a:endParaRPr i="1" dirty="0">
@@ -15559,7 +15283,7 @@
 </p:sld>
 </file>
 
-<file path=ppt/slides/slide9.xml><?xml version="1.0" encoding="utf-8"?>
+<file path=ppt/slides/slide8.xml><?xml version="1.0" encoding="utf-8"?>
 <p:sld xmlns:a="http://schemas.openxmlformats.org/drawingml/2006/main" xmlns:r="http://schemas.openxmlformats.org/officeDocument/2006/relationships" xmlns:p="http://schemas.openxmlformats.org/presentationml/2006/main">
   <p:cSld>
     <p:spTree>
@@ -16067,6 +15791,225 @@
         </p:spPr>
       </p:pic>
     </p:spTree>
+  </p:cSld>
+  <p:clrMapOvr>
+    <a:masterClrMapping/>
+  </p:clrMapOvr>
+</p:sld>
+</file>
+
+<file path=ppt/slides/slide9.xml><?xml version="1.0" encoding="utf-8"?>
+<p:sld xmlns:a="http://schemas.openxmlformats.org/drawingml/2006/main" xmlns:r="http://schemas.openxmlformats.org/officeDocument/2006/relationships" xmlns:p="http://schemas.openxmlformats.org/presentationml/2006/main">
+  <p:cSld>
+    <p:spTree>
+      <p:nvGrpSpPr>
+        <p:cNvPr id="1" name="Shape 83"/>
+        <p:cNvGrpSpPr/>
+        <p:nvPr/>
+      </p:nvGrpSpPr>
+      <p:grpSpPr>
+        <a:xfrm>
+          <a:off x="0" y="0"/>
+          <a:ext cx="0" cy="0"/>
+          <a:chOff x="0" y="0"/>
+          <a:chExt cx="0" cy="0"/>
+        </a:xfrm>
+      </p:grpSpPr>
+      <p:sp>
+        <p:nvSpPr>
+          <p:cNvPr id="84" name="Google Shape;84;p17"/>
+          <p:cNvSpPr txBox="1">
+            <a:spLocks noGrp="1"/>
+          </p:cNvSpPr>
+          <p:nvPr>
+            <p:ph type="title"/>
+          </p:nvPr>
+        </p:nvSpPr>
+        <p:spPr>
+          <a:xfrm>
+            <a:off x="311700" y="445025"/>
+            <a:ext cx="8520600" cy="572700"/>
+          </a:xfrm>
+          <a:prstGeom prst="rect">
+            <a:avLst/>
+          </a:prstGeom>
+        </p:spPr>
+        <p:txBody>
+          <a:bodyPr spcFirstLastPara="1" wrap="square" lIns="91425" tIns="91425" rIns="91425" bIns="91425" anchor="t" anchorCtr="0">
+            <a:normAutofit fontScale="90000"/>
+          </a:bodyPr>
+          <a:lstStyle/>
+          <a:p>
+            <a:pPr marL="0" lvl="0" indent="0" algn="l" rtl="0">
+              <a:lnSpc>
+                <a:spcPct val="115000"/>
+              </a:lnSpc>
+              <a:spcBef>
+                <a:spcPts val="0"/>
+              </a:spcBef>
+              <a:spcAft>
+                <a:spcPts val="1200"/>
+              </a:spcAft>
+              <a:buNone/>
+            </a:pPr>
+            <a:r>
+              <a:rPr lang="fr" sz="2000" dirty="0">
+                <a:latin typeface="Montserrat"/>
+                <a:ea typeface="Montserrat"/>
+                <a:cs typeface="Montserrat"/>
+                <a:sym typeface="Montserrat"/>
+              </a:rPr>
+              <a:t>Plan de communication</a:t>
+            </a:r>
+            <a:endParaRPr sz="3000" dirty="0">
+              <a:latin typeface="Montserrat"/>
+              <a:ea typeface="Montserrat"/>
+              <a:cs typeface="Montserrat"/>
+              <a:sym typeface="Montserrat"/>
+            </a:endParaRPr>
+          </a:p>
+        </p:txBody>
+      </p:sp>
+      <p:sp>
+        <p:nvSpPr>
+          <p:cNvPr id="85" name="Google Shape;85;p17"/>
+          <p:cNvSpPr txBox="1">
+            <a:spLocks noGrp="1"/>
+          </p:cNvSpPr>
+          <p:nvPr>
+            <p:ph type="body" idx="1"/>
+          </p:nvPr>
+        </p:nvSpPr>
+        <p:spPr>
+          <a:xfrm>
+            <a:off x="311700" y="1152475"/>
+            <a:ext cx="8520600" cy="3416400"/>
+          </a:xfrm>
+          <a:prstGeom prst="rect">
+            <a:avLst/>
+          </a:prstGeom>
+        </p:spPr>
+        <p:txBody>
+          <a:bodyPr spcFirstLastPara="1" wrap="square" lIns="91425" tIns="91425" rIns="91425" bIns="91425" anchor="t" anchorCtr="0">
+            <a:normAutofit/>
+          </a:bodyPr>
+          <a:lstStyle/>
+          <a:p>
+            <a:pPr marL="0" lvl="0" indent="0" algn="l" rtl="0">
+              <a:spcBef>
+                <a:spcPts val="1200"/>
+              </a:spcBef>
+              <a:spcAft>
+                <a:spcPts val="0"/>
+              </a:spcAft>
+              <a:buNone/>
+            </a:pPr>
+            <a:endParaRPr dirty="0">
+              <a:latin typeface="Montserrat"/>
+              <a:ea typeface="Montserrat"/>
+              <a:cs typeface="Montserrat"/>
+              <a:sym typeface="Montserrat"/>
+            </a:endParaRPr>
+          </a:p>
+          <a:p>
+            <a:pPr marL="457200" lvl="0" indent="0" algn="l" rtl="0">
+              <a:spcBef>
+                <a:spcPts val="1200"/>
+              </a:spcBef>
+              <a:spcAft>
+                <a:spcPts val="1200"/>
+              </a:spcAft>
+              <a:buNone/>
+            </a:pPr>
+            <a:endParaRPr dirty="0">
+              <a:latin typeface="Montserrat"/>
+              <a:ea typeface="Montserrat"/>
+              <a:cs typeface="Montserrat"/>
+              <a:sym typeface="Montserrat"/>
+            </a:endParaRPr>
+          </a:p>
+        </p:txBody>
+      </p:sp>
+      <p:sp>
+        <p:nvSpPr>
+          <p:cNvPr id="86" name="Google Shape;86;p17"/>
+          <p:cNvSpPr/>
+          <p:nvPr/>
+        </p:nvSpPr>
+        <p:spPr>
+          <a:xfrm>
+            <a:off x="-4800" y="0"/>
+            <a:ext cx="9153600" cy="239700"/>
+          </a:xfrm>
+          <a:prstGeom prst="rect">
+            <a:avLst/>
+          </a:prstGeom>
+          <a:solidFill>
+            <a:srgbClr val="FCE5CD"/>
+          </a:solidFill>
+          <a:ln w="9525" cap="flat" cmpd="sng">
+            <a:solidFill>
+              <a:srgbClr val="F7EDDE"/>
+            </a:solidFill>
+            <a:prstDash val="solid"/>
+            <a:round/>
+            <a:headEnd type="none" w="sm" len="sm"/>
+            <a:tailEnd type="none" w="sm" len="sm"/>
+          </a:ln>
+        </p:spPr>
+        <p:txBody>
+          <a:bodyPr spcFirstLastPara="1" wrap="square" lIns="91425" tIns="91425" rIns="91425" bIns="91425" anchor="ctr" anchorCtr="0">
+            <a:noAutofit/>
+          </a:bodyPr>
+          <a:lstStyle/>
+          <a:p>
+            <a:pPr marL="0" lvl="0" indent="0" algn="ctr" rtl="0">
+              <a:spcBef>
+                <a:spcPts val="0"/>
+              </a:spcBef>
+              <a:spcAft>
+                <a:spcPts val="0"/>
+              </a:spcAft>
+              <a:buNone/>
+            </a:pPr>
+            <a:endParaRPr/>
+          </a:p>
+        </p:txBody>
+      </p:sp>
+      <p:pic>
+        <p:nvPicPr>
+          <p:cNvPr id="87" name="Google Shape;87;p17"/>
+          <p:cNvPicPr preferRelativeResize="0"/>
+          <p:nvPr/>
+        </p:nvPicPr>
+        <p:blipFill>
+          <a:blip r:embed="rId3">
+            <a:alphaModFix/>
+          </a:blip>
+          <a:stretch>
+            <a:fillRect/>
+          </a:stretch>
+        </p:blipFill>
+        <p:spPr>
+          <a:xfrm>
+            <a:off x="8469575" y="-4"/>
+            <a:ext cx="674425" cy="340550"/>
+          </a:xfrm>
+          <a:prstGeom prst="rect">
+            <a:avLst/>
+          </a:prstGeom>
+          <a:noFill/>
+          <a:ln>
+            <a:noFill/>
+          </a:ln>
+        </p:spPr>
+      </p:pic>
+    </p:spTree>
+    <p:extLst>
+      <p:ext uri="{BB962C8B-B14F-4D97-AF65-F5344CB8AC3E}">
+        <p14:creationId xmlns:p14="http://schemas.microsoft.com/office/powerpoint/2010/main" val="2841563622"/>
+      </p:ext>
+    </p:extLst>
   </p:cSld>
   <p:clrMapOvr>
     <a:masterClrMapping/>

--- a/BIARD_Sunny_4_presentation_052024.pptx
+++ b/BIARD_Sunny_4_presentation_052024.pptx
@@ -15,8 +15,8 @@
     <p:sldId id="267" r:id="rId6"/>
     <p:sldId id="268" r:id="rId7"/>
     <p:sldId id="269" r:id="rId8"/>
-    <p:sldId id="260" r:id="rId9"/>
-    <p:sldId id="276" r:id="rId10"/>
+    <p:sldId id="276" r:id="rId9"/>
+    <p:sldId id="260" r:id="rId10"/>
     <p:sldId id="261" r:id="rId11"/>
     <p:sldId id="270" r:id="rId12"/>
     <p:sldId id="271" r:id="rId13"/>
@@ -33,7 +33,7 @@
   <p:notesSz cx="6858000" cy="9144000"/>
   <p:embeddedFontLst>
     <p:embeddedFont>
-      <p:font typeface="Montserrat" pitchFamily="2" charset="77"/>
+      <p:font typeface="Montserrat" panose="00000500000000000000" pitchFamily="2" charset="0"/>
       <p:regular r:id="rId23"/>
       <p:bold r:id="rId24"/>
       <p:italic r:id="rId25"/>
@@ -2743,6 +2743,11 @@
         </p:txBody>
       </p:sp>
     </p:spTree>
+    <p:extLst>
+      <p:ext uri="{BB962C8B-B14F-4D97-AF65-F5344CB8AC3E}">
+        <p14:creationId xmlns:p14="http://schemas.microsoft.com/office/powerpoint/2010/main" val="4042682662"/>
+      </p:ext>
+    </p:extLst>
   </p:cSld>
   <p:clrMapOvr>
     <a:masterClrMapping/>
@@ -2847,11 +2852,6 @@
         </p:txBody>
       </p:sp>
     </p:spTree>
-    <p:extLst>
-      <p:ext uri="{BB962C8B-B14F-4D97-AF65-F5344CB8AC3E}">
-        <p14:creationId xmlns:p14="http://schemas.microsoft.com/office/powerpoint/2010/main" val="4042682662"/>
-      </p:ext>
-    </p:extLst>
   </p:cSld>
   <p:clrMapOvr>
     <a:masterClrMapping/>
@@ -15338,7 +15338,7 @@
               <a:buNone/>
             </a:pPr>
             <a:r>
-              <a:rPr lang="fr" sz="2000">
+              <a:rPr lang="fr" sz="2000" dirty="0">
                 <a:latin typeface="Montserrat"/>
                 <a:ea typeface="Montserrat"/>
                 <a:cs typeface="Montserrat"/>
@@ -15346,7 +15346,7 @@
               </a:rPr>
               <a:t>Méthodologie utilisée</a:t>
             </a:r>
-            <a:endParaRPr sz="3000">
+            <a:endParaRPr sz="3000" dirty="0">
               <a:latin typeface="Montserrat"/>
               <a:ea typeface="Montserrat"/>
               <a:cs typeface="Montserrat"/>
@@ -15380,13 +15380,395 @@
           </a:bodyPr>
           <a:lstStyle/>
           <a:p>
-            <a:pPr marL="457200" lvl="0" indent="-323850" algn="just" rtl="0">
-              <a:spcBef>
-                <a:spcPts val="0"/>
-              </a:spcBef>
-              <a:spcAft>
-                <a:spcPts val="0"/>
-              </a:spcAft>
+            <a:pPr marL="0" lvl="0" indent="0" algn="l" rtl="0">
+              <a:spcBef>
+                <a:spcPts val="1200"/>
+              </a:spcBef>
+              <a:spcAft>
+                <a:spcPts val="0"/>
+              </a:spcAft>
+              <a:buNone/>
+            </a:pPr>
+            <a:endParaRPr dirty="0">
+              <a:latin typeface="Montserrat"/>
+              <a:ea typeface="Montserrat"/>
+              <a:cs typeface="Montserrat"/>
+              <a:sym typeface="Montserrat"/>
+            </a:endParaRPr>
+          </a:p>
+          <a:p>
+            <a:pPr marL="457200" lvl="0" indent="0" algn="l" rtl="0">
+              <a:spcBef>
+                <a:spcPts val="1200"/>
+              </a:spcBef>
+              <a:spcAft>
+                <a:spcPts val="1200"/>
+              </a:spcAft>
+              <a:buNone/>
+            </a:pPr>
+            <a:endParaRPr dirty="0">
+              <a:latin typeface="Montserrat"/>
+              <a:ea typeface="Montserrat"/>
+              <a:cs typeface="Montserrat"/>
+              <a:sym typeface="Montserrat"/>
+            </a:endParaRPr>
+          </a:p>
+        </p:txBody>
+      </p:sp>
+      <p:sp>
+        <p:nvSpPr>
+          <p:cNvPr id="86" name="Google Shape;86;p17"/>
+          <p:cNvSpPr/>
+          <p:nvPr/>
+        </p:nvSpPr>
+        <p:spPr>
+          <a:xfrm>
+            <a:off x="-4800" y="0"/>
+            <a:ext cx="9153600" cy="239700"/>
+          </a:xfrm>
+          <a:prstGeom prst="rect">
+            <a:avLst/>
+          </a:prstGeom>
+          <a:solidFill>
+            <a:srgbClr val="FCE5CD"/>
+          </a:solidFill>
+          <a:ln w="9525" cap="flat" cmpd="sng">
+            <a:solidFill>
+              <a:srgbClr val="F7EDDE"/>
+            </a:solidFill>
+            <a:prstDash val="solid"/>
+            <a:round/>
+            <a:headEnd type="none" w="sm" len="sm"/>
+            <a:tailEnd type="none" w="sm" len="sm"/>
+          </a:ln>
+        </p:spPr>
+        <p:txBody>
+          <a:bodyPr spcFirstLastPara="1" wrap="square" lIns="91425" tIns="91425" rIns="91425" bIns="91425" anchor="ctr" anchorCtr="0">
+            <a:noAutofit/>
+          </a:bodyPr>
+          <a:lstStyle/>
+          <a:p>
+            <a:pPr marL="0" lvl="0" indent="0" algn="ctr" rtl="0">
+              <a:spcBef>
+                <a:spcPts val="0"/>
+              </a:spcBef>
+              <a:spcAft>
+                <a:spcPts val="0"/>
+              </a:spcAft>
+              <a:buNone/>
+            </a:pPr>
+            <a:endParaRPr/>
+          </a:p>
+        </p:txBody>
+      </p:sp>
+      <p:pic>
+        <p:nvPicPr>
+          <p:cNvPr id="87" name="Google Shape;87;p17"/>
+          <p:cNvPicPr preferRelativeResize="0"/>
+          <p:nvPr/>
+        </p:nvPicPr>
+        <p:blipFill>
+          <a:blip r:embed="rId3">
+            <a:alphaModFix/>
+          </a:blip>
+          <a:stretch>
+            <a:fillRect/>
+          </a:stretch>
+        </p:blipFill>
+        <p:spPr>
+          <a:xfrm>
+            <a:off x="8469575" y="-4"/>
+            <a:ext cx="674425" cy="340550"/>
+          </a:xfrm>
+          <a:prstGeom prst="rect">
+            <a:avLst/>
+          </a:prstGeom>
+          <a:noFill/>
+          <a:ln>
+            <a:noFill/>
+          </a:ln>
+        </p:spPr>
+      </p:pic>
+      <p:sp>
+        <p:nvSpPr>
+          <p:cNvPr id="2" name="Google Shape;85;p17">
+            <a:extLst>
+              <a:ext uri="{FF2B5EF4-FFF2-40B4-BE49-F238E27FC236}">
+                <a16:creationId xmlns:a16="http://schemas.microsoft.com/office/drawing/2014/main" id="{B9AE7173-CAA1-FE6F-7DDB-04B61DE336E5}"/>
+              </a:ext>
+            </a:extLst>
+          </p:cNvPr>
+          <p:cNvSpPr txBox="1">
+            <a:spLocks/>
+          </p:cNvSpPr>
+          <p:nvPr/>
+        </p:nvSpPr>
+        <p:spPr>
+          <a:xfrm>
+            <a:off x="311700" y="1181544"/>
+            <a:ext cx="8520600" cy="3416400"/>
+          </a:xfrm>
+          <a:prstGeom prst="rect">
+            <a:avLst/>
+          </a:prstGeom>
+          <a:noFill/>
+          <a:ln>
+            <a:noFill/>
+          </a:ln>
+        </p:spPr>
+        <p:txBody>
+          <a:bodyPr spcFirstLastPara="1" wrap="square" lIns="91425" tIns="91425" rIns="91425" bIns="91425" anchor="t" anchorCtr="0">
+            <a:normAutofit/>
+          </a:bodyPr>
+          <a:lstStyle>
+            <a:defPPr marR="0" lvl="0" algn="l" rtl="0">
+              <a:lnSpc>
+                <a:spcPct val="100000"/>
+              </a:lnSpc>
+              <a:spcBef>
+                <a:spcPts val="0"/>
+              </a:spcBef>
+              <a:spcAft>
+                <a:spcPts val="0"/>
+              </a:spcAft>
+            </a:defPPr>
+            <a:lvl1pPr marL="457200" marR="0" lvl="0" indent="-342900" algn="l" rtl="0">
+              <a:lnSpc>
+                <a:spcPct val="115000"/>
+              </a:lnSpc>
+              <a:spcBef>
+                <a:spcPts val="0"/>
+              </a:spcBef>
+              <a:spcAft>
+                <a:spcPts val="0"/>
+              </a:spcAft>
+              <a:buClr>
+                <a:schemeClr val="dk2"/>
+              </a:buClr>
+              <a:buSzPts val="1800"/>
+              <a:buFont typeface="Arial"/>
+              <a:buChar char="●"/>
+              <a:defRPr sz="1800" b="0" i="0" u="none" strike="noStrike" cap="none">
+                <a:solidFill>
+                  <a:schemeClr val="dk2"/>
+                </a:solidFill>
+                <a:latin typeface="Arial"/>
+                <a:ea typeface="Arial"/>
+                <a:cs typeface="Arial"/>
+                <a:sym typeface="Arial"/>
+              </a:defRPr>
+            </a:lvl1pPr>
+            <a:lvl2pPr marL="914400" marR="0" lvl="1" indent="-317500" algn="l" rtl="0">
+              <a:lnSpc>
+                <a:spcPct val="115000"/>
+              </a:lnSpc>
+              <a:spcBef>
+                <a:spcPts val="0"/>
+              </a:spcBef>
+              <a:spcAft>
+                <a:spcPts val="0"/>
+              </a:spcAft>
+              <a:buClr>
+                <a:schemeClr val="dk2"/>
+              </a:buClr>
+              <a:buSzPts val="1400"/>
+              <a:buFont typeface="Arial"/>
+              <a:buChar char="○"/>
+              <a:defRPr sz="1400" b="0" i="0" u="none" strike="noStrike" cap="none">
+                <a:solidFill>
+                  <a:schemeClr val="dk2"/>
+                </a:solidFill>
+                <a:latin typeface="Arial"/>
+                <a:ea typeface="Arial"/>
+                <a:cs typeface="Arial"/>
+                <a:sym typeface="Arial"/>
+              </a:defRPr>
+            </a:lvl2pPr>
+            <a:lvl3pPr marL="1371600" marR="0" lvl="2" indent="-317500" algn="l" rtl="0">
+              <a:lnSpc>
+                <a:spcPct val="115000"/>
+              </a:lnSpc>
+              <a:spcBef>
+                <a:spcPts val="0"/>
+              </a:spcBef>
+              <a:spcAft>
+                <a:spcPts val="0"/>
+              </a:spcAft>
+              <a:buClr>
+                <a:schemeClr val="dk2"/>
+              </a:buClr>
+              <a:buSzPts val="1400"/>
+              <a:buFont typeface="Arial"/>
+              <a:buChar char="■"/>
+              <a:defRPr sz="1400" b="0" i="0" u="none" strike="noStrike" cap="none">
+                <a:solidFill>
+                  <a:schemeClr val="dk2"/>
+                </a:solidFill>
+                <a:latin typeface="Arial"/>
+                <a:ea typeface="Arial"/>
+                <a:cs typeface="Arial"/>
+                <a:sym typeface="Arial"/>
+              </a:defRPr>
+            </a:lvl3pPr>
+            <a:lvl4pPr marL="1828800" marR="0" lvl="3" indent="-317500" algn="l" rtl="0">
+              <a:lnSpc>
+                <a:spcPct val="115000"/>
+              </a:lnSpc>
+              <a:spcBef>
+                <a:spcPts val="0"/>
+              </a:spcBef>
+              <a:spcAft>
+                <a:spcPts val="0"/>
+              </a:spcAft>
+              <a:buClr>
+                <a:schemeClr val="dk2"/>
+              </a:buClr>
+              <a:buSzPts val="1400"/>
+              <a:buFont typeface="Arial"/>
+              <a:buChar char="●"/>
+              <a:defRPr sz="1400" b="0" i="0" u="none" strike="noStrike" cap="none">
+                <a:solidFill>
+                  <a:schemeClr val="dk2"/>
+                </a:solidFill>
+                <a:latin typeface="Arial"/>
+                <a:ea typeface="Arial"/>
+                <a:cs typeface="Arial"/>
+                <a:sym typeface="Arial"/>
+              </a:defRPr>
+            </a:lvl4pPr>
+            <a:lvl5pPr marL="2286000" marR="0" lvl="4" indent="-317500" algn="l" rtl="0">
+              <a:lnSpc>
+                <a:spcPct val="115000"/>
+              </a:lnSpc>
+              <a:spcBef>
+                <a:spcPts val="0"/>
+              </a:spcBef>
+              <a:spcAft>
+                <a:spcPts val="0"/>
+              </a:spcAft>
+              <a:buClr>
+                <a:schemeClr val="dk2"/>
+              </a:buClr>
+              <a:buSzPts val="1400"/>
+              <a:buFont typeface="Arial"/>
+              <a:buChar char="○"/>
+              <a:defRPr sz="1400" b="0" i="0" u="none" strike="noStrike" cap="none">
+                <a:solidFill>
+                  <a:schemeClr val="dk2"/>
+                </a:solidFill>
+                <a:latin typeface="Arial"/>
+                <a:ea typeface="Arial"/>
+                <a:cs typeface="Arial"/>
+                <a:sym typeface="Arial"/>
+              </a:defRPr>
+            </a:lvl5pPr>
+            <a:lvl6pPr marL="2743200" marR="0" lvl="5" indent="-317500" algn="l" rtl="0">
+              <a:lnSpc>
+                <a:spcPct val="115000"/>
+              </a:lnSpc>
+              <a:spcBef>
+                <a:spcPts val="0"/>
+              </a:spcBef>
+              <a:spcAft>
+                <a:spcPts val="0"/>
+              </a:spcAft>
+              <a:buClr>
+                <a:schemeClr val="dk2"/>
+              </a:buClr>
+              <a:buSzPts val="1400"/>
+              <a:buFont typeface="Arial"/>
+              <a:buChar char="■"/>
+              <a:defRPr sz="1400" b="0" i="0" u="none" strike="noStrike" cap="none">
+                <a:solidFill>
+                  <a:schemeClr val="dk2"/>
+                </a:solidFill>
+                <a:latin typeface="Arial"/>
+                <a:ea typeface="Arial"/>
+                <a:cs typeface="Arial"/>
+                <a:sym typeface="Arial"/>
+              </a:defRPr>
+            </a:lvl6pPr>
+            <a:lvl7pPr marL="3200400" marR="0" lvl="6" indent="-317500" algn="l" rtl="0">
+              <a:lnSpc>
+                <a:spcPct val="115000"/>
+              </a:lnSpc>
+              <a:spcBef>
+                <a:spcPts val="0"/>
+              </a:spcBef>
+              <a:spcAft>
+                <a:spcPts val="0"/>
+              </a:spcAft>
+              <a:buClr>
+                <a:schemeClr val="dk2"/>
+              </a:buClr>
+              <a:buSzPts val="1400"/>
+              <a:buFont typeface="Arial"/>
+              <a:buChar char="●"/>
+              <a:defRPr sz="1400" b="0" i="0" u="none" strike="noStrike" cap="none">
+                <a:solidFill>
+                  <a:schemeClr val="dk2"/>
+                </a:solidFill>
+                <a:latin typeface="Arial"/>
+                <a:ea typeface="Arial"/>
+                <a:cs typeface="Arial"/>
+                <a:sym typeface="Arial"/>
+              </a:defRPr>
+            </a:lvl7pPr>
+            <a:lvl8pPr marL="3657600" marR="0" lvl="7" indent="-317500" algn="l" rtl="0">
+              <a:lnSpc>
+                <a:spcPct val="115000"/>
+              </a:lnSpc>
+              <a:spcBef>
+                <a:spcPts val="0"/>
+              </a:spcBef>
+              <a:spcAft>
+                <a:spcPts val="0"/>
+              </a:spcAft>
+              <a:buClr>
+                <a:schemeClr val="dk2"/>
+              </a:buClr>
+              <a:buSzPts val="1400"/>
+              <a:buFont typeface="Arial"/>
+              <a:buChar char="○"/>
+              <a:defRPr sz="1400" b="0" i="0" u="none" strike="noStrike" cap="none">
+                <a:solidFill>
+                  <a:schemeClr val="dk2"/>
+                </a:solidFill>
+                <a:latin typeface="Arial"/>
+                <a:ea typeface="Arial"/>
+                <a:cs typeface="Arial"/>
+                <a:sym typeface="Arial"/>
+              </a:defRPr>
+            </a:lvl8pPr>
+            <a:lvl9pPr marL="4114800" marR="0" lvl="8" indent="-317500" algn="l" rtl="0">
+              <a:lnSpc>
+                <a:spcPct val="115000"/>
+              </a:lnSpc>
+              <a:spcBef>
+                <a:spcPts val="0"/>
+              </a:spcBef>
+              <a:spcAft>
+                <a:spcPts val="0"/>
+              </a:spcAft>
+              <a:buClr>
+                <a:schemeClr val="dk2"/>
+              </a:buClr>
+              <a:buSzPts val="1400"/>
+              <a:buFont typeface="Arial"/>
+              <a:buChar char="■"/>
+              <a:defRPr sz="1400" b="0" i="0" u="none" strike="noStrike" cap="none">
+                <a:solidFill>
+                  <a:schemeClr val="dk2"/>
+                </a:solidFill>
+                <a:latin typeface="Arial"/>
+                <a:ea typeface="Arial"/>
+                <a:cs typeface="Arial"/>
+                <a:sym typeface="Arial"/>
+              </a:defRPr>
+            </a:lvl9pPr>
+          </a:lstStyle>
+          <a:p>
+            <a:pPr indent="-323850" algn="just">
               <a:buClr>
                 <a:srgbClr val="0D0D0D"/>
               </a:buClr>
@@ -15426,19 +15808,12 @@
             </a:r>
           </a:p>
           <a:p>
-            <a:pPr marL="457200" lvl="0" indent="-323850" rtl="0">
-              <a:spcBef>
-                <a:spcPts val="0"/>
-              </a:spcBef>
-              <a:spcAft>
-                <a:spcPts val="0"/>
-              </a:spcAft>
+            <a:pPr marL="133350" indent="0">
               <a:buClr>
                 <a:srgbClr val="0D0D0D"/>
               </a:buClr>
               <a:buSzPts val="1500"/>
-              <a:buFont typeface="Montserrat"/>
-              <a:buChar char="●"/>
+              <a:buNone/>
             </a:pPr>
             <a:endParaRPr lang="fr-FR" sz="1500" i="1" dirty="0">
               <a:solidFill>
@@ -15454,13 +15829,7 @@
             </a:endParaRPr>
           </a:p>
           <a:p>
-            <a:pPr marL="457200" lvl="0" indent="-323850" rtl="0">
-              <a:spcBef>
-                <a:spcPts val="0"/>
-              </a:spcBef>
-              <a:spcAft>
-                <a:spcPts val="0"/>
-              </a:spcAft>
+            <a:pPr indent="-323850">
               <a:buClr>
                 <a:srgbClr val="0D0D0D"/>
               </a:buClr>
@@ -15541,13 +15910,7 @@
             </a:endParaRPr>
           </a:p>
           <a:p>
-            <a:pPr marL="457200" lvl="0" indent="-323850" rtl="0">
-              <a:spcBef>
-                <a:spcPts val="0"/>
-              </a:spcBef>
-              <a:spcAft>
-                <a:spcPts val="0"/>
-              </a:spcAft>
+            <a:pPr indent="-323850">
               <a:buClr>
                 <a:srgbClr val="0D0D0D"/>
               </a:buClr>
@@ -15556,7 +15919,7 @@
               <a:buChar char="●"/>
             </a:pPr>
             <a:r>
-              <a:rPr lang="fr" sz="1500" dirty="0">
+              <a:rPr lang="fr-FR" sz="1500" dirty="0">
                 <a:solidFill>
                   <a:srgbClr val="0D0D0D"/>
                 </a:solidFill>
@@ -15572,13 +15935,7 @@
             </a:r>
           </a:p>
           <a:p>
-            <a:pPr marL="457200" lvl="0" indent="-323850" rtl="0">
-              <a:spcBef>
-                <a:spcPts val="0"/>
-              </a:spcBef>
-              <a:spcAft>
-                <a:spcPts val="0"/>
-              </a:spcAft>
+            <a:pPr indent="-323850">
               <a:buClr>
                 <a:srgbClr val="0D0D0D"/>
               </a:buClr>
@@ -15586,7 +15943,7 @@
               <a:buFont typeface="Montserrat"/>
               <a:buChar char="●"/>
             </a:pPr>
-            <a:endParaRPr sz="1500" dirty="0">
+            <a:endParaRPr lang="fr-FR" sz="1500" dirty="0">
               <a:solidFill>
                 <a:srgbClr val="0D0D0D"/>
               </a:solidFill>
@@ -15670,10 +16027,16 @@
               </a:rPr>
               <a:t>Accroître la satisfaction des utilisateurs</a:t>
             </a:r>
-            <a:endParaRPr dirty="0">
-              <a:solidFill>
-                <a:schemeClr val="tx1"/>
-              </a:solidFill>
+          </a:p>
+          <a:p>
+            <a:pPr marL="0" indent="0">
+              <a:spcBef>
+                <a:spcPts val="1200"/>
+              </a:spcBef>
+              <a:buFont typeface="Arial"/>
+              <a:buNone/>
+            </a:pPr>
+            <a:endParaRPr lang="fr-FR" dirty="0">
               <a:latin typeface="Montserrat"/>
               <a:ea typeface="Montserrat"/>
               <a:cs typeface="Montserrat"/>
@@ -15681,116 +16044,31 @@
             </a:endParaRPr>
           </a:p>
           <a:p>
-            <a:pPr marL="0" lvl="0" indent="0" algn="l" rtl="0">
+            <a:pPr indent="0">
               <a:spcBef>
                 <a:spcPts val="1200"/>
               </a:spcBef>
               <a:spcAft>
-                <a:spcPts val="0"/>
-              </a:spcAft>
-              <a:buNone/>
-            </a:pPr>
-            <a:endParaRPr dirty="0">
+                <a:spcPts val="1200"/>
+              </a:spcAft>
+              <a:buFont typeface="Arial"/>
+              <a:buNone/>
+            </a:pPr>
+            <a:endParaRPr lang="fr-FR" dirty="0">
               <a:latin typeface="Montserrat"/>
               <a:ea typeface="Montserrat"/>
               <a:cs typeface="Montserrat"/>
               <a:sym typeface="Montserrat"/>
             </a:endParaRPr>
           </a:p>
-          <a:p>
-            <a:pPr marL="457200" lvl="0" indent="0" algn="l" rtl="0">
-              <a:spcBef>
-                <a:spcPts val="1200"/>
-              </a:spcBef>
-              <a:spcAft>
-                <a:spcPts val="1200"/>
-              </a:spcAft>
-              <a:buNone/>
-            </a:pPr>
-            <a:endParaRPr dirty="0">
-              <a:latin typeface="Montserrat"/>
-              <a:ea typeface="Montserrat"/>
-              <a:cs typeface="Montserrat"/>
-              <a:sym typeface="Montserrat"/>
-            </a:endParaRPr>
-          </a:p>
         </p:txBody>
       </p:sp>
-      <p:sp>
-        <p:nvSpPr>
-          <p:cNvPr id="86" name="Google Shape;86;p17"/>
-          <p:cNvSpPr/>
-          <p:nvPr/>
-        </p:nvSpPr>
-        <p:spPr>
-          <a:xfrm>
-            <a:off x="-4800" y="0"/>
-            <a:ext cx="9153600" cy="239700"/>
-          </a:xfrm>
-          <a:prstGeom prst="rect">
-            <a:avLst/>
-          </a:prstGeom>
-          <a:solidFill>
-            <a:srgbClr val="FCE5CD"/>
-          </a:solidFill>
-          <a:ln w="9525" cap="flat" cmpd="sng">
-            <a:solidFill>
-              <a:srgbClr val="F7EDDE"/>
-            </a:solidFill>
-            <a:prstDash val="solid"/>
-            <a:round/>
-            <a:headEnd type="none" w="sm" len="sm"/>
-            <a:tailEnd type="none" w="sm" len="sm"/>
-          </a:ln>
-        </p:spPr>
-        <p:txBody>
-          <a:bodyPr spcFirstLastPara="1" wrap="square" lIns="91425" tIns="91425" rIns="91425" bIns="91425" anchor="ctr" anchorCtr="0">
-            <a:noAutofit/>
-          </a:bodyPr>
-          <a:lstStyle/>
-          <a:p>
-            <a:pPr marL="0" lvl="0" indent="0" algn="ctr" rtl="0">
-              <a:spcBef>
-                <a:spcPts val="0"/>
-              </a:spcBef>
-              <a:spcAft>
-                <a:spcPts val="0"/>
-              </a:spcAft>
-              <a:buNone/>
-            </a:pPr>
-            <a:endParaRPr/>
-          </a:p>
-        </p:txBody>
-      </p:sp>
-      <p:pic>
-        <p:nvPicPr>
-          <p:cNvPr id="87" name="Google Shape;87;p17"/>
-          <p:cNvPicPr preferRelativeResize="0"/>
-          <p:nvPr/>
-        </p:nvPicPr>
-        <p:blipFill>
-          <a:blip r:embed="rId3">
-            <a:alphaModFix/>
-          </a:blip>
-          <a:stretch>
-            <a:fillRect/>
-          </a:stretch>
-        </p:blipFill>
-        <p:spPr>
-          <a:xfrm>
-            <a:off x="8469575" y="-4"/>
-            <a:ext cx="674425" cy="340550"/>
-          </a:xfrm>
-          <a:prstGeom prst="rect">
-            <a:avLst/>
-          </a:prstGeom>
-          <a:noFill/>
-          <a:ln>
-            <a:noFill/>
-          </a:ln>
-        </p:spPr>
-      </p:pic>
     </p:spTree>
+    <p:extLst>
+      <p:ext uri="{BB962C8B-B14F-4D97-AF65-F5344CB8AC3E}">
+        <p14:creationId xmlns:p14="http://schemas.microsoft.com/office/powerpoint/2010/main" val="2841563622"/>
+      </p:ext>
+    </p:extLst>
   </p:cSld>
   <p:clrMapOvr>
     <a:masterClrMapping/>
@@ -15859,69 +16137,9 @@
                 <a:cs typeface="Montserrat"/>
                 <a:sym typeface="Montserrat"/>
               </a:rPr>
-              <a:t>Plan de communication</a:t>
+              <a:t>Équipe et Plan de communication</a:t>
             </a:r>
             <a:endParaRPr sz="3000" dirty="0">
-              <a:latin typeface="Montserrat"/>
-              <a:ea typeface="Montserrat"/>
-              <a:cs typeface="Montserrat"/>
-              <a:sym typeface="Montserrat"/>
-            </a:endParaRPr>
-          </a:p>
-        </p:txBody>
-      </p:sp>
-      <p:sp>
-        <p:nvSpPr>
-          <p:cNvPr id="85" name="Google Shape;85;p17"/>
-          <p:cNvSpPr txBox="1">
-            <a:spLocks noGrp="1"/>
-          </p:cNvSpPr>
-          <p:nvPr>
-            <p:ph type="body" idx="1"/>
-          </p:nvPr>
-        </p:nvSpPr>
-        <p:spPr>
-          <a:xfrm>
-            <a:off x="311700" y="1152475"/>
-            <a:ext cx="8520600" cy="3416400"/>
-          </a:xfrm>
-          <a:prstGeom prst="rect">
-            <a:avLst/>
-          </a:prstGeom>
-        </p:spPr>
-        <p:txBody>
-          <a:bodyPr spcFirstLastPara="1" wrap="square" lIns="91425" tIns="91425" rIns="91425" bIns="91425" anchor="t" anchorCtr="0">
-            <a:normAutofit/>
-          </a:bodyPr>
-          <a:lstStyle/>
-          <a:p>
-            <a:pPr marL="0" lvl="0" indent="0" algn="l" rtl="0">
-              <a:spcBef>
-                <a:spcPts val="1200"/>
-              </a:spcBef>
-              <a:spcAft>
-                <a:spcPts val="0"/>
-              </a:spcAft>
-              <a:buNone/>
-            </a:pPr>
-            <a:endParaRPr dirty="0">
-              <a:latin typeface="Montserrat"/>
-              <a:ea typeface="Montserrat"/>
-              <a:cs typeface="Montserrat"/>
-              <a:sym typeface="Montserrat"/>
-            </a:endParaRPr>
-          </a:p>
-          <a:p>
-            <a:pPr marL="457200" lvl="0" indent="0" algn="l" rtl="0">
-              <a:spcBef>
-                <a:spcPts val="1200"/>
-              </a:spcBef>
-              <a:spcAft>
-                <a:spcPts val="1200"/>
-              </a:spcAft>
-              <a:buNone/>
-            </a:pPr>
-            <a:endParaRPr dirty="0">
               <a:latin typeface="Montserrat"/>
               <a:ea typeface="Montserrat"/>
               <a:cs typeface="Montserrat"/>
@@ -16004,12 +16222,206 @@
           </a:ln>
         </p:spPr>
       </p:pic>
+      <p:sp>
+        <p:nvSpPr>
+          <p:cNvPr id="3" name="Espace réservé du texte 2">
+            <a:extLst>
+              <a:ext uri="{FF2B5EF4-FFF2-40B4-BE49-F238E27FC236}">
+                <a16:creationId xmlns:a16="http://schemas.microsoft.com/office/drawing/2014/main" id="{19C29371-383E-C6C1-20BC-12247608E808}"/>
+              </a:ext>
+            </a:extLst>
+          </p:cNvPr>
+          <p:cNvSpPr>
+            <a:spLocks noGrp="1"/>
+          </p:cNvSpPr>
+          <p:nvPr>
+            <p:ph type="body" idx="1"/>
+          </p:nvPr>
+        </p:nvSpPr>
+        <p:spPr/>
+        <p:txBody>
+          <a:bodyPr>
+            <a:normAutofit/>
+          </a:bodyPr>
+          <a:lstStyle/>
+          <a:p>
+            <a:pPr algn="just">
+              <a:lnSpc>
+                <a:spcPct val="150000"/>
+              </a:lnSpc>
+            </a:pPr>
+            <a:r>
+              <a:rPr lang="fr-FR" sz="1500" b="1" i="1" dirty="0">
+                <a:solidFill>
+                  <a:schemeClr val="accent2">
+                    <a:lumMod val="75000"/>
+                  </a:schemeClr>
+                </a:solidFill>
+                <a:latin typeface="Montserrat" panose="00000500000000000000" pitchFamily="2" charset="0"/>
+              </a:rPr>
+              <a:t>Équipe</a:t>
+            </a:r>
+            <a:r>
+              <a:rPr lang="fr-FR" sz="1500" i="1" dirty="0">
+                <a:solidFill>
+                  <a:schemeClr val="accent2">
+                    <a:lumMod val="75000"/>
+                  </a:schemeClr>
+                </a:solidFill>
+                <a:latin typeface="Montserrat" panose="00000500000000000000" pitchFamily="2" charset="0"/>
+              </a:rPr>
+              <a:t> : 1 dev. Frontend, 1 dev. Backend, 1 dev. FullStack</a:t>
+            </a:r>
+          </a:p>
+          <a:p>
+            <a:pPr lvl="1" algn="just">
+              <a:lnSpc>
+                <a:spcPct val="150000"/>
+              </a:lnSpc>
+              <a:buFont typeface="Wingdings" panose="05000000000000000000" pitchFamily="2" charset="2"/>
+              <a:buChar char="ü"/>
+            </a:pPr>
+            <a:r>
+              <a:rPr lang="fr-FR" i="1" dirty="0">
+                <a:solidFill>
+                  <a:schemeClr val="accent2">
+                    <a:lumMod val="75000"/>
+                  </a:schemeClr>
+                </a:solidFill>
+                <a:latin typeface="Montserrat" panose="00000500000000000000" pitchFamily="2" charset="0"/>
+              </a:rPr>
+              <a:t>Réunions quotidiennes (15mn en distanciel)</a:t>
+            </a:r>
+          </a:p>
+          <a:p>
+            <a:pPr lvl="1" algn="just">
+              <a:lnSpc>
+                <a:spcPct val="150000"/>
+              </a:lnSpc>
+              <a:buFont typeface="Wingdings" panose="05000000000000000000" pitchFamily="2" charset="2"/>
+              <a:buChar char="ü"/>
+            </a:pPr>
+            <a:r>
+              <a:rPr lang="fr-FR" i="1" dirty="0">
+                <a:solidFill>
+                  <a:schemeClr val="accent2">
+                    <a:lumMod val="75000"/>
+                  </a:schemeClr>
+                </a:solidFill>
+                <a:latin typeface="Montserrat" panose="00000500000000000000" pitchFamily="2" charset="0"/>
+              </a:rPr>
+              <a:t>Réunions rétrospectives hebdomadaires (30mn en distanciel)</a:t>
+            </a:r>
+          </a:p>
+          <a:p>
+            <a:pPr lvl="1" algn="just">
+              <a:lnSpc>
+                <a:spcPct val="150000"/>
+              </a:lnSpc>
+              <a:buFont typeface="Wingdings" panose="05000000000000000000" pitchFamily="2" charset="2"/>
+              <a:buChar char="ü"/>
+            </a:pPr>
+            <a:r>
+              <a:rPr lang="fr-FR" i="1" dirty="0">
+                <a:solidFill>
+                  <a:schemeClr val="accent2">
+                    <a:lumMod val="75000"/>
+                  </a:schemeClr>
+                </a:solidFill>
+                <a:latin typeface="Montserrat" panose="00000500000000000000" pitchFamily="2" charset="0"/>
+              </a:rPr>
+              <a:t>Bilans à chaque fin de sprint (1h en présentiel)</a:t>
+            </a:r>
+          </a:p>
+          <a:p>
+            <a:pPr lvl="1" algn="just">
+              <a:lnSpc>
+                <a:spcPct val="150000"/>
+              </a:lnSpc>
+              <a:buFont typeface="Wingdings" panose="05000000000000000000" pitchFamily="2" charset="2"/>
+              <a:buChar char="ü"/>
+            </a:pPr>
+            <a:endParaRPr lang="fr-FR" sz="1100" i="1" dirty="0">
+              <a:solidFill>
+                <a:schemeClr val="accent2">
+                  <a:lumMod val="75000"/>
+                </a:schemeClr>
+              </a:solidFill>
+              <a:latin typeface="Montserrat" panose="00000500000000000000" pitchFamily="2" charset="0"/>
+            </a:endParaRPr>
+          </a:p>
+          <a:p>
+            <a:pPr algn="just">
+              <a:lnSpc>
+                <a:spcPct val="150000"/>
+              </a:lnSpc>
+            </a:pPr>
+            <a:r>
+              <a:rPr lang="fr-FR" sz="1500" b="1" i="1" dirty="0">
+                <a:solidFill>
+                  <a:schemeClr val="accent2">
+                    <a:lumMod val="75000"/>
+                  </a:schemeClr>
+                </a:solidFill>
+                <a:latin typeface="Montserrat" panose="00000500000000000000" pitchFamily="2" charset="0"/>
+              </a:rPr>
+              <a:t>Client</a:t>
+            </a:r>
+            <a:r>
+              <a:rPr lang="fr-FR" sz="1500" i="1" dirty="0">
+                <a:solidFill>
+                  <a:schemeClr val="accent2">
+                    <a:lumMod val="75000"/>
+                  </a:schemeClr>
+                </a:solidFill>
+                <a:latin typeface="Montserrat" panose="00000500000000000000" pitchFamily="2" charset="0"/>
+              </a:rPr>
+              <a:t> : Qwenta</a:t>
+            </a:r>
+          </a:p>
+          <a:p>
+            <a:pPr lvl="1" algn="just">
+              <a:lnSpc>
+                <a:spcPct val="150000"/>
+              </a:lnSpc>
+              <a:buFont typeface="Wingdings" panose="05000000000000000000" pitchFamily="2" charset="2"/>
+              <a:buChar char="ü"/>
+            </a:pPr>
+            <a:r>
+              <a:rPr lang="fr-FR" i="1" dirty="0">
+                <a:solidFill>
+                  <a:schemeClr val="accent2">
+                    <a:lumMod val="75000"/>
+                  </a:schemeClr>
+                </a:solidFill>
+                <a:latin typeface="Montserrat" panose="00000500000000000000" pitchFamily="2" charset="0"/>
+              </a:rPr>
+              <a:t>Réunions hebdomadaires (30mn en distanciel)</a:t>
+            </a:r>
+          </a:p>
+          <a:p>
+            <a:pPr lvl="1" algn="just">
+              <a:lnSpc>
+                <a:spcPct val="150000"/>
+              </a:lnSpc>
+              <a:buFont typeface="Wingdings" panose="05000000000000000000" pitchFamily="2" charset="2"/>
+              <a:buChar char="ü"/>
+            </a:pPr>
+            <a:r>
+              <a:rPr lang="fr-FR" i="1" dirty="0">
+                <a:solidFill>
+                  <a:schemeClr val="accent2">
+                    <a:lumMod val="75000"/>
+                  </a:schemeClr>
+                </a:solidFill>
+                <a:latin typeface="Montserrat" panose="00000500000000000000" pitchFamily="2" charset="0"/>
+              </a:rPr>
+              <a:t>Présentations à chaque fin de sprint (1h en présentiel)</a:t>
+            </a:r>
+          </a:p>
+        </p:txBody>
+      </p:sp>
     </p:spTree>
-    <p:extLst>
-      <p:ext uri="{BB962C8B-B14F-4D97-AF65-F5344CB8AC3E}">
-        <p14:creationId xmlns:p14="http://schemas.microsoft.com/office/powerpoint/2010/main" val="2841563622"/>
-      </p:ext>
-    </p:extLst>
   </p:cSld>
   <p:clrMapOvr>
     <a:masterClrMapping/>

--- a/BIARD_Sunny_4_presentation_052024.pptx
+++ b/BIARD_Sunny_4_presentation_052024.pptx
@@ -16,10 +16,10 @@
     <p:sldId id="268" r:id="rId7"/>
     <p:sldId id="269" r:id="rId8"/>
     <p:sldId id="276" r:id="rId9"/>
-    <p:sldId id="260" r:id="rId10"/>
-    <p:sldId id="261" r:id="rId11"/>
-    <p:sldId id="270" r:id="rId12"/>
-    <p:sldId id="271" r:id="rId13"/>
+    <p:sldId id="261" r:id="rId10"/>
+    <p:sldId id="270" r:id="rId11"/>
+    <p:sldId id="271" r:id="rId12"/>
+    <p:sldId id="260" r:id="rId13"/>
     <p:sldId id="262" r:id="rId14"/>
     <p:sldId id="272" r:id="rId15"/>
     <p:sldId id="273" r:id="rId16"/>
@@ -930,6 +930,11 @@
         </p:txBody>
       </p:sp>
     </p:spTree>
+    <p:extLst>
+      <p:ext uri="{BB962C8B-B14F-4D97-AF65-F5344CB8AC3E}">
+        <p14:creationId xmlns:p14="http://schemas.microsoft.com/office/powerpoint/2010/main" val="1831274869"/>
+      </p:ext>
+    </p:extLst>
   </p:cSld>
   <p:clrMapOvr>
     <a:masterClrMapping/>
@@ -1036,7 +1041,7 @@
     </p:spTree>
     <p:extLst>
       <p:ext uri="{BB962C8B-B14F-4D97-AF65-F5344CB8AC3E}">
-        <p14:creationId xmlns:p14="http://schemas.microsoft.com/office/powerpoint/2010/main" val="1831274869"/>
+        <p14:creationId xmlns:p14="http://schemas.microsoft.com/office/powerpoint/2010/main" val="565479048"/>
       </p:ext>
     </p:extLst>
   </p:cSld>
@@ -1051,7 +1056,7 @@
   <p:cSld>
     <p:spTree>
       <p:nvGrpSpPr>
-        <p:cNvPr id="1" name="Shape 88"/>
+        <p:cNvPr id="1" name="Shape 80"/>
         <p:cNvGrpSpPr/>
         <p:nvPr/>
       </p:nvGrpSpPr>
@@ -1065,7 +1070,7 @@
       </p:grpSpPr>
       <p:sp>
         <p:nvSpPr>
-          <p:cNvPr id="89" name="Google Shape;89;g21cd7bb48ef_0_0:notes"/>
+          <p:cNvPr id="81" name="Google Shape;81;g20c4033f8d1_0_22:notes"/>
           <p:cNvSpPr>
             <a:spLocks noGrp="1" noRot="1" noChangeAspect="1"/>
           </p:cNvSpPr>
@@ -1106,7 +1111,7 @@
       </p:sp>
       <p:sp>
         <p:nvSpPr>
-          <p:cNvPr id="90" name="Google Shape;90;g21cd7bb48ef_0_0:notes"/>
+          <p:cNvPr id="82" name="Google Shape;82;g20c4033f8d1_0_22:notes"/>
           <p:cNvSpPr txBox="1">
             <a:spLocks noGrp="1"/>
           </p:cNvSpPr>
@@ -1143,11 +1148,6 @@
         </p:txBody>
       </p:sp>
     </p:spTree>
-    <p:extLst>
-      <p:ext uri="{BB962C8B-B14F-4D97-AF65-F5344CB8AC3E}">
-        <p14:creationId xmlns:p14="http://schemas.microsoft.com/office/powerpoint/2010/main" val="565479048"/>
-      </p:ext>
-    </p:extLst>
   </p:cSld>
   <p:clrMapOvr>
     <a:masterClrMapping/>
@@ -2760,7 +2760,7 @@
   <p:cSld>
     <p:spTree>
       <p:nvGrpSpPr>
-        <p:cNvPr id="1" name="Shape 80"/>
+        <p:cNvPr id="1" name="Shape 88"/>
         <p:cNvGrpSpPr/>
         <p:nvPr/>
       </p:nvGrpSpPr>
@@ -2774,7 +2774,7 @@
       </p:grpSpPr>
       <p:sp>
         <p:nvSpPr>
-          <p:cNvPr id="81" name="Google Shape;81;g20c4033f8d1_0_22:notes"/>
+          <p:cNvPr id="89" name="Google Shape;89;g21cd7bb48ef_0_0:notes"/>
           <p:cNvSpPr>
             <a:spLocks noGrp="1" noRot="1" noChangeAspect="1"/>
           </p:cNvSpPr>
@@ -2815,7 +2815,7 @@
       </p:sp>
       <p:sp>
         <p:nvSpPr>
-          <p:cNvPr id="82" name="Google Shape;82;g20c4033f8d1_0_22:notes"/>
+          <p:cNvPr id="90" name="Google Shape;90;g21cd7bb48ef_0_0:notes"/>
           <p:cNvSpPr txBox="1">
             <a:spLocks noGrp="1"/>
           </p:cNvSpPr>
@@ -7993,351 +7993,6 @@
       </p:sp>
       <p:sp>
         <p:nvSpPr>
-          <p:cNvPr id="94" name="Google Shape;94;p18"/>
-          <p:cNvSpPr txBox="1"/>
-          <p:nvPr/>
-        </p:nvSpPr>
-        <p:spPr>
-          <a:xfrm>
-            <a:off x="411750" y="935302"/>
-            <a:ext cx="8320500" cy="4685868"/>
-          </a:xfrm>
-          <a:prstGeom prst="rect">
-            <a:avLst/>
-          </a:prstGeom>
-          <a:noFill/>
-          <a:ln>
-            <a:noFill/>
-          </a:ln>
-        </p:spPr>
-        <p:txBody>
-          <a:bodyPr spcFirstLastPara="1" wrap="square" lIns="91425" tIns="91425" rIns="91425" bIns="91425" anchor="t" anchorCtr="0">
-            <a:spAutoFit/>
-          </a:bodyPr>
-          <a:lstStyle/>
-          <a:p>
-            <a:pPr marL="457200" lvl="0" indent="-323850" algn="just" rtl="0">
-              <a:lnSpc>
-                <a:spcPct val="150000"/>
-              </a:lnSpc>
-              <a:spcBef>
-                <a:spcPts val="0"/>
-              </a:spcBef>
-              <a:spcAft>
-                <a:spcPts val="0"/>
-              </a:spcAft>
-              <a:buClr>
-                <a:srgbClr val="0D0D0D"/>
-              </a:buClr>
-              <a:buSzPts val="1500"/>
-              <a:buFont typeface="Montserrat"/>
-              <a:buChar char="●"/>
-            </a:pPr>
-            <a:r>
-              <a:rPr lang="fr-FR" sz="1500" i="1" dirty="0">
-                <a:solidFill>
-                  <a:srgbClr val="0D0D0D"/>
-                </a:solidFill>
-                <a:highlight>
-                  <a:srgbClr val="FFFFFF"/>
-                </a:highlight>
-                <a:latin typeface="Montserrat"/>
-                <a:ea typeface="Montserrat"/>
-                <a:cs typeface="Montserrat"/>
-                <a:sym typeface="Montserrat"/>
-              </a:rPr>
-              <a:t>Le </a:t>
-            </a:r>
-            <a:r>
-              <a:rPr lang="fr-FR" sz="1500" b="1" i="1" dirty="0">
-                <a:solidFill>
-                  <a:srgbClr val="0D0D0D"/>
-                </a:solidFill>
-                <a:highlight>
-                  <a:srgbClr val="FFFFFF"/>
-                </a:highlight>
-                <a:latin typeface="Montserrat"/>
-                <a:ea typeface="Montserrat"/>
-                <a:cs typeface="Montserrat"/>
-                <a:sym typeface="Montserrat"/>
-              </a:rPr>
-              <a:t>Kanban</a:t>
-            </a:r>
-            <a:r>
-              <a:rPr lang="fr-FR" sz="1500" i="1" dirty="0">
-                <a:solidFill>
-                  <a:srgbClr val="0D0D0D"/>
-                </a:solidFill>
-                <a:highlight>
-                  <a:srgbClr val="FFFFFF"/>
-                </a:highlight>
-                <a:latin typeface="Montserrat"/>
-                <a:ea typeface="Montserrat"/>
-                <a:cs typeface="Montserrat"/>
-                <a:sym typeface="Montserrat"/>
-              </a:rPr>
-              <a:t> permet de suivre les tâches en temps réel, de gérer les priorités et de favoriser la collaboration entre les membres de l’équipe. Il permet ainsi d’assurer un meilleur partage de l’information, une réduction des délais, une flexibilité (agilité) accrue au sein de l’équipe et enfin il contribue à l’amélioration continue.</a:t>
-            </a:r>
-          </a:p>
-          <a:p>
-            <a:pPr marL="457200" lvl="0" indent="-323850" algn="just" rtl="0">
-              <a:lnSpc>
-                <a:spcPct val="150000"/>
-              </a:lnSpc>
-              <a:spcBef>
-                <a:spcPts val="0"/>
-              </a:spcBef>
-              <a:spcAft>
-                <a:spcPts val="0"/>
-              </a:spcAft>
-              <a:buClr>
-                <a:srgbClr val="0D0D0D"/>
-              </a:buClr>
-              <a:buSzPts val="1500"/>
-              <a:buFont typeface="Montserrat"/>
-              <a:buChar char="●"/>
-            </a:pPr>
-            <a:endParaRPr lang="fr-FR" sz="1500" i="1" dirty="0">
-              <a:solidFill>
-                <a:srgbClr val="0D0D0D"/>
-              </a:solidFill>
-              <a:highlight>
-                <a:srgbClr val="FFFFFF"/>
-              </a:highlight>
-              <a:latin typeface="Montserrat"/>
-              <a:ea typeface="Montserrat"/>
-              <a:cs typeface="Montserrat"/>
-              <a:sym typeface="Montserrat"/>
-            </a:endParaRPr>
-          </a:p>
-          <a:p>
-            <a:pPr marL="457200" indent="-323850" algn="just">
-              <a:lnSpc>
-                <a:spcPct val="150000"/>
-              </a:lnSpc>
-              <a:buClr>
-                <a:srgbClr val="0D0D0D"/>
-              </a:buClr>
-              <a:buSzPts val="1500"/>
-              <a:buFont typeface="Montserrat"/>
-              <a:buChar char="●"/>
-            </a:pPr>
-            <a:r>
-              <a:rPr lang="fr-FR" sz="1500" i="1" dirty="0">
-                <a:solidFill>
-                  <a:srgbClr val="0D0D0D"/>
-                </a:solidFill>
-                <a:highlight>
-                  <a:srgbClr val="FFFFFF"/>
-                </a:highlight>
-                <a:latin typeface="Montserrat"/>
-                <a:ea typeface="Montserrat"/>
-                <a:cs typeface="Montserrat"/>
-                <a:sym typeface="Montserrat"/>
-              </a:rPr>
-              <a:t>Un </a:t>
-            </a:r>
-            <a:r>
-              <a:rPr lang="fr-FR" sz="1500" b="1" i="1" dirty="0">
-                <a:solidFill>
-                  <a:srgbClr val="0D0D0D"/>
-                </a:solidFill>
-                <a:highlight>
-                  <a:srgbClr val="FFFFFF"/>
-                </a:highlight>
-                <a:latin typeface="Montserrat"/>
-                <a:ea typeface="Montserrat"/>
-                <a:cs typeface="Montserrat"/>
-                <a:sym typeface="Montserrat"/>
-              </a:rPr>
-              <a:t>récit utilisateur</a:t>
-            </a:r>
-            <a:r>
-              <a:rPr lang="fr-FR" sz="1500" i="1" dirty="0">
-                <a:solidFill>
-                  <a:srgbClr val="0D0D0D"/>
-                </a:solidFill>
-                <a:highlight>
-                  <a:srgbClr val="FFFFFF"/>
-                </a:highlight>
-                <a:latin typeface="Montserrat"/>
-                <a:ea typeface="Montserrat"/>
-                <a:cs typeface="Montserrat"/>
-                <a:sym typeface="Montserrat"/>
-              </a:rPr>
-              <a:t>, ou « </a:t>
-            </a:r>
-            <a:r>
-              <a:rPr lang="fr-FR" sz="1500" b="1" i="1" dirty="0">
-                <a:solidFill>
-                  <a:srgbClr val="0D0D0D"/>
-                </a:solidFill>
-                <a:highlight>
-                  <a:srgbClr val="FFFFFF"/>
-                </a:highlight>
-                <a:latin typeface="Montserrat"/>
-                <a:ea typeface="Montserrat"/>
-                <a:cs typeface="Montserrat"/>
-                <a:sym typeface="Montserrat"/>
-              </a:rPr>
-              <a:t>user story </a:t>
-            </a:r>
-            <a:r>
-              <a:rPr lang="fr-FR" sz="1500" i="1" dirty="0">
-                <a:solidFill>
-                  <a:srgbClr val="0D0D0D"/>
-                </a:solidFill>
-                <a:highlight>
-                  <a:srgbClr val="FFFFFF"/>
-                </a:highlight>
-                <a:latin typeface="Montserrat"/>
-                <a:ea typeface="Montserrat"/>
-                <a:cs typeface="Montserrat"/>
-                <a:sym typeface="Montserrat"/>
-              </a:rPr>
-              <a:t>»</a:t>
-            </a:r>
-            <a:r>
-              <a:rPr lang="fr-FR" sz="1500" b="1" i="1" dirty="0">
-                <a:solidFill>
-                  <a:srgbClr val="0D0D0D"/>
-                </a:solidFill>
-                <a:highlight>
-                  <a:srgbClr val="FFFFFF"/>
-                </a:highlight>
-                <a:latin typeface="Montserrat"/>
-                <a:ea typeface="Montserrat"/>
-                <a:cs typeface="Montserrat"/>
-                <a:sym typeface="Montserrat"/>
-              </a:rPr>
-              <a:t> </a:t>
-            </a:r>
-            <a:r>
-              <a:rPr lang="fr-FR" sz="1500" i="1" dirty="0">
-                <a:solidFill>
-                  <a:srgbClr val="0D0D0D"/>
-                </a:solidFill>
-                <a:highlight>
-                  <a:srgbClr val="FFFFFF"/>
-                </a:highlight>
-                <a:latin typeface="Montserrat"/>
-                <a:ea typeface="Montserrat"/>
-                <a:cs typeface="Montserrat"/>
-                <a:sym typeface="Montserrat"/>
-              </a:rPr>
-              <a:t>en anglais, est une description simple d’un besoin ou d’une attente exprimée par un utilisateur et utilisée dans le domaine du développement de logiciels et de la conception de nouveaux produits pour déterminer les fonctionnalités à développer. </a:t>
-            </a:r>
-          </a:p>
-          <a:p>
-            <a:pPr marL="457200" indent="-323850" algn="just">
-              <a:lnSpc>
-                <a:spcPct val="150000"/>
-              </a:lnSpc>
-              <a:buClr>
-                <a:srgbClr val="0D0D0D"/>
-              </a:buClr>
-              <a:buSzPts val="1500"/>
-              <a:buFont typeface="Montserrat"/>
-              <a:buChar char="●"/>
-            </a:pPr>
-            <a:endParaRPr lang="fr-FR" sz="1500" i="1" dirty="0">
-              <a:solidFill>
-                <a:srgbClr val="0D0D0D"/>
-              </a:solidFill>
-              <a:highlight>
-                <a:srgbClr val="FFFFFF"/>
-              </a:highlight>
-              <a:latin typeface="Montserrat"/>
-              <a:ea typeface="Montserrat"/>
-              <a:cs typeface="Montserrat"/>
-              <a:sym typeface="Montserrat"/>
-            </a:endParaRPr>
-          </a:p>
-          <a:p>
-            <a:pPr marL="457200" indent="-323850" algn="just">
-              <a:lnSpc>
-                <a:spcPct val="150000"/>
-              </a:lnSpc>
-              <a:buClr>
-                <a:srgbClr val="0D0D0D"/>
-              </a:buClr>
-              <a:buSzPts val="1500"/>
-              <a:buFont typeface="Montserrat"/>
-              <a:buChar char="●"/>
-            </a:pPr>
-            <a:r>
-              <a:rPr lang="fr-FR" sz="1500" i="1" dirty="0">
-                <a:solidFill>
-                  <a:srgbClr val="0D0D0D"/>
-                </a:solidFill>
-                <a:highlight>
-                  <a:srgbClr val="FFFFFF"/>
-                </a:highlight>
-                <a:latin typeface="Montserrat"/>
-                <a:ea typeface="Montserrat"/>
-                <a:cs typeface="Montserrat"/>
-                <a:sym typeface="Montserrat"/>
-              </a:rPr>
-              <a:t>Lien Kanban : </a:t>
-            </a:r>
-            <a:r>
-              <a:rPr lang="fr-FR" sz="1500" i="1" dirty="0">
-                <a:solidFill>
-                  <a:srgbClr val="0D0D0D"/>
-                </a:solidFill>
-                <a:highlight>
-                  <a:srgbClr val="FFFFFF"/>
-                </a:highlight>
-                <a:latin typeface="Montserrat"/>
-                <a:ea typeface="Montserrat"/>
-                <a:cs typeface="Montserrat"/>
-                <a:sym typeface="Montserrat"/>
-                <a:hlinkClick r:id="rId3"/>
-              </a:rPr>
-              <a:t>https://trello.com/b/sbhaR1xZ/menumaker-sprint-1-agile</a:t>
-            </a:r>
-            <a:endParaRPr lang="fr-FR" sz="1500" i="1" dirty="0">
-              <a:solidFill>
-                <a:srgbClr val="0D0D0D"/>
-              </a:solidFill>
-              <a:highlight>
-                <a:srgbClr val="FFFFFF"/>
-              </a:highlight>
-              <a:latin typeface="Montserrat"/>
-              <a:ea typeface="Montserrat"/>
-              <a:cs typeface="Montserrat"/>
-              <a:sym typeface="Montserrat"/>
-            </a:endParaRPr>
-          </a:p>
-          <a:p>
-            <a:pPr marL="457200" indent="-323850">
-              <a:lnSpc>
-                <a:spcPct val="150000"/>
-              </a:lnSpc>
-              <a:buClr>
-                <a:srgbClr val="0D0D0D"/>
-              </a:buClr>
-              <a:buSzPts val="1500"/>
-              <a:buFont typeface="Montserrat"/>
-              <a:buChar char="●"/>
-            </a:pPr>
-            <a:endParaRPr lang="fr-FR" sz="1500" i="1" dirty="0">
-              <a:solidFill>
-                <a:srgbClr val="0D0D0D"/>
-              </a:solidFill>
-              <a:highlight>
-                <a:srgbClr val="FFFFFF"/>
-              </a:highlight>
-              <a:latin typeface="Montserrat"/>
-              <a:ea typeface="Montserrat"/>
-              <a:cs typeface="Montserrat"/>
-              <a:sym typeface="Montserrat"/>
-            </a:endParaRPr>
-          </a:p>
-        </p:txBody>
-      </p:sp>
-      <p:sp>
-        <p:nvSpPr>
           <p:cNvPr id="95" name="Google Shape;95;p18"/>
           <p:cNvSpPr/>
           <p:nvPr/>
@@ -8389,7 +8044,7 @@
           <p:nvPr/>
         </p:nvPicPr>
         <p:blipFill>
-          <a:blip r:embed="rId4">
+          <a:blip r:embed="rId3">
             <a:alphaModFix/>
           </a:blip>
           <a:stretch>
@@ -8410,7 +8065,42 @@
           </a:ln>
         </p:spPr>
       </p:pic>
+      <p:pic>
+        <p:nvPicPr>
+          <p:cNvPr id="4" name="Image 3" descr="Une image contenant texte, capture d’écran, logiciel, Icône d’ordinateur&#10;&#10;Description générée automatiquement">
+            <a:extLst>
+              <a:ext uri="{FF2B5EF4-FFF2-40B4-BE49-F238E27FC236}">
+                <a16:creationId xmlns:a16="http://schemas.microsoft.com/office/drawing/2014/main" id="{AF1D3E57-CCCB-4627-9AED-B5FF59E0B7F1}"/>
+              </a:ext>
+            </a:extLst>
+          </p:cNvPr>
+          <p:cNvPicPr>
+            <a:picLocks noChangeAspect="1"/>
+          </p:cNvPicPr>
+          <p:nvPr/>
+        </p:nvPicPr>
+        <p:blipFill>
+          <a:blip r:embed="rId4"/>
+          <a:stretch>
+            <a:fillRect/>
+          </a:stretch>
+        </p:blipFill>
+        <p:spPr>
+          <a:xfrm>
+            <a:off x="1091124" y="1017725"/>
+            <a:ext cx="6961752" cy="3991025"/>
+          </a:xfrm>
+          <a:prstGeom prst="rect">
+            <a:avLst/>
+          </a:prstGeom>
+        </p:spPr>
+      </p:pic>
     </p:spTree>
+    <p:extLst>
+      <p:ext uri="{BB962C8B-B14F-4D97-AF65-F5344CB8AC3E}">
+        <p14:creationId xmlns:p14="http://schemas.microsoft.com/office/powerpoint/2010/main" val="3452704318"/>
+      </p:ext>
+    </p:extLst>
   </p:cSld>
   <p:clrMapOvr>
     <a:masterClrMapping/>
@@ -8643,301 +8333,6 @@
       </p:pic>
       <p:pic>
         <p:nvPicPr>
-          <p:cNvPr id="3" name="Image 2" descr="Une image contenant texte, capture d’écran, logiciel, Page web&#10;&#10;Description générée automatiquement">
-            <a:extLst>
-              <a:ext uri="{FF2B5EF4-FFF2-40B4-BE49-F238E27FC236}">
-                <a16:creationId xmlns:a16="http://schemas.microsoft.com/office/drawing/2014/main" id="{616A668E-EB83-EAB8-DEB3-0DBA2CEE2AAA}"/>
-              </a:ext>
-            </a:extLst>
-          </p:cNvPr>
-          <p:cNvPicPr>
-            <a:picLocks noChangeAspect="1"/>
-          </p:cNvPicPr>
-          <p:nvPr/>
-        </p:nvPicPr>
-        <p:blipFill>
-          <a:blip r:embed="rId4"/>
-          <a:stretch>
-            <a:fillRect/>
-          </a:stretch>
-        </p:blipFill>
-        <p:spPr>
-          <a:xfrm>
-            <a:off x="1157493" y="943535"/>
-            <a:ext cx="6829013" cy="4095462"/>
-          </a:xfrm>
-          <a:prstGeom prst="rect">
-            <a:avLst/>
-          </a:prstGeom>
-        </p:spPr>
-      </p:pic>
-    </p:spTree>
-    <p:extLst>
-      <p:ext uri="{BB962C8B-B14F-4D97-AF65-F5344CB8AC3E}">
-        <p14:creationId xmlns:p14="http://schemas.microsoft.com/office/powerpoint/2010/main" val="3452704318"/>
-      </p:ext>
-    </p:extLst>
-  </p:cSld>
-  <p:clrMapOvr>
-    <a:masterClrMapping/>
-  </p:clrMapOvr>
-</p:sld>
-</file>
-
-<file path=ppt/slides/slide12.xml><?xml version="1.0" encoding="utf-8"?>
-<p:sld xmlns:a="http://schemas.openxmlformats.org/drawingml/2006/main" xmlns:r="http://schemas.openxmlformats.org/officeDocument/2006/relationships" xmlns:p="http://schemas.openxmlformats.org/presentationml/2006/main">
-  <p:cSld>
-    <p:spTree>
-      <p:nvGrpSpPr>
-        <p:cNvPr id="1" name="Shape 91"/>
-        <p:cNvGrpSpPr/>
-        <p:nvPr/>
-      </p:nvGrpSpPr>
-      <p:grpSpPr>
-        <a:xfrm>
-          <a:off x="0" y="0"/>
-          <a:ext cx="0" cy="0"/>
-          <a:chOff x="0" y="0"/>
-          <a:chExt cx="0" cy="0"/>
-        </a:xfrm>
-      </p:grpSpPr>
-      <p:sp>
-        <p:nvSpPr>
-          <p:cNvPr id="92" name="Google Shape;92;p18"/>
-          <p:cNvSpPr txBox="1">
-            <a:spLocks noGrp="1"/>
-          </p:cNvSpPr>
-          <p:nvPr>
-            <p:ph type="title"/>
-          </p:nvPr>
-        </p:nvSpPr>
-        <p:spPr>
-          <a:xfrm>
-            <a:off x="311700" y="445025"/>
-            <a:ext cx="8520600" cy="572700"/>
-          </a:xfrm>
-          <a:prstGeom prst="rect">
-            <a:avLst/>
-          </a:prstGeom>
-        </p:spPr>
-        <p:txBody>
-          <a:bodyPr spcFirstLastPara="1" wrap="square" lIns="91425" tIns="91425" rIns="91425" bIns="91425" anchor="t" anchorCtr="0">
-            <a:normAutofit fontScale="90000"/>
-          </a:bodyPr>
-          <a:lstStyle/>
-          <a:p>
-            <a:pPr marL="0" lvl="0" indent="0" algn="l" rtl="0">
-              <a:lnSpc>
-                <a:spcPct val="115000"/>
-              </a:lnSpc>
-              <a:spcBef>
-                <a:spcPts val="0"/>
-              </a:spcBef>
-              <a:spcAft>
-                <a:spcPts val="1200"/>
-              </a:spcAft>
-              <a:buNone/>
-            </a:pPr>
-            <a:r>
-              <a:rPr lang="fr" sz="2000" dirty="0">
-                <a:latin typeface="Montserrat"/>
-                <a:ea typeface="Montserrat"/>
-                <a:cs typeface="Montserrat"/>
-                <a:sym typeface="Montserrat"/>
-              </a:rPr>
-              <a:t>Suivi du projet avec le Kanban</a:t>
-            </a:r>
-            <a:endParaRPr sz="3000" dirty="0">
-              <a:latin typeface="Montserrat"/>
-              <a:ea typeface="Montserrat"/>
-              <a:cs typeface="Montserrat"/>
-              <a:sym typeface="Montserrat"/>
-            </a:endParaRPr>
-          </a:p>
-        </p:txBody>
-      </p:sp>
-      <p:sp>
-        <p:nvSpPr>
-          <p:cNvPr id="93" name="Google Shape;93;p18"/>
-          <p:cNvSpPr txBox="1">
-            <a:spLocks noGrp="1"/>
-          </p:cNvSpPr>
-          <p:nvPr>
-            <p:ph type="body" idx="1"/>
-          </p:nvPr>
-        </p:nvSpPr>
-        <p:spPr>
-          <a:xfrm>
-            <a:off x="311700" y="1152475"/>
-            <a:ext cx="8520600" cy="3416400"/>
-          </a:xfrm>
-          <a:prstGeom prst="rect">
-            <a:avLst/>
-          </a:prstGeom>
-        </p:spPr>
-        <p:txBody>
-          <a:bodyPr spcFirstLastPara="1" wrap="square" lIns="91425" tIns="91425" rIns="91425" bIns="91425" anchor="t" anchorCtr="0">
-            <a:normAutofit/>
-          </a:bodyPr>
-          <a:lstStyle/>
-          <a:p>
-            <a:pPr marL="0" lvl="0" indent="0" algn="l" rtl="0">
-              <a:spcBef>
-                <a:spcPts val="0"/>
-              </a:spcBef>
-              <a:spcAft>
-                <a:spcPts val="0"/>
-              </a:spcAft>
-              <a:buNone/>
-            </a:pPr>
-            <a:endParaRPr dirty="0">
-              <a:latin typeface="Montserrat"/>
-              <a:ea typeface="Montserrat"/>
-              <a:cs typeface="Montserrat"/>
-              <a:sym typeface="Montserrat"/>
-            </a:endParaRPr>
-          </a:p>
-          <a:p>
-            <a:pPr marL="0" lvl="0" indent="0" algn="l" rtl="0">
-              <a:spcBef>
-                <a:spcPts val="1200"/>
-              </a:spcBef>
-              <a:spcAft>
-                <a:spcPts val="0"/>
-              </a:spcAft>
-              <a:buNone/>
-            </a:pPr>
-            <a:endParaRPr dirty="0">
-              <a:latin typeface="Montserrat"/>
-              <a:ea typeface="Montserrat"/>
-              <a:cs typeface="Montserrat"/>
-              <a:sym typeface="Montserrat"/>
-            </a:endParaRPr>
-          </a:p>
-          <a:p>
-            <a:pPr marL="457200" lvl="0" indent="0" algn="l" rtl="0">
-              <a:spcBef>
-                <a:spcPts val="1200"/>
-              </a:spcBef>
-              <a:spcAft>
-                <a:spcPts val="1200"/>
-              </a:spcAft>
-              <a:buNone/>
-            </a:pPr>
-            <a:endParaRPr dirty="0">
-              <a:latin typeface="Montserrat"/>
-              <a:ea typeface="Montserrat"/>
-              <a:cs typeface="Montserrat"/>
-              <a:sym typeface="Montserrat"/>
-            </a:endParaRPr>
-          </a:p>
-        </p:txBody>
-      </p:sp>
-      <p:sp>
-        <p:nvSpPr>
-          <p:cNvPr id="95" name="Google Shape;95;p18"/>
-          <p:cNvSpPr/>
-          <p:nvPr/>
-        </p:nvSpPr>
-        <p:spPr>
-          <a:xfrm>
-            <a:off x="-4800" y="0"/>
-            <a:ext cx="9153600" cy="239700"/>
-          </a:xfrm>
-          <a:prstGeom prst="rect">
-            <a:avLst/>
-          </a:prstGeom>
-          <a:solidFill>
-            <a:srgbClr val="FCE5CD"/>
-          </a:solidFill>
-          <a:ln w="9525" cap="flat" cmpd="sng">
-            <a:solidFill>
-              <a:srgbClr val="F7EDDE"/>
-            </a:solidFill>
-            <a:prstDash val="solid"/>
-            <a:round/>
-            <a:headEnd type="none" w="sm" len="sm"/>
-            <a:tailEnd type="none" w="sm" len="sm"/>
-          </a:ln>
-        </p:spPr>
-        <p:txBody>
-          <a:bodyPr spcFirstLastPara="1" wrap="square" lIns="91425" tIns="91425" rIns="91425" bIns="91425" anchor="ctr" anchorCtr="0">
-            <a:noAutofit/>
-          </a:bodyPr>
-          <a:lstStyle/>
-          <a:p>
-            <a:pPr marL="0" lvl="0" indent="0" algn="ctr" rtl="0">
-              <a:spcBef>
-                <a:spcPts val="0"/>
-              </a:spcBef>
-              <a:spcAft>
-                <a:spcPts val="0"/>
-              </a:spcAft>
-              <a:buNone/>
-            </a:pPr>
-            <a:endParaRPr/>
-          </a:p>
-        </p:txBody>
-      </p:sp>
-      <p:pic>
-        <p:nvPicPr>
-          <p:cNvPr id="96" name="Google Shape;96;p18"/>
-          <p:cNvPicPr preferRelativeResize="0"/>
-          <p:nvPr/>
-        </p:nvPicPr>
-        <p:blipFill>
-          <a:blip r:embed="rId3">
-            <a:alphaModFix/>
-          </a:blip>
-          <a:stretch>
-            <a:fillRect/>
-          </a:stretch>
-        </p:blipFill>
-        <p:spPr>
-          <a:xfrm>
-            <a:off x="8469575" y="-4"/>
-            <a:ext cx="674425" cy="340550"/>
-          </a:xfrm>
-          <a:prstGeom prst="rect">
-            <a:avLst/>
-          </a:prstGeom>
-          <a:noFill/>
-          <a:ln>
-            <a:noFill/>
-          </a:ln>
-        </p:spPr>
-      </p:pic>
-      <p:pic>
-        <p:nvPicPr>
-          <p:cNvPr id="6" name="Image 5" descr="Une image contenant texte, capture d’écran, logiciel, Page web&#10;&#10;Description générée automatiquement">
-            <a:extLst>
-              <a:ext uri="{FF2B5EF4-FFF2-40B4-BE49-F238E27FC236}">
-                <a16:creationId xmlns:a16="http://schemas.microsoft.com/office/drawing/2014/main" id="{019EBCCA-7E24-3DE9-3454-488FEB5492FF}"/>
-              </a:ext>
-            </a:extLst>
-          </p:cNvPr>
-          <p:cNvPicPr>
-            <a:picLocks noChangeAspect="1"/>
-          </p:cNvPicPr>
-          <p:nvPr/>
-        </p:nvPicPr>
-        <p:blipFill rotWithShape="1">
-          <a:blip r:embed="rId4"/>
-          <a:srcRect l="1890" t="1561" r="24728"/>
-          <a:stretch/>
-        </p:blipFill>
-        <p:spPr>
-          <a:xfrm>
-            <a:off x="4885511" y="1033862"/>
-            <a:ext cx="2705822" cy="3733759"/>
-          </a:xfrm>
-          <a:prstGeom prst="rect">
-            <a:avLst/>
-          </a:prstGeom>
-        </p:spPr>
-      </p:pic>
-      <p:pic>
-        <p:nvPicPr>
           <p:cNvPr id="8" name="Image 7" descr="Une image contenant texte, capture d’écran, logiciel, Page web&#10;&#10;Description générée automatiquement">
             <a:extLst>
               <a:ext uri="{FF2B5EF4-FFF2-40B4-BE49-F238E27FC236}">
@@ -8951,7 +8346,7 @@
           <p:nvPr/>
         </p:nvPicPr>
         <p:blipFill rotWithShape="1">
-          <a:blip r:embed="rId5"/>
+          <a:blip r:embed="rId4"/>
           <a:srcRect l="672" r="25046"/>
           <a:stretch/>
         </p:blipFill>
@@ -9046,12 +8441,395 @@
           </a:p>
         </p:txBody>
       </p:sp>
+      <p:pic>
+        <p:nvPicPr>
+          <p:cNvPr id="3" name="Image 2" descr="Une image contenant texte, capture d’écran, Page web, Site web&#10;&#10;Description générée automatiquement">
+            <a:extLst>
+              <a:ext uri="{FF2B5EF4-FFF2-40B4-BE49-F238E27FC236}">
+                <a16:creationId xmlns:a16="http://schemas.microsoft.com/office/drawing/2014/main" id="{32F6FF67-342E-3096-388F-8DFECC95448A}"/>
+              </a:ext>
+            </a:extLst>
+          </p:cNvPr>
+          <p:cNvPicPr>
+            <a:picLocks noChangeAspect="1"/>
+          </p:cNvPicPr>
+          <p:nvPr/>
+        </p:nvPicPr>
+        <p:blipFill>
+          <a:blip r:embed="rId5"/>
+          <a:stretch>
+            <a:fillRect/>
+          </a:stretch>
+        </p:blipFill>
+        <p:spPr>
+          <a:xfrm>
+            <a:off x="4885511" y="641846"/>
+            <a:ext cx="2743914" cy="4125775"/>
+          </a:xfrm>
+          <a:prstGeom prst="rect">
+            <a:avLst/>
+          </a:prstGeom>
+        </p:spPr>
+      </p:pic>
     </p:spTree>
     <p:extLst>
       <p:ext uri="{BB962C8B-B14F-4D97-AF65-F5344CB8AC3E}">
         <p14:creationId xmlns:p14="http://schemas.microsoft.com/office/powerpoint/2010/main" val="1981021263"/>
       </p:ext>
     </p:extLst>
+  </p:cSld>
+  <p:clrMapOvr>
+    <a:masterClrMapping/>
+  </p:clrMapOvr>
+</p:sld>
+</file>
+
+<file path=ppt/slides/slide12.xml><?xml version="1.0" encoding="utf-8"?>
+<p:sld xmlns:a="http://schemas.openxmlformats.org/drawingml/2006/main" xmlns:r="http://schemas.openxmlformats.org/officeDocument/2006/relationships" xmlns:p="http://schemas.openxmlformats.org/presentationml/2006/main">
+  <p:cSld>
+    <p:spTree>
+      <p:nvGrpSpPr>
+        <p:cNvPr id="1" name="Shape 83"/>
+        <p:cNvGrpSpPr/>
+        <p:nvPr/>
+      </p:nvGrpSpPr>
+      <p:grpSpPr>
+        <a:xfrm>
+          <a:off x="0" y="0"/>
+          <a:ext cx="0" cy="0"/>
+          <a:chOff x="0" y="0"/>
+          <a:chExt cx="0" cy="0"/>
+        </a:xfrm>
+      </p:grpSpPr>
+      <p:sp>
+        <p:nvSpPr>
+          <p:cNvPr id="84" name="Google Shape;84;p17"/>
+          <p:cNvSpPr txBox="1">
+            <a:spLocks noGrp="1"/>
+          </p:cNvSpPr>
+          <p:nvPr>
+            <p:ph type="title"/>
+          </p:nvPr>
+        </p:nvSpPr>
+        <p:spPr>
+          <a:xfrm>
+            <a:off x="311700" y="445025"/>
+            <a:ext cx="8520600" cy="572700"/>
+          </a:xfrm>
+          <a:prstGeom prst="rect">
+            <a:avLst/>
+          </a:prstGeom>
+        </p:spPr>
+        <p:txBody>
+          <a:bodyPr spcFirstLastPara="1" wrap="square" lIns="91425" tIns="91425" rIns="91425" bIns="91425" anchor="t" anchorCtr="0">
+            <a:normAutofit fontScale="90000"/>
+          </a:bodyPr>
+          <a:lstStyle/>
+          <a:p>
+            <a:pPr marL="0" lvl="0" indent="0" algn="l" rtl="0">
+              <a:lnSpc>
+                <a:spcPct val="115000"/>
+              </a:lnSpc>
+              <a:spcBef>
+                <a:spcPts val="0"/>
+              </a:spcBef>
+              <a:spcAft>
+                <a:spcPts val="1200"/>
+              </a:spcAft>
+              <a:buNone/>
+            </a:pPr>
+            <a:r>
+              <a:rPr lang="fr" sz="2000" dirty="0">
+                <a:latin typeface="Montserrat"/>
+                <a:ea typeface="Montserrat"/>
+                <a:cs typeface="Montserrat"/>
+                <a:sym typeface="Montserrat"/>
+              </a:rPr>
+              <a:t>Équipe et Plan de communication</a:t>
+            </a:r>
+            <a:endParaRPr sz="3000" dirty="0">
+              <a:latin typeface="Montserrat"/>
+              <a:ea typeface="Montserrat"/>
+              <a:cs typeface="Montserrat"/>
+              <a:sym typeface="Montserrat"/>
+            </a:endParaRPr>
+          </a:p>
+        </p:txBody>
+      </p:sp>
+      <p:sp>
+        <p:nvSpPr>
+          <p:cNvPr id="86" name="Google Shape;86;p17"/>
+          <p:cNvSpPr/>
+          <p:nvPr/>
+        </p:nvSpPr>
+        <p:spPr>
+          <a:xfrm>
+            <a:off x="-4800" y="0"/>
+            <a:ext cx="9153600" cy="239700"/>
+          </a:xfrm>
+          <a:prstGeom prst="rect">
+            <a:avLst/>
+          </a:prstGeom>
+          <a:solidFill>
+            <a:srgbClr val="FCE5CD"/>
+          </a:solidFill>
+          <a:ln w="9525" cap="flat" cmpd="sng">
+            <a:solidFill>
+              <a:srgbClr val="F7EDDE"/>
+            </a:solidFill>
+            <a:prstDash val="solid"/>
+            <a:round/>
+            <a:headEnd type="none" w="sm" len="sm"/>
+            <a:tailEnd type="none" w="sm" len="sm"/>
+          </a:ln>
+        </p:spPr>
+        <p:txBody>
+          <a:bodyPr spcFirstLastPara="1" wrap="square" lIns="91425" tIns="91425" rIns="91425" bIns="91425" anchor="ctr" anchorCtr="0">
+            <a:noAutofit/>
+          </a:bodyPr>
+          <a:lstStyle/>
+          <a:p>
+            <a:pPr marL="0" lvl="0" indent="0" algn="ctr" rtl="0">
+              <a:spcBef>
+                <a:spcPts val="0"/>
+              </a:spcBef>
+              <a:spcAft>
+                <a:spcPts val="0"/>
+              </a:spcAft>
+              <a:buNone/>
+            </a:pPr>
+            <a:endParaRPr/>
+          </a:p>
+        </p:txBody>
+      </p:sp>
+      <p:pic>
+        <p:nvPicPr>
+          <p:cNvPr id="87" name="Google Shape;87;p17"/>
+          <p:cNvPicPr preferRelativeResize="0"/>
+          <p:nvPr/>
+        </p:nvPicPr>
+        <p:blipFill>
+          <a:blip r:embed="rId3">
+            <a:alphaModFix/>
+          </a:blip>
+          <a:stretch>
+            <a:fillRect/>
+          </a:stretch>
+        </p:blipFill>
+        <p:spPr>
+          <a:xfrm>
+            <a:off x="8469575" y="-4"/>
+            <a:ext cx="674425" cy="340550"/>
+          </a:xfrm>
+          <a:prstGeom prst="rect">
+            <a:avLst/>
+          </a:prstGeom>
+          <a:noFill/>
+          <a:ln>
+            <a:noFill/>
+          </a:ln>
+        </p:spPr>
+      </p:pic>
+      <p:sp>
+        <p:nvSpPr>
+          <p:cNvPr id="3" name="Espace réservé du texte 2">
+            <a:extLst>
+              <a:ext uri="{FF2B5EF4-FFF2-40B4-BE49-F238E27FC236}">
+                <a16:creationId xmlns:a16="http://schemas.microsoft.com/office/drawing/2014/main" id="{19C29371-383E-C6C1-20BC-12247608E808}"/>
+              </a:ext>
+            </a:extLst>
+          </p:cNvPr>
+          <p:cNvSpPr>
+            <a:spLocks noGrp="1"/>
+          </p:cNvSpPr>
+          <p:nvPr>
+            <p:ph type="body" idx="1"/>
+          </p:nvPr>
+        </p:nvSpPr>
+        <p:spPr/>
+        <p:txBody>
+          <a:bodyPr>
+            <a:normAutofit/>
+          </a:bodyPr>
+          <a:lstStyle/>
+          <a:p>
+            <a:pPr algn="just">
+              <a:lnSpc>
+                <a:spcPct val="150000"/>
+              </a:lnSpc>
+            </a:pPr>
+            <a:r>
+              <a:rPr lang="fr-FR" sz="1500" b="1" i="1" dirty="0">
+                <a:solidFill>
+                  <a:schemeClr val="accent2">
+                    <a:lumMod val="75000"/>
+                  </a:schemeClr>
+                </a:solidFill>
+                <a:latin typeface="Montserrat" panose="00000500000000000000" pitchFamily="2" charset="0"/>
+              </a:rPr>
+              <a:t>Équipe</a:t>
+            </a:r>
+            <a:r>
+              <a:rPr lang="fr-FR" sz="1500" i="1" dirty="0">
+                <a:solidFill>
+                  <a:schemeClr val="accent2">
+                    <a:lumMod val="75000"/>
+                  </a:schemeClr>
+                </a:solidFill>
+                <a:latin typeface="Montserrat" panose="00000500000000000000" pitchFamily="2" charset="0"/>
+              </a:rPr>
+              <a:t> : 1 dev. Frontend, 1 dev. Backend, 1 dev. FullStack</a:t>
+            </a:r>
+          </a:p>
+          <a:p>
+            <a:pPr lvl="1" algn="just">
+              <a:lnSpc>
+                <a:spcPct val="150000"/>
+              </a:lnSpc>
+              <a:buFont typeface="Wingdings" panose="05000000000000000000" pitchFamily="2" charset="2"/>
+              <a:buChar char="ü"/>
+            </a:pPr>
+            <a:r>
+              <a:rPr lang="fr-FR" i="1" dirty="0">
+                <a:solidFill>
+                  <a:schemeClr val="accent2">
+                    <a:lumMod val="75000"/>
+                  </a:schemeClr>
+                </a:solidFill>
+                <a:latin typeface="Montserrat" panose="00000500000000000000" pitchFamily="2" charset="0"/>
+              </a:rPr>
+              <a:t>Réunions quotidiennes (15mn en distanciel)</a:t>
+            </a:r>
+          </a:p>
+          <a:p>
+            <a:pPr lvl="1" algn="just">
+              <a:lnSpc>
+                <a:spcPct val="150000"/>
+              </a:lnSpc>
+              <a:buFont typeface="Wingdings" panose="05000000000000000000" pitchFamily="2" charset="2"/>
+              <a:buChar char="ü"/>
+            </a:pPr>
+            <a:r>
+              <a:rPr lang="fr-FR" i="1" dirty="0">
+                <a:solidFill>
+                  <a:schemeClr val="accent2">
+                    <a:lumMod val="75000"/>
+                  </a:schemeClr>
+                </a:solidFill>
+                <a:latin typeface="Montserrat" panose="00000500000000000000" pitchFamily="2" charset="0"/>
+              </a:rPr>
+              <a:t>Réunions rétrospectives hebdomadaires (30mn en distanciel)</a:t>
+            </a:r>
+          </a:p>
+          <a:p>
+            <a:pPr lvl="1" algn="just">
+              <a:lnSpc>
+                <a:spcPct val="150000"/>
+              </a:lnSpc>
+              <a:buFont typeface="Wingdings" panose="05000000000000000000" pitchFamily="2" charset="2"/>
+              <a:buChar char="ü"/>
+            </a:pPr>
+            <a:r>
+              <a:rPr lang="fr-FR" i="1" dirty="0">
+                <a:solidFill>
+                  <a:schemeClr val="accent2">
+                    <a:lumMod val="75000"/>
+                  </a:schemeClr>
+                </a:solidFill>
+                <a:latin typeface="Montserrat" panose="00000500000000000000" pitchFamily="2" charset="0"/>
+              </a:rPr>
+              <a:t>Bilans à chaque fin de sprint (1h en présentiel)</a:t>
+            </a:r>
+          </a:p>
+          <a:p>
+            <a:pPr lvl="1" algn="just">
+              <a:lnSpc>
+                <a:spcPct val="150000"/>
+              </a:lnSpc>
+              <a:buFont typeface="Wingdings" panose="05000000000000000000" pitchFamily="2" charset="2"/>
+              <a:buChar char="ü"/>
+            </a:pPr>
+            <a:endParaRPr lang="fr-FR" sz="1100" i="1" dirty="0">
+              <a:solidFill>
+                <a:schemeClr val="accent2">
+                  <a:lumMod val="75000"/>
+                </a:schemeClr>
+              </a:solidFill>
+              <a:latin typeface="Montserrat" panose="00000500000000000000" pitchFamily="2" charset="0"/>
+            </a:endParaRPr>
+          </a:p>
+          <a:p>
+            <a:pPr algn="just">
+              <a:lnSpc>
+                <a:spcPct val="150000"/>
+              </a:lnSpc>
+            </a:pPr>
+            <a:r>
+              <a:rPr lang="fr-FR" sz="1500" b="1" i="1" dirty="0">
+                <a:solidFill>
+                  <a:schemeClr val="accent2">
+                    <a:lumMod val="75000"/>
+                  </a:schemeClr>
+                </a:solidFill>
+                <a:latin typeface="Montserrat" panose="00000500000000000000" pitchFamily="2" charset="0"/>
+              </a:rPr>
+              <a:t>Client</a:t>
+            </a:r>
+            <a:r>
+              <a:rPr lang="fr-FR" sz="1500" i="1" dirty="0">
+                <a:solidFill>
+                  <a:schemeClr val="accent2">
+                    <a:lumMod val="75000"/>
+                  </a:schemeClr>
+                </a:solidFill>
+                <a:latin typeface="Montserrat" panose="00000500000000000000" pitchFamily="2" charset="0"/>
+              </a:rPr>
+              <a:t> : Qwenta</a:t>
+            </a:r>
+          </a:p>
+          <a:p>
+            <a:pPr lvl="1" algn="just">
+              <a:lnSpc>
+                <a:spcPct val="150000"/>
+              </a:lnSpc>
+              <a:buFont typeface="Wingdings" panose="05000000000000000000" pitchFamily="2" charset="2"/>
+              <a:buChar char="ü"/>
+            </a:pPr>
+            <a:r>
+              <a:rPr lang="fr-FR" i="1" dirty="0">
+                <a:solidFill>
+                  <a:schemeClr val="accent2">
+                    <a:lumMod val="75000"/>
+                  </a:schemeClr>
+                </a:solidFill>
+                <a:latin typeface="Montserrat" panose="00000500000000000000" pitchFamily="2" charset="0"/>
+              </a:rPr>
+              <a:t>Réunions hebdomadaires (30mn en distanciel)</a:t>
+            </a:r>
+          </a:p>
+          <a:p>
+            <a:pPr lvl="1" algn="just">
+              <a:lnSpc>
+                <a:spcPct val="150000"/>
+              </a:lnSpc>
+              <a:buFont typeface="Wingdings" panose="05000000000000000000" pitchFamily="2" charset="2"/>
+              <a:buChar char="ü"/>
+            </a:pPr>
+            <a:r>
+              <a:rPr lang="fr-FR" i="1" dirty="0">
+                <a:solidFill>
+                  <a:schemeClr val="accent2">
+                    <a:lumMod val="75000"/>
+                  </a:schemeClr>
+                </a:solidFill>
+                <a:latin typeface="Montserrat" panose="00000500000000000000" pitchFamily="2" charset="0"/>
+              </a:rPr>
+              <a:t>Présentations à chaque fin de sprint (1h en présentiel)</a:t>
+            </a:r>
+          </a:p>
+        </p:txBody>
+      </p:sp>
+    </p:spTree>
   </p:cSld>
   <p:clrMapOvr>
     <a:masterClrMapping/>
@@ -16081,7 +15859,7 @@
   <p:cSld>
     <p:spTree>
       <p:nvGrpSpPr>
-        <p:cNvPr id="1" name="Shape 83"/>
+        <p:cNvPr id="1" name="Shape 91"/>
         <p:cNvGrpSpPr/>
         <p:nvPr/>
       </p:nvGrpSpPr>
@@ -16095,7 +15873,7 @@
       </p:grpSpPr>
       <p:sp>
         <p:nvSpPr>
-          <p:cNvPr id="84" name="Google Shape;84;p17"/>
+          <p:cNvPr id="92" name="Google Shape;92;p18"/>
           <p:cNvSpPr txBox="1">
             <a:spLocks noGrp="1"/>
           </p:cNvSpPr>
@@ -16137,7 +15915,7 @@
                 <a:cs typeface="Montserrat"/>
                 <a:sym typeface="Montserrat"/>
               </a:rPr>
-              <a:t>Équipe et Plan de communication</a:t>
+              <a:t>Suivi du projet avec le Kanban</a:t>
             </a:r>
             <a:endParaRPr sz="3000" dirty="0">
               <a:latin typeface="Montserrat"/>
@@ -16150,7 +15928,429 @@
       </p:sp>
       <p:sp>
         <p:nvSpPr>
-          <p:cNvPr id="86" name="Google Shape;86;p17"/>
+          <p:cNvPr id="93" name="Google Shape;93;p18"/>
+          <p:cNvSpPr txBox="1">
+            <a:spLocks noGrp="1"/>
+          </p:cNvSpPr>
+          <p:nvPr>
+            <p:ph type="body" idx="1"/>
+          </p:nvPr>
+        </p:nvSpPr>
+        <p:spPr>
+          <a:xfrm>
+            <a:off x="311700" y="1152475"/>
+            <a:ext cx="8520600" cy="3416400"/>
+          </a:xfrm>
+          <a:prstGeom prst="rect">
+            <a:avLst/>
+          </a:prstGeom>
+        </p:spPr>
+        <p:txBody>
+          <a:bodyPr spcFirstLastPara="1" wrap="square" lIns="91425" tIns="91425" rIns="91425" bIns="91425" anchor="t" anchorCtr="0">
+            <a:normAutofit/>
+          </a:bodyPr>
+          <a:lstStyle/>
+          <a:p>
+            <a:pPr marL="0" lvl="0" indent="0" algn="l" rtl="0">
+              <a:spcBef>
+                <a:spcPts val="0"/>
+              </a:spcBef>
+              <a:spcAft>
+                <a:spcPts val="0"/>
+              </a:spcAft>
+              <a:buNone/>
+            </a:pPr>
+            <a:endParaRPr dirty="0">
+              <a:latin typeface="Montserrat"/>
+              <a:ea typeface="Montserrat"/>
+              <a:cs typeface="Montserrat"/>
+              <a:sym typeface="Montserrat"/>
+            </a:endParaRPr>
+          </a:p>
+          <a:p>
+            <a:pPr marL="0" lvl="0" indent="0" algn="l" rtl="0">
+              <a:spcBef>
+                <a:spcPts val="1200"/>
+              </a:spcBef>
+              <a:spcAft>
+                <a:spcPts val="0"/>
+              </a:spcAft>
+              <a:buNone/>
+            </a:pPr>
+            <a:endParaRPr dirty="0">
+              <a:latin typeface="Montserrat"/>
+              <a:ea typeface="Montserrat"/>
+              <a:cs typeface="Montserrat"/>
+              <a:sym typeface="Montserrat"/>
+            </a:endParaRPr>
+          </a:p>
+          <a:p>
+            <a:pPr marL="457200" lvl="0" indent="0" algn="l" rtl="0">
+              <a:spcBef>
+                <a:spcPts val="1200"/>
+              </a:spcBef>
+              <a:spcAft>
+                <a:spcPts val="1200"/>
+              </a:spcAft>
+              <a:buNone/>
+            </a:pPr>
+            <a:endParaRPr dirty="0">
+              <a:latin typeface="Montserrat"/>
+              <a:ea typeface="Montserrat"/>
+              <a:cs typeface="Montserrat"/>
+              <a:sym typeface="Montserrat"/>
+            </a:endParaRPr>
+          </a:p>
+        </p:txBody>
+      </p:sp>
+      <p:sp>
+        <p:nvSpPr>
+          <p:cNvPr id="94" name="Google Shape;94;p18"/>
+          <p:cNvSpPr txBox="1"/>
+          <p:nvPr/>
+        </p:nvSpPr>
+        <p:spPr>
+          <a:xfrm>
+            <a:off x="411750" y="935302"/>
+            <a:ext cx="8320500" cy="4685868"/>
+          </a:xfrm>
+          <a:prstGeom prst="rect">
+            <a:avLst/>
+          </a:prstGeom>
+          <a:noFill/>
+          <a:ln>
+            <a:noFill/>
+          </a:ln>
+        </p:spPr>
+        <p:txBody>
+          <a:bodyPr spcFirstLastPara="1" wrap="square" lIns="91425" tIns="91425" rIns="91425" bIns="91425" anchor="t" anchorCtr="0">
+            <a:spAutoFit/>
+          </a:bodyPr>
+          <a:lstStyle/>
+          <a:p>
+            <a:pPr marL="457200" lvl="0" indent="-323850" algn="just" rtl="0">
+              <a:lnSpc>
+                <a:spcPct val="150000"/>
+              </a:lnSpc>
+              <a:spcBef>
+                <a:spcPts val="0"/>
+              </a:spcBef>
+              <a:spcAft>
+                <a:spcPts val="0"/>
+              </a:spcAft>
+              <a:buClr>
+                <a:srgbClr val="0D0D0D"/>
+              </a:buClr>
+              <a:buSzPts val="1500"/>
+              <a:buFont typeface="Montserrat"/>
+              <a:buChar char="●"/>
+            </a:pPr>
+            <a:r>
+              <a:rPr lang="fr-FR" sz="1500" i="1" dirty="0">
+                <a:solidFill>
+                  <a:srgbClr val="0D0D0D"/>
+                </a:solidFill>
+                <a:highlight>
+                  <a:srgbClr val="FFFFFF"/>
+                </a:highlight>
+                <a:latin typeface="Montserrat"/>
+                <a:ea typeface="Montserrat"/>
+                <a:cs typeface="Montserrat"/>
+                <a:sym typeface="Montserrat"/>
+              </a:rPr>
+              <a:t>Le </a:t>
+            </a:r>
+            <a:r>
+              <a:rPr lang="fr-FR" sz="1500" b="1" i="1" dirty="0">
+                <a:solidFill>
+                  <a:srgbClr val="0D0D0D"/>
+                </a:solidFill>
+                <a:highlight>
+                  <a:srgbClr val="FFFFFF"/>
+                </a:highlight>
+                <a:latin typeface="Montserrat"/>
+                <a:ea typeface="Montserrat"/>
+                <a:cs typeface="Montserrat"/>
+                <a:sym typeface="Montserrat"/>
+              </a:rPr>
+              <a:t>Kanban</a:t>
+            </a:r>
+            <a:r>
+              <a:rPr lang="fr-FR" sz="1500" i="1" dirty="0">
+                <a:solidFill>
+                  <a:srgbClr val="0D0D0D"/>
+                </a:solidFill>
+                <a:highlight>
+                  <a:srgbClr val="FFFFFF"/>
+                </a:highlight>
+                <a:latin typeface="Montserrat"/>
+                <a:ea typeface="Montserrat"/>
+                <a:cs typeface="Montserrat"/>
+                <a:sym typeface="Montserrat"/>
+              </a:rPr>
+              <a:t> permet de suivre les tâches en temps réel, de gérer les priorités et de favoriser la collaboration entre les membres de l’équipe. Il permet ainsi d’assurer un meilleur partage de l’information, une réduction des délais, une flexibilité (agilité) accrue au sein de l’équipe et enfin il contribue à l’amélioration continue.</a:t>
+            </a:r>
+          </a:p>
+          <a:p>
+            <a:pPr marL="457200" lvl="0" indent="-323850" algn="just" rtl="0">
+              <a:lnSpc>
+                <a:spcPct val="150000"/>
+              </a:lnSpc>
+              <a:spcBef>
+                <a:spcPts val="0"/>
+              </a:spcBef>
+              <a:spcAft>
+                <a:spcPts val="0"/>
+              </a:spcAft>
+              <a:buClr>
+                <a:srgbClr val="0D0D0D"/>
+              </a:buClr>
+              <a:buSzPts val="1500"/>
+              <a:buFont typeface="Montserrat"/>
+              <a:buChar char="●"/>
+            </a:pPr>
+            <a:endParaRPr lang="fr-FR" sz="1500" i="1" dirty="0">
+              <a:solidFill>
+                <a:srgbClr val="0D0D0D"/>
+              </a:solidFill>
+              <a:highlight>
+                <a:srgbClr val="FFFFFF"/>
+              </a:highlight>
+              <a:latin typeface="Montserrat"/>
+              <a:ea typeface="Montserrat"/>
+              <a:cs typeface="Montserrat"/>
+              <a:sym typeface="Montserrat"/>
+            </a:endParaRPr>
+          </a:p>
+          <a:p>
+            <a:pPr marL="457200" indent="-323850" algn="just">
+              <a:lnSpc>
+                <a:spcPct val="150000"/>
+              </a:lnSpc>
+              <a:buClr>
+                <a:srgbClr val="0D0D0D"/>
+              </a:buClr>
+              <a:buSzPts val="1500"/>
+              <a:buFont typeface="Montserrat"/>
+              <a:buChar char="●"/>
+            </a:pPr>
+            <a:r>
+              <a:rPr lang="fr-FR" sz="1500" i="1" dirty="0">
+                <a:solidFill>
+                  <a:srgbClr val="0D0D0D"/>
+                </a:solidFill>
+                <a:highlight>
+                  <a:srgbClr val="FFFFFF"/>
+                </a:highlight>
+                <a:latin typeface="Montserrat"/>
+                <a:ea typeface="Montserrat"/>
+                <a:cs typeface="Montserrat"/>
+                <a:sym typeface="Montserrat"/>
+              </a:rPr>
+              <a:t>Un </a:t>
+            </a:r>
+            <a:r>
+              <a:rPr lang="fr-FR" sz="1500" b="1" i="1" dirty="0">
+                <a:solidFill>
+                  <a:srgbClr val="0D0D0D"/>
+                </a:solidFill>
+                <a:highlight>
+                  <a:srgbClr val="FFFFFF"/>
+                </a:highlight>
+                <a:latin typeface="Montserrat"/>
+                <a:ea typeface="Montserrat"/>
+                <a:cs typeface="Montserrat"/>
+                <a:sym typeface="Montserrat"/>
+              </a:rPr>
+              <a:t>récit utilisateur</a:t>
+            </a:r>
+            <a:r>
+              <a:rPr lang="fr-FR" sz="1500" i="1" dirty="0">
+                <a:solidFill>
+                  <a:srgbClr val="0D0D0D"/>
+                </a:solidFill>
+                <a:highlight>
+                  <a:srgbClr val="FFFFFF"/>
+                </a:highlight>
+                <a:latin typeface="Montserrat"/>
+                <a:ea typeface="Montserrat"/>
+                <a:cs typeface="Montserrat"/>
+                <a:sym typeface="Montserrat"/>
+              </a:rPr>
+              <a:t>, ou « </a:t>
+            </a:r>
+            <a:r>
+              <a:rPr lang="fr-FR" sz="1500" b="1" i="1" dirty="0">
+                <a:solidFill>
+                  <a:srgbClr val="0D0D0D"/>
+                </a:solidFill>
+                <a:highlight>
+                  <a:srgbClr val="FFFFFF"/>
+                </a:highlight>
+                <a:latin typeface="Montserrat"/>
+                <a:ea typeface="Montserrat"/>
+                <a:cs typeface="Montserrat"/>
+                <a:sym typeface="Montserrat"/>
+              </a:rPr>
+              <a:t>user story </a:t>
+            </a:r>
+            <a:r>
+              <a:rPr lang="fr-FR" sz="1500" i="1" dirty="0">
+                <a:solidFill>
+                  <a:srgbClr val="0D0D0D"/>
+                </a:solidFill>
+                <a:highlight>
+                  <a:srgbClr val="FFFFFF"/>
+                </a:highlight>
+                <a:latin typeface="Montserrat"/>
+                <a:ea typeface="Montserrat"/>
+                <a:cs typeface="Montserrat"/>
+                <a:sym typeface="Montserrat"/>
+              </a:rPr>
+              <a:t>»</a:t>
+            </a:r>
+            <a:r>
+              <a:rPr lang="fr-FR" sz="1500" b="1" i="1" dirty="0">
+                <a:solidFill>
+                  <a:srgbClr val="0D0D0D"/>
+                </a:solidFill>
+                <a:highlight>
+                  <a:srgbClr val="FFFFFF"/>
+                </a:highlight>
+                <a:latin typeface="Montserrat"/>
+                <a:ea typeface="Montserrat"/>
+                <a:cs typeface="Montserrat"/>
+                <a:sym typeface="Montserrat"/>
+              </a:rPr>
+              <a:t> </a:t>
+            </a:r>
+            <a:r>
+              <a:rPr lang="fr-FR" sz="1500" i="1" dirty="0">
+                <a:solidFill>
+                  <a:srgbClr val="0D0D0D"/>
+                </a:solidFill>
+                <a:highlight>
+                  <a:srgbClr val="FFFFFF"/>
+                </a:highlight>
+                <a:latin typeface="Montserrat"/>
+                <a:ea typeface="Montserrat"/>
+                <a:cs typeface="Montserrat"/>
+                <a:sym typeface="Montserrat"/>
+              </a:rPr>
+              <a:t>en anglais, est une description simple d’un besoin ou d’une attente exprimée par un utilisateur et utilisée dans le domaine du développement de logiciels et de la conception de nouveaux produits pour déterminer les fonctionnalités à développer. </a:t>
+            </a:r>
+          </a:p>
+          <a:p>
+            <a:pPr marL="457200" indent="-323850" algn="just">
+              <a:lnSpc>
+                <a:spcPct val="150000"/>
+              </a:lnSpc>
+              <a:buClr>
+                <a:srgbClr val="0D0D0D"/>
+              </a:buClr>
+              <a:buSzPts val="1500"/>
+              <a:buFont typeface="Montserrat"/>
+              <a:buChar char="●"/>
+            </a:pPr>
+            <a:endParaRPr lang="fr-FR" sz="1500" i="1" dirty="0">
+              <a:solidFill>
+                <a:srgbClr val="0D0D0D"/>
+              </a:solidFill>
+              <a:highlight>
+                <a:srgbClr val="FFFFFF"/>
+              </a:highlight>
+              <a:latin typeface="Montserrat"/>
+              <a:ea typeface="Montserrat"/>
+              <a:cs typeface="Montserrat"/>
+              <a:sym typeface="Montserrat"/>
+            </a:endParaRPr>
+          </a:p>
+          <a:p>
+            <a:pPr marL="457200" indent="-323850" algn="just">
+              <a:lnSpc>
+                <a:spcPct val="150000"/>
+              </a:lnSpc>
+              <a:buClr>
+                <a:srgbClr val="0D0D0D"/>
+              </a:buClr>
+              <a:buSzPts val="1500"/>
+              <a:buFont typeface="Montserrat"/>
+              <a:buChar char="●"/>
+            </a:pPr>
+            <a:r>
+              <a:rPr lang="fr-FR" sz="1500" i="1" dirty="0">
+                <a:solidFill>
+                  <a:srgbClr val="0D0D0D"/>
+                </a:solidFill>
+                <a:highlight>
+                  <a:srgbClr val="FFFFFF"/>
+                </a:highlight>
+                <a:latin typeface="Montserrat"/>
+                <a:ea typeface="Montserrat"/>
+                <a:cs typeface="Montserrat"/>
+                <a:sym typeface="Montserrat"/>
+              </a:rPr>
+              <a:t>Lien Kanban : </a:t>
+            </a:r>
+            <a:r>
+              <a:rPr lang="fr-FR" sz="1500" i="1" dirty="0">
+                <a:solidFill>
+                  <a:srgbClr val="0D0D0D"/>
+                </a:solidFill>
+                <a:highlight>
+                  <a:srgbClr val="FFFFFF"/>
+                </a:highlight>
+                <a:latin typeface="Montserrat"/>
+                <a:ea typeface="Montserrat"/>
+                <a:cs typeface="Montserrat"/>
+                <a:sym typeface="Montserrat"/>
+                <a:hlinkClick r:id="rId3"/>
+              </a:rPr>
+              <a:t>https://trello.com/b/sbhaR1xZ/menumaker-sprint-1-agile</a:t>
+            </a:r>
+            <a:endParaRPr lang="fr-FR" sz="1500" i="1" dirty="0">
+              <a:solidFill>
+                <a:srgbClr val="0D0D0D"/>
+              </a:solidFill>
+              <a:highlight>
+                <a:srgbClr val="FFFFFF"/>
+              </a:highlight>
+              <a:latin typeface="Montserrat"/>
+              <a:ea typeface="Montserrat"/>
+              <a:cs typeface="Montserrat"/>
+              <a:sym typeface="Montserrat"/>
+            </a:endParaRPr>
+          </a:p>
+          <a:p>
+            <a:pPr marL="457200" indent="-323850">
+              <a:lnSpc>
+                <a:spcPct val="150000"/>
+              </a:lnSpc>
+              <a:buClr>
+                <a:srgbClr val="0D0D0D"/>
+              </a:buClr>
+              <a:buSzPts val="1500"/>
+              <a:buFont typeface="Montserrat"/>
+              <a:buChar char="●"/>
+            </a:pPr>
+            <a:endParaRPr lang="fr-FR" sz="1500" i="1" dirty="0">
+              <a:solidFill>
+                <a:srgbClr val="0D0D0D"/>
+              </a:solidFill>
+              <a:highlight>
+                <a:srgbClr val="FFFFFF"/>
+              </a:highlight>
+              <a:latin typeface="Montserrat"/>
+              <a:ea typeface="Montserrat"/>
+              <a:cs typeface="Montserrat"/>
+              <a:sym typeface="Montserrat"/>
+            </a:endParaRPr>
+          </a:p>
+        </p:txBody>
+      </p:sp>
+      <p:sp>
+        <p:nvSpPr>
+          <p:cNvPr id="95" name="Google Shape;95;p18"/>
           <p:cNvSpPr/>
           <p:nvPr/>
         </p:nvSpPr>
@@ -16196,12 +16396,12 @@
       </p:sp>
       <p:pic>
         <p:nvPicPr>
-          <p:cNvPr id="87" name="Google Shape;87;p17"/>
+          <p:cNvPr id="96" name="Google Shape;96;p18"/>
           <p:cNvPicPr preferRelativeResize="0"/>
           <p:nvPr/>
         </p:nvPicPr>
         <p:blipFill>
-          <a:blip r:embed="rId3">
+          <a:blip r:embed="rId4">
             <a:alphaModFix/>
           </a:blip>
           <a:stretch>
@@ -16222,205 +16422,6 @@
           </a:ln>
         </p:spPr>
       </p:pic>
-      <p:sp>
-        <p:nvSpPr>
-          <p:cNvPr id="3" name="Espace réservé du texte 2">
-            <a:extLst>
-              <a:ext uri="{FF2B5EF4-FFF2-40B4-BE49-F238E27FC236}">
-                <a16:creationId xmlns:a16="http://schemas.microsoft.com/office/drawing/2014/main" id="{19C29371-383E-C6C1-20BC-12247608E808}"/>
-              </a:ext>
-            </a:extLst>
-          </p:cNvPr>
-          <p:cNvSpPr>
-            <a:spLocks noGrp="1"/>
-          </p:cNvSpPr>
-          <p:nvPr>
-            <p:ph type="body" idx="1"/>
-          </p:nvPr>
-        </p:nvSpPr>
-        <p:spPr/>
-        <p:txBody>
-          <a:bodyPr>
-            <a:normAutofit/>
-          </a:bodyPr>
-          <a:lstStyle/>
-          <a:p>
-            <a:pPr algn="just">
-              <a:lnSpc>
-                <a:spcPct val="150000"/>
-              </a:lnSpc>
-            </a:pPr>
-            <a:r>
-              <a:rPr lang="fr-FR" sz="1500" b="1" i="1" dirty="0">
-                <a:solidFill>
-                  <a:schemeClr val="accent2">
-                    <a:lumMod val="75000"/>
-                  </a:schemeClr>
-                </a:solidFill>
-                <a:latin typeface="Montserrat" panose="00000500000000000000" pitchFamily="2" charset="0"/>
-              </a:rPr>
-              <a:t>Équipe</a:t>
-            </a:r>
-            <a:r>
-              <a:rPr lang="fr-FR" sz="1500" i="1" dirty="0">
-                <a:solidFill>
-                  <a:schemeClr val="accent2">
-                    <a:lumMod val="75000"/>
-                  </a:schemeClr>
-                </a:solidFill>
-                <a:latin typeface="Montserrat" panose="00000500000000000000" pitchFamily="2" charset="0"/>
-              </a:rPr>
-              <a:t> : 1 dev. Frontend, 1 dev. Backend, 1 dev. FullStack</a:t>
-            </a:r>
-          </a:p>
-          <a:p>
-            <a:pPr lvl="1" algn="just">
-              <a:lnSpc>
-                <a:spcPct val="150000"/>
-              </a:lnSpc>
-              <a:buFont typeface="Wingdings" panose="05000000000000000000" pitchFamily="2" charset="2"/>
-              <a:buChar char="ü"/>
-            </a:pPr>
-            <a:r>
-              <a:rPr lang="fr-FR" i="1" dirty="0">
-                <a:solidFill>
-                  <a:schemeClr val="accent2">
-                    <a:lumMod val="75000"/>
-                  </a:schemeClr>
-                </a:solidFill>
-                <a:latin typeface="Montserrat" panose="00000500000000000000" pitchFamily="2" charset="0"/>
-              </a:rPr>
-              <a:t>Réunions quotidiennes (15mn en distanciel)</a:t>
-            </a:r>
-          </a:p>
-          <a:p>
-            <a:pPr lvl="1" algn="just">
-              <a:lnSpc>
-                <a:spcPct val="150000"/>
-              </a:lnSpc>
-              <a:buFont typeface="Wingdings" panose="05000000000000000000" pitchFamily="2" charset="2"/>
-              <a:buChar char="ü"/>
-            </a:pPr>
-            <a:r>
-              <a:rPr lang="fr-FR" i="1" dirty="0">
-                <a:solidFill>
-                  <a:schemeClr val="accent2">
-                    <a:lumMod val="75000"/>
-                  </a:schemeClr>
-                </a:solidFill>
-                <a:latin typeface="Montserrat" panose="00000500000000000000" pitchFamily="2" charset="0"/>
-              </a:rPr>
-              <a:t>Réunions rétrospectives hebdomadaires (30mn en distanciel)</a:t>
-            </a:r>
-          </a:p>
-          <a:p>
-            <a:pPr lvl="1" algn="just">
-              <a:lnSpc>
-                <a:spcPct val="150000"/>
-              </a:lnSpc>
-              <a:buFont typeface="Wingdings" panose="05000000000000000000" pitchFamily="2" charset="2"/>
-              <a:buChar char="ü"/>
-            </a:pPr>
-            <a:r>
-              <a:rPr lang="fr-FR" i="1" dirty="0">
-                <a:solidFill>
-                  <a:schemeClr val="accent2">
-                    <a:lumMod val="75000"/>
-                  </a:schemeClr>
-                </a:solidFill>
-                <a:latin typeface="Montserrat" panose="00000500000000000000" pitchFamily="2" charset="0"/>
-              </a:rPr>
-              <a:t>Bilans à chaque fin de sprint (1h en présentiel)</a:t>
-            </a:r>
-          </a:p>
-          <a:p>
-            <a:pPr lvl="1" algn="just">
-              <a:lnSpc>
-                <a:spcPct val="150000"/>
-              </a:lnSpc>
-              <a:buFont typeface="Wingdings" panose="05000000000000000000" pitchFamily="2" charset="2"/>
-              <a:buChar char="ü"/>
-            </a:pPr>
-            <a:endParaRPr lang="fr-FR" sz="1100" i="1" dirty="0">
-              <a:solidFill>
-                <a:schemeClr val="accent2">
-                  <a:lumMod val="75000"/>
-                </a:schemeClr>
-              </a:solidFill>
-              <a:latin typeface="Montserrat" panose="00000500000000000000" pitchFamily="2" charset="0"/>
-            </a:endParaRPr>
-          </a:p>
-          <a:p>
-            <a:pPr algn="just">
-              <a:lnSpc>
-                <a:spcPct val="150000"/>
-              </a:lnSpc>
-            </a:pPr>
-            <a:r>
-              <a:rPr lang="fr-FR" sz="1500" b="1" i="1" dirty="0">
-                <a:solidFill>
-                  <a:schemeClr val="accent2">
-                    <a:lumMod val="75000"/>
-                  </a:schemeClr>
-                </a:solidFill>
-                <a:latin typeface="Montserrat" panose="00000500000000000000" pitchFamily="2" charset="0"/>
-              </a:rPr>
-              <a:t>Client</a:t>
-            </a:r>
-            <a:r>
-              <a:rPr lang="fr-FR" sz="1500" i="1" dirty="0">
-                <a:solidFill>
-                  <a:schemeClr val="accent2">
-                    <a:lumMod val="75000"/>
-                  </a:schemeClr>
-                </a:solidFill>
-                <a:latin typeface="Montserrat" panose="00000500000000000000" pitchFamily="2" charset="0"/>
-              </a:rPr>
-              <a:t> : Qwenta</a:t>
-            </a:r>
-          </a:p>
-          <a:p>
-            <a:pPr lvl="1" algn="just">
-              <a:lnSpc>
-                <a:spcPct val="150000"/>
-              </a:lnSpc>
-              <a:buFont typeface="Wingdings" panose="05000000000000000000" pitchFamily="2" charset="2"/>
-              <a:buChar char="ü"/>
-            </a:pPr>
-            <a:r>
-              <a:rPr lang="fr-FR" i="1" dirty="0">
-                <a:solidFill>
-                  <a:schemeClr val="accent2">
-                    <a:lumMod val="75000"/>
-                  </a:schemeClr>
-                </a:solidFill>
-                <a:latin typeface="Montserrat" panose="00000500000000000000" pitchFamily="2" charset="0"/>
-              </a:rPr>
-              <a:t>Réunions hebdomadaires (30mn en distanciel)</a:t>
-            </a:r>
-          </a:p>
-          <a:p>
-            <a:pPr lvl="1" algn="just">
-              <a:lnSpc>
-                <a:spcPct val="150000"/>
-              </a:lnSpc>
-              <a:buFont typeface="Wingdings" panose="05000000000000000000" pitchFamily="2" charset="2"/>
-              <a:buChar char="ü"/>
-            </a:pPr>
-            <a:r>
-              <a:rPr lang="fr-FR" i="1" dirty="0">
-                <a:solidFill>
-                  <a:schemeClr val="accent2">
-                    <a:lumMod val="75000"/>
-                  </a:schemeClr>
-                </a:solidFill>
-                <a:latin typeface="Montserrat" panose="00000500000000000000" pitchFamily="2" charset="0"/>
-              </a:rPr>
-              <a:t>Présentations à chaque fin de sprint (1h en présentiel)</a:t>
-            </a:r>
-          </a:p>
-        </p:txBody>
-      </p:sp>
     </p:spTree>
   </p:cSld>
   <p:clrMapOvr>
